--- a/pt1/lectures/lecture7/lecture7.pptx
+++ b/pt1/lectures/lecture7/lecture7.pptx
@@ -205,7 +205,7 @@
           <a:p>
             <a:fld id="{500343A3-339E-4D16-B233-10D6E8599600}" type="datetimeFigureOut">
               <a:rPr lang="en-US" smtClean="0"/>
-              <a:t>5/19/2022</a:t>
+              <a:t>9/12/2022</a:t>
             </a:fld>
             <a:endParaRPr lang="en-US"/>
           </a:p>
@@ -1362,7 +1362,7 @@
           <a:p>
             <a:fld id="{66C7D333-9F60-49D1-8F75-20D2324FF5CF}" type="datetimeFigureOut">
               <a:rPr lang="en-US" smtClean="0"/>
-              <a:t>5/19/2022</a:t>
+              <a:t>9/12/2022</a:t>
             </a:fld>
             <a:endParaRPr lang="en-US"/>
           </a:p>
@@ -1613,7 +1613,7 @@
           <a:p>
             <a:fld id="{66C7D333-9F60-49D1-8F75-20D2324FF5CF}" type="datetimeFigureOut">
               <a:rPr lang="en-US" smtClean="0"/>
-              <a:t>5/19/2022</a:t>
+              <a:t>9/12/2022</a:t>
             </a:fld>
             <a:endParaRPr lang="en-US"/>
           </a:p>
@@ -1927,7 +1927,7 @@
           <a:p>
             <a:fld id="{66C7D333-9F60-49D1-8F75-20D2324FF5CF}" type="datetimeFigureOut">
               <a:rPr lang="en-US" smtClean="0"/>
-              <a:t>5/19/2022</a:t>
+              <a:t>9/12/2022</a:t>
             </a:fld>
             <a:endParaRPr lang="en-US"/>
           </a:p>
@@ -2268,7 +2268,7 @@
           <a:p>
             <a:fld id="{66C7D333-9F60-49D1-8F75-20D2324FF5CF}" type="datetimeFigureOut">
               <a:rPr lang="en-US" smtClean="0"/>
-              <a:t>5/19/2022</a:t>
+              <a:t>9/12/2022</a:t>
             </a:fld>
             <a:endParaRPr lang="en-US"/>
           </a:p>
@@ -2582,7 +2582,7 @@
           <a:p>
             <a:fld id="{66C7D333-9F60-49D1-8F75-20D2324FF5CF}" type="datetimeFigureOut">
               <a:rPr lang="en-US" smtClean="0"/>
-              <a:t>5/19/2022</a:t>
+              <a:t>9/12/2022</a:t>
             </a:fld>
             <a:endParaRPr lang="en-US"/>
           </a:p>
@@ -2975,7 +2975,7 @@
           <a:p>
             <a:fld id="{66C7D333-9F60-49D1-8F75-20D2324FF5CF}" type="datetimeFigureOut">
               <a:rPr lang="en-US" smtClean="0"/>
-              <a:t>5/19/2022</a:t>
+              <a:t>9/12/2022</a:t>
             </a:fld>
             <a:endParaRPr lang="en-US"/>
           </a:p>
@@ -3145,7 +3145,7 @@
           <a:p>
             <a:fld id="{66C7D333-9F60-49D1-8F75-20D2324FF5CF}" type="datetimeFigureOut">
               <a:rPr lang="en-US" smtClean="0"/>
-              <a:t>5/19/2022</a:t>
+              <a:t>9/12/2022</a:t>
             </a:fld>
             <a:endParaRPr lang="en-US"/>
           </a:p>
@@ -3325,7 +3325,7 @@
           <a:p>
             <a:fld id="{66C7D333-9F60-49D1-8F75-20D2324FF5CF}" type="datetimeFigureOut">
               <a:rPr lang="en-US" smtClean="0"/>
-              <a:t>5/19/2022</a:t>
+              <a:t>9/12/2022</a:t>
             </a:fld>
             <a:endParaRPr lang="en-US"/>
           </a:p>
@@ -3501,7 +3501,7 @@
           <a:p>
             <a:fld id="{66C7D333-9F60-49D1-8F75-20D2324FF5CF}" type="datetimeFigureOut">
               <a:rPr lang="en-US" smtClean="0"/>
-              <a:t>5/19/2022</a:t>
+              <a:t>9/12/2022</a:t>
             </a:fld>
             <a:endParaRPr lang="en-US"/>
           </a:p>
@@ -3748,7 +3748,7 @@
           <a:p>
             <a:fld id="{66C7D333-9F60-49D1-8F75-20D2324FF5CF}" type="datetimeFigureOut">
               <a:rPr lang="en-US" smtClean="0"/>
-              <a:t>5/19/2022</a:t>
+              <a:t>9/12/2022</a:t>
             </a:fld>
             <a:endParaRPr lang="en-US"/>
           </a:p>
@@ -3980,7 +3980,7 @@
           <a:p>
             <a:fld id="{66C7D333-9F60-49D1-8F75-20D2324FF5CF}" type="datetimeFigureOut">
               <a:rPr lang="en-US" smtClean="0"/>
-              <a:t>5/19/2022</a:t>
+              <a:t>9/12/2022</a:t>
             </a:fld>
             <a:endParaRPr lang="en-US"/>
           </a:p>
@@ -4354,7 +4354,7 @@
           <a:p>
             <a:fld id="{66C7D333-9F60-49D1-8F75-20D2324FF5CF}" type="datetimeFigureOut">
               <a:rPr lang="en-US" smtClean="0"/>
-              <a:t>5/19/2022</a:t>
+              <a:t>9/12/2022</a:t>
             </a:fld>
             <a:endParaRPr lang="en-US"/>
           </a:p>
@@ -4477,7 +4477,7 @@
           <a:p>
             <a:fld id="{66C7D333-9F60-49D1-8F75-20D2324FF5CF}" type="datetimeFigureOut">
               <a:rPr lang="en-US" smtClean="0"/>
-              <a:t>5/19/2022</a:t>
+              <a:t>9/12/2022</a:t>
             </a:fld>
             <a:endParaRPr lang="en-US"/>
           </a:p>
@@ -4572,7 +4572,7 @@
           <a:p>
             <a:fld id="{66C7D333-9F60-49D1-8F75-20D2324FF5CF}" type="datetimeFigureOut">
               <a:rPr lang="en-US" smtClean="0"/>
-              <a:t>5/19/2022</a:t>
+              <a:t>9/12/2022</a:t>
             </a:fld>
             <a:endParaRPr lang="en-US"/>
           </a:p>
@@ -4827,7 +4827,7 @@
           <a:p>
             <a:fld id="{66C7D333-9F60-49D1-8F75-20D2324FF5CF}" type="datetimeFigureOut">
               <a:rPr lang="en-US" smtClean="0"/>
-              <a:t>5/19/2022</a:t>
+              <a:t>9/12/2022</a:t>
             </a:fld>
             <a:endParaRPr lang="en-US"/>
           </a:p>
@@ -5090,7 +5090,7 @@
           <a:p>
             <a:fld id="{66C7D333-9F60-49D1-8F75-20D2324FF5CF}" type="datetimeFigureOut">
               <a:rPr lang="en-US" smtClean="0"/>
-              <a:t>5/19/2022</a:t>
+              <a:t>9/12/2022</a:t>
             </a:fld>
             <a:endParaRPr lang="en-US"/>
           </a:p>
@@ -5833,7 +5833,7 @@
           <a:p>
             <a:fld id="{66C7D333-9F60-49D1-8F75-20D2324FF5CF}" type="datetimeFigureOut">
               <a:rPr lang="en-US" smtClean="0"/>
-              <a:t>5/19/2022</a:t>
+              <a:t>9/12/2022</a:t>
             </a:fld>
             <a:endParaRPr lang="en-US"/>
           </a:p>
@@ -6362,7 +6362,7 @@
           <p:cNvPr id="7" name="Title 1">
             <a:extLst>
               <a:ext uri="{FF2B5EF4-FFF2-40B4-BE49-F238E27FC236}">
-                <a16:creationId xmlns:a16="http://schemas.microsoft.com/office/drawing/2014/main" xmlns="" id="{1C0CCB67-38AA-4A67-8E4C-991AF6AC2FD5}"/>
+                <a16:creationId xmlns="" xmlns:a16="http://schemas.microsoft.com/office/drawing/2014/main" id="{1C0CCB67-38AA-4A67-8E4C-991AF6AC2FD5}"/>
               </a:ext>
             </a:extLst>
           </p:cNvPr>
@@ -6405,7 +6405,7 @@
           <p:cNvPr id="8" name="Subtitle 2">
             <a:extLst>
               <a:ext uri="{FF2B5EF4-FFF2-40B4-BE49-F238E27FC236}">
-                <a16:creationId xmlns:a16="http://schemas.microsoft.com/office/drawing/2014/main" xmlns="" id="{4C524151-E37B-43FF-B793-C9605D52165C}"/>
+                <a16:creationId xmlns="" xmlns:a16="http://schemas.microsoft.com/office/drawing/2014/main" id="{4C524151-E37B-43FF-B793-C9605D52165C}"/>
               </a:ext>
             </a:extLst>
           </p:cNvPr>
@@ -6449,7 +6449,23 @@
             </a:pPr>
             <a:r>
               <a:rPr lang="ru-RU" sz="2800" dirty="0"/>
-              <a:t>Шаблонные классы</a:t>
+              <a:t>Шаблонные </a:t>
+            </a:r>
+            <a:r>
+              <a:rPr lang="ru-RU" sz="2800" dirty="0" smtClean="0"/>
+              <a:t>классы</a:t>
+            </a:r>
+            <a:endParaRPr lang="en-US" sz="2800" dirty="0" smtClean="0"/>
+          </a:p>
+          <a:p>
+            <a:pPr marL="285750" indent="-285750" algn="l">
+              <a:buSzPct val="100000"/>
+              <a:buFont typeface="Arial" panose="020B0604020202020204" pitchFamily="34" charset="0"/>
+              <a:buChar char="•"/>
+            </a:pPr>
+            <a:r>
+              <a:rPr lang="ru-RU" sz="2800" dirty="0" smtClean="0"/>
+              <a:t>Умные указатели</a:t>
             </a:r>
             <a:endParaRPr lang="en-US" sz="2800" dirty="0"/>
           </a:p>
@@ -6490,7 +6506,7 @@
           <p:cNvPr id="3" name="Content Placeholder 2">
             <a:extLst>
               <a:ext uri="{FF2B5EF4-FFF2-40B4-BE49-F238E27FC236}">
-                <a16:creationId xmlns:a16="http://schemas.microsoft.com/office/drawing/2014/main" xmlns="" id="{A4514022-5DBE-451C-8C11-DB261A71424B}"/>
+                <a16:creationId xmlns="" xmlns:a16="http://schemas.microsoft.com/office/drawing/2014/main" id="{A4514022-5DBE-451C-8C11-DB261A71424B}"/>
               </a:ext>
             </a:extLst>
           </p:cNvPr>
@@ -6617,7 +6633,7 @@
           <p:cNvPr id="4" name="Title 1">
             <a:extLst>
               <a:ext uri="{FF2B5EF4-FFF2-40B4-BE49-F238E27FC236}">
-                <a16:creationId xmlns:a16="http://schemas.microsoft.com/office/drawing/2014/main" xmlns="" id="{F0681298-F392-4104-ADA0-945738FC0E4D}"/>
+                <a16:creationId xmlns="" xmlns:a16="http://schemas.microsoft.com/office/drawing/2014/main" id="{F0681298-F392-4104-ADA0-945738FC0E4D}"/>
               </a:ext>
             </a:extLst>
           </p:cNvPr>
@@ -6734,7 +6750,7 @@
           <p:cNvPr id="2" name="Picture 1">
             <a:extLst>
               <a:ext uri="{FF2B5EF4-FFF2-40B4-BE49-F238E27FC236}">
-                <a16:creationId xmlns:a16="http://schemas.microsoft.com/office/drawing/2014/main" xmlns="" id="{5D0704E8-F485-4057-B35A-2F3FF83E1C9A}"/>
+                <a16:creationId xmlns="" xmlns:a16="http://schemas.microsoft.com/office/drawing/2014/main" id="{5D0704E8-F485-4057-B35A-2F3FF83E1C9A}"/>
               </a:ext>
             </a:extLst>
           </p:cNvPr>
@@ -6764,7 +6780,7 @@
           <p:cNvPr id="6" name="Picture 5">
             <a:extLst>
               <a:ext uri="{FF2B5EF4-FFF2-40B4-BE49-F238E27FC236}">
-                <a16:creationId xmlns:a16="http://schemas.microsoft.com/office/drawing/2014/main" xmlns="" id="{15457E4A-55A9-4385-A958-32CB9E3767EE}"/>
+                <a16:creationId xmlns="" xmlns:a16="http://schemas.microsoft.com/office/drawing/2014/main" id="{15457E4A-55A9-4385-A958-32CB9E3767EE}"/>
               </a:ext>
             </a:extLst>
           </p:cNvPr>
@@ -6794,7 +6810,7 @@
           <p:cNvPr id="7" name="TextBox 6">
             <a:extLst>
               <a:ext uri="{FF2B5EF4-FFF2-40B4-BE49-F238E27FC236}">
-                <a16:creationId xmlns:a16="http://schemas.microsoft.com/office/drawing/2014/main" xmlns="" id="{A6BBC628-3282-46EB-AC3A-5EFFD76279FC}"/>
+                <a16:creationId xmlns="" xmlns:a16="http://schemas.microsoft.com/office/drawing/2014/main" id="{A6BBC628-3282-46EB-AC3A-5EFFD76279FC}"/>
               </a:ext>
             </a:extLst>
           </p:cNvPr>
@@ -6830,7 +6846,7 @@
           <p:cNvPr id="8" name="TextBox 7">
             <a:extLst>
               <a:ext uri="{FF2B5EF4-FFF2-40B4-BE49-F238E27FC236}">
-                <a16:creationId xmlns:a16="http://schemas.microsoft.com/office/drawing/2014/main" xmlns="" id="{6D6E23F6-3344-4150-BF6C-451F5F72FE3A}"/>
+                <a16:creationId xmlns="" xmlns:a16="http://schemas.microsoft.com/office/drawing/2014/main" id="{6D6E23F6-3344-4150-BF6C-451F5F72FE3A}"/>
               </a:ext>
             </a:extLst>
           </p:cNvPr>
@@ -6896,7 +6912,7 @@
           <p:cNvPr id="3" name="Content Placeholder 2">
             <a:extLst>
               <a:ext uri="{FF2B5EF4-FFF2-40B4-BE49-F238E27FC236}">
-                <a16:creationId xmlns:a16="http://schemas.microsoft.com/office/drawing/2014/main" xmlns="" id="{8739A000-E665-4F3A-AEFA-47CE06716357}"/>
+                <a16:creationId xmlns="" xmlns:a16="http://schemas.microsoft.com/office/drawing/2014/main" id="{8739A000-E665-4F3A-AEFA-47CE06716357}"/>
               </a:ext>
             </a:extLst>
           </p:cNvPr>
@@ -6976,7 +6992,7 @@
           <p:cNvPr id="4" name="Title 1">
             <a:extLst>
               <a:ext uri="{FF2B5EF4-FFF2-40B4-BE49-F238E27FC236}">
-                <a16:creationId xmlns:a16="http://schemas.microsoft.com/office/drawing/2014/main" xmlns="" id="{1D766801-EDE4-4361-933A-A5167ACE2754}"/>
+                <a16:creationId xmlns="" xmlns:a16="http://schemas.microsoft.com/office/drawing/2014/main" id="{1D766801-EDE4-4361-933A-A5167ACE2754}"/>
               </a:ext>
             </a:extLst>
           </p:cNvPr>
@@ -7093,7 +7109,7 @@
           <p:cNvPr id="8" name="TextBox 7">
             <a:extLst>
               <a:ext uri="{FF2B5EF4-FFF2-40B4-BE49-F238E27FC236}">
-                <a16:creationId xmlns:a16="http://schemas.microsoft.com/office/drawing/2014/main" xmlns="" id="{0C4CD969-9B83-41AE-9597-4C2562AF37F2}"/>
+                <a16:creationId xmlns="" xmlns:a16="http://schemas.microsoft.com/office/drawing/2014/main" id="{0C4CD969-9B83-41AE-9597-4C2562AF37F2}"/>
               </a:ext>
             </a:extLst>
           </p:cNvPr>
@@ -7151,7 +7167,7 @@
           <p:cNvPr id="6" name="Content Placeholder 2">
             <a:extLst>
               <a:ext uri="{FF2B5EF4-FFF2-40B4-BE49-F238E27FC236}">
-                <a16:creationId xmlns:a16="http://schemas.microsoft.com/office/drawing/2014/main" xmlns="" id="{8739A000-E665-4F3A-AEFA-47CE06716357}"/>
+                <a16:creationId xmlns="" xmlns:a16="http://schemas.microsoft.com/office/drawing/2014/main" id="{8739A000-E665-4F3A-AEFA-47CE06716357}"/>
               </a:ext>
             </a:extLst>
           </p:cNvPr>
@@ -7448,7 +7464,7 @@
           <p:cNvPr id="4" name="Content Placeholder 2">
             <a:extLst>
               <a:ext uri="{FF2B5EF4-FFF2-40B4-BE49-F238E27FC236}">
-                <a16:creationId xmlns:a16="http://schemas.microsoft.com/office/drawing/2014/main" xmlns="" id="{9384FCA6-BF36-46C7-BB6D-FB71B0BC0D62}"/>
+                <a16:creationId xmlns="" xmlns:a16="http://schemas.microsoft.com/office/drawing/2014/main" id="{9384FCA6-BF36-46C7-BB6D-FB71B0BC0D62}"/>
               </a:ext>
             </a:extLst>
           </p:cNvPr>
@@ -7806,7 +7822,7 @@
           <p:cNvPr id="5" name="Title 1">
             <a:extLst>
               <a:ext uri="{FF2B5EF4-FFF2-40B4-BE49-F238E27FC236}">
-                <a16:creationId xmlns:a16="http://schemas.microsoft.com/office/drawing/2014/main" xmlns="" id="{3B6EE643-EB48-4F06-ABE3-B6EFDA9EE4C6}"/>
+                <a16:creationId xmlns="" xmlns:a16="http://schemas.microsoft.com/office/drawing/2014/main" id="{3B6EE643-EB48-4F06-ABE3-B6EFDA9EE4C6}"/>
               </a:ext>
             </a:extLst>
           </p:cNvPr>
@@ -7953,7 +7969,7 @@
           <p:cNvPr id="3" name="Content Placeholder 2">
             <a:extLst>
               <a:ext uri="{FF2B5EF4-FFF2-40B4-BE49-F238E27FC236}">
-                <a16:creationId xmlns:a16="http://schemas.microsoft.com/office/drawing/2014/main" xmlns="" id="{7A7EEC47-6C8A-4849-A5C1-1A755BB1397E}"/>
+                <a16:creationId xmlns="" xmlns:a16="http://schemas.microsoft.com/office/drawing/2014/main" id="{7A7EEC47-6C8A-4849-A5C1-1A755BB1397E}"/>
               </a:ext>
             </a:extLst>
           </p:cNvPr>
@@ -8000,7 +8016,7 @@
           <p:cNvPr id="4" name="Title 1">
             <a:extLst>
               <a:ext uri="{FF2B5EF4-FFF2-40B4-BE49-F238E27FC236}">
-                <a16:creationId xmlns:a16="http://schemas.microsoft.com/office/drawing/2014/main" xmlns="" id="{3DF7057A-7FD2-408C-B1B8-4A9BEB04C2A9}"/>
+                <a16:creationId xmlns="" xmlns:a16="http://schemas.microsoft.com/office/drawing/2014/main" id="{3DF7057A-7FD2-408C-B1B8-4A9BEB04C2A9}"/>
               </a:ext>
             </a:extLst>
           </p:cNvPr>
@@ -8117,7 +8133,7 @@
           <p:cNvPr id="5" name="Picture 4">
             <a:extLst>
               <a:ext uri="{FF2B5EF4-FFF2-40B4-BE49-F238E27FC236}">
-                <a16:creationId xmlns:a16="http://schemas.microsoft.com/office/drawing/2014/main" xmlns="" id="{EEB5D373-8DBF-4C03-A2E1-216E792AE73E}"/>
+                <a16:creationId xmlns="" xmlns:a16="http://schemas.microsoft.com/office/drawing/2014/main" id="{EEB5D373-8DBF-4C03-A2E1-216E792AE73E}"/>
               </a:ext>
             </a:extLst>
           </p:cNvPr>
@@ -8147,7 +8163,7 @@
           <p:cNvPr id="6" name="Picture 5">
             <a:extLst>
               <a:ext uri="{FF2B5EF4-FFF2-40B4-BE49-F238E27FC236}">
-                <a16:creationId xmlns:a16="http://schemas.microsoft.com/office/drawing/2014/main" xmlns="" id="{D2F09261-7098-4D5A-9F1F-9F3F4C86DAF7}"/>
+                <a16:creationId xmlns="" xmlns:a16="http://schemas.microsoft.com/office/drawing/2014/main" id="{D2F09261-7098-4D5A-9F1F-9F3F4C86DAF7}"/>
               </a:ext>
             </a:extLst>
           </p:cNvPr>
@@ -8177,7 +8193,7 @@
           <p:cNvPr id="7" name="TextBox 6">
             <a:extLst>
               <a:ext uri="{FF2B5EF4-FFF2-40B4-BE49-F238E27FC236}">
-                <a16:creationId xmlns:a16="http://schemas.microsoft.com/office/drawing/2014/main" xmlns="" id="{4047C987-1A4D-4611-9A48-6B20D64A859C}"/>
+                <a16:creationId xmlns="" xmlns:a16="http://schemas.microsoft.com/office/drawing/2014/main" id="{4047C987-1A4D-4611-9A48-6B20D64A859C}"/>
               </a:ext>
             </a:extLst>
           </p:cNvPr>
@@ -8216,7 +8232,7 @@
           <p:cNvPr id="9" name="TextBox 8">
             <a:extLst>
               <a:ext uri="{FF2B5EF4-FFF2-40B4-BE49-F238E27FC236}">
-                <a16:creationId xmlns:a16="http://schemas.microsoft.com/office/drawing/2014/main" xmlns="" id="{847CAB48-C0D6-453B-92CE-9C78DD3FBBC2}"/>
+                <a16:creationId xmlns="" xmlns:a16="http://schemas.microsoft.com/office/drawing/2014/main" id="{847CAB48-C0D6-453B-92CE-9C78DD3FBBC2}"/>
               </a:ext>
             </a:extLst>
           </p:cNvPr>
@@ -8252,7 +8268,7 @@
           <p:cNvPr id="10" name="Content Placeholder 2">
             <a:extLst>
               <a:ext uri="{FF2B5EF4-FFF2-40B4-BE49-F238E27FC236}">
-                <a16:creationId xmlns:a16="http://schemas.microsoft.com/office/drawing/2014/main" xmlns="" id="{DA3881EB-C936-4EBB-83A7-94F7BAB1D140}"/>
+                <a16:creationId xmlns="" xmlns:a16="http://schemas.microsoft.com/office/drawing/2014/main" id="{DA3881EB-C936-4EBB-83A7-94F7BAB1D140}"/>
               </a:ext>
             </a:extLst>
           </p:cNvPr>
@@ -8715,7 +8731,7 @@
           <p:cNvPr id="5" name="Title 1">
             <a:extLst>
               <a:ext uri="{FF2B5EF4-FFF2-40B4-BE49-F238E27FC236}">
-                <a16:creationId xmlns:a16="http://schemas.microsoft.com/office/drawing/2014/main" xmlns="" id="{3DF7057A-7FD2-408C-B1B8-4A9BEB04C2A9}"/>
+                <a16:creationId xmlns="" xmlns:a16="http://schemas.microsoft.com/office/drawing/2014/main" id="{3DF7057A-7FD2-408C-B1B8-4A9BEB04C2A9}"/>
               </a:ext>
             </a:extLst>
           </p:cNvPr>
@@ -9355,7 +9371,7 @@
           <p:cNvPr id="4" name="Title 1">
             <a:extLst>
               <a:ext uri="{FF2B5EF4-FFF2-40B4-BE49-F238E27FC236}">
-                <a16:creationId xmlns:a16="http://schemas.microsoft.com/office/drawing/2014/main" xmlns="" id="{3DF7057A-7FD2-408C-B1B8-4A9BEB04C2A9}"/>
+                <a16:creationId xmlns="" xmlns:a16="http://schemas.microsoft.com/office/drawing/2014/main" id="{3DF7057A-7FD2-408C-B1B8-4A9BEB04C2A9}"/>
               </a:ext>
             </a:extLst>
           </p:cNvPr>
@@ -11092,11 +11108,11 @@
   <p:clrMapOvr>
     <a:masterClrMapping/>
   </p:clrMapOvr>
-  <mc:AlternateContent xmlns:mc="http://schemas.openxmlformats.org/markup-compatibility/2006">
-    <mc:Choice xmlns:p14="http://schemas.microsoft.com/office/powerpoint/2010/main" Requires="p14">
+  <mc:AlternateContent xmlns:mc="http://schemas.openxmlformats.org/markup-compatibility/2006" xmlns:p14="http://schemas.microsoft.com/office/powerpoint/2010/main">
+    <mc:Choice Requires="p14">
       <p:transition spd="slow" p14:dur="2000"/>
     </mc:Choice>
-    <mc:Fallback>
+    <mc:Fallback xmlns="">
       <p:transition spd="slow"/>
     </mc:Fallback>
   </mc:AlternateContent>
@@ -12124,11 +12140,11 @@
   <p:clrMapOvr>
     <a:masterClrMapping/>
   </p:clrMapOvr>
-  <mc:AlternateContent xmlns:mc="http://schemas.openxmlformats.org/markup-compatibility/2006">
-    <mc:Choice xmlns:p14="http://schemas.microsoft.com/office/powerpoint/2010/main" Requires="p14">
+  <mc:AlternateContent xmlns:mc="http://schemas.openxmlformats.org/markup-compatibility/2006" xmlns:p14="http://schemas.microsoft.com/office/powerpoint/2010/main">
+    <mc:Choice Requires="p14">
       <p:transition spd="slow" p14:dur="2000"/>
     </mc:Choice>
-    <mc:Fallback>
+    <mc:Fallback xmlns="">
       <p:transition spd="slow"/>
     </mc:Fallback>
   </mc:AlternateContent>

--- a/pt1/lectures/lecture7/lecture7.pptx
+++ b/pt1/lectures/lecture7/lecture7.pptx
@@ -1,31 +1,28 @@
 
 <file path=ppt/presentation.xml><?xml version="1.0" encoding="utf-8"?>
-<p:presentation xmlns:a="http://schemas.openxmlformats.org/drawingml/2006/main" xmlns:r="http://schemas.openxmlformats.org/officeDocument/2006/relationships" xmlns:p="http://schemas.openxmlformats.org/presentationml/2006/main" saveSubsetFonts="1">
+<p:presentation xmlns:a="http://schemas.openxmlformats.org/drawingml/2006/main" xmlns:r="http://schemas.openxmlformats.org/officeDocument/2006/relationships" xmlns:p="http://schemas.openxmlformats.org/presentationml/2006/main" xmlns:m="http://schemas.openxmlformats.org/officeDocument/2006/math" xmlns:w="http://schemas.openxmlformats.org/wordprocessingml/2006/main" saveSubsetFonts="1">
   <p:sldMasterIdLst>
-    <p:sldMasterId id="2147483660" r:id="rId1"/>
+    <p:sldMasterId id="2147483648" r:id="rId1"/>
   </p:sldMasterIdLst>
-  <p:notesMasterIdLst>
-    <p:notesMasterId r:id="rId11"/>
-  </p:notesMasterIdLst>
   <p:sldIdLst>
-    <p:sldId id="256" r:id="rId2"/>
-    <p:sldId id="257" r:id="rId3"/>
-    <p:sldId id="258" r:id="rId4"/>
-    <p:sldId id="259" r:id="rId5"/>
-    <p:sldId id="260" r:id="rId6"/>
-    <p:sldId id="261" r:id="rId7"/>
-    <p:sldId id="262" r:id="rId8"/>
-    <p:sldId id="263" r:id="rId9"/>
-    <p:sldId id="264" r:id="rId10"/>
+    <p:sldId id="256" r:id="rId3"/>
+    <p:sldId id="257" r:id="rId4"/>
+    <p:sldId id="258" r:id="rId5"/>
+    <p:sldId id="259" r:id="rId6"/>
+    <p:sldId id="260" r:id="rId7"/>
+    <p:sldId id="261" r:id="rId8"/>
+    <p:sldId id="262" r:id="rId9"/>
+    <p:sldId id="263" r:id="rId10"/>
+    <p:sldId id="264" r:id="rId11"/>
   </p:sldIdLst>
   <p:sldSz cx="12192000" cy="6858000"/>
-  <p:notesSz cx="6858000" cy="9144000"/>
+  <p:notesSz cx="12192000" cy="6858000"/>
   <p:defaultTextStyle>
     <a:defPPr>
       <a:defRPr lang="en-US"/>
     </a:defPPr>
-    <a:lvl1pPr marL="0" algn="l" defTabSz="457200" rtl="0" eaLnBrk="1" latinLnBrk="0" hangingPunct="1">
-      <a:defRPr sz="1800" kern="1200">
+    <a:lvl1pPr marL="0" algn="l" defTabSz="457200">
+      <a:defRPr sz="1800">
         <a:solidFill>
           <a:schemeClr val="tx1"/>
         </a:solidFill>
@@ -34,8 +31,8 @@
         <a:cs typeface="+mn-cs"/>
       </a:defRPr>
     </a:lvl1pPr>
-    <a:lvl2pPr marL="457200" algn="l" defTabSz="457200" rtl="0" eaLnBrk="1" latinLnBrk="0" hangingPunct="1">
-      <a:defRPr sz="1800" kern="1200">
+    <a:lvl2pPr marL="457200" algn="l" defTabSz="457200">
+      <a:defRPr sz="1800">
         <a:solidFill>
           <a:schemeClr val="tx1"/>
         </a:solidFill>
@@ -44,8 +41,8 @@
         <a:cs typeface="+mn-cs"/>
       </a:defRPr>
     </a:lvl2pPr>
-    <a:lvl3pPr marL="914400" algn="l" defTabSz="457200" rtl="0" eaLnBrk="1" latinLnBrk="0" hangingPunct="1">
-      <a:defRPr sz="1800" kern="1200">
+    <a:lvl3pPr marL="914400" algn="l" defTabSz="457200">
+      <a:defRPr sz="1800">
         <a:solidFill>
           <a:schemeClr val="tx1"/>
         </a:solidFill>
@@ -54,8 +51,8 @@
         <a:cs typeface="+mn-cs"/>
       </a:defRPr>
     </a:lvl3pPr>
-    <a:lvl4pPr marL="1371600" algn="l" defTabSz="457200" rtl="0" eaLnBrk="1" latinLnBrk="0" hangingPunct="1">
-      <a:defRPr sz="1800" kern="1200">
+    <a:lvl4pPr marL="1371600" algn="l" defTabSz="457200">
+      <a:defRPr sz="1800">
         <a:solidFill>
           <a:schemeClr val="tx1"/>
         </a:solidFill>
@@ -64,8 +61,8 @@
         <a:cs typeface="+mn-cs"/>
       </a:defRPr>
     </a:lvl4pPr>
-    <a:lvl5pPr marL="1828800" algn="l" defTabSz="457200" rtl="0" eaLnBrk="1" latinLnBrk="0" hangingPunct="1">
-      <a:defRPr sz="1800" kern="1200">
+    <a:lvl5pPr marL="1828800" algn="l" defTabSz="457200">
+      <a:defRPr sz="1800">
         <a:solidFill>
           <a:schemeClr val="tx1"/>
         </a:solidFill>
@@ -74,8 +71,8 @@
         <a:cs typeface="+mn-cs"/>
       </a:defRPr>
     </a:lvl5pPr>
-    <a:lvl6pPr marL="2286000" algn="l" defTabSz="457200" rtl="0" eaLnBrk="1" latinLnBrk="0" hangingPunct="1">
-      <a:defRPr sz="1800" kern="1200">
+    <a:lvl6pPr marL="2286000" algn="l" defTabSz="457200">
+      <a:defRPr sz="1800">
         <a:solidFill>
           <a:schemeClr val="tx1"/>
         </a:solidFill>
@@ -84,8 +81,8 @@
         <a:cs typeface="+mn-cs"/>
       </a:defRPr>
     </a:lvl6pPr>
-    <a:lvl7pPr marL="2743200" algn="l" defTabSz="457200" rtl="0" eaLnBrk="1" latinLnBrk="0" hangingPunct="1">
-      <a:defRPr sz="1800" kern="1200">
+    <a:lvl7pPr marL="2743200" algn="l" defTabSz="457200">
+      <a:defRPr sz="1800">
         <a:solidFill>
           <a:schemeClr val="tx1"/>
         </a:solidFill>
@@ -94,8 +91,8 @@
         <a:cs typeface="+mn-cs"/>
       </a:defRPr>
     </a:lvl7pPr>
-    <a:lvl8pPr marL="3200400" algn="l" defTabSz="457200" rtl="0" eaLnBrk="1" latinLnBrk="0" hangingPunct="1">
-      <a:defRPr sz="1800" kern="1200">
+    <a:lvl8pPr marL="3200400" algn="l" defTabSz="457200">
+      <a:defRPr sz="1800">
         <a:solidFill>
           <a:schemeClr val="tx1"/>
         </a:solidFill>
@@ -104,8 +101,8 @@
         <a:cs typeface="+mn-cs"/>
       </a:defRPr>
     </a:lvl8pPr>
-    <a:lvl9pPr marL="3657600" algn="l" defTabSz="457200" rtl="0" eaLnBrk="1" latinLnBrk="0" hangingPunct="1">
-      <a:defRPr sz="1800" kern="1200">
+    <a:lvl9pPr marL="3657600" algn="l" defTabSz="457200">
+      <a:defRPr sz="1800">
         <a:solidFill>
           <a:schemeClr val="tx1"/>
         </a:solidFill>
@@ -115,533 +112,11 @@
       </a:defRPr>
     </a:lvl9pPr>
   </p:defaultTextStyle>
-  <p:extLst>
-    <p:ext uri="{EFAFB233-063F-42B5-8137-9DF3F51BA10A}">
-      <p15:sldGuideLst xmlns:p15="http://schemas.microsoft.com/office/powerpoint/2012/main"/>
-    </p:ext>
-  </p:extLst>
 </p:presentation>
 </file>
 
-<file path=ppt/notesMasters/notesMaster1.xml><?xml version="1.0" encoding="utf-8"?>
-<p:notesMaster xmlns:a="http://schemas.openxmlformats.org/drawingml/2006/main" xmlns:r="http://schemas.openxmlformats.org/officeDocument/2006/relationships" xmlns:p="http://schemas.openxmlformats.org/presentationml/2006/main">
-  <p:cSld>
-    <p:bg>
-      <p:bgRef idx="1001">
-        <a:schemeClr val="bg1"/>
-      </p:bgRef>
-    </p:bg>
-    <p:spTree>
-      <p:nvGrpSpPr>
-        <p:cNvPr id="1" name=""/>
-        <p:cNvGrpSpPr/>
-        <p:nvPr/>
-      </p:nvGrpSpPr>
-      <p:grpSpPr>
-        <a:xfrm>
-          <a:off x="0" y="0"/>
-          <a:ext cx="0" cy="0"/>
-          <a:chOff x="0" y="0"/>
-          <a:chExt cx="0" cy="0"/>
-        </a:xfrm>
-      </p:grpSpPr>
-      <p:sp>
-        <p:nvSpPr>
-          <p:cNvPr id="2" name="Header Placeholder 1"/>
-          <p:cNvSpPr>
-            <a:spLocks noGrp="1"/>
-          </p:cNvSpPr>
-          <p:nvPr>
-            <p:ph type="hdr" sz="quarter"/>
-          </p:nvPr>
-        </p:nvSpPr>
-        <p:spPr>
-          <a:xfrm>
-            <a:off x="0" y="0"/>
-            <a:ext cx="2971800" cy="458788"/>
-          </a:xfrm>
-          <a:prstGeom prst="rect">
-            <a:avLst/>
-          </a:prstGeom>
-        </p:spPr>
-        <p:txBody>
-          <a:bodyPr vert="horz" lIns="91440" tIns="45720" rIns="91440" bIns="45720" rtlCol="0"/>
-          <a:lstStyle>
-            <a:lvl1pPr algn="l">
-              <a:defRPr sz="1200"/>
-            </a:lvl1pPr>
-          </a:lstStyle>
-          <a:p>
-            <a:endParaRPr lang="en-US"/>
-          </a:p>
-        </p:txBody>
-      </p:sp>
-      <p:sp>
-        <p:nvSpPr>
-          <p:cNvPr id="3" name="Date Placeholder 2"/>
-          <p:cNvSpPr>
-            <a:spLocks noGrp="1"/>
-          </p:cNvSpPr>
-          <p:nvPr>
-            <p:ph type="dt" idx="1"/>
-          </p:nvPr>
-        </p:nvSpPr>
-        <p:spPr>
-          <a:xfrm>
-            <a:off x="3884613" y="0"/>
-            <a:ext cx="2971800" cy="458788"/>
-          </a:xfrm>
-          <a:prstGeom prst="rect">
-            <a:avLst/>
-          </a:prstGeom>
-        </p:spPr>
-        <p:txBody>
-          <a:bodyPr vert="horz" lIns="91440" tIns="45720" rIns="91440" bIns="45720" rtlCol="0"/>
-          <a:lstStyle>
-            <a:lvl1pPr algn="r">
-              <a:defRPr sz="1200"/>
-            </a:lvl1pPr>
-          </a:lstStyle>
-          <a:p>
-            <a:fld id="{500343A3-339E-4D16-B233-10D6E8599600}" type="datetimeFigureOut">
-              <a:rPr lang="en-US" smtClean="0"/>
-              <a:t>9/12/2022</a:t>
-            </a:fld>
-            <a:endParaRPr lang="en-US"/>
-          </a:p>
-        </p:txBody>
-      </p:sp>
-      <p:sp>
-        <p:nvSpPr>
-          <p:cNvPr id="4" name="Slide Image Placeholder 3"/>
-          <p:cNvSpPr>
-            <a:spLocks noGrp="1" noRot="1" noChangeAspect="1"/>
-          </p:cNvSpPr>
-          <p:nvPr>
-            <p:ph type="sldImg" idx="2"/>
-          </p:nvPr>
-        </p:nvSpPr>
-        <p:spPr>
-          <a:xfrm>
-            <a:off x="685800" y="1143000"/>
-            <a:ext cx="5486400" cy="3086100"/>
-          </a:xfrm>
-          <a:prstGeom prst="rect">
-            <a:avLst/>
-          </a:prstGeom>
-          <a:noFill/>
-          <a:ln w="12700">
-            <a:solidFill>
-              <a:prstClr val="black"/>
-            </a:solidFill>
-          </a:ln>
-        </p:spPr>
-        <p:txBody>
-          <a:bodyPr vert="horz" lIns="91440" tIns="45720" rIns="91440" bIns="45720" rtlCol="0" anchor="ctr"/>
-          <a:lstStyle/>
-          <a:p>
-            <a:endParaRPr lang="en-US"/>
-          </a:p>
-        </p:txBody>
-      </p:sp>
-      <p:sp>
-        <p:nvSpPr>
-          <p:cNvPr id="5" name="Notes Placeholder 4"/>
-          <p:cNvSpPr>
-            <a:spLocks noGrp="1"/>
-          </p:cNvSpPr>
-          <p:nvPr>
-            <p:ph type="body" sz="quarter" idx="3"/>
-          </p:nvPr>
-        </p:nvSpPr>
-        <p:spPr>
-          <a:xfrm>
-            <a:off x="685800" y="4400550"/>
-            <a:ext cx="5486400" cy="3600450"/>
-          </a:xfrm>
-          <a:prstGeom prst="rect">
-            <a:avLst/>
-          </a:prstGeom>
-        </p:spPr>
-        <p:txBody>
-          <a:bodyPr vert="horz" lIns="91440" tIns="45720" rIns="91440" bIns="45720" rtlCol="0"/>
-          <a:lstStyle/>
-          <a:p>
-            <a:pPr lvl="0"/>
-            <a:r>
-              <a:rPr lang="en-US"/>
-              <a:t>Edit Master text styles</a:t>
-            </a:r>
-          </a:p>
-          <a:p>
-            <a:pPr lvl="1"/>
-            <a:r>
-              <a:rPr lang="en-US"/>
-              <a:t>Second level</a:t>
-            </a:r>
-          </a:p>
-          <a:p>
-            <a:pPr lvl="2"/>
-            <a:r>
-              <a:rPr lang="en-US"/>
-              <a:t>Third level</a:t>
-            </a:r>
-          </a:p>
-          <a:p>
-            <a:pPr lvl="3"/>
-            <a:r>
-              <a:rPr lang="en-US"/>
-              <a:t>Fourth level</a:t>
-            </a:r>
-          </a:p>
-          <a:p>
-            <a:pPr lvl="4"/>
-            <a:r>
-              <a:rPr lang="en-US"/>
-              <a:t>Fifth level</a:t>
-            </a:r>
-          </a:p>
-        </p:txBody>
-      </p:sp>
-      <p:sp>
-        <p:nvSpPr>
-          <p:cNvPr id="6" name="Footer Placeholder 5"/>
-          <p:cNvSpPr>
-            <a:spLocks noGrp="1"/>
-          </p:cNvSpPr>
-          <p:nvPr>
-            <p:ph type="ftr" sz="quarter" idx="4"/>
-          </p:nvPr>
-        </p:nvSpPr>
-        <p:spPr>
-          <a:xfrm>
-            <a:off x="0" y="8685213"/>
-            <a:ext cx="2971800" cy="458787"/>
-          </a:xfrm>
-          <a:prstGeom prst="rect">
-            <a:avLst/>
-          </a:prstGeom>
-        </p:spPr>
-        <p:txBody>
-          <a:bodyPr vert="horz" lIns="91440" tIns="45720" rIns="91440" bIns="45720" rtlCol="0" anchor="b"/>
-          <a:lstStyle>
-            <a:lvl1pPr algn="l">
-              <a:defRPr sz="1200"/>
-            </a:lvl1pPr>
-          </a:lstStyle>
-          <a:p>
-            <a:endParaRPr lang="en-US"/>
-          </a:p>
-        </p:txBody>
-      </p:sp>
-      <p:sp>
-        <p:nvSpPr>
-          <p:cNvPr id="7" name="Slide Number Placeholder 6"/>
-          <p:cNvSpPr>
-            <a:spLocks noGrp="1"/>
-          </p:cNvSpPr>
-          <p:nvPr>
-            <p:ph type="sldNum" sz="quarter" idx="5"/>
-          </p:nvPr>
-        </p:nvSpPr>
-        <p:spPr>
-          <a:xfrm>
-            <a:off x="3884613" y="8685213"/>
-            <a:ext cx="2971800" cy="458787"/>
-          </a:xfrm>
-          <a:prstGeom prst="rect">
-            <a:avLst/>
-          </a:prstGeom>
-        </p:spPr>
-        <p:txBody>
-          <a:bodyPr vert="horz" lIns="91440" tIns="45720" rIns="91440" bIns="45720" rtlCol="0" anchor="b"/>
-          <a:lstStyle>
-            <a:lvl1pPr algn="r">
-              <a:defRPr sz="1200"/>
-            </a:lvl1pPr>
-          </a:lstStyle>
-          <a:p>
-            <a:fld id="{D0575950-83EF-41CC-B090-4A13FAD89D07}" type="slidenum">
-              <a:rPr lang="en-US" smtClean="0"/>
-              <a:t>‹#›</a:t>
-            </a:fld>
-            <a:endParaRPr lang="en-US"/>
-          </a:p>
-        </p:txBody>
-      </p:sp>
-    </p:spTree>
-    <p:extLst>
-      <p:ext uri="{BB962C8B-B14F-4D97-AF65-F5344CB8AC3E}">
-        <p14:creationId xmlns:p14="http://schemas.microsoft.com/office/powerpoint/2010/main" val="1398179433"/>
-      </p:ext>
-    </p:extLst>
-  </p:cSld>
-  <p:clrMap bg1="lt1" tx1="dk1" bg2="lt2" tx2="dk2" accent1="accent1" accent2="accent2" accent3="accent3" accent4="accent4" accent5="accent5" accent6="accent6" hlink="hlink" folHlink="folHlink"/>
-  <p:notesStyle>
-    <a:lvl1pPr marL="0" algn="l" defTabSz="914400" rtl="0" eaLnBrk="1" latinLnBrk="0" hangingPunct="1">
-      <a:defRPr sz="1200" kern="1200">
-        <a:solidFill>
-          <a:schemeClr val="tx1"/>
-        </a:solidFill>
-        <a:latin typeface="+mn-lt"/>
-        <a:ea typeface="+mn-ea"/>
-        <a:cs typeface="+mn-cs"/>
-      </a:defRPr>
-    </a:lvl1pPr>
-    <a:lvl2pPr marL="457200" algn="l" defTabSz="914400" rtl="0" eaLnBrk="1" latinLnBrk="0" hangingPunct="1">
-      <a:defRPr sz="1200" kern="1200">
-        <a:solidFill>
-          <a:schemeClr val="tx1"/>
-        </a:solidFill>
-        <a:latin typeface="+mn-lt"/>
-        <a:ea typeface="+mn-ea"/>
-        <a:cs typeface="+mn-cs"/>
-      </a:defRPr>
-    </a:lvl2pPr>
-    <a:lvl3pPr marL="914400" algn="l" defTabSz="914400" rtl="0" eaLnBrk="1" latinLnBrk="0" hangingPunct="1">
-      <a:defRPr sz="1200" kern="1200">
-        <a:solidFill>
-          <a:schemeClr val="tx1"/>
-        </a:solidFill>
-        <a:latin typeface="+mn-lt"/>
-        <a:ea typeface="+mn-ea"/>
-        <a:cs typeface="+mn-cs"/>
-      </a:defRPr>
-    </a:lvl3pPr>
-    <a:lvl4pPr marL="1371600" algn="l" defTabSz="914400" rtl="0" eaLnBrk="1" latinLnBrk="0" hangingPunct="1">
-      <a:defRPr sz="1200" kern="1200">
-        <a:solidFill>
-          <a:schemeClr val="tx1"/>
-        </a:solidFill>
-        <a:latin typeface="+mn-lt"/>
-        <a:ea typeface="+mn-ea"/>
-        <a:cs typeface="+mn-cs"/>
-      </a:defRPr>
-    </a:lvl4pPr>
-    <a:lvl5pPr marL="1828800" algn="l" defTabSz="914400" rtl="0" eaLnBrk="1" latinLnBrk="0" hangingPunct="1">
-      <a:defRPr sz="1200" kern="1200">
-        <a:solidFill>
-          <a:schemeClr val="tx1"/>
-        </a:solidFill>
-        <a:latin typeface="+mn-lt"/>
-        <a:ea typeface="+mn-ea"/>
-        <a:cs typeface="+mn-cs"/>
-      </a:defRPr>
-    </a:lvl5pPr>
-    <a:lvl6pPr marL="2286000" algn="l" defTabSz="914400" rtl="0" eaLnBrk="1" latinLnBrk="0" hangingPunct="1">
-      <a:defRPr sz="1200" kern="1200">
-        <a:solidFill>
-          <a:schemeClr val="tx1"/>
-        </a:solidFill>
-        <a:latin typeface="+mn-lt"/>
-        <a:ea typeface="+mn-ea"/>
-        <a:cs typeface="+mn-cs"/>
-      </a:defRPr>
-    </a:lvl6pPr>
-    <a:lvl7pPr marL="2743200" algn="l" defTabSz="914400" rtl="0" eaLnBrk="1" latinLnBrk="0" hangingPunct="1">
-      <a:defRPr sz="1200" kern="1200">
-        <a:solidFill>
-          <a:schemeClr val="tx1"/>
-        </a:solidFill>
-        <a:latin typeface="+mn-lt"/>
-        <a:ea typeface="+mn-ea"/>
-        <a:cs typeface="+mn-cs"/>
-      </a:defRPr>
-    </a:lvl7pPr>
-    <a:lvl8pPr marL="3200400" algn="l" defTabSz="914400" rtl="0" eaLnBrk="1" latinLnBrk="0" hangingPunct="1">
-      <a:defRPr sz="1200" kern="1200">
-        <a:solidFill>
-          <a:schemeClr val="tx1"/>
-        </a:solidFill>
-        <a:latin typeface="+mn-lt"/>
-        <a:ea typeface="+mn-ea"/>
-        <a:cs typeface="+mn-cs"/>
-      </a:defRPr>
-    </a:lvl8pPr>
-    <a:lvl9pPr marL="3657600" algn="l" defTabSz="914400" rtl="0" eaLnBrk="1" latinLnBrk="0" hangingPunct="1">
-      <a:defRPr sz="1200" kern="1200">
-        <a:solidFill>
-          <a:schemeClr val="tx1"/>
-        </a:solidFill>
-        <a:latin typeface="+mn-lt"/>
-        <a:ea typeface="+mn-ea"/>
-        <a:cs typeface="+mn-cs"/>
-      </a:defRPr>
-    </a:lvl9pPr>
-  </p:notesStyle>
-</p:notesMaster>
-</file>
-
-<file path=ppt/notesSlides/notesSlide1.xml><?xml version="1.0" encoding="utf-8"?>
-<p:notes xmlns:a="http://schemas.openxmlformats.org/drawingml/2006/main" xmlns:r="http://schemas.openxmlformats.org/officeDocument/2006/relationships" xmlns:p="http://schemas.openxmlformats.org/presentationml/2006/main">
-  <p:cSld>
-    <p:spTree>
-      <p:nvGrpSpPr>
-        <p:cNvPr id="1" name=""/>
-        <p:cNvGrpSpPr/>
-        <p:nvPr/>
-      </p:nvGrpSpPr>
-      <p:grpSpPr>
-        <a:xfrm>
-          <a:off x="0" y="0"/>
-          <a:ext cx="0" cy="0"/>
-          <a:chOff x="0" y="0"/>
-          <a:chExt cx="0" cy="0"/>
-        </a:xfrm>
-      </p:grpSpPr>
-      <p:sp>
-        <p:nvSpPr>
-          <p:cNvPr id="2" name="Slide Image Placeholder 1"/>
-          <p:cNvSpPr>
-            <a:spLocks noGrp="1" noRot="1" noChangeAspect="1"/>
-          </p:cNvSpPr>
-          <p:nvPr>
-            <p:ph type="sldImg"/>
-          </p:nvPr>
-        </p:nvSpPr>
-        <p:spPr/>
-      </p:sp>
-      <p:sp>
-        <p:nvSpPr>
-          <p:cNvPr id="3" name="Notes Placeholder 2"/>
-          <p:cNvSpPr>
-            <a:spLocks noGrp="1"/>
-          </p:cNvSpPr>
-          <p:nvPr>
-            <p:ph type="body" idx="1"/>
-          </p:nvPr>
-        </p:nvSpPr>
-        <p:spPr/>
-        <p:txBody>
-          <a:bodyPr/>
-          <a:lstStyle/>
-          <a:p>
-            <a:endParaRPr lang="en-US" dirty="0"/>
-          </a:p>
-        </p:txBody>
-      </p:sp>
-      <p:sp>
-        <p:nvSpPr>
-          <p:cNvPr id="4" name="Slide Number Placeholder 3"/>
-          <p:cNvSpPr>
-            <a:spLocks noGrp="1"/>
-          </p:cNvSpPr>
-          <p:nvPr>
-            <p:ph type="sldNum" sz="quarter" idx="5"/>
-          </p:nvPr>
-        </p:nvSpPr>
-        <p:spPr/>
-        <p:txBody>
-          <a:bodyPr/>
-          <a:lstStyle/>
-          <a:p>
-            <a:fld id="{D0575950-83EF-41CC-B090-4A13FAD89D07}" type="slidenum">
-              <a:rPr lang="en-US" smtClean="0"/>
-              <a:t>1</a:t>
-            </a:fld>
-            <a:endParaRPr lang="en-US"/>
-          </a:p>
-        </p:txBody>
-      </p:sp>
-    </p:spTree>
-    <p:extLst>
-      <p:ext uri="{BB962C8B-B14F-4D97-AF65-F5344CB8AC3E}">
-        <p14:creationId xmlns:p14="http://schemas.microsoft.com/office/powerpoint/2010/main" val="3851305360"/>
-      </p:ext>
-    </p:extLst>
-  </p:cSld>
-  <p:clrMapOvr>
-    <a:masterClrMapping/>
-  </p:clrMapOvr>
-</p:notes>
-</file>
-
-<file path=ppt/notesSlides/notesSlide2.xml><?xml version="1.0" encoding="utf-8"?>
-<p:notes xmlns:a="http://schemas.openxmlformats.org/drawingml/2006/main" xmlns:r="http://schemas.openxmlformats.org/officeDocument/2006/relationships" xmlns:p="http://schemas.openxmlformats.org/presentationml/2006/main">
-  <p:cSld>
-    <p:spTree>
-      <p:nvGrpSpPr>
-        <p:cNvPr id="1" name=""/>
-        <p:cNvGrpSpPr/>
-        <p:nvPr/>
-      </p:nvGrpSpPr>
-      <p:grpSpPr>
-        <a:xfrm>
-          <a:off x="0" y="0"/>
-          <a:ext cx="0" cy="0"/>
-          <a:chOff x="0" y="0"/>
-          <a:chExt cx="0" cy="0"/>
-        </a:xfrm>
-      </p:grpSpPr>
-      <p:sp>
-        <p:nvSpPr>
-          <p:cNvPr id="2" name="Slide Image Placeholder 1"/>
-          <p:cNvSpPr>
-            <a:spLocks noGrp="1" noRot="1" noChangeAspect="1"/>
-          </p:cNvSpPr>
-          <p:nvPr>
-            <p:ph type="sldImg"/>
-          </p:nvPr>
-        </p:nvSpPr>
-        <p:spPr/>
-      </p:sp>
-      <p:sp>
-        <p:nvSpPr>
-          <p:cNvPr id="3" name="Notes Placeholder 2"/>
-          <p:cNvSpPr>
-            <a:spLocks noGrp="1"/>
-          </p:cNvSpPr>
-          <p:nvPr>
-            <p:ph type="body" idx="1"/>
-          </p:nvPr>
-        </p:nvSpPr>
-        <p:spPr/>
-        <p:txBody>
-          <a:bodyPr/>
-          <a:lstStyle/>
-          <a:p>
-            <a:endParaRPr lang="en-US" dirty="0"/>
-          </a:p>
-        </p:txBody>
-      </p:sp>
-      <p:sp>
-        <p:nvSpPr>
-          <p:cNvPr id="4" name="Slide Number Placeholder 3"/>
-          <p:cNvSpPr>
-            <a:spLocks noGrp="1"/>
-          </p:cNvSpPr>
-          <p:nvPr>
-            <p:ph type="sldNum" sz="quarter" idx="5"/>
-          </p:nvPr>
-        </p:nvSpPr>
-        <p:spPr/>
-        <p:txBody>
-          <a:bodyPr/>
-          <a:lstStyle/>
-          <a:p>
-            <a:fld id="{D0575950-83EF-41CC-B090-4A13FAD89D07}" type="slidenum">
-              <a:rPr lang="en-US" smtClean="0"/>
-              <a:t>5</a:t>
-            </a:fld>
-            <a:endParaRPr lang="en-US"/>
-          </a:p>
-        </p:txBody>
-      </p:sp>
-    </p:spTree>
-    <p:extLst>
-      <p:ext uri="{BB962C8B-B14F-4D97-AF65-F5344CB8AC3E}">
-        <p14:creationId xmlns:p14="http://schemas.microsoft.com/office/powerpoint/2010/main" val="3304431890"/>
-      </p:ext>
-    </p:extLst>
-  </p:cSld>
-  <p:clrMapOvr>
-    <a:masterClrMapping/>
-  </p:clrMapOvr>
-</p:notes>
-</file>
-
 <file path=ppt/slideLayouts/slideLayout1.xml><?xml version="1.0" encoding="utf-8"?>
-<p:sldLayout xmlns:a="http://schemas.openxmlformats.org/drawingml/2006/main" xmlns:r="http://schemas.openxmlformats.org/officeDocument/2006/relationships" xmlns:p="http://schemas.openxmlformats.org/presentationml/2006/main" showMasterSp="0" type="title" preserve="1">
+<p:sldLayout xmlns:a="http://schemas.openxmlformats.org/drawingml/2006/main" xmlns:r="http://schemas.openxmlformats.org/officeDocument/2006/relationships" xmlns:p="http://schemas.openxmlformats.org/presentationml/2006/main" xmlns:m="http://schemas.openxmlformats.org/officeDocument/2006/math" xmlns:w="http://schemas.openxmlformats.org/wordprocessingml/2006/main" matchingName="" preserve="1" showMasterPhAnim="0" showMasterSp="0" type="title" userDrawn="1">
   <p:cSld name="Title Slide">
     <p:spTree>
       <p:nvGrpSpPr>
@@ -649,7 +124,7 @@
         <p:cNvGrpSpPr/>
         <p:nvPr/>
       </p:nvGrpSpPr>
-      <p:grpSpPr>
+      <p:grpSpPr bwMode="auto">
         <a:xfrm>
           <a:off x="0" y="0"/>
           <a:ext cx="0" cy="0"/>
@@ -663,21 +138,23 @@
           <p:cNvGrpSpPr/>
           <p:nvPr/>
         </p:nvGrpSpPr>
-        <p:grpSpPr>
+        <p:grpSpPr bwMode="auto">
           <a:xfrm>
             <a:off x="0" y="-8467"/>
-            <a:ext cx="12192000" cy="6866467"/>
+            <a:ext cx="12192000" cy="6866466"/>
             <a:chOff x="0" y="-8467"/>
-            <a:chExt cx="12192000" cy="6866467"/>
+            <a:chExt cx="12192000" cy="6866466"/>
           </a:xfrm>
         </p:grpSpPr>
         <p:cxnSp>
           <p:nvCxnSpPr>
             <p:cNvPr id="32" name="Straight Connector 31"/>
-            <p:cNvCxnSpPr/>
+            <p:cNvCxnSpPr>
+              <a:cxnSpLocks/>
+            </p:cNvCxnSpPr>
             <p:nvPr/>
           </p:nvCxnSpPr>
-          <p:spPr>
+          <p:spPr bwMode="auto">
             <a:xfrm>
               <a:off x="9371012" y="0"/>
               <a:ext cx="1219200" cy="6858000"/>
@@ -711,10 +188,12 @@
         <p:cxnSp>
           <p:nvCxnSpPr>
             <p:cNvPr id="21" name="Straight Connector 20"/>
-            <p:cNvCxnSpPr/>
+            <p:cNvCxnSpPr>
+              <a:cxnSpLocks/>
+            </p:cNvCxnSpPr>
             <p:nvPr/>
           </p:nvCxnSpPr>
-          <p:spPr>
+          <p:spPr bwMode="auto">
             <a:xfrm flipH="1">
               <a:off x="7425267" y="3681413"/>
               <a:ext cx="4763558" cy="3176587"/>
@@ -751,10 +230,10 @@
             <p:cNvSpPr/>
             <p:nvPr/>
           </p:nvSpPr>
-          <p:spPr>
+          <p:spPr bwMode="auto">
             <a:xfrm>
               <a:off x="9181476" y="-8467"/>
-              <a:ext cx="3007349" cy="6866467"/>
+              <a:ext cx="3007349" cy="6866466"/>
             </a:xfrm>
             <a:custGeom>
               <a:avLst/>
@@ -763,7 +242,7 @@
               <a:cxnLst/>
               <a:rect l="l" t="t" r="r" b="b"/>
               <a:pathLst>
-                <a:path w="3007349" h="6866467">
+                <a:path w="3007349" h="6866467" fill="norm" stroke="1" extrusionOk="0">
                   <a:moveTo>
                     <a:pt x="2045532" y="0"/>
                   </a:moveTo>
@@ -814,10 +293,10 @@
             <p:cNvSpPr/>
             <p:nvPr/>
           </p:nvSpPr>
-          <p:spPr>
+          <p:spPr bwMode="auto">
             <a:xfrm>
               <a:off x="9603442" y="-8467"/>
-              <a:ext cx="2588558" cy="6866467"/>
+              <a:ext cx="2588558" cy="6866466"/>
             </a:xfrm>
             <a:custGeom>
               <a:avLst/>
@@ -826,7 +305,7 @@
               <a:cxnLst/>
               <a:rect l="l" t="t" r="r" b="b"/>
               <a:pathLst>
-                <a:path w="2573311" h="6866467">
+                <a:path w="2573311" h="6866467" fill="norm" stroke="1" extrusionOk="0">
                   <a:moveTo>
                     <a:pt x="0" y="0"/>
                   </a:moveTo>
@@ -877,10 +356,10 @@
             <p:cNvSpPr/>
             <p:nvPr/>
           </p:nvSpPr>
-          <p:spPr>
+          <p:spPr bwMode="auto">
             <a:xfrm>
               <a:off x="8932333" y="3048000"/>
-              <a:ext cx="3259667" cy="3810000"/>
+              <a:ext cx="3259666" cy="3810000"/>
             </a:xfrm>
             <a:prstGeom prst="triangle">
               <a:avLst>
@@ -918,10 +397,10 @@
             <p:cNvSpPr/>
             <p:nvPr/>
           </p:nvSpPr>
-          <p:spPr>
+          <p:spPr bwMode="auto">
             <a:xfrm>
               <a:off x="9334500" y="-8467"/>
-              <a:ext cx="2854326" cy="6866467"/>
+              <a:ext cx="2854326" cy="6866466"/>
             </a:xfrm>
             <a:custGeom>
               <a:avLst/>
@@ -930,7 +409,7 @@
               <a:cxnLst/>
               <a:rect l="l" t="t" r="r" b="b"/>
               <a:pathLst>
-                <a:path w="2858013" h="6866467">
+                <a:path w="2858013" h="6866467" fill="norm" stroke="1" extrusionOk="0">
                   <a:moveTo>
                     <a:pt x="0" y="0"/>
                   </a:moveTo>
@@ -982,10 +461,10 @@
             <p:cNvSpPr/>
             <p:nvPr/>
           </p:nvSpPr>
-          <p:spPr>
+          <p:spPr bwMode="auto">
             <a:xfrm>
               <a:off x="10898730" y="-8467"/>
-              <a:ext cx="1290094" cy="6866467"/>
+              <a:ext cx="1290094" cy="6866466"/>
             </a:xfrm>
             <a:custGeom>
               <a:avLst/>
@@ -994,7 +473,7 @@
               <a:cxnLst/>
               <a:rect l="l" t="t" r="r" b="b"/>
               <a:pathLst>
-                <a:path w="1290094" h="6858000">
+                <a:path w="1290094" h="6858000" fill="norm" stroke="1" extrusionOk="0">
                   <a:moveTo>
                     <a:pt x="1019735" y="0"/>
                   </a:moveTo>
@@ -1047,10 +526,10 @@
             <p:cNvSpPr/>
             <p:nvPr/>
           </p:nvSpPr>
-          <p:spPr>
+          <p:spPr bwMode="auto">
             <a:xfrm>
               <a:off x="10938999" y="-8467"/>
-              <a:ext cx="1249825" cy="6866467"/>
+              <a:ext cx="1249825" cy="6866466"/>
             </a:xfrm>
             <a:custGeom>
               <a:avLst/>
@@ -1059,7 +538,7 @@
               <a:cxnLst/>
               <a:rect l="l" t="t" r="r" b="b"/>
               <a:pathLst>
-                <a:path w="1249825" h="6858000">
+                <a:path w="1249825" h="6858000" fill="norm" stroke="1" extrusionOk="0">
                   <a:moveTo>
                     <a:pt x="0" y="0"/>
                   </a:moveTo>
@@ -1110,10 +589,10 @@
             <p:cNvSpPr/>
             <p:nvPr/>
           </p:nvSpPr>
-          <p:spPr>
+          <p:spPr bwMode="auto">
             <a:xfrm>
               <a:off x="10371666" y="3589867"/>
-              <a:ext cx="1817159" cy="3268133"/>
+              <a:ext cx="1817158" cy="3268133"/>
             </a:xfrm>
             <a:prstGeom prst="triangle">
               <a:avLst>
@@ -1151,7 +630,7 @@
             <p:cNvSpPr/>
             <p:nvPr/>
           </p:nvSpPr>
-          <p:spPr>
+          <p:spPr bwMode="auto">
             <a:xfrm rot="10800000">
               <a:off x="0" y="0"/>
               <a:ext cx="842596" cy="5666154"/>
@@ -1197,7 +676,7 @@
             <p:ph type="ctrTitle"/>
           </p:nvPr>
         </p:nvSpPr>
-        <p:spPr>
+        <p:spPr bwMode="auto">
           <a:xfrm>
             <a:off x="1507067" y="2404534"/>
             <a:ext cx="7766936" cy="1646302"/>
@@ -1217,11 +696,14 @@
             </a:lvl1pPr>
           </a:lstStyle>
           <a:p>
+            <a:pPr>
+              <a:defRPr/>
+            </a:pPr>
             <a:r>
               <a:rPr lang="en-US"/>
               <a:t>Click to edit Master title style</a:t>
             </a:r>
-            <a:endParaRPr lang="en-US" dirty="0"/>
+            <a:endParaRPr lang="en-US"/>
           </a:p>
         </p:txBody>
       </p:sp>
@@ -1235,7 +717,7 @@
             <p:ph type="subTitle" idx="1"/>
           </p:nvPr>
         </p:nvSpPr>
-        <p:spPr>
+        <p:spPr bwMode="auto">
           <a:xfrm>
             <a:off x="1507067" y="4050833"/>
             <a:ext cx="7766936" cy="1096899"/>
@@ -1337,11 +819,14 @@
             </a:lvl9pPr>
           </a:lstStyle>
           <a:p>
+            <a:pPr>
+              <a:defRPr/>
+            </a:pPr>
             <a:r>
               <a:rPr lang="en-US"/>
               <a:t>Click to edit Master subtitle style</a:t>
             </a:r>
-            <a:endParaRPr lang="en-US" dirty="0"/>
+            <a:endParaRPr lang="en-US"/>
           </a:p>
         </p:txBody>
       </p:sp>
@@ -1355,14 +840,17 @@
             <p:ph type="dt" sz="half" idx="10"/>
           </p:nvPr>
         </p:nvSpPr>
-        <p:spPr/>
+        <p:spPr bwMode="auto"/>
         <p:txBody>
           <a:bodyPr/>
           <a:lstStyle/>
           <a:p>
+            <a:pPr>
+              <a:defRPr/>
+            </a:pPr>
             <a:fld id="{66C7D333-9F60-49D1-8F75-20D2324FF5CF}" type="datetimeFigureOut">
-              <a:rPr lang="en-US" smtClean="0"/>
-              <a:t>9/12/2022</a:t>
+              <a:rPr lang="en-US"/>
+              <a:t/>
             </a:fld>
             <a:endParaRPr lang="en-US"/>
           </a:p>
@@ -1378,11 +866,14 @@
             <p:ph type="ftr" sz="quarter" idx="11"/>
           </p:nvPr>
         </p:nvSpPr>
-        <p:spPr/>
+        <p:spPr bwMode="auto"/>
         <p:txBody>
           <a:bodyPr/>
           <a:lstStyle/>
           <a:p>
+            <a:pPr>
+              <a:defRPr/>
+            </a:pPr>
             <a:endParaRPr lang="en-US"/>
           </a:p>
         </p:txBody>
@@ -1397,25 +888,23 @@
             <p:ph type="sldNum" sz="quarter" idx="12"/>
           </p:nvPr>
         </p:nvSpPr>
-        <p:spPr/>
+        <p:spPr bwMode="auto"/>
         <p:txBody>
           <a:bodyPr/>
           <a:lstStyle/>
           <a:p>
+            <a:pPr>
+              <a:defRPr/>
+            </a:pPr>
             <a:fld id="{589D2B82-480D-4C17-9E37-4598A369A7AD}" type="slidenum">
-              <a:rPr lang="en-US" smtClean="0"/>
-              <a:t>‹#›</a:t>
+              <a:rPr lang="en-US"/>
+              <a:t/>
             </a:fld>
             <a:endParaRPr lang="en-US"/>
           </a:p>
         </p:txBody>
       </p:sp>
     </p:spTree>
-    <p:extLst>
-      <p:ext uri="{BB962C8B-B14F-4D97-AF65-F5344CB8AC3E}">
-        <p14:creationId xmlns:p14="http://schemas.microsoft.com/office/powerpoint/2010/main" val="4085488398"/>
-      </p:ext>
-    </p:extLst>
   </p:cSld>
   <p:clrMapOvr>
     <a:masterClrMapping/>
@@ -1424,7 +913,7 @@
 </file>
 
 <file path=ppt/slideLayouts/slideLayout10.xml><?xml version="1.0" encoding="utf-8"?>
-<p:sldLayout xmlns:a="http://schemas.openxmlformats.org/drawingml/2006/main" xmlns:r="http://schemas.openxmlformats.org/officeDocument/2006/relationships" xmlns:p="http://schemas.openxmlformats.org/presentationml/2006/main" preserve="1">
+<p:sldLayout xmlns:a="http://schemas.openxmlformats.org/drawingml/2006/main" xmlns:r="http://schemas.openxmlformats.org/officeDocument/2006/relationships" xmlns:p="http://schemas.openxmlformats.org/presentationml/2006/main" xmlns:m="http://schemas.openxmlformats.org/officeDocument/2006/math" xmlns:w="http://schemas.openxmlformats.org/wordprocessingml/2006/main" matchingName="" preserve="1" showMasterPhAnim="0" userDrawn="1">
   <p:cSld name="Title and Caption">
     <p:spTree>
       <p:nvGrpSpPr>
@@ -1432,7 +921,7 @@
         <p:cNvGrpSpPr/>
         <p:nvPr/>
       </p:nvGrpSpPr>
-      <p:grpSpPr>
+      <p:grpSpPr bwMode="auto">
         <a:xfrm>
           <a:off x="0" y="0"/>
           <a:ext cx="0" cy="0"/>
@@ -1450,7 +939,7 @@
             <p:ph type="title"/>
           </p:nvPr>
         </p:nvSpPr>
-        <p:spPr>
+        <p:spPr bwMode="auto">
           <a:xfrm>
             <a:off x="677335" y="609600"/>
             <a:ext cx="8596668" cy="3403600"/>
@@ -1466,11 +955,14 @@
             </a:lvl1pPr>
           </a:lstStyle>
           <a:p>
+            <a:pPr>
+              <a:defRPr/>
+            </a:pPr>
             <a:r>
               <a:rPr lang="en-US"/>
               <a:t>Click to edit Master title style</a:t>
             </a:r>
-            <a:endParaRPr lang="en-US" dirty="0"/>
+            <a:endParaRPr lang="en-US"/>
           </a:p>
         </p:txBody>
       </p:sp>
@@ -1484,7 +976,7 @@
             <p:ph type="body" idx="1"/>
           </p:nvPr>
         </p:nvSpPr>
-        <p:spPr>
+        <p:spPr bwMode="auto">
           <a:xfrm>
             <a:off x="677335" y="4470400"/>
             <a:ext cx="8596668" cy="1570962"/>
@@ -1588,11 +1080,14 @@
             </a:lvl9pPr>
           </a:lstStyle>
           <a:p>
-            <a:pPr lvl="0"/>
+            <a:pPr lvl="0">
+              <a:defRPr/>
+            </a:pPr>
             <a:r>
               <a:rPr lang="en-US"/>
               <a:t>Edit Master text styles</a:t>
             </a:r>
+            <a:endParaRPr/>
           </a:p>
         </p:txBody>
       </p:sp>
@@ -1606,14 +1101,17 @@
             <p:ph type="dt" sz="half" idx="10"/>
           </p:nvPr>
         </p:nvSpPr>
-        <p:spPr/>
+        <p:spPr bwMode="auto"/>
         <p:txBody>
           <a:bodyPr/>
           <a:lstStyle/>
           <a:p>
+            <a:pPr>
+              <a:defRPr/>
+            </a:pPr>
             <a:fld id="{66C7D333-9F60-49D1-8F75-20D2324FF5CF}" type="datetimeFigureOut">
-              <a:rPr lang="en-US" smtClean="0"/>
-              <a:t>9/12/2022</a:t>
+              <a:rPr lang="en-US"/>
+              <a:t/>
             </a:fld>
             <a:endParaRPr lang="en-US"/>
           </a:p>
@@ -1629,11 +1127,14 @@
             <p:ph type="ftr" sz="quarter" idx="11"/>
           </p:nvPr>
         </p:nvSpPr>
-        <p:spPr/>
+        <p:spPr bwMode="auto"/>
         <p:txBody>
           <a:bodyPr/>
           <a:lstStyle/>
           <a:p>
+            <a:pPr>
+              <a:defRPr/>
+            </a:pPr>
             <a:endParaRPr lang="en-US"/>
           </a:p>
         </p:txBody>
@@ -1648,25 +1149,23 @@
             <p:ph type="sldNum" sz="quarter" idx="12"/>
           </p:nvPr>
         </p:nvSpPr>
-        <p:spPr/>
+        <p:spPr bwMode="auto"/>
         <p:txBody>
           <a:bodyPr/>
           <a:lstStyle/>
           <a:p>
+            <a:pPr>
+              <a:defRPr/>
+            </a:pPr>
             <a:fld id="{589D2B82-480D-4C17-9E37-4598A369A7AD}" type="slidenum">
-              <a:rPr lang="en-US" smtClean="0"/>
-              <a:t>‹#›</a:t>
+              <a:rPr lang="en-US"/>
+              <a:t/>
             </a:fld>
             <a:endParaRPr lang="en-US"/>
           </a:p>
         </p:txBody>
       </p:sp>
     </p:spTree>
-    <p:extLst>
-      <p:ext uri="{BB962C8B-B14F-4D97-AF65-F5344CB8AC3E}">
-        <p14:creationId xmlns:p14="http://schemas.microsoft.com/office/powerpoint/2010/main" val="3329783787"/>
-      </p:ext>
-    </p:extLst>
   </p:cSld>
   <p:clrMapOvr>
     <a:masterClrMapping/>
@@ -1675,7 +1174,7 @@
 </file>
 
 <file path=ppt/slideLayouts/slideLayout11.xml><?xml version="1.0" encoding="utf-8"?>
-<p:sldLayout xmlns:a="http://schemas.openxmlformats.org/drawingml/2006/main" xmlns:r="http://schemas.openxmlformats.org/officeDocument/2006/relationships" xmlns:p="http://schemas.openxmlformats.org/presentationml/2006/main" preserve="1">
+<p:sldLayout xmlns:a="http://schemas.openxmlformats.org/drawingml/2006/main" xmlns:r="http://schemas.openxmlformats.org/officeDocument/2006/relationships" xmlns:p="http://schemas.openxmlformats.org/presentationml/2006/main" xmlns:m="http://schemas.openxmlformats.org/officeDocument/2006/math" xmlns:w="http://schemas.openxmlformats.org/wordprocessingml/2006/main" matchingName="" preserve="1" showMasterPhAnim="0" userDrawn="1">
   <p:cSld name="Quote with Caption">
     <p:spTree>
       <p:nvGrpSpPr>
@@ -1683,7 +1182,7 @@
         <p:cNvGrpSpPr/>
         <p:nvPr/>
       </p:nvGrpSpPr>
-      <p:grpSpPr>
+      <p:grpSpPr bwMode="auto">
         <a:xfrm>
           <a:off x="0" y="0"/>
           <a:ext cx="0" cy="0"/>
@@ -1701,7 +1200,7 @@
             <p:ph type="title"/>
           </p:nvPr>
         </p:nvSpPr>
-        <p:spPr>
+        <p:spPr bwMode="auto">
           <a:xfrm>
             <a:off x="931334" y="609600"/>
             <a:ext cx="8094134" cy="3022600"/>
@@ -1717,11 +1216,14 @@
             </a:lvl1pPr>
           </a:lstStyle>
           <a:p>
+            <a:pPr>
+              <a:defRPr/>
+            </a:pPr>
             <a:r>
               <a:rPr lang="en-US"/>
               <a:t>Click to edit Master title style</a:t>
             </a:r>
-            <a:endParaRPr lang="en-US" dirty="0"/>
+            <a:endParaRPr lang="en-US"/>
           </a:p>
         </p:txBody>
       </p:sp>
@@ -1735,7 +1237,7 @@
             <p:ph type="body" sz="quarter" idx="13"/>
           </p:nvPr>
         </p:nvSpPr>
-        <p:spPr>
+        <p:spPr bwMode="auto">
           <a:xfrm>
             <a:off x="1366139" y="3632200"/>
             <a:ext cx="7224524" cy="381000"/>
@@ -1780,11 +1282,14 @@
             </a:lvl5pPr>
           </a:lstStyle>
           <a:p>
-            <a:pPr lvl="0"/>
+            <a:pPr lvl="0">
+              <a:defRPr/>
+            </a:pPr>
             <a:r>
               <a:rPr lang="en-US"/>
               <a:t>Edit Master text styles</a:t>
             </a:r>
+            <a:endParaRPr/>
           </a:p>
         </p:txBody>
       </p:sp>
@@ -1798,7 +1303,7 @@
             <p:ph type="body" idx="1"/>
           </p:nvPr>
         </p:nvSpPr>
-        <p:spPr>
+        <p:spPr bwMode="auto">
           <a:xfrm>
             <a:off x="677335" y="4470400"/>
             <a:ext cx="8596668" cy="1570962"/>
@@ -1902,11 +1407,14 @@
             </a:lvl9pPr>
           </a:lstStyle>
           <a:p>
-            <a:pPr lvl="0"/>
+            <a:pPr lvl="0">
+              <a:defRPr/>
+            </a:pPr>
             <a:r>
               <a:rPr lang="en-US"/>
               <a:t>Edit Master text styles</a:t>
             </a:r>
+            <a:endParaRPr/>
           </a:p>
         </p:txBody>
       </p:sp>
@@ -1920,14 +1428,17 @@
             <p:ph type="dt" sz="half" idx="10"/>
           </p:nvPr>
         </p:nvSpPr>
-        <p:spPr/>
+        <p:spPr bwMode="auto"/>
         <p:txBody>
           <a:bodyPr/>
           <a:lstStyle/>
           <a:p>
+            <a:pPr>
+              <a:defRPr/>
+            </a:pPr>
             <a:fld id="{66C7D333-9F60-49D1-8F75-20D2324FF5CF}" type="datetimeFigureOut">
-              <a:rPr lang="en-US" smtClean="0"/>
-              <a:t>9/12/2022</a:t>
+              <a:rPr lang="en-US"/>
+              <a:t/>
             </a:fld>
             <a:endParaRPr lang="en-US"/>
           </a:p>
@@ -1943,11 +1454,14 @@
             <p:ph type="ftr" sz="quarter" idx="11"/>
           </p:nvPr>
         </p:nvSpPr>
-        <p:spPr/>
+        <p:spPr bwMode="auto"/>
         <p:txBody>
           <a:bodyPr/>
           <a:lstStyle/>
           <a:p>
+            <a:pPr>
+              <a:defRPr/>
+            </a:pPr>
             <a:endParaRPr lang="en-US"/>
           </a:p>
         </p:txBody>
@@ -1962,14 +1476,17 @@
             <p:ph type="sldNum" sz="quarter" idx="12"/>
           </p:nvPr>
         </p:nvSpPr>
-        <p:spPr/>
+        <p:spPr bwMode="auto"/>
         <p:txBody>
           <a:bodyPr/>
           <a:lstStyle/>
           <a:p>
+            <a:pPr>
+              <a:defRPr/>
+            </a:pPr>
             <a:fld id="{589D2B82-480D-4C17-9E37-4598A369A7AD}" type="slidenum">
-              <a:rPr lang="en-US" smtClean="0"/>
-              <a:t>‹#›</a:t>
+              <a:rPr lang="en-US"/>
+              <a:t/>
             </a:fld>
             <a:endParaRPr lang="en-US"/>
           </a:p>
@@ -1981,10 +1498,10 @@
           <p:cNvSpPr txBox="1"/>
           <p:nvPr/>
         </p:nvSpPr>
-        <p:spPr>
+        <p:spPr bwMode="auto">
           <a:xfrm>
             <a:off x="541870" y="790378"/>
-            <a:ext cx="609600" cy="584776"/>
+            <a:ext cx="609600" cy="584775"/>
           </a:xfrm>
           <a:prstGeom prst="rect">
             <a:avLst/>
@@ -1996,9 +1513,11 @@
           </a:bodyPr>
           <a:lstStyle/>
           <a:p>
-            <a:pPr lvl="0"/>
-            <a:r>
-              <a:rPr lang="en-US" sz="8000" baseline="0" dirty="0">
+            <a:pPr lvl="0">
+              <a:defRPr/>
+            </a:pPr>
+            <a:r>
+              <a:rPr lang="en-US" sz="8000">
                 <a:ln w="3175" cmpd="sng">
                   <a:noFill/>
                 </a:ln>
@@ -2008,11 +1527,11 @@
                     <a:lumOff val="40000"/>
                   </a:schemeClr>
                 </a:solidFill>
-                <a:effectLst/>
                 <a:latin typeface="Arial"/>
               </a:rPr>
               <a:t>“</a:t>
             </a:r>
+            <a:endParaRPr/>
           </a:p>
         </p:txBody>
       </p:sp>
@@ -2022,10 +1541,10 @@
           <p:cNvSpPr txBox="1"/>
           <p:nvPr/>
         </p:nvSpPr>
-        <p:spPr>
+        <p:spPr bwMode="auto">
           <a:xfrm>
             <a:off x="8893011" y="2886556"/>
-            <a:ext cx="609600" cy="584776"/>
+            <a:ext cx="609600" cy="584775"/>
           </a:xfrm>
           <a:prstGeom prst="rect">
             <a:avLst/>
@@ -2037,9 +1556,11 @@
           </a:bodyPr>
           <a:lstStyle/>
           <a:p>
-            <a:pPr lvl="0"/>
-            <a:r>
-              <a:rPr lang="en-US" sz="8000" baseline="0" dirty="0">
+            <a:pPr lvl="0">
+              <a:defRPr/>
+            </a:pPr>
+            <a:r>
+              <a:rPr lang="en-US" sz="8000">
                 <a:ln w="3175" cmpd="sng">
                   <a:noFill/>
                 </a:ln>
@@ -2053,7 +1574,7 @@
               </a:rPr>
               <a:t>”</a:t>
             </a:r>
-            <a:endParaRPr lang="en-US" dirty="0">
+            <a:endParaRPr lang="en-US">
               <a:solidFill>
                 <a:schemeClr val="accent1">
                   <a:lumMod val="60000"/>
@@ -2066,11 +1587,6 @@
         </p:txBody>
       </p:sp>
     </p:spTree>
-    <p:extLst>
-      <p:ext uri="{BB962C8B-B14F-4D97-AF65-F5344CB8AC3E}">
-        <p14:creationId xmlns:p14="http://schemas.microsoft.com/office/powerpoint/2010/main" val="2499920720"/>
-      </p:ext>
-    </p:extLst>
   </p:cSld>
   <p:clrMapOvr>
     <a:masterClrMapping/>
@@ -2079,7 +1595,7 @@
 </file>
 
 <file path=ppt/slideLayouts/slideLayout12.xml><?xml version="1.0" encoding="utf-8"?>
-<p:sldLayout xmlns:a="http://schemas.openxmlformats.org/drawingml/2006/main" xmlns:r="http://schemas.openxmlformats.org/officeDocument/2006/relationships" xmlns:p="http://schemas.openxmlformats.org/presentationml/2006/main" preserve="1">
+<p:sldLayout xmlns:a="http://schemas.openxmlformats.org/drawingml/2006/main" xmlns:r="http://schemas.openxmlformats.org/officeDocument/2006/relationships" xmlns:p="http://schemas.openxmlformats.org/presentationml/2006/main" xmlns:m="http://schemas.openxmlformats.org/officeDocument/2006/math" xmlns:w="http://schemas.openxmlformats.org/wordprocessingml/2006/main" matchingName="" preserve="1" showMasterPhAnim="0" userDrawn="1">
   <p:cSld name="Name Card">
     <p:spTree>
       <p:nvGrpSpPr>
@@ -2087,7 +1603,7 @@
         <p:cNvGrpSpPr/>
         <p:nvPr/>
       </p:nvGrpSpPr>
-      <p:grpSpPr>
+      <p:grpSpPr bwMode="auto">
         <a:xfrm>
           <a:off x="0" y="0"/>
           <a:ext cx="0" cy="0"/>
@@ -2105,7 +1621,7 @@
             <p:ph type="title"/>
           </p:nvPr>
         </p:nvSpPr>
-        <p:spPr>
+        <p:spPr bwMode="auto">
           <a:xfrm>
             <a:off x="677335" y="1931988"/>
             <a:ext cx="8596668" cy="2595460"/>
@@ -2121,11 +1637,14 @@
             </a:lvl1pPr>
           </a:lstStyle>
           <a:p>
+            <a:pPr>
+              <a:defRPr/>
+            </a:pPr>
             <a:r>
               <a:rPr lang="en-US"/>
               <a:t>Click to edit Master title style</a:t>
             </a:r>
-            <a:endParaRPr lang="en-US" dirty="0"/>
+            <a:endParaRPr lang="en-US"/>
           </a:p>
         </p:txBody>
       </p:sp>
@@ -2139,7 +1658,7 @@
             <p:ph type="body" idx="1"/>
           </p:nvPr>
         </p:nvSpPr>
-        <p:spPr>
+        <p:spPr bwMode="auto">
           <a:xfrm>
             <a:off x="677335" y="4527448"/>
             <a:ext cx="8596668" cy="1513914"/>
@@ -2243,11 +1762,14 @@
             </a:lvl9pPr>
           </a:lstStyle>
           <a:p>
-            <a:pPr lvl="0"/>
+            <a:pPr lvl="0">
+              <a:defRPr/>
+            </a:pPr>
             <a:r>
               <a:rPr lang="en-US"/>
               <a:t>Edit Master text styles</a:t>
             </a:r>
+            <a:endParaRPr/>
           </a:p>
         </p:txBody>
       </p:sp>
@@ -2261,14 +1783,17 @@
             <p:ph type="dt" sz="half" idx="10"/>
           </p:nvPr>
         </p:nvSpPr>
-        <p:spPr/>
+        <p:spPr bwMode="auto"/>
         <p:txBody>
           <a:bodyPr/>
           <a:lstStyle/>
           <a:p>
+            <a:pPr>
+              <a:defRPr/>
+            </a:pPr>
             <a:fld id="{66C7D333-9F60-49D1-8F75-20D2324FF5CF}" type="datetimeFigureOut">
-              <a:rPr lang="en-US" smtClean="0"/>
-              <a:t>9/12/2022</a:t>
+              <a:rPr lang="en-US"/>
+              <a:t/>
             </a:fld>
             <a:endParaRPr lang="en-US"/>
           </a:p>
@@ -2284,11 +1809,14 @@
             <p:ph type="ftr" sz="quarter" idx="11"/>
           </p:nvPr>
         </p:nvSpPr>
-        <p:spPr/>
+        <p:spPr bwMode="auto"/>
         <p:txBody>
           <a:bodyPr/>
           <a:lstStyle/>
           <a:p>
+            <a:pPr>
+              <a:defRPr/>
+            </a:pPr>
             <a:endParaRPr lang="en-US"/>
           </a:p>
         </p:txBody>
@@ -2303,25 +1831,23 @@
             <p:ph type="sldNum" sz="quarter" idx="12"/>
           </p:nvPr>
         </p:nvSpPr>
-        <p:spPr/>
+        <p:spPr bwMode="auto"/>
         <p:txBody>
           <a:bodyPr/>
           <a:lstStyle/>
           <a:p>
+            <a:pPr>
+              <a:defRPr/>
+            </a:pPr>
             <a:fld id="{589D2B82-480D-4C17-9E37-4598A369A7AD}" type="slidenum">
-              <a:rPr lang="en-US" smtClean="0"/>
-              <a:t>‹#›</a:t>
+              <a:rPr lang="en-US"/>
+              <a:t/>
             </a:fld>
             <a:endParaRPr lang="en-US"/>
           </a:p>
         </p:txBody>
       </p:sp>
     </p:spTree>
-    <p:extLst>
-      <p:ext uri="{BB962C8B-B14F-4D97-AF65-F5344CB8AC3E}">
-        <p14:creationId xmlns:p14="http://schemas.microsoft.com/office/powerpoint/2010/main" val="260370844"/>
-      </p:ext>
-    </p:extLst>
   </p:cSld>
   <p:clrMapOvr>
     <a:masterClrMapping/>
@@ -2330,7 +1856,7 @@
 </file>
 
 <file path=ppt/slideLayouts/slideLayout13.xml><?xml version="1.0" encoding="utf-8"?>
-<p:sldLayout xmlns:a="http://schemas.openxmlformats.org/drawingml/2006/main" xmlns:r="http://schemas.openxmlformats.org/officeDocument/2006/relationships" xmlns:p="http://schemas.openxmlformats.org/presentationml/2006/main" preserve="1">
+<p:sldLayout xmlns:a="http://schemas.openxmlformats.org/drawingml/2006/main" xmlns:r="http://schemas.openxmlformats.org/officeDocument/2006/relationships" xmlns:p="http://schemas.openxmlformats.org/presentationml/2006/main" xmlns:m="http://schemas.openxmlformats.org/officeDocument/2006/math" xmlns:w="http://schemas.openxmlformats.org/wordprocessingml/2006/main" matchingName="" preserve="1" showMasterPhAnim="0" userDrawn="1">
   <p:cSld name="Quote Name Card">
     <p:spTree>
       <p:nvGrpSpPr>
@@ -2338,7 +1864,7 @@
         <p:cNvGrpSpPr/>
         <p:nvPr/>
       </p:nvGrpSpPr>
-      <p:grpSpPr>
+      <p:grpSpPr bwMode="auto">
         <a:xfrm>
           <a:off x="0" y="0"/>
           <a:ext cx="0" cy="0"/>
@@ -2356,7 +1882,7 @@
             <p:ph type="title"/>
           </p:nvPr>
         </p:nvSpPr>
-        <p:spPr>
+        <p:spPr bwMode="auto">
           <a:xfrm>
             <a:off x="931334" y="609600"/>
             <a:ext cx="8094134" cy="3022600"/>
@@ -2372,11 +1898,14 @@
             </a:lvl1pPr>
           </a:lstStyle>
           <a:p>
+            <a:pPr>
+              <a:defRPr/>
+            </a:pPr>
             <a:r>
               <a:rPr lang="en-US"/>
               <a:t>Click to edit Master title style</a:t>
             </a:r>
-            <a:endParaRPr lang="en-US" dirty="0"/>
+            <a:endParaRPr lang="en-US"/>
           </a:p>
         </p:txBody>
       </p:sp>
@@ -2390,7 +1919,7 @@
             <p:ph type="body" sz="quarter" idx="13"/>
           </p:nvPr>
         </p:nvSpPr>
-        <p:spPr>
+        <p:spPr bwMode="auto">
           <a:xfrm>
             <a:off x="677332" y="4013200"/>
             <a:ext cx="8596669" cy="514248"/>
@@ -2435,11 +1964,14 @@
             </a:lvl5pPr>
           </a:lstStyle>
           <a:p>
-            <a:pPr lvl="0"/>
+            <a:pPr lvl="0">
+              <a:defRPr/>
+            </a:pPr>
             <a:r>
               <a:rPr lang="en-US"/>
               <a:t>Edit Master text styles</a:t>
             </a:r>
+            <a:endParaRPr/>
           </a:p>
         </p:txBody>
       </p:sp>
@@ -2453,7 +1985,7 @@
             <p:ph type="body" idx="1"/>
           </p:nvPr>
         </p:nvSpPr>
-        <p:spPr>
+        <p:spPr bwMode="auto">
           <a:xfrm>
             <a:off x="677335" y="4527448"/>
             <a:ext cx="8596668" cy="1513914"/>
@@ -2557,11 +2089,14 @@
             </a:lvl9pPr>
           </a:lstStyle>
           <a:p>
-            <a:pPr lvl="0"/>
+            <a:pPr lvl="0">
+              <a:defRPr/>
+            </a:pPr>
             <a:r>
               <a:rPr lang="en-US"/>
               <a:t>Edit Master text styles</a:t>
             </a:r>
+            <a:endParaRPr/>
           </a:p>
         </p:txBody>
       </p:sp>
@@ -2575,14 +2110,17 @@
             <p:ph type="dt" sz="half" idx="10"/>
           </p:nvPr>
         </p:nvSpPr>
-        <p:spPr/>
+        <p:spPr bwMode="auto"/>
         <p:txBody>
           <a:bodyPr/>
           <a:lstStyle/>
           <a:p>
+            <a:pPr>
+              <a:defRPr/>
+            </a:pPr>
             <a:fld id="{66C7D333-9F60-49D1-8F75-20D2324FF5CF}" type="datetimeFigureOut">
-              <a:rPr lang="en-US" smtClean="0"/>
-              <a:t>9/12/2022</a:t>
+              <a:rPr lang="en-US"/>
+              <a:t/>
             </a:fld>
             <a:endParaRPr lang="en-US"/>
           </a:p>
@@ -2598,11 +2136,14 @@
             <p:ph type="ftr" sz="quarter" idx="11"/>
           </p:nvPr>
         </p:nvSpPr>
-        <p:spPr/>
+        <p:spPr bwMode="auto"/>
         <p:txBody>
           <a:bodyPr/>
           <a:lstStyle/>
           <a:p>
+            <a:pPr>
+              <a:defRPr/>
+            </a:pPr>
             <a:endParaRPr lang="en-US"/>
           </a:p>
         </p:txBody>
@@ -2617,14 +2158,17 @@
             <p:ph type="sldNum" sz="quarter" idx="12"/>
           </p:nvPr>
         </p:nvSpPr>
-        <p:spPr/>
+        <p:spPr bwMode="auto"/>
         <p:txBody>
           <a:bodyPr/>
           <a:lstStyle/>
           <a:p>
+            <a:pPr>
+              <a:defRPr/>
+            </a:pPr>
             <a:fld id="{589D2B82-480D-4C17-9E37-4598A369A7AD}" type="slidenum">
-              <a:rPr lang="en-US" smtClean="0"/>
-              <a:t>‹#›</a:t>
+              <a:rPr lang="en-US"/>
+              <a:t/>
             </a:fld>
             <a:endParaRPr lang="en-US"/>
           </a:p>
@@ -2636,10 +2180,10 @@
           <p:cNvSpPr txBox="1"/>
           <p:nvPr/>
         </p:nvSpPr>
-        <p:spPr>
+        <p:spPr bwMode="auto">
           <a:xfrm>
             <a:off x="541870" y="790378"/>
-            <a:ext cx="609600" cy="584776"/>
+            <a:ext cx="609600" cy="584775"/>
           </a:xfrm>
           <a:prstGeom prst="rect">
             <a:avLst/>
@@ -2651,9 +2195,11 @@
           </a:bodyPr>
           <a:lstStyle/>
           <a:p>
-            <a:pPr lvl="0"/>
-            <a:r>
-              <a:rPr lang="en-US" sz="8000" baseline="0" dirty="0">
+            <a:pPr lvl="0">
+              <a:defRPr/>
+            </a:pPr>
+            <a:r>
+              <a:rPr lang="en-US" sz="8000">
                 <a:ln w="3175" cmpd="sng">
                   <a:noFill/>
                 </a:ln>
@@ -2663,11 +2209,11 @@
                     <a:lumOff val="40000"/>
                   </a:schemeClr>
                 </a:solidFill>
-                <a:effectLst/>
                 <a:latin typeface="Arial"/>
               </a:rPr>
               <a:t>“</a:t>
             </a:r>
+            <a:endParaRPr/>
           </a:p>
         </p:txBody>
       </p:sp>
@@ -2677,10 +2223,10 @@
           <p:cNvSpPr txBox="1"/>
           <p:nvPr/>
         </p:nvSpPr>
-        <p:spPr>
+        <p:spPr bwMode="auto">
           <a:xfrm>
             <a:off x="8893011" y="2886556"/>
-            <a:ext cx="609600" cy="584776"/>
+            <a:ext cx="609600" cy="584775"/>
           </a:xfrm>
           <a:prstGeom prst="rect">
             <a:avLst/>
@@ -2692,9 +2238,11 @@
           </a:bodyPr>
           <a:lstStyle/>
           <a:p>
-            <a:pPr lvl="0"/>
-            <a:r>
-              <a:rPr lang="en-US" sz="8000" baseline="0" dirty="0">
+            <a:pPr lvl="0">
+              <a:defRPr/>
+            </a:pPr>
+            <a:r>
+              <a:rPr lang="en-US" sz="8000">
                 <a:ln w="3175" cmpd="sng">
                   <a:noFill/>
                 </a:ln>
@@ -2704,20 +2252,15 @@
                     <a:lumOff val="40000"/>
                   </a:schemeClr>
                 </a:solidFill>
-                <a:effectLst/>
                 <a:latin typeface="Arial"/>
               </a:rPr>
               <a:t>”</a:t>
             </a:r>
+            <a:endParaRPr/>
           </a:p>
         </p:txBody>
       </p:sp>
     </p:spTree>
-    <p:extLst>
-      <p:ext uri="{BB962C8B-B14F-4D97-AF65-F5344CB8AC3E}">
-        <p14:creationId xmlns:p14="http://schemas.microsoft.com/office/powerpoint/2010/main" val="3344536181"/>
-      </p:ext>
-    </p:extLst>
   </p:cSld>
   <p:clrMapOvr>
     <a:masterClrMapping/>
@@ -2726,7 +2269,7 @@
 </file>
 
 <file path=ppt/slideLayouts/slideLayout14.xml><?xml version="1.0" encoding="utf-8"?>
-<p:sldLayout xmlns:a="http://schemas.openxmlformats.org/drawingml/2006/main" xmlns:r="http://schemas.openxmlformats.org/officeDocument/2006/relationships" xmlns:p="http://schemas.openxmlformats.org/presentationml/2006/main" preserve="1">
+<p:sldLayout xmlns:a="http://schemas.openxmlformats.org/drawingml/2006/main" xmlns:r="http://schemas.openxmlformats.org/officeDocument/2006/relationships" xmlns:p="http://schemas.openxmlformats.org/presentationml/2006/main" xmlns:m="http://schemas.openxmlformats.org/officeDocument/2006/math" xmlns:w="http://schemas.openxmlformats.org/wordprocessingml/2006/main" matchingName="" preserve="1" showMasterPhAnim="0" userDrawn="1">
   <p:cSld name="True or False">
     <p:spTree>
       <p:nvGrpSpPr>
@@ -2734,7 +2277,7 @@
         <p:cNvGrpSpPr/>
         <p:nvPr/>
       </p:nvGrpSpPr>
-      <p:grpSpPr>
+      <p:grpSpPr bwMode="auto">
         <a:xfrm>
           <a:off x="0" y="0"/>
           <a:ext cx="0" cy="0"/>
@@ -2752,7 +2295,7 @@
             <p:ph type="title"/>
           </p:nvPr>
         </p:nvSpPr>
-        <p:spPr>
+        <p:spPr bwMode="auto">
           <a:xfrm>
             <a:off x="685799" y="609600"/>
             <a:ext cx="8588203" cy="3022600"/>
@@ -2768,11 +2311,14 @@
             </a:lvl1pPr>
           </a:lstStyle>
           <a:p>
+            <a:pPr>
+              <a:defRPr/>
+            </a:pPr>
             <a:r>
               <a:rPr lang="en-US"/>
               <a:t>Click to edit Master title style</a:t>
             </a:r>
-            <a:endParaRPr lang="en-US" dirty="0"/>
+            <a:endParaRPr lang="en-US"/>
           </a:p>
         </p:txBody>
       </p:sp>
@@ -2786,7 +2332,7 @@
             <p:ph type="body" sz="quarter" idx="13"/>
           </p:nvPr>
         </p:nvSpPr>
-        <p:spPr>
+        <p:spPr bwMode="auto">
           <a:xfrm>
             <a:off x="677332" y="4013200"/>
             <a:ext cx="8596669" cy="514248"/>
@@ -2828,11 +2374,14 @@
             </a:lvl5pPr>
           </a:lstStyle>
           <a:p>
-            <a:pPr lvl="0"/>
+            <a:pPr lvl="0">
+              <a:defRPr/>
+            </a:pPr>
             <a:r>
               <a:rPr lang="en-US"/>
               <a:t>Edit Master text styles</a:t>
             </a:r>
+            <a:endParaRPr/>
           </a:p>
         </p:txBody>
       </p:sp>
@@ -2846,7 +2395,7 @@
             <p:ph type="body" idx="1"/>
           </p:nvPr>
         </p:nvSpPr>
-        <p:spPr>
+        <p:spPr bwMode="auto">
           <a:xfrm>
             <a:off x="677335" y="4527448"/>
             <a:ext cx="8596668" cy="1513914"/>
@@ -2950,11 +2499,14 @@
             </a:lvl9pPr>
           </a:lstStyle>
           <a:p>
-            <a:pPr lvl="0"/>
+            <a:pPr lvl="0">
+              <a:defRPr/>
+            </a:pPr>
             <a:r>
               <a:rPr lang="en-US"/>
               <a:t>Edit Master text styles</a:t>
             </a:r>
+            <a:endParaRPr/>
           </a:p>
         </p:txBody>
       </p:sp>
@@ -2968,14 +2520,17 @@
             <p:ph type="dt" sz="half" idx="10"/>
           </p:nvPr>
         </p:nvSpPr>
-        <p:spPr/>
+        <p:spPr bwMode="auto"/>
         <p:txBody>
           <a:bodyPr/>
           <a:lstStyle/>
           <a:p>
+            <a:pPr>
+              <a:defRPr/>
+            </a:pPr>
             <a:fld id="{66C7D333-9F60-49D1-8F75-20D2324FF5CF}" type="datetimeFigureOut">
-              <a:rPr lang="en-US" smtClean="0"/>
-              <a:t>9/12/2022</a:t>
+              <a:rPr lang="en-US"/>
+              <a:t/>
             </a:fld>
             <a:endParaRPr lang="en-US"/>
           </a:p>
@@ -2991,11 +2546,14 @@
             <p:ph type="ftr" sz="quarter" idx="11"/>
           </p:nvPr>
         </p:nvSpPr>
-        <p:spPr/>
+        <p:spPr bwMode="auto"/>
         <p:txBody>
           <a:bodyPr/>
           <a:lstStyle/>
           <a:p>
+            <a:pPr>
+              <a:defRPr/>
+            </a:pPr>
             <a:endParaRPr lang="en-US"/>
           </a:p>
         </p:txBody>
@@ -3010,25 +2568,23 @@
             <p:ph type="sldNum" sz="quarter" idx="12"/>
           </p:nvPr>
         </p:nvSpPr>
-        <p:spPr/>
+        <p:spPr bwMode="auto"/>
         <p:txBody>
           <a:bodyPr/>
           <a:lstStyle/>
           <a:p>
+            <a:pPr>
+              <a:defRPr/>
+            </a:pPr>
             <a:fld id="{589D2B82-480D-4C17-9E37-4598A369A7AD}" type="slidenum">
-              <a:rPr lang="en-US" smtClean="0"/>
-              <a:t>‹#›</a:t>
+              <a:rPr lang="en-US"/>
+              <a:t/>
             </a:fld>
             <a:endParaRPr lang="en-US"/>
           </a:p>
         </p:txBody>
       </p:sp>
     </p:spTree>
-    <p:extLst>
-      <p:ext uri="{BB962C8B-B14F-4D97-AF65-F5344CB8AC3E}">
-        <p14:creationId xmlns:p14="http://schemas.microsoft.com/office/powerpoint/2010/main" val="3468766712"/>
-      </p:ext>
-    </p:extLst>
   </p:cSld>
   <p:clrMapOvr>
     <a:masterClrMapping/>
@@ -3037,7 +2593,7 @@
 </file>
 
 <file path=ppt/slideLayouts/slideLayout15.xml><?xml version="1.0" encoding="utf-8"?>
-<p:sldLayout xmlns:a="http://schemas.openxmlformats.org/drawingml/2006/main" xmlns:r="http://schemas.openxmlformats.org/officeDocument/2006/relationships" xmlns:p="http://schemas.openxmlformats.org/presentationml/2006/main" type="vertTx" preserve="1">
+<p:sldLayout xmlns:a="http://schemas.openxmlformats.org/drawingml/2006/main" xmlns:r="http://schemas.openxmlformats.org/officeDocument/2006/relationships" xmlns:p="http://schemas.openxmlformats.org/presentationml/2006/main" xmlns:m="http://schemas.openxmlformats.org/officeDocument/2006/math" xmlns:w="http://schemas.openxmlformats.org/wordprocessingml/2006/main" matchingName="" preserve="1" showMasterPhAnim="0" type="vertTx" userDrawn="1">
   <p:cSld name="Title and Vertical Text">
     <p:spTree>
       <p:nvGrpSpPr>
@@ -3045,7 +2601,7 @@
         <p:cNvGrpSpPr/>
         <p:nvPr/>
       </p:nvGrpSpPr>
-      <p:grpSpPr>
+      <p:grpSpPr bwMode="auto">
         <a:xfrm>
           <a:off x="0" y="0"/>
           <a:ext cx="0" cy="0"/>
@@ -3063,16 +2619,19 @@
             <p:ph type="title"/>
           </p:nvPr>
         </p:nvSpPr>
-        <p:spPr/>
+        <p:spPr bwMode="auto"/>
         <p:txBody>
           <a:bodyPr/>
           <a:lstStyle/>
           <a:p>
+            <a:pPr>
+              <a:defRPr/>
+            </a:pPr>
             <a:r>
               <a:rPr lang="en-US"/>
               <a:t>Click to edit Master title style</a:t>
             </a:r>
-            <a:endParaRPr lang="en-US" dirty="0"/>
+            <a:endParaRPr lang="en-US"/>
           </a:p>
         </p:txBody>
       </p:sp>
@@ -3086,45 +2645,59 @@
             <p:ph type="body" orient="vert" idx="1"/>
           </p:nvPr>
         </p:nvSpPr>
-        <p:spPr/>
+        <p:spPr bwMode="auto"/>
         <p:txBody>
           <a:bodyPr vert="eaVert"/>
           <a:lstStyle/>
           <a:p>
-            <a:pPr lvl="0"/>
+            <a:pPr lvl="0">
+              <a:defRPr/>
+            </a:pPr>
             <a:r>
               <a:rPr lang="en-US"/>
               <a:t>Edit Master text styles</a:t>
             </a:r>
-          </a:p>
-          <a:p>
-            <a:pPr lvl="1"/>
+            <a:endParaRPr/>
+          </a:p>
+          <a:p>
+            <a:pPr lvl="1">
+              <a:defRPr/>
+            </a:pPr>
             <a:r>
               <a:rPr lang="en-US"/>
               <a:t>Second level</a:t>
             </a:r>
-          </a:p>
-          <a:p>
-            <a:pPr lvl="2"/>
+            <a:endParaRPr/>
+          </a:p>
+          <a:p>
+            <a:pPr lvl="2">
+              <a:defRPr/>
+            </a:pPr>
             <a:r>
               <a:rPr lang="en-US"/>
               <a:t>Third level</a:t>
             </a:r>
-          </a:p>
-          <a:p>
-            <a:pPr lvl="3"/>
+            <a:endParaRPr/>
+          </a:p>
+          <a:p>
+            <a:pPr lvl="3">
+              <a:defRPr/>
+            </a:pPr>
             <a:r>
               <a:rPr lang="en-US"/>
               <a:t>Fourth level</a:t>
             </a:r>
-          </a:p>
-          <a:p>
-            <a:pPr lvl="4"/>
+            <a:endParaRPr/>
+          </a:p>
+          <a:p>
+            <a:pPr lvl="4">
+              <a:defRPr/>
+            </a:pPr>
             <a:r>
               <a:rPr lang="en-US"/>
               <a:t>Fifth level</a:t>
             </a:r>
-            <a:endParaRPr lang="en-US" dirty="0"/>
+            <a:endParaRPr lang="en-US"/>
           </a:p>
         </p:txBody>
       </p:sp>
@@ -3138,14 +2711,17 @@
             <p:ph type="dt" sz="half" idx="10"/>
           </p:nvPr>
         </p:nvSpPr>
-        <p:spPr/>
+        <p:spPr bwMode="auto"/>
         <p:txBody>
           <a:bodyPr/>
           <a:lstStyle/>
           <a:p>
+            <a:pPr>
+              <a:defRPr/>
+            </a:pPr>
             <a:fld id="{66C7D333-9F60-49D1-8F75-20D2324FF5CF}" type="datetimeFigureOut">
-              <a:rPr lang="en-US" smtClean="0"/>
-              <a:t>9/12/2022</a:t>
+              <a:rPr lang="en-US"/>
+              <a:t/>
             </a:fld>
             <a:endParaRPr lang="en-US"/>
           </a:p>
@@ -3161,11 +2737,14 @@
             <p:ph type="ftr" sz="quarter" idx="11"/>
           </p:nvPr>
         </p:nvSpPr>
-        <p:spPr/>
+        <p:spPr bwMode="auto"/>
         <p:txBody>
           <a:bodyPr/>
           <a:lstStyle/>
           <a:p>
+            <a:pPr>
+              <a:defRPr/>
+            </a:pPr>
             <a:endParaRPr lang="en-US"/>
           </a:p>
         </p:txBody>
@@ -3180,25 +2759,23 @@
             <p:ph type="sldNum" sz="quarter" idx="12"/>
           </p:nvPr>
         </p:nvSpPr>
-        <p:spPr/>
+        <p:spPr bwMode="auto"/>
         <p:txBody>
           <a:bodyPr/>
           <a:lstStyle/>
           <a:p>
+            <a:pPr>
+              <a:defRPr/>
+            </a:pPr>
             <a:fld id="{589D2B82-480D-4C17-9E37-4598A369A7AD}" type="slidenum">
-              <a:rPr lang="en-US" smtClean="0"/>
-              <a:t>‹#›</a:t>
+              <a:rPr lang="en-US"/>
+              <a:t/>
             </a:fld>
             <a:endParaRPr lang="en-US"/>
           </a:p>
         </p:txBody>
       </p:sp>
     </p:spTree>
-    <p:extLst>
-      <p:ext uri="{BB962C8B-B14F-4D97-AF65-F5344CB8AC3E}">
-        <p14:creationId xmlns:p14="http://schemas.microsoft.com/office/powerpoint/2010/main" val="1797256655"/>
-      </p:ext>
-    </p:extLst>
   </p:cSld>
   <p:clrMapOvr>
     <a:masterClrMapping/>
@@ -3207,7 +2784,7 @@
 </file>
 
 <file path=ppt/slideLayouts/slideLayout16.xml><?xml version="1.0" encoding="utf-8"?>
-<p:sldLayout xmlns:a="http://schemas.openxmlformats.org/drawingml/2006/main" xmlns:r="http://schemas.openxmlformats.org/officeDocument/2006/relationships" xmlns:p="http://schemas.openxmlformats.org/presentationml/2006/main" type="vertTitleAndTx" preserve="1">
+<p:sldLayout xmlns:a="http://schemas.openxmlformats.org/drawingml/2006/main" xmlns:r="http://schemas.openxmlformats.org/officeDocument/2006/relationships" xmlns:p="http://schemas.openxmlformats.org/presentationml/2006/main" xmlns:m="http://schemas.openxmlformats.org/officeDocument/2006/math" xmlns:w="http://schemas.openxmlformats.org/wordprocessingml/2006/main" matchingName="" preserve="1" showMasterPhAnim="0" type="vertTitleAndTx" userDrawn="1">
   <p:cSld name="Vertical Title and Text">
     <p:spTree>
       <p:nvGrpSpPr>
@@ -3215,7 +2792,7 @@
         <p:cNvGrpSpPr/>
         <p:nvPr/>
       </p:nvGrpSpPr>
-      <p:grpSpPr>
+      <p:grpSpPr bwMode="auto">
         <a:xfrm>
           <a:off x="0" y="0"/>
           <a:ext cx="0" cy="0"/>
@@ -3233,7 +2810,7 @@
             <p:ph type="title" orient="vert"/>
           </p:nvPr>
         </p:nvSpPr>
-        <p:spPr>
+        <p:spPr bwMode="auto">
           <a:xfrm>
             <a:off x="7967673" y="609599"/>
             <a:ext cx="1304743" cy="5251451"/>
@@ -3243,11 +2820,14 @@
           <a:bodyPr vert="eaVert" anchor="ctr"/>
           <a:lstStyle/>
           <a:p>
+            <a:pPr>
+              <a:defRPr/>
+            </a:pPr>
             <a:r>
               <a:rPr lang="en-US"/>
               <a:t>Click to edit Master title style</a:t>
             </a:r>
-            <a:endParaRPr lang="en-US" dirty="0"/>
+            <a:endParaRPr lang="en-US"/>
           </a:p>
         </p:txBody>
       </p:sp>
@@ -3261,7 +2841,7 @@
             <p:ph type="body" orient="vert" idx="1"/>
           </p:nvPr>
         </p:nvSpPr>
-        <p:spPr>
+        <p:spPr bwMode="auto">
           <a:xfrm>
             <a:off x="677335" y="609600"/>
             <a:ext cx="7060150" cy="5251450"/>
@@ -3271,40 +2851,54 @@
           <a:bodyPr vert="eaVert"/>
           <a:lstStyle/>
           <a:p>
-            <a:pPr lvl="0"/>
+            <a:pPr lvl="0">
+              <a:defRPr/>
+            </a:pPr>
             <a:r>
               <a:rPr lang="en-US"/>
               <a:t>Edit Master text styles</a:t>
             </a:r>
-          </a:p>
-          <a:p>
-            <a:pPr lvl="1"/>
+            <a:endParaRPr/>
+          </a:p>
+          <a:p>
+            <a:pPr lvl="1">
+              <a:defRPr/>
+            </a:pPr>
             <a:r>
               <a:rPr lang="en-US"/>
               <a:t>Second level</a:t>
             </a:r>
-          </a:p>
-          <a:p>
-            <a:pPr lvl="2"/>
+            <a:endParaRPr/>
+          </a:p>
+          <a:p>
+            <a:pPr lvl="2">
+              <a:defRPr/>
+            </a:pPr>
             <a:r>
               <a:rPr lang="en-US"/>
               <a:t>Third level</a:t>
             </a:r>
-          </a:p>
-          <a:p>
-            <a:pPr lvl="3"/>
+            <a:endParaRPr/>
+          </a:p>
+          <a:p>
+            <a:pPr lvl="3">
+              <a:defRPr/>
+            </a:pPr>
             <a:r>
               <a:rPr lang="en-US"/>
               <a:t>Fourth level</a:t>
             </a:r>
-          </a:p>
-          <a:p>
-            <a:pPr lvl="4"/>
+            <a:endParaRPr/>
+          </a:p>
+          <a:p>
+            <a:pPr lvl="4">
+              <a:defRPr/>
+            </a:pPr>
             <a:r>
               <a:rPr lang="en-US"/>
               <a:t>Fifth level</a:t>
             </a:r>
-            <a:endParaRPr lang="en-US" dirty="0"/>
+            <a:endParaRPr lang="en-US"/>
           </a:p>
         </p:txBody>
       </p:sp>
@@ -3318,14 +2912,17 @@
             <p:ph type="dt" sz="half" idx="10"/>
           </p:nvPr>
         </p:nvSpPr>
-        <p:spPr/>
+        <p:spPr bwMode="auto"/>
         <p:txBody>
           <a:bodyPr/>
           <a:lstStyle/>
           <a:p>
+            <a:pPr>
+              <a:defRPr/>
+            </a:pPr>
             <a:fld id="{66C7D333-9F60-49D1-8F75-20D2324FF5CF}" type="datetimeFigureOut">
-              <a:rPr lang="en-US" smtClean="0"/>
-              <a:t>9/12/2022</a:t>
+              <a:rPr lang="en-US"/>
+              <a:t/>
             </a:fld>
             <a:endParaRPr lang="en-US"/>
           </a:p>
@@ -3341,11 +2938,14 @@
             <p:ph type="ftr" sz="quarter" idx="11"/>
           </p:nvPr>
         </p:nvSpPr>
-        <p:spPr/>
+        <p:spPr bwMode="auto"/>
         <p:txBody>
           <a:bodyPr/>
           <a:lstStyle/>
           <a:p>
+            <a:pPr>
+              <a:defRPr/>
+            </a:pPr>
             <a:endParaRPr lang="en-US"/>
           </a:p>
         </p:txBody>
@@ -3360,25 +2960,23 @@
             <p:ph type="sldNum" sz="quarter" idx="12"/>
           </p:nvPr>
         </p:nvSpPr>
-        <p:spPr/>
+        <p:spPr bwMode="auto"/>
         <p:txBody>
           <a:bodyPr/>
           <a:lstStyle/>
           <a:p>
+            <a:pPr>
+              <a:defRPr/>
+            </a:pPr>
             <a:fld id="{589D2B82-480D-4C17-9E37-4598A369A7AD}" type="slidenum">
-              <a:rPr lang="en-US" smtClean="0"/>
-              <a:t>‹#›</a:t>
+              <a:rPr lang="en-US"/>
+              <a:t/>
             </a:fld>
             <a:endParaRPr lang="en-US"/>
           </a:p>
         </p:txBody>
       </p:sp>
     </p:spTree>
-    <p:extLst>
-      <p:ext uri="{BB962C8B-B14F-4D97-AF65-F5344CB8AC3E}">
-        <p14:creationId xmlns:p14="http://schemas.microsoft.com/office/powerpoint/2010/main" val="2113834571"/>
-      </p:ext>
-    </p:extLst>
   </p:cSld>
   <p:clrMapOvr>
     <a:masterClrMapping/>
@@ -3387,7 +2985,7 @@
 </file>
 
 <file path=ppt/slideLayouts/slideLayout2.xml><?xml version="1.0" encoding="utf-8"?>
-<p:sldLayout xmlns:a="http://schemas.openxmlformats.org/drawingml/2006/main" xmlns:r="http://schemas.openxmlformats.org/officeDocument/2006/relationships" xmlns:p="http://schemas.openxmlformats.org/presentationml/2006/main" type="obj" preserve="1">
+<p:sldLayout xmlns:a="http://schemas.openxmlformats.org/drawingml/2006/main" xmlns:r="http://schemas.openxmlformats.org/officeDocument/2006/relationships" xmlns:p="http://schemas.openxmlformats.org/presentationml/2006/main" xmlns:m="http://schemas.openxmlformats.org/officeDocument/2006/math" xmlns:w="http://schemas.openxmlformats.org/wordprocessingml/2006/main" matchingName="" preserve="1" showMasterPhAnim="0" type="obj" userDrawn="1">
   <p:cSld name="Title and Content">
     <p:spTree>
       <p:nvGrpSpPr>
@@ -3395,7 +2993,7 @@
         <p:cNvGrpSpPr/>
         <p:nvPr/>
       </p:nvGrpSpPr>
-      <p:grpSpPr>
+      <p:grpSpPr bwMode="auto">
         <a:xfrm>
           <a:off x="0" y="0"/>
           <a:ext cx="0" cy="0"/>
@@ -3413,7 +3011,7 @@
             <p:ph type="title"/>
           </p:nvPr>
         </p:nvSpPr>
-        <p:spPr/>
+        <p:spPr bwMode="auto"/>
         <p:txBody>
           <a:bodyPr>
             <a:normAutofit/>
@@ -3424,11 +3022,14 @@
             </a:lvl1pPr>
           </a:lstStyle>
           <a:p>
+            <a:pPr>
+              <a:defRPr/>
+            </a:pPr>
             <a:r>
               <a:rPr lang="en-US"/>
               <a:t>Click to edit Master title style</a:t>
             </a:r>
-            <a:endParaRPr lang="en-US" dirty="0"/>
+            <a:endParaRPr lang="en-US"/>
           </a:p>
         </p:txBody>
       </p:sp>
@@ -3442,45 +3043,59 @@
             <p:ph idx="1"/>
           </p:nvPr>
         </p:nvSpPr>
-        <p:spPr/>
+        <p:spPr bwMode="auto"/>
         <p:txBody>
           <a:bodyPr/>
           <a:lstStyle/>
           <a:p>
-            <a:pPr lvl="0"/>
+            <a:pPr lvl="0">
+              <a:defRPr/>
+            </a:pPr>
             <a:r>
               <a:rPr lang="en-US"/>
               <a:t>Edit Master text styles</a:t>
             </a:r>
-          </a:p>
-          <a:p>
-            <a:pPr lvl="1"/>
+            <a:endParaRPr/>
+          </a:p>
+          <a:p>
+            <a:pPr lvl="1">
+              <a:defRPr/>
+            </a:pPr>
             <a:r>
               <a:rPr lang="en-US"/>
               <a:t>Second level</a:t>
             </a:r>
-          </a:p>
-          <a:p>
-            <a:pPr lvl="2"/>
+            <a:endParaRPr/>
+          </a:p>
+          <a:p>
+            <a:pPr lvl="2">
+              <a:defRPr/>
+            </a:pPr>
             <a:r>
               <a:rPr lang="en-US"/>
               <a:t>Third level</a:t>
             </a:r>
-          </a:p>
-          <a:p>
-            <a:pPr lvl="3"/>
+            <a:endParaRPr/>
+          </a:p>
+          <a:p>
+            <a:pPr lvl="3">
+              <a:defRPr/>
+            </a:pPr>
             <a:r>
               <a:rPr lang="en-US"/>
               <a:t>Fourth level</a:t>
             </a:r>
-          </a:p>
-          <a:p>
-            <a:pPr lvl="4"/>
+            <a:endParaRPr/>
+          </a:p>
+          <a:p>
+            <a:pPr lvl="4">
+              <a:defRPr/>
+            </a:pPr>
             <a:r>
               <a:rPr lang="en-US"/>
               <a:t>Fifth level</a:t>
             </a:r>
-            <a:endParaRPr lang="en-US" dirty="0"/>
+            <a:endParaRPr lang="en-US"/>
           </a:p>
         </p:txBody>
       </p:sp>
@@ -3494,14 +3109,17 @@
             <p:ph type="dt" sz="half" idx="10"/>
           </p:nvPr>
         </p:nvSpPr>
-        <p:spPr/>
+        <p:spPr bwMode="auto"/>
         <p:txBody>
           <a:bodyPr/>
           <a:lstStyle/>
           <a:p>
+            <a:pPr>
+              <a:defRPr/>
+            </a:pPr>
             <a:fld id="{66C7D333-9F60-49D1-8F75-20D2324FF5CF}" type="datetimeFigureOut">
-              <a:rPr lang="en-US" smtClean="0"/>
-              <a:t>9/12/2022</a:t>
+              <a:rPr lang="en-US"/>
+              <a:t/>
             </a:fld>
             <a:endParaRPr lang="en-US"/>
           </a:p>
@@ -3517,11 +3135,14 @@
             <p:ph type="ftr" sz="quarter" idx="11"/>
           </p:nvPr>
         </p:nvSpPr>
-        <p:spPr/>
+        <p:spPr bwMode="auto"/>
         <p:txBody>
           <a:bodyPr/>
           <a:lstStyle/>
           <a:p>
+            <a:pPr>
+              <a:defRPr/>
+            </a:pPr>
             <a:endParaRPr lang="en-US"/>
           </a:p>
         </p:txBody>
@@ -3536,25 +3157,23 @@
             <p:ph type="sldNum" sz="quarter" idx="12"/>
           </p:nvPr>
         </p:nvSpPr>
-        <p:spPr/>
+        <p:spPr bwMode="auto"/>
         <p:txBody>
           <a:bodyPr/>
           <a:lstStyle/>
           <a:p>
+            <a:pPr>
+              <a:defRPr/>
+            </a:pPr>
             <a:fld id="{589D2B82-480D-4C17-9E37-4598A369A7AD}" type="slidenum">
-              <a:rPr lang="en-US" smtClean="0"/>
-              <a:t>‹#›</a:t>
+              <a:rPr lang="en-US"/>
+              <a:t/>
             </a:fld>
             <a:endParaRPr lang="en-US"/>
           </a:p>
         </p:txBody>
       </p:sp>
     </p:spTree>
-    <p:extLst>
-      <p:ext uri="{BB962C8B-B14F-4D97-AF65-F5344CB8AC3E}">
-        <p14:creationId xmlns:p14="http://schemas.microsoft.com/office/powerpoint/2010/main" val="554812005"/>
-      </p:ext>
-    </p:extLst>
   </p:cSld>
   <p:clrMapOvr>
     <a:masterClrMapping/>
@@ -3563,7 +3182,7 @@
 </file>
 
 <file path=ppt/slideLayouts/slideLayout3.xml><?xml version="1.0" encoding="utf-8"?>
-<p:sldLayout xmlns:a="http://schemas.openxmlformats.org/drawingml/2006/main" xmlns:r="http://schemas.openxmlformats.org/officeDocument/2006/relationships" xmlns:p="http://schemas.openxmlformats.org/presentationml/2006/main" type="secHead" preserve="1">
+<p:sldLayout xmlns:a="http://schemas.openxmlformats.org/drawingml/2006/main" xmlns:r="http://schemas.openxmlformats.org/officeDocument/2006/relationships" xmlns:p="http://schemas.openxmlformats.org/presentationml/2006/main" xmlns:m="http://schemas.openxmlformats.org/officeDocument/2006/math" xmlns:w="http://schemas.openxmlformats.org/wordprocessingml/2006/main" matchingName="" preserve="1" showMasterPhAnim="0" type="secHead" userDrawn="1">
   <p:cSld name="Section Header">
     <p:spTree>
       <p:nvGrpSpPr>
@@ -3571,7 +3190,7 @@
         <p:cNvGrpSpPr/>
         <p:nvPr/>
       </p:nvGrpSpPr>
-      <p:grpSpPr>
+      <p:grpSpPr bwMode="auto">
         <a:xfrm>
           <a:off x="0" y="0"/>
           <a:ext cx="0" cy="0"/>
@@ -3589,7 +3208,7 @@
             <p:ph type="title"/>
           </p:nvPr>
         </p:nvSpPr>
-        <p:spPr>
+        <p:spPr bwMode="auto">
           <a:xfrm>
             <a:off x="677335" y="2700867"/>
             <a:ext cx="8596668" cy="1826581"/>
@@ -3603,11 +3222,14 @@
             </a:lvl1pPr>
           </a:lstStyle>
           <a:p>
+            <a:pPr>
+              <a:defRPr/>
+            </a:pPr>
             <a:r>
               <a:rPr lang="en-US"/>
               <a:t>Click to edit Master title style</a:t>
             </a:r>
-            <a:endParaRPr lang="en-US" dirty="0"/>
+            <a:endParaRPr lang="en-US"/>
           </a:p>
         </p:txBody>
       </p:sp>
@@ -3621,7 +3243,7 @@
             <p:ph type="body" idx="1"/>
           </p:nvPr>
         </p:nvSpPr>
-        <p:spPr>
+        <p:spPr bwMode="auto">
           <a:xfrm>
             <a:off x="677335" y="4527448"/>
             <a:ext cx="8596668" cy="860400"/>
@@ -3723,11 +3345,14 @@
             </a:lvl9pPr>
           </a:lstStyle>
           <a:p>
-            <a:pPr lvl="0"/>
+            <a:pPr lvl="0">
+              <a:defRPr/>
+            </a:pPr>
             <a:r>
               <a:rPr lang="en-US"/>
               <a:t>Edit Master text styles</a:t>
             </a:r>
+            <a:endParaRPr/>
           </a:p>
         </p:txBody>
       </p:sp>
@@ -3741,14 +3366,17 @@
             <p:ph type="dt" sz="half" idx="10"/>
           </p:nvPr>
         </p:nvSpPr>
-        <p:spPr/>
+        <p:spPr bwMode="auto"/>
         <p:txBody>
           <a:bodyPr/>
           <a:lstStyle/>
           <a:p>
+            <a:pPr>
+              <a:defRPr/>
+            </a:pPr>
             <a:fld id="{66C7D333-9F60-49D1-8F75-20D2324FF5CF}" type="datetimeFigureOut">
-              <a:rPr lang="en-US" smtClean="0"/>
-              <a:t>9/12/2022</a:t>
+              <a:rPr lang="en-US"/>
+              <a:t/>
             </a:fld>
             <a:endParaRPr lang="en-US"/>
           </a:p>
@@ -3764,11 +3392,14 @@
             <p:ph type="ftr" sz="quarter" idx="11"/>
           </p:nvPr>
         </p:nvSpPr>
-        <p:spPr/>
+        <p:spPr bwMode="auto"/>
         <p:txBody>
           <a:bodyPr/>
           <a:lstStyle/>
           <a:p>
+            <a:pPr>
+              <a:defRPr/>
+            </a:pPr>
             <a:endParaRPr lang="en-US"/>
           </a:p>
         </p:txBody>
@@ -3783,25 +3414,23 @@
             <p:ph type="sldNum" sz="quarter" idx="12"/>
           </p:nvPr>
         </p:nvSpPr>
-        <p:spPr/>
+        <p:spPr bwMode="auto"/>
         <p:txBody>
           <a:bodyPr/>
           <a:lstStyle/>
           <a:p>
+            <a:pPr>
+              <a:defRPr/>
+            </a:pPr>
             <a:fld id="{589D2B82-480D-4C17-9E37-4598A369A7AD}" type="slidenum">
-              <a:rPr lang="en-US" smtClean="0"/>
-              <a:t>‹#›</a:t>
+              <a:rPr lang="en-US"/>
+              <a:t/>
             </a:fld>
             <a:endParaRPr lang="en-US"/>
           </a:p>
         </p:txBody>
       </p:sp>
     </p:spTree>
-    <p:extLst>
-      <p:ext uri="{BB962C8B-B14F-4D97-AF65-F5344CB8AC3E}">
-        <p14:creationId xmlns:p14="http://schemas.microsoft.com/office/powerpoint/2010/main" val="2745917193"/>
-      </p:ext>
-    </p:extLst>
   </p:cSld>
   <p:clrMapOvr>
     <a:masterClrMapping/>
@@ -3810,7 +3439,7 @@
 </file>
 
 <file path=ppt/slideLayouts/slideLayout4.xml><?xml version="1.0" encoding="utf-8"?>
-<p:sldLayout xmlns:a="http://schemas.openxmlformats.org/drawingml/2006/main" xmlns:r="http://schemas.openxmlformats.org/officeDocument/2006/relationships" xmlns:p="http://schemas.openxmlformats.org/presentationml/2006/main" type="twoObj" preserve="1">
+<p:sldLayout xmlns:a="http://schemas.openxmlformats.org/drawingml/2006/main" xmlns:r="http://schemas.openxmlformats.org/officeDocument/2006/relationships" xmlns:p="http://schemas.openxmlformats.org/presentationml/2006/main" xmlns:m="http://schemas.openxmlformats.org/officeDocument/2006/math" xmlns:w="http://schemas.openxmlformats.org/wordprocessingml/2006/main" matchingName="" preserve="1" showMasterPhAnim="0" type="twoObj" userDrawn="1">
   <p:cSld name="Two Content">
     <p:spTree>
       <p:nvGrpSpPr>
@@ -3818,7 +3447,7 @@
         <p:cNvGrpSpPr/>
         <p:nvPr/>
       </p:nvGrpSpPr>
-      <p:grpSpPr>
+      <p:grpSpPr bwMode="auto">
         <a:xfrm>
           <a:off x="0" y="0"/>
           <a:ext cx="0" cy="0"/>
@@ -3836,16 +3465,19 @@
             <p:ph type="title"/>
           </p:nvPr>
         </p:nvSpPr>
-        <p:spPr/>
+        <p:spPr bwMode="auto"/>
         <p:txBody>
           <a:bodyPr/>
           <a:lstStyle/>
           <a:p>
+            <a:pPr>
+              <a:defRPr/>
+            </a:pPr>
             <a:r>
               <a:rPr lang="en-US"/>
               <a:t>Click to edit Master title style</a:t>
             </a:r>
-            <a:endParaRPr lang="en-US" dirty="0"/>
+            <a:endParaRPr lang="en-US"/>
           </a:p>
         </p:txBody>
       </p:sp>
@@ -3859,7 +3491,7 @@
             <p:ph sz="half" idx="1"/>
           </p:nvPr>
         </p:nvSpPr>
-        <p:spPr>
+        <p:spPr bwMode="auto">
           <a:xfrm>
             <a:off x="677334" y="2160589"/>
             <a:ext cx="4184035" cy="3880772"/>
@@ -3869,40 +3501,54 @@
           <a:bodyPr/>
           <a:lstStyle/>
           <a:p>
-            <a:pPr lvl="0"/>
+            <a:pPr lvl="0">
+              <a:defRPr/>
+            </a:pPr>
             <a:r>
               <a:rPr lang="en-US"/>
               <a:t>Edit Master text styles</a:t>
             </a:r>
-          </a:p>
-          <a:p>
-            <a:pPr lvl="1"/>
+            <a:endParaRPr/>
+          </a:p>
+          <a:p>
+            <a:pPr lvl="1">
+              <a:defRPr/>
+            </a:pPr>
             <a:r>
               <a:rPr lang="en-US"/>
               <a:t>Second level</a:t>
             </a:r>
-          </a:p>
-          <a:p>
-            <a:pPr lvl="2"/>
+            <a:endParaRPr/>
+          </a:p>
+          <a:p>
+            <a:pPr lvl="2">
+              <a:defRPr/>
+            </a:pPr>
             <a:r>
               <a:rPr lang="en-US"/>
               <a:t>Third level</a:t>
             </a:r>
-          </a:p>
-          <a:p>
-            <a:pPr lvl="3"/>
+            <a:endParaRPr/>
+          </a:p>
+          <a:p>
+            <a:pPr lvl="3">
+              <a:defRPr/>
+            </a:pPr>
             <a:r>
               <a:rPr lang="en-US"/>
               <a:t>Fourth level</a:t>
             </a:r>
-          </a:p>
-          <a:p>
-            <a:pPr lvl="4"/>
+            <a:endParaRPr/>
+          </a:p>
+          <a:p>
+            <a:pPr lvl="4">
+              <a:defRPr/>
+            </a:pPr>
             <a:r>
               <a:rPr lang="en-US"/>
               <a:t>Fifth level</a:t>
             </a:r>
-            <a:endParaRPr lang="en-US" dirty="0"/>
+            <a:endParaRPr lang="en-US"/>
           </a:p>
         </p:txBody>
       </p:sp>
@@ -3916,7 +3562,7 @@
             <p:ph sz="half" idx="2"/>
           </p:nvPr>
         </p:nvSpPr>
-        <p:spPr>
+        <p:spPr bwMode="auto">
           <a:xfrm>
             <a:off x="5089970" y="2160589"/>
             <a:ext cx="4184034" cy="3880773"/>
@@ -3926,40 +3572,54 @@
           <a:bodyPr/>
           <a:lstStyle/>
           <a:p>
-            <a:pPr lvl="0"/>
+            <a:pPr lvl="0">
+              <a:defRPr/>
+            </a:pPr>
             <a:r>
               <a:rPr lang="en-US"/>
               <a:t>Edit Master text styles</a:t>
             </a:r>
-          </a:p>
-          <a:p>
-            <a:pPr lvl="1"/>
+            <a:endParaRPr/>
+          </a:p>
+          <a:p>
+            <a:pPr lvl="1">
+              <a:defRPr/>
+            </a:pPr>
             <a:r>
               <a:rPr lang="en-US"/>
               <a:t>Second level</a:t>
             </a:r>
-          </a:p>
-          <a:p>
-            <a:pPr lvl="2"/>
+            <a:endParaRPr/>
+          </a:p>
+          <a:p>
+            <a:pPr lvl="2">
+              <a:defRPr/>
+            </a:pPr>
             <a:r>
               <a:rPr lang="en-US"/>
               <a:t>Third level</a:t>
             </a:r>
-          </a:p>
-          <a:p>
-            <a:pPr lvl="3"/>
+            <a:endParaRPr/>
+          </a:p>
+          <a:p>
+            <a:pPr lvl="3">
+              <a:defRPr/>
+            </a:pPr>
             <a:r>
               <a:rPr lang="en-US"/>
               <a:t>Fourth level</a:t>
             </a:r>
-          </a:p>
-          <a:p>
-            <a:pPr lvl="4"/>
+            <a:endParaRPr/>
+          </a:p>
+          <a:p>
+            <a:pPr lvl="4">
+              <a:defRPr/>
+            </a:pPr>
             <a:r>
               <a:rPr lang="en-US"/>
               <a:t>Fifth level</a:t>
             </a:r>
-            <a:endParaRPr lang="en-US" dirty="0"/>
+            <a:endParaRPr lang="en-US"/>
           </a:p>
         </p:txBody>
       </p:sp>
@@ -3973,14 +3633,17 @@
             <p:ph type="dt" sz="half" idx="10"/>
           </p:nvPr>
         </p:nvSpPr>
-        <p:spPr/>
+        <p:spPr bwMode="auto"/>
         <p:txBody>
           <a:bodyPr/>
           <a:lstStyle/>
           <a:p>
+            <a:pPr>
+              <a:defRPr/>
+            </a:pPr>
             <a:fld id="{66C7D333-9F60-49D1-8F75-20D2324FF5CF}" type="datetimeFigureOut">
-              <a:rPr lang="en-US" smtClean="0"/>
-              <a:t>9/12/2022</a:t>
+              <a:rPr lang="en-US"/>
+              <a:t/>
             </a:fld>
             <a:endParaRPr lang="en-US"/>
           </a:p>
@@ -3996,11 +3659,14 @@
             <p:ph type="ftr" sz="quarter" idx="11"/>
           </p:nvPr>
         </p:nvSpPr>
-        <p:spPr/>
+        <p:spPr bwMode="auto"/>
         <p:txBody>
           <a:bodyPr/>
           <a:lstStyle/>
           <a:p>
+            <a:pPr>
+              <a:defRPr/>
+            </a:pPr>
             <a:endParaRPr lang="en-US"/>
           </a:p>
         </p:txBody>
@@ -4015,25 +3681,23 @@
             <p:ph type="sldNum" sz="quarter" idx="12"/>
           </p:nvPr>
         </p:nvSpPr>
-        <p:spPr/>
+        <p:spPr bwMode="auto"/>
         <p:txBody>
           <a:bodyPr/>
           <a:lstStyle/>
           <a:p>
+            <a:pPr>
+              <a:defRPr/>
+            </a:pPr>
             <a:fld id="{589D2B82-480D-4C17-9E37-4598A369A7AD}" type="slidenum">
-              <a:rPr lang="en-US" smtClean="0"/>
-              <a:t>‹#›</a:t>
+              <a:rPr lang="en-US"/>
+              <a:t/>
             </a:fld>
             <a:endParaRPr lang="en-US"/>
           </a:p>
         </p:txBody>
       </p:sp>
     </p:spTree>
-    <p:extLst>
-      <p:ext uri="{BB962C8B-B14F-4D97-AF65-F5344CB8AC3E}">
-        <p14:creationId xmlns:p14="http://schemas.microsoft.com/office/powerpoint/2010/main" val="3169444838"/>
-      </p:ext>
-    </p:extLst>
   </p:cSld>
   <p:clrMapOvr>
     <a:masterClrMapping/>
@@ -4042,7 +3706,7 @@
 </file>
 
 <file path=ppt/slideLayouts/slideLayout5.xml><?xml version="1.0" encoding="utf-8"?>
-<p:sldLayout xmlns:a="http://schemas.openxmlformats.org/drawingml/2006/main" xmlns:r="http://schemas.openxmlformats.org/officeDocument/2006/relationships" xmlns:p="http://schemas.openxmlformats.org/presentationml/2006/main" type="twoTxTwoObj" preserve="1">
+<p:sldLayout xmlns:a="http://schemas.openxmlformats.org/drawingml/2006/main" xmlns:r="http://schemas.openxmlformats.org/officeDocument/2006/relationships" xmlns:p="http://schemas.openxmlformats.org/presentationml/2006/main" xmlns:m="http://schemas.openxmlformats.org/officeDocument/2006/math" xmlns:w="http://schemas.openxmlformats.org/wordprocessingml/2006/main" matchingName="" preserve="1" showMasterPhAnim="0" type="twoTxTwoObj" userDrawn="1">
   <p:cSld name="Comparison">
     <p:spTree>
       <p:nvGrpSpPr>
@@ -4050,7 +3714,7 @@
         <p:cNvGrpSpPr/>
         <p:nvPr/>
       </p:nvGrpSpPr>
-      <p:grpSpPr>
+      <p:grpSpPr bwMode="auto">
         <a:xfrm>
           <a:off x="0" y="0"/>
           <a:ext cx="0" cy="0"/>
@@ -4068,7 +3732,7 @@
             <p:ph type="title"/>
           </p:nvPr>
         </p:nvSpPr>
-        <p:spPr/>
+        <p:spPr bwMode="auto"/>
         <p:txBody>
           <a:bodyPr/>
           <a:lstStyle>
@@ -4077,11 +3741,14 @@
             </a:lvl1pPr>
           </a:lstStyle>
           <a:p>
+            <a:pPr>
+              <a:defRPr/>
+            </a:pPr>
             <a:r>
               <a:rPr lang="en-US"/>
               <a:t>Click to edit Master title style</a:t>
             </a:r>
-            <a:endParaRPr lang="en-US" dirty="0"/>
+            <a:endParaRPr lang="en-US"/>
           </a:p>
         </p:txBody>
       </p:sp>
@@ -4095,7 +3762,7 @@
             <p:ph type="body" idx="1"/>
           </p:nvPr>
         </p:nvSpPr>
-        <p:spPr>
+        <p:spPr bwMode="auto">
           <a:xfrm>
             <a:off x="675745" y="2160983"/>
             <a:ext cx="4185623" cy="576262"/>
@@ -4144,11 +3811,14 @@
             </a:lvl9pPr>
           </a:lstStyle>
           <a:p>
-            <a:pPr lvl="0"/>
+            <a:pPr lvl="0">
+              <a:defRPr/>
+            </a:pPr>
             <a:r>
               <a:rPr lang="en-US"/>
               <a:t>Edit Master text styles</a:t>
             </a:r>
+            <a:endParaRPr/>
           </a:p>
         </p:txBody>
       </p:sp>
@@ -4162,7 +3832,7 @@
             <p:ph sz="half" idx="2"/>
           </p:nvPr>
         </p:nvSpPr>
-        <p:spPr>
+        <p:spPr bwMode="auto">
           <a:xfrm>
             <a:off x="675745" y="2737245"/>
             <a:ext cx="4185623" cy="3304117"/>
@@ -4174,40 +3844,54 @@
           </a:bodyPr>
           <a:lstStyle/>
           <a:p>
-            <a:pPr lvl="0"/>
+            <a:pPr lvl="0">
+              <a:defRPr/>
+            </a:pPr>
             <a:r>
               <a:rPr lang="en-US"/>
               <a:t>Edit Master text styles</a:t>
             </a:r>
-          </a:p>
-          <a:p>
-            <a:pPr lvl="1"/>
+            <a:endParaRPr/>
+          </a:p>
+          <a:p>
+            <a:pPr lvl="1">
+              <a:defRPr/>
+            </a:pPr>
             <a:r>
               <a:rPr lang="en-US"/>
               <a:t>Second level</a:t>
             </a:r>
-          </a:p>
-          <a:p>
-            <a:pPr lvl="2"/>
+            <a:endParaRPr/>
+          </a:p>
+          <a:p>
+            <a:pPr lvl="2">
+              <a:defRPr/>
+            </a:pPr>
             <a:r>
               <a:rPr lang="en-US"/>
               <a:t>Third level</a:t>
             </a:r>
-          </a:p>
-          <a:p>
-            <a:pPr lvl="3"/>
+            <a:endParaRPr/>
+          </a:p>
+          <a:p>
+            <a:pPr lvl="3">
+              <a:defRPr/>
+            </a:pPr>
             <a:r>
               <a:rPr lang="en-US"/>
               <a:t>Fourth level</a:t>
             </a:r>
-          </a:p>
-          <a:p>
-            <a:pPr lvl="4"/>
+            <a:endParaRPr/>
+          </a:p>
+          <a:p>
+            <a:pPr lvl="4">
+              <a:defRPr/>
+            </a:pPr>
             <a:r>
               <a:rPr lang="en-US"/>
               <a:t>Fifth level</a:t>
             </a:r>
-            <a:endParaRPr lang="en-US" dirty="0"/>
+            <a:endParaRPr lang="en-US"/>
           </a:p>
         </p:txBody>
       </p:sp>
@@ -4221,7 +3905,7 @@
             <p:ph type="body" sz="quarter" idx="3"/>
           </p:nvPr>
         </p:nvSpPr>
-        <p:spPr>
+        <p:spPr bwMode="auto">
           <a:xfrm>
             <a:off x="5088383" y="2160983"/>
             <a:ext cx="4185618" cy="576262"/>
@@ -4270,11 +3954,14 @@
             </a:lvl9pPr>
           </a:lstStyle>
           <a:p>
-            <a:pPr lvl="0"/>
+            <a:pPr lvl="0">
+              <a:defRPr/>
+            </a:pPr>
             <a:r>
               <a:rPr lang="en-US"/>
               <a:t>Edit Master text styles</a:t>
             </a:r>
+            <a:endParaRPr/>
           </a:p>
         </p:txBody>
       </p:sp>
@@ -4288,7 +3975,7 @@
             <p:ph sz="quarter" idx="4"/>
           </p:nvPr>
         </p:nvSpPr>
-        <p:spPr>
+        <p:spPr bwMode="auto">
           <a:xfrm>
             <a:off x="5088384" y="2737245"/>
             <a:ext cx="4185617" cy="3304117"/>
@@ -4300,40 +3987,54 @@
           </a:bodyPr>
           <a:lstStyle/>
           <a:p>
-            <a:pPr lvl="0"/>
+            <a:pPr lvl="0">
+              <a:defRPr/>
+            </a:pPr>
             <a:r>
               <a:rPr lang="en-US"/>
               <a:t>Edit Master text styles</a:t>
             </a:r>
-          </a:p>
-          <a:p>
-            <a:pPr lvl="1"/>
+            <a:endParaRPr/>
+          </a:p>
+          <a:p>
+            <a:pPr lvl="1">
+              <a:defRPr/>
+            </a:pPr>
             <a:r>
               <a:rPr lang="en-US"/>
               <a:t>Second level</a:t>
             </a:r>
-          </a:p>
-          <a:p>
-            <a:pPr lvl="2"/>
+            <a:endParaRPr/>
+          </a:p>
+          <a:p>
+            <a:pPr lvl="2">
+              <a:defRPr/>
+            </a:pPr>
             <a:r>
               <a:rPr lang="en-US"/>
               <a:t>Third level</a:t>
             </a:r>
-          </a:p>
-          <a:p>
-            <a:pPr lvl="3"/>
+            <a:endParaRPr/>
+          </a:p>
+          <a:p>
+            <a:pPr lvl="3">
+              <a:defRPr/>
+            </a:pPr>
             <a:r>
               <a:rPr lang="en-US"/>
               <a:t>Fourth level</a:t>
             </a:r>
-          </a:p>
-          <a:p>
-            <a:pPr lvl="4"/>
+            <a:endParaRPr/>
+          </a:p>
+          <a:p>
+            <a:pPr lvl="4">
+              <a:defRPr/>
+            </a:pPr>
             <a:r>
               <a:rPr lang="en-US"/>
               <a:t>Fifth level</a:t>
             </a:r>
-            <a:endParaRPr lang="en-US" dirty="0"/>
+            <a:endParaRPr lang="en-US"/>
           </a:p>
         </p:txBody>
       </p:sp>
@@ -4347,14 +4048,17 @@
             <p:ph type="dt" sz="half" idx="10"/>
           </p:nvPr>
         </p:nvSpPr>
-        <p:spPr/>
+        <p:spPr bwMode="auto"/>
         <p:txBody>
           <a:bodyPr/>
           <a:lstStyle/>
           <a:p>
+            <a:pPr>
+              <a:defRPr/>
+            </a:pPr>
             <a:fld id="{66C7D333-9F60-49D1-8F75-20D2324FF5CF}" type="datetimeFigureOut">
-              <a:rPr lang="en-US" smtClean="0"/>
-              <a:t>9/12/2022</a:t>
+              <a:rPr lang="en-US"/>
+              <a:t/>
             </a:fld>
             <a:endParaRPr lang="en-US"/>
           </a:p>
@@ -4370,11 +4074,14 @@
             <p:ph type="ftr" sz="quarter" idx="11"/>
           </p:nvPr>
         </p:nvSpPr>
-        <p:spPr/>
+        <p:spPr bwMode="auto"/>
         <p:txBody>
           <a:bodyPr/>
           <a:lstStyle/>
           <a:p>
+            <a:pPr>
+              <a:defRPr/>
+            </a:pPr>
             <a:endParaRPr lang="en-US"/>
           </a:p>
         </p:txBody>
@@ -4389,25 +4096,23 @@
             <p:ph type="sldNum" sz="quarter" idx="12"/>
           </p:nvPr>
         </p:nvSpPr>
-        <p:spPr/>
+        <p:spPr bwMode="auto"/>
         <p:txBody>
           <a:bodyPr/>
           <a:lstStyle/>
           <a:p>
+            <a:pPr>
+              <a:defRPr/>
+            </a:pPr>
             <a:fld id="{589D2B82-480D-4C17-9E37-4598A369A7AD}" type="slidenum">
-              <a:rPr lang="en-US" smtClean="0"/>
-              <a:t>‹#›</a:t>
+              <a:rPr lang="en-US"/>
+              <a:t/>
             </a:fld>
             <a:endParaRPr lang="en-US"/>
           </a:p>
         </p:txBody>
       </p:sp>
     </p:spTree>
-    <p:extLst>
-      <p:ext uri="{BB962C8B-B14F-4D97-AF65-F5344CB8AC3E}">
-        <p14:creationId xmlns:p14="http://schemas.microsoft.com/office/powerpoint/2010/main" val="3571451381"/>
-      </p:ext>
-    </p:extLst>
   </p:cSld>
   <p:clrMapOvr>
     <a:masterClrMapping/>
@@ -4416,7 +4121,7 @@
 </file>
 
 <file path=ppt/slideLayouts/slideLayout6.xml><?xml version="1.0" encoding="utf-8"?>
-<p:sldLayout xmlns:a="http://schemas.openxmlformats.org/drawingml/2006/main" xmlns:r="http://schemas.openxmlformats.org/officeDocument/2006/relationships" xmlns:p="http://schemas.openxmlformats.org/presentationml/2006/main" type="titleOnly" preserve="1">
+<p:sldLayout xmlns:a="http://schemas.openxmlformats.org/drawingml/2006/main" xmlns:r="http://schemas.openxmlformats.org/officeDocument/2006/relationships" xmlns:p="http://schemas.openxmlformats.org/presentationml/2006/main" xmlns:m="http://schemas.openxmlformats.org/officeDocument/2006/math" xmlns:w="http://schemas.openxmlformats.org/wordprocessingml/2006/main" matchingName="" preserve="1" showMasterPhAnim="0" type="titleOnly" userDrawn="1">
   <p:cSld name="Title Only">
     <p:spTree>
       <p:nvGrpSpPr>
@@ -4424,7 +4129,7 @@
         <p:cNvGrpSpPr/>
         <p:nvPr/>
       </p:nvGrpSpPr>
-      <p:grpSpPr>
+      <p:grpSpPr bwMode="auto">
         <a:xfrm>
           <a:off x="0" y="0"/>
           <a:ext cx="0" cy="0"/>
@@ -4442,7 +4147,7 @@
             <p:ph type="title"/>
           </p:nvPr>
         </p:nvSpPr>
-        <p:spPr>
+        <p:spPr bwMode="auto">
           <a:xfrm>
             <a:off x="677334" y="609600"/>
             <a:ext cx="8596668" cy="1320800"/>
@@ -4452,11 +4157,14 @@
           <a:bodyPr/>
           <a:lstStyle/>
           <a:p>
+            <a:pPr>
+              <a:defRPr/>
+            </a:pPr>
             <a:r>
               <a:rPr lang="en-US"/>
               <a:t>Click to edit Master title style</a:t>
             </a:r>
-            <a:endParaRPr lang="en-US" dirty="0"/>
+            <a:endParaRPr lang="en-US"/>
           </a:p>
         </p:txBody>
       </p:sp>
@@ -4470,14 +4178,17 @@
             <p:ph type="dt" sz="half" idx="10"/>
           </p:nvPr>
         </p:nvSpPr>
-        <p:spPr/>
+        <p:spPr bwMode="auto"/>
         <p:txBody>
           <a:bodyPr/>
           <a:lstStyle/>
           <a:p>
+            <a:pPr>
+              <a:defRPr/>
+            </a:pPr>
             <a:fld id="{66C7D333-9F60-49D1-8F75-20D2324FF5CF}" type="datetimeFigureOut">
-              <a:rPr lang="en-US" smtClean="0"/>
-              <a:t>9/12/2022</a:t>
+              <a:rPr lang="en-US"/>
+              <a:t/>
             </a:fld>
             <a:endParaRPr lang="en-US"/>
           </a:p>
@@ -4493,11 +4204,14 @@
             <p:ph type="ftr" sz="quarter" idx="11"/>
           </p:nvPr>
         </p:nvSpPr>
-        <p:spPr/>
+        <p:spPr bwMode="auto"/>
         <p:txBody>
           <a:bodyPr/>
           <a:lstStyle/>
           <a:p>
+            <a:pPr>
+              <a:defRPr/>
+            </a:pPr>
             <a:endParaRPr lang="en-US"/>
           </a:p>
         </p:txBody>
@@ -4512,25 +4226,23 @@
             <p:ph type="sldNum" sz="quarter" idx="12"/>
           </p:nvPr>
         </p:nvSpPr>
-        <p:spPr/>
+        <p:spPr bwMode="auto"/>
         <p:txBody>
           <a:bodyPr/>
           <a:lstStyle/>
           <a:p>
+            <a:pPr>
+              <a:defRPr/>
+            </a:pPr>
             <a:fld id="{589D2B82-480D-4C17-9E37-4598A369A7AD}" type="slidenum">
-              <a:rPr lang="en-US" smtClean="0"/>
-              <a:t>‹#›</a:t>
+              <a:rPr lang="en-US"/>
+              <a:t/>
             </a:fld>
             <a:endParaRPr lang="en-US"/>
           </a:p>
         </p:txBody>
       </p:sp>
     </p:spTree>
-    <p:extLst>
-      <p:ext uri="{BB962C8B-B14F-4D97-AF65-F5344CB8AC3E}">
-        <p14:creationId xmlns:p14="http://schemas.microsoft.com/office/powerpoint/2010/main" val="3976375750"/>
-      </p:ext>
-    </p:extLst>
   </p:cSld>
   <p:clrMapOvr>
     <a:masterClrMapping/>
@@ -4539,7 +4251,7 @@
 </file>
 
 <file path=ppt/slideLayouts/slideLayout7.xml><?xml version="1.0" encoding="utf-8"?>
-<p:sldLayout xmlns:a="http://schemas.openxmlformats.org/drawingml/2006/main" xmlns:r="http://schemas.openxmlformats.org/officeDocument/2006/relationships" xmlns:p="http://schemas.openxmlformats.org/presentationml/2006/main" type="blank" preserve="1">
+<p:sldLayout xmlns:a="http://schemas.openxmlformats.org/drawingml/2006/main" xmlns:r="http://schemas.openxmlformats.org/officeDocument/2006/relationships" xmlns:p="http://schemas.openxmlformats.org/presentationml/2006/main" xmlns:m="http://schemas.openxmlformats.org/officeDocument/2006/math" xmlns:w="http://schemas.openxmlformats.org/wordprocessingml/2006/main" matchingName="" preserve="1" showMasterPhAnim="0" type="blank" userDrawn="1">
   <p:cSld name="Blank">
     <p:spTree>
       <p:nvGrpSpPr>
@@ -4547,7 +4259,7 @@
         <p:cNvGrpSpPr/>
         <p:nvPr/>
       </p:nvGrpSpPr>
-      <p:grpSpPr>
+      <p:grpSpPr bwMode="auto">
         <a:xfrm>
           <a:off x="0" y="0"/>
           <a:ext cx="0" cy="0"/>
@@ -4565,14 +4277,17 @@
             <p:ph type="dt" sz="half" idx="10"/>
           </p:nvPr>
         </p:nvSpPr>
-        <p:spPr/>
+        <p:spPr bwMode="auto"/>
         <p:txBody>
           <a:bodyPr/>
           <a:lstStyle/>
           <a:p>
+            <a:pPr>
+              <a:defRPr/>
+            </a:pPr>
             <a:fld id="{66C7D333-9F60-49D1-8F75-20D2324FF5CF}" type="datetimeFigureOut">
-              <a:rPr lang="en-US" smtClean="0"/>
-              <a:t>9/12/2022</a:t>
+              <a:rPr lang="en-US"/>
+              <a:t/>
             </a:fld>
             <a:endParaRPr lang="en-US"/>
           </a:p>
@@ -4588,11 +4303,14 @@
             <p:ph type="ftr" sz="quarter" idx="11"/>
           </p:nvPr>
         </p:nvSpPr>
-        <p:spPr/>
+        <p:spPr bwMode="auto"/>
         <p:txBody>
           <a:bodyPr/>
           <a:lstStyle/>
           <a:p>
+            <a:pPr>
+              <a:defRPr/>
+            </a:pPr>
             <a:endParaRPr lang="en-US"/>
           </a:p>
         </p:txBody>
@@ -4607,25 +4325,23 @@
             <p:ph type="sldNum" sz="quarter" idx="12"/>
           </p:nvPr>
         </p:nvSpPr>
-        <p:spPr/>
+        <p:spPr bwMode="auto"/>
         <p:txBody>
           <a:bodyPr/>
           <a:lstStyle/>
           <a:p>
+            <a:pPr>
+              <a:defRPr/>
+            </a:pPr>
             <a:fld id="{589D2B82-480D-4C17-9E37-4598A369A7AD}" type="slidenum">
-              <a:rPr lang="en-US" smtClean="0"/>
-              <a:t>‹#›</a:t>
+              <a:rPr lang="en-US"/>
+              <a:t/>
             </a:fld>
             <a:endParaRPr lang="en-US"/>
           </a:p>
         </p:txBody>
       </p:sp>
     </p:spTree>
-    <p:extLst>
-      <p:ext uri="{BB962C8B-B14F-4D97-AF65-F5344CB8AC3E}">
-        <p14:creationId xmlns:p14="http://schemas.microsoft.com/office/powerpoint/2010/main" val="2842622775"/>
-      </p:ext>
-    </p:extLst>
   </p:cSld>
   <p:clrMapOvr>
     <a:masterClrMapping/>
@@ -4634,7 +4350,7 @@
 </file>
 
 <file path=ppt/slideLayouts/slideLayout8.xml><?xml version="1.0" encoding="utf-8"?>
-<p:sldLayout xmlns:a="http://schemas.openxmlformats.org/drawingml/2006/main" xmlns:r="http://schemas.openxmlformats.org/officeDocument/2006/relationships" xmlns:p="http://schemas.openxmlformats.org/presentationml/2006/main" type="objTx" preserve="1">
+<p:sldLayout xmlns:a="http://schemas.openxmlformats.org/drawingml/2006/main" xmlns:r="http://schemas.openxmlformats.org/officeDocument/2006/relationships" xmlns:p="http://schemas.openxmlformats.org/presentationml/2006/main" xmlns:m="http://schemas.openxmlformats.org/officeDocument/2006/math" xmlns:w="http://schemas.openxmlformats.org/wordprocessingml/2006/main" matchingName="" preserve="1" showMasterPhAnim="0" type="objTx" userDrawn="1">
   <p:cSld name="Content with Caption">
     <p:spTree>
       <p:nvGrpSpPr>
@@ -4642,7 +4358,7 @@
         <p:cNvGrpSpPr/>
         <p:nvPr/>
       </p:nvGrpSpPr>
-      <p:grpSpPr>
+      <p:grpSpPr bwMode="auto">
         <a:xfrm>
           <a:off x="0" y="0"/>
           <a:ext cx="0" cy="0"/>
@@ -4660,7 +4376,7 @@
             <p:ph type="title"/>
           </p:nvPr>
         </p:nvSpPr>
-        <p:spPr>
+        <p:spPr bwMode="auto">
           <a:xfrm>
             <a:off x="677334" y="1498604"/>
             <a:ext cx="3854528" cy="1278466"/>
@@ -4676,11 +4392,14 @@
             </a:lvl1pPr>
           </a:lstStyle>
           <a:p>
+            <a:pPr>
+              <a:defRPr/>
+            </a:pPr>
             <a:r>
               <a:rPr lang="en-US"/>
               <a:t>Click to edit Master title style</a:t>
             </a:r>
-            <a:endParaRPr lang="en-US" dirty="0"/>
+            <a:endParaRPr lang="en-US"/>
           </a:p>
         </p:txBody>
       </p:sp>
@@ -4694,7 +4413,7 @@
             <p:ph idx="1"/>
           </p:nvPr>
         </p:nvSpPr>
-        <p:spPr>
+        <p:spPr bwMode="auto">
           <a:xfrm>
             <a:off x="4760461" y="514924"/>
             <a:ext cx="4513541" cy="5526437"/>
@@ -4706,40 +4425,54 @@
           </a:bodyPr>
           <a:lstStyle/>
           <a:p>
-            <a:pPr lvl="0"/>
+            <a:pPr lvl="0">
+              <a:defRPr/>
+            </a:pPr>
             <a:r>
               <a:rPr lang="en-US"/>
               <a:t>Edit Master text styles</a:t>
             </a:r>
-          </a:p>
-          <a:p>
-            <a:pPr lvl="1"/>
+            <a:endParaRPr/>
+          </a:p>
+          <a:p>
+            <a:pPr lvl="1">
+              <a:defRPr/>
+            </a:pPr>
             <a:r>
               <a:rPr lang="en-US"/>
               <a:t>Second level</a:t>
             </a:r>
-          </a:p>
-          <a:p>
-            <a:pPr lvl="2"/>
+            <a:endParaRPr/>
+          </a:p>
+          <a:p>
+            <a:pPr lvl="2">
+              <a:defRPr/>
+            </a:pPr>
             <a:r>
               <a:rPr lang="en-US"/>
               <a:t>Third level</a:t>
             </a:r>
-          </a:p>
-          <a:p>
-            <a:pPr lvl="3"/>
+            <a:endParaRPr/>
+          </a:p>
+          <a:p>
+            <a:pPr lvl="3">
+              <a:defRPr/>
+            </a:pPr>
             <a:r>
               <a:rPr lang="en-US"/>
               <a:t>Fourth level</a:t>
             </a:r>
-          </a:p>
-          <a:p>
-            <a:pPr lvl="4"/>
+            <a:endParaRPr/>
+          </a:p>
+          <a:p>
+            <a:pPr lvl="4">
+              <a:defRPr/>
+            </a:pPr>
             <a:r>
               <a:rPr lang="en-US"/>
               <a:t>Fifth level</a:t>
             </a:r>
-            <a:endParaRPr lang="en-US" dirty="0"/>
+            <a:endParaRPr lang="en-US"/>
           </a:p>
         </p:txBody>
       </p:sp>
@@ -4753,7 +4486,7 @@
             <p:ph type="body" sz="half" idx="2"/>
           </p:nvPr>
         </p:nvSpPr>
-        <p:spPr>
+        <p:spPr bwMode="auto">
           <a:xfrm>
             <a:off x="677334" y="2777069"/>
             <a:ext cx="3854528" cy="2584449"/>
@@ -4802,11 +4535,14 @@
             </a:lvl9pPr>
           </a:lstStyle>
           <a:p>
-            <a:pPr lvl="0"/>
+            <a:pPr lvl="0">
+              <a:defRPr/>
+            </a:pPr>
             <a:r>
               <a:rPr lang="en-US"/>
               <a:t>Edit Master text styles</a:t>
             </a:r>
+            <a:endParaRPr/>
           </a:p>
         </p:txBody>
       </p:sp>
@@ -4820,14 +4556,17 @@
             <p:ph type="dt" sz="half" idx="10"/>
           </p:nvPr>
         </p:nvSpPr>
-        <p:spPr/>
+        <p:spPr bwMode="auto"/>
         <p:txBody>
           <a:bodyPr/>
           <a:lstStyle/>
           <a:p>
+            <a:pPr>
+              <a:defRPr/>
+            </a:pPr>
             <a:fld id="{66C7D333-9F60-49D1-8F75-20D2324FF5CF}" type="datetimeFigureOut">
-              <a:rPr lang="en-US" smtClean="0"/>
-              <a:t>9/12/2022</a:t>
+              <a:rPr lang="en-US"/>
+              <a:t/>
             </a:fld>
             <a:endParaRPr lang="en-US"/>
           </a:p>
@@ -4843,11 +4582,14 @@
             <p:ph type="ftr" sz="quarter" idx="11"/>
           </p:nvPr>
         </p:nvSpPr>
-        <p:spPr/>
+        <p:spPr bwMode="auto"/>
         <p:txBody>
           <a:bodyPr/>
           <a:lstStyle/>
           <a:p>
+            <a:pPr>
+              <a:defRPr/>
+            </a:pPr>
             <a:endParaRPr lang="en-US"/>
           </a:p>
         </p:txBody>
@@ -4862,25 +4604,23 @@
             <p:ph type="sldNum" sz="quarter" idx="12"/>
           </p:nvPr>
         </p:nvSpPr>
-        <p:spPr/>
+        <p:spPr bwMode="auto"/>
         <p:txBody>
           <a:bodyPr/>
           <a:lstStyle/>
           <a:p>
+            <a:pPr>
+              <a:defRPr/>
+            </a:pPr>
             <a:fld id="{589D2B82-480D-4C17-9E37-4598A369A7AD}" type="slidenum">
-              <a:rPr lang="en-US" smtClean="0"/>
-              <a:t>‹#›</a:t>
+              <a:rPr lang="en-US"/>
+              <a:t/>
             </a:fld>
             <a:endParaRPr lang="en-US"/>
           </a:p>
         </p:txBody>
       </p:sp>
     </p:spTree>
-    <p:extLst>
-      <p:ext uri="{BB962C8B-B14F-4D97-AF65-F5344CB8AC3E}">
-        <p14:creationId xmlns:p14="http://schemas.microsoft.com/office/powerpoint/2010/main" val="935816200"/>
-      </p:ext>
-    </p:extLst>
   </p:cSld>
   <p:clrMapOvr>
     <a:masterClrMapping/>
@@ -4889,7 +4629,7 @@
 </file>
 
 <file path=ppt/slideLayouts/slideLayout9.xml><?xml version="1.0" encoding="utf-8"?>
-<p:sldLayout xmlns:a="http://schemas.openxmlformats.org/drawingml/2006/main" xmlns:r="http://schemas.openxmlformats.org/officeDocument/2006/relationships" xmlns:p="http://schemas.openxmlformats.org/presentationml/2006/main" type="picTx" preserve="1">
+<p:sldLayout xmlns:a="http://schemas.openxmlformats.org/drawingml/2006/main" xmlns:r="http://schemas.openxmlformats.org/officeDocument/2006/relationships" xmlns:p="http://schemas.openxmlformats.org/presentationml/2006/main" xmlns:m="http://schemas.openxmlformats.org/officeDocument/2006/math" xmlns:w="http://schemas.openxmlformats.org/wordprocessingml/2006/main" matchingName="" preserve="1" showMasterPhAnim="0" type="picTx" userDrawn="1">
   <p:cSld name="Picture with Caption">
     <p:spTree>
       <p:nvGrpSpPr>
@@ -4897,7 +4637,7 @@
         <p:cNvGrpSpPr/>
         <p:nvPr/>
       </p:nvGrpSpPr>
-      <p:grpSpPr>
+      <p:grpSpPr bwMode="auto">
         <a:xfrm>
           <a:off x="0" y="0"/>
           <a:ext cx="0" cy="0"/>
@@ -4915,7 +4655,7 @@
             <p:ph type="title"/>
           </p:nvPr>
         </p:nvSpPr>
-        <p:spPr>
+        <p:spPr bwMode="auto">
           <a:xfrm>
             <a:off x="677334" y="4800600"/>
             <a:ext cx="8596667" cy="566738"/>
@@ -4931,11 +4671,14 @@
             </a:lvl1pPr>
           </a:lstStyle>
           <a:p>
+            <a:pPr>
+              <a:defRPr/>
+            </a:pPr>
             <a:r>
               <a:rPr lang="en-US"/>
               <a:t>Click to edit Master title style</a:t>
             </a:r>
-            <a:endParaRPr lang="en-US" dirty="0"/>
+            <a:endParaRPr lang="en-US"/>
           </a:p>
         </p:txBody>
       </p:sp>
@@ -4943,13 +4686,13 @@
         <p:nvSpPr>
           <p:cNvPr id="3" name="Picture Placeholder 2"/>
           <p:cNvSpPr>
-            <a:spLocks noGrp="1" noChangeAspect="1"/>
+            <a:spLocks noChangeAspect="1" noGrp="1"/>
           </p:cNvSpPr>
           <p:nvPr>
             <p:ph type="pic" idx="1"/>
           </p:nvPr>
         </p:nvSpPr>
-        <p:spPr>
+        <p:spPr bwMode="auto">
           <a:xfrm>
             <a:off x="677334" y="609600"/>
             <a:ext cx="8596668" cy="3845718"/>
@@ -4998,11 +4741,14 @@
             </a:lvl9pPr>
           </a:lstStyle>
           <a:p>
+            <a:pPr>
+              <a:defRPr/>
+            </a:pPr>
             <a:r>
               <a:rPr lang="en-US"/>
               <a:t>Click icon to add picture</a:t>
             </a:r>
-            <a:endParaRPr lang="en-US" dirty="0"/>
+            <a:endParaRPr lang="en-US"/>
           </a:p>
         </p:txBody>
       </p:sp>
@@ -5016,7 +4762,7 @@
             <p:ph type="body" sz="half" idx="2"/>
           </p:nvPr>
         </p:nvSpPr>
-        <p:spPr>
+        <p:spPr bwMode="auto">
           <a:xfrm>
             <a:off x="677334" y="5367338"/>
             <a:ext cx="8596667" cy="674024"/>
@@ -5065,11 +4811,14 @@
             </a:lvl9pPr>
           </a:lstStyle>
           <a:p>
-            <a:pPr lvl="0"/>
+            <a:pPr lvl="0">
+              <a:defRPr/>
+            </a:pPr>
             <a:r>
               <a:rPr lang="en-US"/>
               <a:t>Edit Master text styles</a:t>
             </a:r>
+            <a:endParaRPr/>
           </a:p>
         </p:txBody>
       </p:sp>
@@ -5083,14 +4832,17 @@
             <p:ph type="dt" sz="half" idx="10"/>
           </p:nvPr>
         </p:nvSpPr>
-        <p:spPr/>
+        <p:spPr bwMode="auto"/>
         <p:txBody>
           <a:bodyPr/>
           <a:lstStyle/>
           <a:p>
+            <a:pPr>
+              <a:defRPr/>
+            </a:pPr>
             <a:fld id="{66C7D333-9F60-49D1-8F75-20D2324FF5CF}" type="datetimeFigureOut">
-              <a:rPr lang="en-US" smtClean="0"/>
-              <a:t>9/12/2022</a:t>
+              <a:rPr lang="en-US"/>
+              <a:t/>
             </a:fld>
             <a:endParaRPr lang="en-US"/>
           </a:p>
@@ -5106,11 +4858,14 @@
             <p:ph type="ftr" sz="quarter" idx="11"/>
           </p:nvPr>
         </p:nvSpPr>
-        <p:spPr/>
+        <p:spPr bwMode="auto"/>
         <p:txBody>
           <a:bodyPr/>
           <a:lstStyle/>
           <a:p>
+            <a:pPr>
+              <a:defRPr/>
+            </a:pPr>
             <a:endParaRPr lang="en-US"/>
           </a:p>
         </p:txBody>
@@ -5125,25 +4880,23 @@
             <p:ph type="sldNum" sz="quarter" idx="12"/>
           </p:nvPr>
         </p:nvSpPr>
-        <p:spPr/>
+        <p:spPr bwMode="auto"/>
         <p:txBody>
           <a:bodyPr/>
           <a:lstStyle/>
           <a:p>
+            <a:pPr>
+              <a:defRPr/>
+            </a:pPr>
             <a:fld id="{589D2B82-480D-4C17-9E37-4598A369A7AD}" type="slidenum">
-              <a:rPr lang="en-US" smtClean="0"/>
-              <a:t>‹#›</a:t>
+              <a:rPr lang="en-US"/>
+              <a:t/>
             </a:fld>
             <a:endParaRPr lang="en-US"/>
           </a:p>
         </p:txBody>
       </p:sp>
     </p:spTree>
-    <p:extLst>
-      <p:ext uri="{BB962C8B-B14F-4D97-AF65-F5344CB8AC3E}">
-        <p14:creationId xmlns:p14="http://schemas.microsoft.com/office/powerpoint/2010/main" val="582306889"/>
-      </p:ext>
-    </p:extLst>
   </p:cSld>
   <p:clrMapOvr>
     <a:masterClrMapping/>
@@ -5152,8 +4905,8 @@
 </file>
 
 <file path=ppt/slideMasters/slideMaster1.xml><?xml version="1.0" encoding="utf-8"?>
-<p:sldMaster xmlns:a="http://schemas.openxmlformats.org/drawingml/2006/main" xmlns:r="http://schemas.openxmlformats.org/officeDocument/2006/relationships" xmlns:p="http://schemas.openxmlformats.org/presentationml/2006/main">
-  <p:cSld>
+<p:sldMaster xmlns:a="http://schemas.openxmlformats.org/drawingml/2006/main" xmlns:r="http://schemas.openxmlformats.org/officeDocument/2006/relationships" xmlns:p="http://schemas.openxmlformats.org/presentationml/2006/main" xmlns:m="http://schemas.openxmlformats.org/officeDocument/2006/math" xmlns:w="http://schemas.openxmlformats.org/wordprocessingml/2006/main" preserve="0">
+  <p:cSld name="">
     <p:bg>
       <p:bgRef idx="1001">
         <a:schemeClr val="bg1"/>
@@ -5165,7 +4918,7 @@
         <p:cNvGrpSpPr/>
         <p:nvPr/>
       </p:nvGrpSpPr>
-      <p:grpSpPr>
+      <p:grpSpPr bwMode="auto">
         <a:xfrm>
           <a:off x="0" y="0"/>
           <a:ext cx="0" cy="0"/>
@@ -5179,21 +4932,23 @@
           <p:cNvGrpSpPr/>
           <p:nvPr/>
         </p:nvGrpSpPr>
-        <p:grpSpPr>
+        <p:grpSpPr bwMode="auto">
           <a:xfrm>
             <a:off x="0" y="-8467"/>
-            <a:ext cx="12192000" cy="6866467"/>
+            <a:ext cx="12192000" cy="6866466"/>
             <a:chOff x="0" y="-8467"/>
-            <a:chExt cx="12192000" cy="6866467"/>
+            <a:chExt cx="12192000" cy="6866466"/>
           </a:xfrm>
         </p:grpSpPr>
         <p:cxnSp>
           <p:nvCxnSpPr>
             <p:cNvPr id="20" name="Straight Connector 19"/>
-            <p:cNvCxnSpPr/>
+            <p:cNvCxnSpPr>
+              <a:cxnSpLocks/>
+            </p:cNvCxnSpPr>
             <p:nvPr/>
           </p:nvCxnSpPr>
-          <p:spPr>
+          <p:spPr bwMode="auto">
             <a:xfrm>
               <a:off x="9371012" y="0"/>
               <a:ext cx="1219200" cy="6858000"/>
@@ -5227,10 +4982,12 @@
         <p:cxnSp>
           <p:nvCxnSpPr>
             <p:cNvPr id="21" name="Straight Connector 20"/>
-            <p:cNvCxnSpPr/>
+            <p:cNvCxnSpPr>
+              <a:cxnSpLocks/>
+            </p:cNvCxnSpPr>
             <p:nvPr/>
           </p:nvCxnSpPr>
-          <p:spPr>
+          <p:spPr bwMode="auto">
             <a:xfrm flipH="1">
               <a:off x="7425267" y="3681413"/>
               <a:ext cx="4763558" cy="3176587"/>
@@ -5267,10 +5024,10 @@
             <p:cNvSpPr/>
             <p:nvPr/>
           </p:nvSpPr>
-          <p:spPr>
+          <p:spPr bwMode="auto">
             <a:xfrm>
               <a:off x="9181476" y="-8467"/>
-              <a:ext cx="3007349" cy="6866467"/>
+              <a:ext cx="3007349" cy="6866466"/>
             </a:xfrm>
             <a:custGeom>
               <a:avLst/>
@@ -5279,7 +5036,7 @@
               <a:cxnLst/>
               <a:rect l="l" t="t" r="r" b="b"/>
               <a:pathLst>
-                <a:path w="3007349" h="6866467">
+                <a:path w="3007349" h="6866467" fill="norm" stroke="1" extrusionOk="0">
                   <a:moveTo>
                     <a:pt x="2045532" y="0"/>
                   </a:moveTo>
@@ -5330,10 +5087,10 @@
             <p:cNvSpPr/>
             <p:nvPr/>
           </p:nvSpPr>
-          <p:spPr>
+          <p:spPr bwMode="auto">
             <a:xfrm>
               <a:off x="9603442" y="-8467"/>
-              <a:ext cx="2588558" cy="6866467"/>
+              <a:ext cx="2588558" cy="6866466"/>
             </a:xfrm>
             <a:custGeom>
               <a:avLst/>
@@ -5342,7 +5099,7 @@
               <a:cxnLst/>
               <a:rect l="l" t="t" r="r" b="b"/>
               <a:pathLst>
-                <a:path w="2573311" h="6866467">
+                <a:path w="2573311" h="6866467" fill="norm" stroke="1" extrusionOk="0">
                   <a:moveTo>
                     <a:pt x="0" y="0"/>
                   </a:moveTo>
@@ -5393,10 +5150,10 @@
             <p:cNvSpPr/>
             <p:nvPr/>
           </p:nvSpPr>
-          <p:spPr>
+          <p:spPr bwMode="auto">
             <a:xfrm>
               <a:off x="8932333" y="3048000"/>
-              <a:ext cx="3259667" cy="3810000"/>
+              <a:ext cx="3259666" cy="3810000"/>
             </a:xfrm>
             <a:prstGeom prst="triangle">
               <a:avLst>
@@ -5434,10 +5191,10 @@
             <p:cNvSpPr/>
             <p:nvPr/>
           </p:nvSpPr>
-          <p:spPr>
+          <p:spPr bwMode="auto">
             <a:xfrm>
               <a:off x="9334500" y="-8467"/>
-              <a:ext cx="2854326" cy="6866467"/>
+              <a:ext cx="2854326" cy="6866466"/>
             </a:xfrm>
             <a:custGeom>
               <a:avLst/>
@@ -5446,7 +5203,7 @@
               <a:cxnLst/>
               <a:rect l="l" t="t" r="r" b="b"/>
               <a:pathLst>
-                <a:path w="2858013" h="6866467">
+                <a:path w="2858013" h="6866467" fill="norm" stroke="1" extrusionOk="0">
                   <a:moveTo>
                     <a:pt x="0" y="0"/>
                   </a:moveTo>
@@ -5498,10 +5255,10 @@
             <p:cNvSpPr/>
             <p:nvPr/>
           </p:nvSpPr>
-          <p:spPr>
+          <p:spPr bwMode="auto">
             <a:xfrm>
               <a:off x="10898730" y="-8467"/>
-              <a:ext cx="1290094" cy="6866467"/>
+              <a:ext cx="1290094" cy="6866466"/>
             </a:xfrm>
             <a:custGeom>
               <a:avLst/>
@@ -5510,7 +5267,7 @@
               <a:cxnLst/>
               <a:rect l="l" t="t" r="r" b="b"/>
               <a:pathLst>
-                <a:path w="1290094" h="6858000">
+                <a:path w="1290094" h="6858000" fill="norm" stroke="1" extrusionOk="0">
                   <a:moveTo>
                     <a:pt x="1019735" y="0"/>
                   </a:moveTo>
@@ -5563,10 +5320,10 @@
             <p:cNvSpPr/>
             <p:nvPr/>
           </p:nvSpPr>
-          <p:spPr>
+          <p:spPr bwMode="auto">
             <a:xfrm>
               <a:off x="10938999" y="-8467"/>
-              <a:ext cx="1249825" cy="6866467"/>
+              <a:ext cx="1249825" cy="6866466"/>
             </a:xfrm>
             <a:custGeom>
               <a:avLst/>
@@ -5575,7 +5332,7 @@
               <a:cxnLst/>
               <a:rect l="l" t="t" r="r" b="b"/>
               <a:pathLst>
-                <a:path w="1249825" h="6858000">
+                <a:path w="1249825" h="6858000" fill="norm" stroke="1" extrusionOk="0">
                   <a:moveTo>
                     <a:pt x="0" y="0"/>
                   </a:moveTo>
@@ -5626,10 +5383,10 @@
             <p:cNvSpPr/>
             <p:nvPr/>
           </p:nvSpPr>
-          <p:spPr>
+          <p:spPr bwMode="auto">
             <a:xfrm>
               <a:off x="10371666" y="3589867"/>
-              <a:ext cx="1817159" cy="3268133"/>
+              <a:ext cx="1817158" cy="3268133"/>
             </a:xfrm>
             <a:prstGeom prst="triangle">
               <a:avLst>
@@ -5667,7 +5424,7 @@
             <p:cNvSpPr/>
             <p:nvPr/>
           </p:nvSpPr>
-          <p:spPr>
+          <p:spPr bwMode="auto">
             <a:xfrm>
               <a:off x="0" y="4013200"/>
               <a:ext cx="448733" cy="2844800"/>
@@ -5713,7 +5470,7 @@
             <p:ph type="title"/>
           </p:nvPr>
         </p:nvSpPr>
-        <p:spPr>
+        <p:spPr bwMode="auto">
           <a:xfrm>
             <a:off x="677334" y="609600"/>
             <a:ext cx="8596668" cy="1320800"/>
@@ -5728,11 +5485,14 @@
           </a:bodyPr>
           <a:lstStyle/>
           <a:p>
+            <a:pPr>
+              <a:defRPr/>
+            </a:pPr>
             <a:r>
               <a:rPr lang="en-US"/>
               <a:t>Click to edit Master title style</a:t>
             </a:r>
-            <a:endParaRPr lang="en-US" dirty="0"/>
+            <a:endParaRPr lang="en-US"/>
           </a:p>
         </p:txBody>
       </p:sp>
@@ -5746,7 +5506,7 @@
             <p:ph type="body" idx="1"/>
           </p:nvPr>
         </p:nvSpPr>
-        <p:spPr>
+        <p:spPr bwMode="auto">
           <a:xfrm>
             <a:off x="677334" y="2160589"/>
             <a:ext cx="8596668" cy="3880773"/>
@@ -5761,40 +5521,54 @@
           </a:bodyPr>
           <a:lstStyle/>
           <a:p>
-            <a:pPr lvl="0"/>
+            <a:pPr lvl="0">
+              <a:defRPr/>
+            </a:pPr>
             <a:r>
               <a:rPr lang="en-US"/>
               <a:t>Edit Master text styles</a:t>
             </a:r>
-          </a:p>
-          <a:p>
-            <a:pPr lvl="1"/>
+            <a:endParaRPr/>
+          </a:p>
+          <a:p>
+            <a:pPr lvl="1">
+              <a:defRPr/>
+            </a:pPr>
             <a:r>
               <a:rPr lang="en-US"/>
               <a:t>Second level</a:t>
             </a:r>
-          </a:p>
-          <a:p>
-            <a:pPr lvl="2"/>
+            <a:endParaRPr/>
+          </a:p>
+          <a:p>
+            <a:pPr lvl="2">
+              <a:defRPr/>
+            </a:pPr>
             <a:r>
               <a:rPr lang="en-US"/>
               <a:t>Third level</a:t>
             </a:r>
-          </a:p>
-          <a:p>
-            <a:pPr lvl="3"/>
+            <a:endParaRPr/>
+          </a:p>
+          <a:p>
+            <a:pPr lvl="3">
+              <a:defRPr/>
+            </a:pPr>
             <a:r>
               <a:rPr lang="en-US"/>
               <a:t>Fourth level</a:t>
             </a:r>
-          </a:p>
-          <a:p>
-            <a:pPr lvl="4"/>
+            <a:endParaRPr/>
+          </a:p>
+          <a:p>
+            <a:pPr lvl="4">
+              <a:defRPr/>
+            </a:pPr>
             <a:r>
               <a:rPr lang="en-US"/>
               <a:t>Fifth level</a:t>
             </a:r>
-            <a:endParaRPr lang="en-US" dirty="0"/>
+            <a:endParaRPr lang="en-US"/>
           </a:p>
         </p:txBody>
       </p:sp>
@@ -5808,7 +5582,7 @@
             <p:ph type="dt" sz="half" idx="2"/>
           </p:nvPr>
         </p:nvSpPr>
-        <p:spPr>
+        <p:spPr bwMode="auto">
           <a:xfrm>
             <a:off x="7205133" y="6041362"/>
             <a:ext cx="911939" cy="365125"/>
@@ -5831,9 +5605,12 @@
             </a:lvl1pPr>
           </a:lstStyle>
           <a:p>
+            <a:pPr>
+              <a:defRPr/>
+            </a:pPr>
             <a:fld id="{66C7D333-9F60-49D1-8F75-20D2324FF5CF}" type="datetimeFigureOut">
-              <a:rPr lang="en-US" smtClean="0"/>
-              <a:t>9/12/2022</a:t>
+              <a:rPr lang="en-US"/>
+              <a:t/>
             </a:fld>
             <a:endParaRPr lang="en-US"/>
           </a:p>
@@ -5849,10 +5626,10 @@
             <p:ph type="ftr" sz="quarter" idx="3"/>
           </p:nvPr>
         </p:nvSpPr>
-        <p:spPr>
+        <p:spPr bwMode="auto">
           <a:xfrm>
             <a:off x="677334" y="6041362"/>
-            <a:ext cx="6297612" cy="365125"/>
+            <a:ext cx="6297611" cy="365125"/>
           </a:xfrm>
           <a:prstGeom prst="rect">
             <a:avLst/>
@@ -5872,6 +5649,9 @@
             </a:lvl1pPr>
           </a:lstStyle>
           <a:p>
+            <a:pPr>
+              <a:defRPr/>
+            </a:pPr>
             <a:endParaRPr lang="en-US"/>
           </a:p>
         </p:txBody>
@@ -5886,7 +5666,7 @@
             <p:ph type="sldNum" sz="quarter" idx="4"/>
           </p:nvPr>
         </p:nvSpPr>
-        <p:spPr>
+        <p:spPr bwMode="auto">
           <a:xfrm>
             <a:off x="8590663" y="6041362"/>
             <a:ext cx="683339" cy="365125"/>
@@ -5907,48 +5687,46 @@
             </a:lvl1pPr>
           </a:lstStyle>
           <a:p>
+            <a:pPr>
+              <a:defRPr/>
+            </a:pPr>
             <a:fld id="{589D2B82-480D-4C17-9E37-4598A369A7AD}" type="slidenum">
-              <a:rPr lang="en-US" smtClean="0"/>
-              <a:t>‹#›</a:t>
+              <a:rPr lang="en-US"/>
+              <a:t/>
             </a:fld>
             <a:endParaRPr lang="en-US"/>
           </a:p>
         </p:txBody>
       </p:sp>
     </p:spTree>
-    <p:extLst>
-      <p:ext uri="{BB962C8B-B14F-4D97-AF65-F5344CB8AC3E}">
-        <p14:creationId xmlns:p14="http://schemas.microsoft.com/office/powerpoint/2010/main" val="1930705290"/>
-      </p:ext>
-    </p:extLst>
   </p:cSld>
   <p:clrMap bg1="lt1" tx1="dk1" bg2="lt2" tx2="dk2" accent1="accent1" accent2="accent2" accent3="accent3" accent4="accent4" accent5="accent5" accent6="accent6" hlink="hlink" folHlink="folHlink"/>
   <p:sldLayoutIdLst>
-    <p:sldLayoutId id="2147483661" r:id="rId1"/>
-    <p:sldLayoutId id="2147483662" r:id="rId2"/>
-    <p:sldLayoutId id="2147483663" r:id="rId3"/>
-    <p:sldLayoutId id="2147483664" r:id="rId4"/>
-    <p:sldLayoutId id="2147483665" r:id="rId5"/>
-    <p:sldLayoutId id="2147483666" r:id="rId6"/>
-    <p:sldLayoutId id="2147483667" r:id="rId7"/>
-    <p:sldLayoutId id="2147483668" r:id="rId8"/>
-    <p:sldLayoutId id="2147483669" r:id="rId9"/>
-    <p:sldLayoutId id="2147483670" r:id="rId10"/>
-    <p:sldLayoutId id="2147483671" r:id="rId11"/>
-    <p:sldLayoutId id="2147483672" r:id="rId12"/>
-    <p:sldLayoutId id="2147483673" r:id="rId13"/>
-    <p:sldLayoutId id="2147483674" r:id="rId14"/>
-    <p:sldLayoutId id="2147483675" r:id="rId15"/>
-    <p:sldLayoutId id="2147483676" r:id="rId16"/>
+    <p:sldLayoutId id="2147483649" r:id="rId1"/>
+    <p:sldLayoutId id="2147483650" r:id="rId2"/>
+    <p:sldLayoutId id="2147483651" r:id="rId3"/>
+    <p:sldLayoutId id="2147483652" r:id="rId4"/>
+    <p:sldLayoutId id="2147483653" r:id="rId5"/>
+    <p:sldLayoutId id="2147483654" r:id="rId6"/>
+    <p:sldLayoutId id="2147483655" r:id="rId7"/>
+    <p:sldLayoutId id="2147483656" r:id="rId8"/>
+    <p:sldLayoutId id="2147483657" r:id="rId9"/>
+    <p:sldLayoutId id="2147483658" r:id="rId10"/>
+    <p:sldLayoutId id="2147483659" r:id="rId11"/>
+    <p:sldLayoutId id="2147483660" r:id="rId12"/>
+    <p:sldLayoutId id="2147483661" r:id="rId13"/>
+    <p:sldLayoutId id="2147483662" r:id="rId14"/>
+    <p:sldLayoutId id="2147483663" r:id="rId15"/>
+    <p:sldLayoutId id="2147483664" r:id="rId16"/>
   </p:sldLayoutIdLst>
   <p:txStyles>
     <p:titleStyle>
-      <a:lvl1pPr algn="l" defTabSz="457200" rtl="0" eaLnBrk="1" latinLnBrk="0" hangingPunct="1">
+      <a:lvl1pPr algn="l" defTabSz="457200">
         <a:spcBef>
-          <a:spcPct val="0"/>
+          <a:spcPts val="0"/>
         </a:spcBef>
         <a:buNone/>
-        <a:defRPr sz="3600" kern="1200">
+        <a:defRPr sz="3600">
           <a:solidFill>
             <a:schemeClr val="accent1"/>
           </a:solidFill>
@@ -5957,56 +5735,56 @@
           <a:cs typeface="+mj-cs"/>
         </a:defRPr>
       </a:lvl1pPr>
-      <a:lvl2pPr eaLnBrk="1" hangingPunct="1">
+      <a:lvl2pPr>
         <a:defRPr>
           <a:solidFill>
             <a:schemeClr val="tx2"/>
           </a:solidFill>
         </a:defRPr>
       </a:lvl2pPr>
-      <a:lvl3pPr eaLnBrk="1" hangingPunct="1">
+      <a:lvl3pPr>
         <a:defRPr>
           <a:solidFill>
             <a:schemeClr val="tx2"/>
           </a:solidFill>
         </a:defRPr>
       </a:lvl3pPr>
-      <a:lvl4pPr eaLnBrk="1" hangingPunct="1">
+      <a:lvl4pPr>
         <a:defRPr>
           <a:solidFill>
             <a:schemeClr val="tx2"/>
           </a:solidFill>
         </a:defRPr>
       </a:lvl4pPr>
-      <a:lvl5pPr eaLnBrk="1" hangingPunct="1">
+      <a:lvl5pPr>
         <a:defRPr>
           <a:solidFill>
             <a:schemeClr val="tx2"/>
           </a:solidFill>
         </a:defRPr>
       </a:lvl5pPr>
-      <a:lvl6pPr eaLnBrk="1" hangingPunct="1">
+      <a:lvl6pPr>
         <a:defRPr>
           <a:solidFill>
             <a:schemeClr val="tx2"/>
           </a:solidFill>
         </a:defRPr>
       </a:lvl6pPr>
-      <a:lvl7pPr eaLnBrk="1" hangingPunct="1">
+      <a:lvl7pPr>
         <a:defRPr>
           <a:solidFill>
             <a:schemeClr val="tx2"/>
           </a:solidFill>
         </a:defRPr>
       </a:lvl7pPr>
-      <a:lvl8pPr eaLnBrk="1" hangingPunct="1">
+      <a:lvl8pPr>
         <a:defRPr>
           <a:solidFill>
             <a:schemeClr val="tx2"/>
           </a:solidFill>
         </a:defRPr>
       </a:lvl8pPr>
-      <a:lvl9pPr eaLnBrk="1" hangingPunct="1">
+      <a:lvl9pPr>
         <a:defRPr>
           <a:solidFill>
             <a:schemeClr val="tx2"/>
@@ -6015,7 +5793,7 @@
       </a:lvl9pPr>
     </p:titleStyle>
     <p:bodyStyle>
-      <a:lvl1pPr marL="342900" indent="-342900" algn="l" defTabSz="457200" rtl="0" eaLnBrk="1" latinLnBrk="0" hangingPunct="1">
+      <a:lvl1pPr marL="342900" indent="-342900" algn="l" defTabSz="457200">
         <a:spcBef>
           <a:spcPts val="1000"/>
         </a:spcBef>
@@ -6026,9 +5804,9 @@
           <a:schemeClr val="accent1"/>
         </a:buClr>
         <a:buSzPct val="80000"/>
-        <a:buFont typeface="Wingdings 3" charset="2"/>
+        <a:buFont typeface="Wingdings 3"/>
         <a:buChar char=""/>
-        <a:defRPr sz="1800" kern="1200">
+        <a:defRPr sz="1800">
           <a:solidFill>
             <a:schemeClr val="tx1">
               <a:lumMod val="75000"/>
@@ -6040,7 +5818,7 @@
           <a:cs typeface="+mn-cs"/>
         </a:defRPr>
       </a:lvl1pPr>
-      <a:lvl2pPr marL="742950" indent="-285750" algn="l" defTabSz="457200" rtl="0" eaLnBrk="1" latinLnBrk="0" hangingPunct="1">
+      <a:lvl2pPr marL="742950" indent="-285750" algn="l" defTabSz="457200">
         <a:spcBef>
           <a:spcPts val="1000"/>
         </a:spcBef>
@@ -6051,9 +5829,9 @@
           <a:schemeClr val="accent1"/>
         </a:buClr>
         <a:buSzPct val="80000"/>
-        <a:buFont typeface="Wingdings 3" charset="2"/>
+        <a:buFont typeface="Wingdings 3"/>
         <a:buChar char=""/>
-        <a:defRPr sz="1600" kern="1200">
+        <a:defRPr sz="1600">
           <a:solidFill>
             <a:schemeClr val="tx1">
               <a:lumMod val="75000"/>
@@ -6065,7 +5843,7 @@
           <a:cs typeface="+mn-cs"/>
         </a:defRPr>
       </a:lvl2pPr>
-      <a:lvl3pPr marL="1143000" indent="-228600" algn="l" defTabSz="457200" rtl="0" eaLnBrk="1" latinLnBrk="0" hangingPunct="1">
+      <a:lvl3pPr marL="1143000" indent="-228600" algn="l" defTabSz="457200">
         <a:spcBef>
           <a:spcPts val="1000"/>
         </a:spcBef>
@@ -6076,9 +5854,9 @@
           <a:schemeClr val="accent1"/>
         </a:buClr>
         <a:buSzPct val="80000"/>
-        <a:buFont typeface="Wingdings 3" charset="2"/>
+        <a:buFont typeface="Wingdings 3"/>
         <a:buChar char=""/>
-        <a:defRPr sz="1400" kern="1200">
+        <a:defRPr sz="1400">
           <a:solidFill>
             <a:schemeClr val="tx1">
               <a:lumMod val="75000"/>
@@ -6090,7 +5868,7 @@
           <a:cs typeface="+mn-cs"/>
         </a:defRPr>
       </a:lvl3pPr>
-      <a:lvl4pPr marL="1600200" indent="-228600" algn="l" defTabSz="457200" rtl="0" eaLnBrk="1" latinLnBrk="0" hangingPunct="1">
+      <a:lvl4pPr marL="1600200" indent="-228600" algn="l" defTabSz="457200">
         <a:spcBef>
           <a:spcPts val="1000"/>
         </a:spcBef>
@@ -6101,9 +5879,9 @@
           <a:schemeClr val="accent1"/>
         </a:buClr>
         <a:buSzPct val="80000"/>
-        <a:buFont typeface="Wingdings 3" charset="2"/>
+        <a:buFont typeface="Wingdings 3"/>
         <a:buChar char=""/>
-        <a:defRPr sz="1200" kern="1200">
+        <a:defRPr sz="1200">
           <a:solidFill>
             <a:schemeClr val="tx1">
               <a:lumMod val="75000"/>
@@ -6115,7 +5893,7 @@
           <a:cs typeface="+mn-cs"/>
         </a:defRPr>
       </a:lvl4pPr>
-      <a:lvl5pPr marL="2057400" indent="-228600" algn="l" defTabSz="457200" rtl="0" eaLnBrk="1" latinLnBrk="0" hangingPunct="1">
+      <a:lvl5pPr marL="2057400" indent="-228600" algn="l" defTabSz="457200">
         <a:spcBef>
           <a:spcPts val="1000"/>
         </a:spcBef>
@@ -6126,9 +5904,9 @@
           <a:schemeClr val="accent1"/>
         </a:buClr>
         <a:buSzPct val="80000"/>
-        <a:buFont typeface="Wingdings 3" charset="2"/>
+        <a:buFont typeface="Wingdings 3"/>
         <a:buChar char=""/>
-        <a:defRPr sz="1200" kern="1200">
+        <a:defRPr sz="1200">
           <a:solidFill>
             <a:schemeClr val="tx1">
               <a:lumMod val="75000"/>
@@ -6140,7 +5918,7 @@
           <a:cs typeface="+mn-cs"/>
         </a:defRPr>
       </a:lvl5pPr>
-      <a:lvl6pPr marL="2514600" indent="-228600" algn="l" defTabSz="457200" rtl="0" eaLnBrk="1" latinLnBrk="0" hangingPunct="1">
+      <a:lvl6pPr marL="2514600" indent="-228600" algn="l" defTabSz="457200">
         <a:spcBef>
           <a:spcPts val="1000"/>
         </a:spcBef>
@@ -6151,9 +5929,9 @@
           <a:schemeClr val="accent1"/>
         </a:buClr>
         <a:buSzPct val="80000"/>
-        <a:buFont typeface="Wingdings 3" charset="2"/>
+        <a:buFont typeface="Wingdings 3"/>
         <a:buChar char=""/>
-        <a:defRPr sz="1200" kern="1200">
+        <a:defRPr sz="1200">
           <a:solidFill>
             <a:schemeClr val="tx1">
               <a:lumMod val="75000"/>
@@ -6165,7 +5943,7 @@
           <a:cs typeface="+mn-cs"/>
         </a:defRPr>
       </a:lvl6pPr>
-      <a:lvl7pPr marL="2971800" indent="-228600" algn="l" defTabSz="457200" rtl="0" eaLnBrk="1" latinLnBrk="0" hangingPunct="1">
+      <a:lvl7pPr marL="2971800" indent="-228600" algn="l" defTabSz="457200">
         <a:spcBef>
           <a:spcPts val="1000"/>
         </a:spcBef>
@@ -6176,9 +5954,9 @@
           <a:schemeClr val="accent1"/>
         </a:buClr>
         <a:buSzPct val="80000"/>
-        <a:buFont typeface="Wingdings 3" charset="2"/>
+        <a:buFont typeface="Wingdings 3"/>
         <a:buChar char=""/>
-        <a:defRPr sz="1200" kern="1200">
+        <a:defRPr sz="1200">
           <a:solidFill>
             <a:schemeClr val="tx1">
               <a:lumMod val="75000"/>
@@ -6190,7 +5968,7 @@
           <a:cs typeface="+mn-cs"/>
         </a:defRPr>
       </a:lvl7pPr>
-      <a:lvl8pPr marL="3429000" indent="-228600" algn="l" defTabSz="457200" rtl="0" eaLnBrk="1" latinLnBrk="0" hangingPunct="1">
+      <a:lvl8pPr marL="3429000" indent="-228600" algn="l" defTabSz="457200">
         <a:spcBef>
           <a:spcPts val="1000"/>
         </a:spcBef>
@@ -6201,9 +5979,9 @@
           <a:schemeClr val="accent1"/>
         </a:buClr>
         <a:buSzPct val="80000"/>
-        <a:buFont typeface="Wingdings 3" charset="2"/>
+        <a:buFont typeface="Wingdings 3"/>
         <a:buChar char=""/>
-        <a:defRPr sz="1200" kern="1200">
+        <a:defRPr sz="1200">
           <a:solidFill>
             <a:schemeClr val="tx1">
               <a:lumMod val="75000"/>
@@ -6215,7 +5993,7 @@
           <a:cs typeface="+mn-cs"/>
         </a:defRPr>
       </a:lvl8pPr>
-      <a:lvl9pPr marL="3886200" indent="-228600" algn="l" defTabSz="457200" rtl="0" eaLnBrk="1" latinLnBrk="0" hangingPunct="1">
+      <a:lvl9pPr marL="3886200" indent="-228600" algn="l" defTabSz="457200">
         <a:spcBef>
           <a:spcPts val="1000"/>
         </a:spcBef>
@@ -6226,9 +6004,9 @@
           <a:schemeClr val="accent1"/>
         </a:buClr>
         <a:buSzPct val="80000"/>
-        <a:buFont typeface="Wingdings 3" charset="2"/>
+        <a:buFont typeface="Wingdings 3"/>
         <a:buChar char=""/>
-        <a:defRPr sz="1200" kern="1200">
+        <a:defRPr sz="1200">
           <a:solidFill>
             <a:schemeClr val="tx1">
               <a:lumMod val="75000"/>
@@ -6245,8 +6023,8 @@
       <a:defPPr>
         <a:defRPr lang="en-US"/>
       </a:defPPr>
-      <a:lvl1pPr marL="0" algn="l" defTabSz="457200" rtl="0" eaLnBrk="1" latinLnBrk="0" hangingPunct="1">
-        <a:defRPr sz="1800" kern="1200">
+      <a:lvl1pPr marL="0" algn="l" defTabSz="457200">
+        <a:defRPr sz="1800">
           <a:solidFill>
             <a:schemeClr val="tx1"/>
           </a:solidFill>
@@ -6255,8 +6033,8 @@
           <a:cs typeface="+mn-cs"/>
         </a:defRPr>
       </a:lvl1pPr>
-      <a:lvl2pPr marL="457200" algn="l" defTabSz="457200" rtl="0" eaLnBrk="1" latinLnBrk="0" hangingPunct="1">
-        <a:defRPr sz="1800" kern="1200">
+      <a:lvl2pPr marL="457200" algn="l" defTabSz="457200">
+        <a:defRPr sz="1800">
           <a:solidFill>
             <a:schemeClr val="tx1"/>
           </a:solidFill>
@@ -6265,8 +6043,8 @@
           <a:cs typeface="+mn-cs"/>
         </a:defRPr>
       </a:lvl2pPr>
-      <a:lvl3pPr marL="914400" algn="l" defTabSz="457200" rtl="0" eaLnBrk="1" latinLnBrk="0" hangingPunct="1">
-        <a:defRPr sz="1800" kern="1200">
+      <a:lvl3pPr marL="914400" algn="l" defTabSz="457200">
+        <a:defRPr sz="1800">
           <a:solidFill>
             <a:schemeClr val="tx1"/>
           </a:solidFill>
@@ -6275,8 +6053,8 @@
           <a:cs typeface="+mn-cs"/>
         </a:defRPr>
       </a:lvl3pPr>
-      <a:lvl4pPr marL="1371600" algn="l" defTabSz="457200" rtl="0" eaLnBrk="1" latinLnBrk="0" hangingPunct="1">
-        <a:defRPr sz="1800" kern="1200">
+      <a:lvl4pPr marL="1371600" algn="l" defTabSz="457200">
+        <a:defRPr sz="1800">
           <a:solidFill>
             <a:schemeClr val="tx1"/>
           </a:solidFill>
@@ -6285,8 +6063,8 @@
           <a:cs typeface="+mn-cs"/>
         </a:defRPr>
       </a:lvl4pPr>
-      <a:lvl5pPr marL="1828800" algn="l" defTabSz="457200" rtl="0" eaLnBrk="1" latinLnBrk="0" hangingPunct="1">
-        <a:defRPr sz="1800" kern="1200">
+      <a:lvl5pPr marL="1828800" algn="l" defTabSz="457200">
+        <a:defRPr sz="1800">
           <a:solidFill>
             <a:schemeClr val="tx1"/>
           </a:solidFill>
@@ -6295,8 +6073,8 @@
           <a:cs typeface="+mn-cs"/>
         </a:defRPr>
       </a:lvl5pPr>
-      <a:lvl6pPr marL="2286000" algn="l" defTabSz="457200" rtl="0" eaLnBrk="1" latinLnBrk="0" hangingPunct="1">
-        <a:defRPr sz="1800" kern="1200">
+      <a:lvl6pPr marL="2286000" algn="l" defTabSz="457200">
+        <a:defRPr sz="1800">
           <a:solidFill>
             <a:schemeClr val="tx1"/>
           </a:solidFill>
@@ -6305,8 +6083,8 @@
           <a:cs typeface="+mn-cs"/>
         </a:defRPr>
       </a:lvl6pPr>
-      <a:lvl7pPr marL="2743200" algn="l" defTabSz="457200" rtl="0" eaLnBrk="1" latinLnBrk="0" hangingPunct="1">
-        <a:defRPr sz="1800" kern="1200">
+      <a:lvl7pPr marL="2743200" algn="l" defTabSz="457200">
+        <a:defRPr sz="1800">
           <a:solidFill>
             <a:schemeClr val="tx1"/>
           </a:solidFill>
@@ -6315,8 +6093,8 @@
           <a:cs typeface="+mn-cs"/>
         </a:defRPr>
       </a:lvl7pPr>
-      <a:lvl8pPr marL="3200400" algn="l" defTabSz="457200" rtl="0" eaLnBrk="1" latinLnBrk="0" hangingPunct="1">
-        <a:defRPr sz="1800" kern="1200">
+      <a:lvl8pPr marL="3200400" algn="l" defTabSz="457200">
+        <a:defRPr sz="1800">
           <a:solidFill>
             <a:schemeClr val="tx1"/>
           </a:solidFill>
@@ -6325,8 +6103,8 @@
           <a:cs typeface="+mn-cs"/>
         </a:defRPr>
       </a:lvl8pPr>
-      <a:lvl9pPr marL="3657600" algn="l" defTabSz="457200" rtl="0" eaLnBrk="1" latinLnBrk="0" hangingPunct="1">
-        <a:defRPr sz="1800" kern="1200">
+      <a:lvl9pPr marL="3657600" algn="l" defTabSz="457200">
+        <a:defRPr sz="1800">
           <a:solidFill>
             <a:schemeClr val="tx1"/>
           </a:solidFill>
@@ -6341,15 +6119,15 @@
 </file>
 
 <file path=ppt/slides/slide1.xml><?xml version="1.0" encoding="utf-8"?>
-<p:sld xmlns:a="http://schemas.openxmlformats.org/drawingml/2006/main" xmlns:r="http://schemas.openxmlformats.org/officeDocument/2006/relationships" xmlns:p="http://schemas.openxmlformats.org/presentationml/2006/main">
-  <p:cSld>
+<p:sld xmlns:a="http://schemas.openxmlformats.org/drawingml/2006/main" xmlns:r="http://schemas.openxmlformats.org/officeDocument/2006/relationships" xmlns:p="http://schemas.openxmlformats.org/presentationml/2006/main" xmlns:m="http://schemas.openxmlformats.org/officeDocument/2006/math" xmlns:w="http://schemas.openxmlformats.org/wordprocessingml/2006/main" showMasterPhAnim="0" show="1">
+  <p:cSld name="">
     <p:spTree>
       <p:nvGrpSpPr>
         <p:cNvPr id="1" name=""/>
         <p:cNvGrpSpPr/>
         <p:nvPr/>
       </p:nvGrpSpPr>
-      <p:grpSpPr>
+      <p:grpSpPr bwMode="auto">
         <a:xfrm>
           <a:off x="0" y="0"/>
           <a:ext cx="0" cy="0"/>
@@ -6359,13 +6137,7 @@
       </p:grpSpPr>
       <p:sp>
         <p:nvSpPr>
-          <p:cNvPr id="7" name="Title 1">
-            <a:extLst>
-              <a:ext uri="{FF2B5EF4-FFF2-40B4-BE49-F238E27FC236}">
-                <a16:creationId xmlns="" xmlns:a16="http://schemas.microsoft.com/office/drawing/2014/main" id="{1C0CCB67-38AA-4A67-8E4C-991AF6AC2FD5}"/>
-              </a:ext>
-            </a:extLst>
-          </p:cNvPr>
+          <p:cNvPr id="7" name="Title 1"/>
           <p:cNvSpPr>
             <a:spLocks noGrp="1"/>
           </p:cNvSpPr>
@@ -6373,11 +6145,14 @@
             <p:ph type="ctrTitle"/>
           </p:nvPr>
         </p:nvSpPr>
-        <p:spPr>
+        <p:spPr bwMode="auto">
           <a:xfrm>
             <a:off x="563418" y="365527"/>
             <a:ext cx="11231418" cy="1646302"/>
           </a:xfrm>
+          <a:prstGeom prst="rect">
+            <a:avLst/>
+          </a:prstGeom>
           <a:solidFill>
             <a:schemeClr val="bg1"/>
           </a:solidFill>
@@ -6391,24 +6166,20 @@
           <a:bodyPr/>
           <a:lstStyle/>
           <a:p>
-            <a:pPr algn="ctr"/>
-            <a:r>
-              <a:rPr lang="ru-RU" dirty="0"/>
+            <a:pPr algn="ctr">
+              <a:defRPr/>
+            </a:pPr>
+            <a:r>
+              <a:rPr lang="ru-RU"/>
               <a:t>Методы и стандарты программирования</a:t>
             </a:r>
-            <a:endParaRPr lang="en-US" dirty="0"/>
-          </a:p>
-        </p:txBody>
-      </p:sp>
-      <p:sp>
-        <p:nvSpPr>
-          <p:cNvPr id="8" name="Subtitle 2">
-            <a:extLst>
-              <a:ext uri="{FF2B5EF4-FFF2-40B4-BE49-F238E27FC236}">
-                <a16:creationId xmlns="" xmlns:a16="http://schemas.microsoft.com/office/drawing/2014/main" id="{4C524151-E37B-43FF-B793-C9605D52165C}"/>
-              </a:ext>
-            </a:extLst>
-          </p:cNvPr>
+            <a:endParaRPr lang="en-US"/>
+          </a:p>
+        </p:txBody>
+      </p:sp>
+      <p:sp>
+        <p:nvSpPr>
+          <p:cNvPr id="8" name="Subtitle 2"/>
           <p:cNvSpPr>
             <a:spLocks noGrp="1"/>
           </p:cNvSpPr>
@@ -6416,11 +6187,14 @@
             <p:ph type="subTitle" idx="1"/>
           </p:nvPr>
         </p:nvSpPr>
-        <p:spPr>
+        <p:spPr bwMode="auto">
           <a:xfrm>
             <a:off x="563418" y="2483199"/>
             <a:ext cx="11231418" cy="3771093"/>
           </a:xfrm>
+          <a:prstGeom prst="rect">
+            <a:avLst/>
+          </a:prstGeom>
           <a:solidFill>
             <a:schemeClr val="bg1"/>
           </a:solidFill>
@@ -6433,67 +6207,74 @@
           <a:p>
             <a:pPr marL="285750" indent="-285750" algn="l">
               <a:buSzPct val="100000"/>
-              <a:buFont typeface="Arial" panose="020B0604020202020204" pitchFamily="34" charset="0"/>
+              <a:buFont typeface="Arial"/>
               <a:buChar char="•"/>
-            </a:pPr>
-            <a:r>
-              <a:rPr lang="ru-RU" sz="2800" dirty="0"/>
+              <a:defRPr/>
+            </a:pPr>
+            <a:r>
+              <a:rPr lang="ru-RU" sz="2800"/>
               <a:t>Шаблонные функции</a:t>
             </a:r>
+            <a:endParaRPr/>
           </a:p>
           <a:p>
             <a:pPr marL="285750" indent="-285750" algn="l">
               <a:buSzPct val="100000"/>
-              <a:buFont typeface="Arial" panose="020B0604020202020204" pitchFamily="34" charset="0"/>
+              <a:buFont typeface="Arial"/>
               <a:buChar char="•"/>
-            </a:pPr>
-            <a:r>
-              <a:rPr lang="ru-RU" sz="2800" dirty="0"/>
+              <a:defRPr/>
+            </a:pPr>
+            <a:r>
+              <a:rPr lang="ru-RU" sz="2800"/>
               <a:t>Шаблонные </a:t>
             </a:r>
             <a:r>
-              <a:rPr lang="ru-RU" sz="2800" dirty="0" smtClean="0"/>
+              <a:rPr lang="ru-RU" sz="2800"/>
               <a:t>классы</a:t>
             </a:r>
-            <a:endParaRPr lang="en-US" sz="2800" dirty="0" smtClean="0"/>
+            <a:endParaRPr lang="en-US" sz="2800"/>
           </a:p>
           <a:p>
             <a:pPr marL="285750" indent="-285750" algn="l">
               <a:buSzPct val="100000"/>
-              <a:buFont typeface="Arial" panose="020B0604020202020204" pitchFamily="34" charset="0"/>
+              <a:buFont typeface="Arial"/>
               <a:buChar char="•"/>
-            </a:pPr>
-            <a:r>
-              <a:rPr lang="ru-RU" sz="2800" dirty="0" smtClean="0"/>
+              <a:defRPr/>
+            </a:pPr>
+            <a:r>
+              <a:rPr lang="ru-RU" sz="2800"/>
               <a:t>Умные указатели</a:t>
             </a:r>
-            <a:endParaRPr lang="en-US" sz="2800" dirty="0"/>
+            <a:endParaRPr lang="en-US" sz="2800"/>
           </a:p>
         </p:txBody>
       </p:sp>
     </p:spTree>
-    <p:extLst>
-      <p:ext uri="{BB962C8B-B14F-4D97-AF65-F5344CB8AC3E}">
-        <p14:creationId xmlns:p14="http://schemas.microsoft.com/office/powerpoint/2010/main" val="112433264"/>
-      </p:ext>
-    </p:extLst>
   </p:cSld>
   <p:clrMapOvr>
     <a:masterClrMapping/>
   </p:clrMapOvr>
+  <mc:AlternateContent xmlns:mc="http://schemas.openxmlformats.org/markup-compatibility/2006">
+    <mc:Choice xmlns:p14="http://schemas.microsoft.com/office/powerpoint/2010/main" Requires="p14">
+      <p:transition p14:dur="2000" advClick="1"/>
+    </mc:Choice>
+    <mc:Fallback>
+      <p:transition advClick="1"/>
+    </mc:Fallback>
+  </mc:AlternateContent>
 </p:sld>
 </file>
 
 <file path=ppt/slides/slide2.xml><?xml version="1.0" encoding="utf-8"?>
-<p:sld xmlns:a="http://schemas.openxmlformats.org/drawingml/2006/main" xmlns:r="http://schemas.openxmlformats.org/officeDocument/2006/relationships" xmlns:p="http://schemas.openxmlformats.org/presentationml/2006/main">
-  <p:cSld>
+<p:sld xmlns:a="http://schemas.openxmlformats.org/drawingml/2006/main" xmlns:r="http://schemas.openxmlformats.org/officeDocument/2006/relationships" xmlns:p="http://schemas.openxmlformats.org/presentationml/2006/main" xmlns:m="http://schemas.openxmlformats.org/officeDocument/2006/math" xmlns:w="http://schemas.openxmlformats.org/wordprocessingml/2006/main" showMasterPhAnim="0" show="1">
+  <p:cSld name="">
     <p:spTree>
       <p:nvGrpSpPr>
         <p:cNvPr id="1" name=""/>
         <p:cNvGrpSpPr/>
         <p:nvPr/>
       </p:nvGrpSpPr>
-      <p:grpSpPr>
+      <p:grpSpPr bwMode="auto">
         <a:xfrm>
           <a:off x="0" y="0"/>
           <a:ext cx="0" cy="0"/>
@@ -6503,13 +6284,7 @@
       </p:grpSpPr>
       <p:sp>
         <p:nvSpPr>
-          <p:cNvPr id="3" name="Content Placeholder 2">
-            <a:extLst>
-              <a:ext uri="{FF2B5EF4-FFF2-40B4-BE49-F238E27FC236}">
-                <a16:creationId xmlns="" xmlns:a16="http://schemas.microsoft.com/office/drawing/2014/main" id="{A4514022-5DBE-451C-8C11-DB261A71424B}"/>
-              </a:ext>
-            </a:extLst>
-          </p:cNvPr>
+          <p:cNvPr id="3" name="Content Placeholder 2"/>
           <p:cNvSpPr>
             <a:spLocks noGrp="1"/>
           </p:cNvSpPr>
@@ -6517,11 +6292,14 @@
             <p:ph idx="1"/>
           </p:nvPr>
         </p:nvSpPr>
-        <p:spPr>
+        <p:spPr bwMode="auto">
           <a:xfrm>
             <a:off x="6516210" y="863063"/>
             <a:ext cx="5439570" cy="5626513"/>
           </a:xfrm>
+          <a:prstGeom prst="rect">
+            <a:avLst/>
+          </a:prstGeom>
           <a:solidFill>
             <a:schemeClr val="bg1"/>
           </a:solidFill>
@@ -6532,117 +6310,154 @@
           </a:bodyPr>
           <a:lstStyle/>
           <a:p>
-            <a:r>
-              <a:rPr lang="ru-RU" dirty="0"/>
+            <a:pPr>
+              <a:buClr>
+                <a:schemeClr val="accent1"/>
+              </a:buClr>
+              <a:buSzPct val="80000"/>
+              <a:buFont typeface="Wingdings"/>
+              <a:buChar char="Ø"/>
+              <a:defRPr/>
+            </a:pPr>
+            <a:r>
+              <a:rPr lang="ru-RU"/>
               <a:t>Шаблонная функция (обобщенная функция, </a:t>
             </a:r>
             <a:r>
-              <a:rPr lang="en-US" dirty="0"/>
+              <a:rPr lang="en-US"/>
               <a:t>template function)</a:t>
             </a:r>
             <a:r>
-              <a:rPr lang="ru-RU" dirty="0"/>
+              <a:rPr lang="ru-RU"/>
               <a:t> определяет общий набор операций, которые предназначены для применения к данным различных типов</a:t>
             </a:r>
             <a:r>
-              <a:rPr lang="en-US" dirty="0"/>
+              <a:rPr lang="en-US"/>
               <a:t>. </a:t>
             </a:r>
             <a:r>
-              <a:rPr lang="ru-RU" dirty="0"/>
+              <a:rPr lang="ru-RU"/>
               <a:t>Шаблонная функция перегружает сама себя</a:t>
             </a:r>
-          </a:p>
-          <a:p>
-            <a:r>
-              <a:rPr lang="ru-RU" dirty="0"/>
+            <a:endParaRPr/>
+          </a:p>
+          <a:p>
+            <a:pPr>
+              <a:buClr>
+                <a:schemeClr val="accent1"/>
+              </a:buClr>
+              <a:buSzPct val="80000"/>
+              <a:buFont typeface="Wingdings"/>
+              <a:buChar char="Ø"/>
+              <a:defRPr/>
+            </a:pPr>
+            <a:r>
+              <a:rPr lang="ru-RU"/>
               <a:t>Здесь обобщённый тип </a:t>
             </a:r>
             <a:r>
-              <a:rPr lang="en-US" dirty="0" err="1"/>
+              <a:rPr lang="en-US"/>
               <a:t>Ttype</a:t>
             </a:r>
             <a:r>
-              <a:rPr lang="en-US" dirty="0"/>
+              <a:rPr lang="en-US"/>
               <a:t> </a:t>
             </a:r>
             <a:r>
-              <a:rPr lang="ru-RU" dirty="0"/>
+              <a:rPr lang="ru-RU"/>
               <a:t>– заполнитель (</a:t>
             </a:r>
             <a:r>
-              <a:rPr lang="en-US" dirty="0"/>
+              <a:rPr lang="en-US"/>
               <a:t>placeholder</a:t>
             </a:r>
             <a:r>
-              <a:rPr lang="ru-RU" dirty="0"/>
+              <a:rPr lang="ru-RU"/>
               <a:t>) для типа данных, обрабатываемых функцией. При определении функции</a:t>
             </a:r>
             <a:r>
-              <a:rPr lang="en-US" dirty="0"/>
+              <a:rPr lang="en-US"/>
               <a:t> </a:t>
             </a:r>
             <a:r>
-              <a:rPr lang="ru-RU" dirty="0"/>
+              <a:rPr lang="ru-RU"/>
               <a:t>и в её параметрах вместо «перегружаемого» типа используется </a:t>
             </a:r>
             <a:r>
-              <a:rPr lang="en-US" dirty="0" err="1"/>
+              <a:rPr lang="en-US"/>
               <a:t>Ttype</a:t>
             </a:r>
-            <a:endParaRPr lang="en-US" dirty="0"/>
-          </a:p>
-          <a:p>
-            <a:r>
-              <a:rPr lang="ru-RU" dirty="0"/>
+            <a:endParaRPr lang="en-US"/>
+          </a:p>
+          <a:p>
+            <a:pPr>
+              <a:buClr>
+                <a:schemeClr val="accent1"/>
+              </a:buClr>
+              <a:buSzPct val="80000"/>
+              <a:buFont typeface="Wingdings"/>
+              <a:buChar char="Ø"/>
+              <a:defRPr/>
+            </a:pPr>
+            <a:r>
+              <a:rPr lang="ru-RU"/>
               <a:t>При вызове шаблонной функции, компилятор создает версию этой функции для конкретного типа, т.е. создается ее специализация (конкретизация, порожденная функция (</a:t>
             </a:r>
             <a:r>
-              <a:rPr lang="en-US" dirty="0"/>
+              <a:rPr lang="en-US"/>
               <a:t>generated function</a:t>
             </a:r>
             <a:r>
-              <a:rPr lang="ru-RU" dirty="0"/>
+              <a:rPr lang="ru-RU"/>
               <a:t>). При этом вместо плэйсхолдера подставляется необходимый тип</a:t>
             </a:r>
-          </a:p>
-          <a:p>
-            <a:r>
-              <a:rPr lang="ru-RU" dirty="0"/>
+            <a:endParaRPr/>
+          </a:p>
+          <a:p>
+            <a:pPr>
+              <a:buClr>
+                <a:schemeClr val="accent1"/>
+              </a:buClr>
+              <a:buSzPct val="80000"/>
+              <a:buFont typeface="Wingdings"/>
+              <a:buChar char="Ø"/>
+              <a:defRPr/>
+            </a:pPr>
+            <a:r>
+              <a:rPr lang="ru-RU"/>
               <a:t>Действие порождения функции определяют как ее </a:t>
             </a:r>
             <a:r>
-              <a:rPr lang="ru-RU" i="1" dirty="0"/>
+              <a:rPr lang="ru-RU" i="1"/>
               <a:t>реализацию </a:t>
             </a:r>
             <a:r>
-              <a:rPr lang="ru-RU" dirty="0"/>
+              <a:rPr lang="ru-RU"/>
               <a:t>(instantiating)</a:t>
             </a:r>
-          </a:p>
-          <a:p>
-            <a:pPr marL="0" indent="0">
-              <a:buNone/>
-            </a:pPr>
-            <a:endParaRPr lang="en-US" dirty="0"/>
-          </a:p>
-        </p:txBody>
-      </p:sp>
-      <p:sp>
-        <p:nvSpPr>
-          <p:cNvPr id="4" name="Title 1">
-            <a:extLst>
-              <a:ext uri="{FF2B5EF4-FFF2-40B4-BE49-F238E27FC236}">
-                <a16:creationId xmlns="" xmlns:a16="http://schemas.microsoft.com/office/drawing/2014/main" id="{F0681298-F392-4104-ADA0-945738FC0E4D}"/>
-              </a:ext>
-            </a:extLst>
-          </p:cNvPr>
-          <p:cNvSpPr txBox="1">
-            <a:spLocks/>
-          </p:cNvSpPr>
+            <a:endParaRPr/>
+          </a:p>
+          <a:p>
+            <a:pPr>
+              <a:buClr>
+                <a:schemeClr val="accent1"/>
+              </a:buClr>
+              <a:buSzPct val="80000"/>
+              <a:buFont typeface="Wingdings"/>
+              <a:buChar char="Ø"/>
+              <a:defRPr/>
+            </a:pPr>
+            <a:endParaRPr lang="en-US"/>
+          </a:p>
+        </p:txBody>
+      </p:sp>
+      <p:sp>
+        <p:nvSpPr>
+          <p:cNvPr id="4" name="Title 1"/>
+          <p:cNvSpPr txBox="1"/>
           <p:nvPr/>
         </p:nvSpPr>
-        <p:spPr>
+        <p:spPr bwMode="auto">
           <a:xfrm>
             <a:off x="267856" y="194077"/>
             <a:ext cx="11687924" cy="661463"/>
@@ -6664,12 +6479,12 @@
             <a:normAutofit/>
           </a:bodyPr>
           <a:lstStyle>
-            <a:lvl1pPr algn="l" defTabSz="457200" rtl="0" eaLnBrk="1" latinLnBrk="0" hangingPunct="1">
+            <a:lvl1pPr algn="l" defTabSz="457200">
               <a:spcBef>
-                <a:spcPct val="0"/>
+                <a:spcPts val="0"/>
               </a:spcBef>
               <a:buNone/>
-              <a:defRPr sz="3600" kern="1200">
+              <a:defRPr sz="3600">
                 <a:solidFill>
                   <a:schemeClr val="accent1"/>
                 </a:solidFill>
@@ -6678,56 +6493,56 @@
                 <a:cs typeface="+mj-cs"/>
               </a:defRPr>
             </a:lvl1pPr>
-            <a:lvl2pPr eaLnBrk="1" hangingPunct="1">
+            <a:lvl2pPr>
               <a:defRPr>
                 <a:solidFill>
                   <a:schemeClr val="tx2"/>
                 </a:solidFill>
               </a:defRPr>
             </a:lvl2pPr>
-            <a:lvl3pPr eaLnBrk="1" hangingPunct="1">
+            <a:lvl3pPr>
               <a:defRPr>
                 <a:solidFill>
                   <a:schemeClr val="tx2"/>
                 </a:solidFill>
               </a:defRPr>
             </a:lvl3pPr>
-            <a:lvl4pPr eaLnBrk="1" hangingPunct="1">
+            <a:lvl4pPr>
               <a:defRPr>
                 <a:solidFill>
                   <a:schemeClr val="tx2"/>
                 </a:solidFill>
               </a:defRPr>
             </a:lvl4pPr>
-            <a:lvl5pPr eaLnBrk="1" hangingPunct="1">
+            <a:lvl5pPr>
               <a:defRPr>
                 <a:solidFill>
                   <a:schemeClr val="tx2"/>
                 </a:solidFill>
               </a:defRPr>
             </a:lvl5pPr>
-            <a:lvl6pPr eaLnBrk="1" hangingPunct="1">
+            <a:lvl6pPr>
               <a:defRPr>
                 <a:solidFill>
                   <a:schemeClr val="tx2"/>
                 </a:solidFill>
               </a:defRPr>
             </a:lvl6pPr>
-            <a:lvl7pPr eaLnBrk="1" hangingPunct="1">
+            <a:lvl7pPr>
               <a:defRPr>
                 <a:solidFill>
                   <a:schemeClr val="tx2"/>
                 </a:solidFill>
               </a:defRPr>
             </a:lvl7pPr>
-            <a:lvl8pPr eaLnBrk="1" hangingPunct="1">
+            <a:lvl8pPr>
               <a:defRPr>
                 <a:solidFill>
                   <a:schemeClr val="tx2"/>
                 </a:solidFill>
               </a:defRPr>
             </a:lvl8pPr>
-            <a:lvl9pPr eaLnBrk="1" hangingPunct="1">
+            <a:lvl9pPr>
               <a:defRPr>
                 <a:solidFill>
                   <a:schemeClr val="tx2"/>
@@ -6736,24 +6551,20 @@
             </a:lvl9pPr>
           </a:lstStyle>
           <a:p>
-            <a:pPr algn="ctr"/>
-            <a:r>
-              <a:rPr lang="ru-RU" dirty="0"/>
+            <a:pPr algn="ctr">
+              <a:defRPr/>
+            </a:pPr>
+            <a:r>
+              <a:rPr lang="ru-RU"/>
               <a:t>Шаблонные функции. Основные понятия</a:t>
             </a:r>
-            <a:endParaRPr lang="en-US" dirty="0"/>
+            <a:endParaRPr lang="en-US"/>
           </a:p>
         </p:txBody>
       </p:sp>
       <p:pic>
         <p:nvPicPr>
-          <p:cNvPr id="2" name="Picture 1">
-            <a:extLst>
-              <a:ext uri="{FF2B5EF4-FFF2-40B4-BE49-F238E27FC236}">
-                <a16:creationId xmlns="" xmlns:a16="http://schemas.microsoft.com/office/drawing/2014/main" id="{5D0704E8-F485-4057-B35A-2F3FF83E1C9A}"/>
-              </a:ext>
-            </a:extLst>
-          </p:cNvPr>
+          <p:cNvPr id="2" name="Picture 1"/>
           <p:cNvPicPr>
             <a:picLocks noChangeAspect="1"/>
           </p:cNvPicPr>
@@ -6761,14 +6572,12 @@
         </p:nvPicPr>
         <p:blipFill>
           <a:blip r:embed="rId2"/>
-          <a:stretch>
-            <a:fillRect/>
-          </a:stretch>
+          <a:stretch/>
         </p:blipFill>
-        <p:spPr>
+        <p:spPr bwMode="auto">
           <a:xfrm>
             <a:off x="352674" y="1309788"/>
-            <a:ext cx="6248354" cy="1369843"/>
+            <a:ext cx="6248354" cy="1369842"/>
           </a:xfrm>
           <a:prstGeom prst="rect">
             <a:avLst/>
@@ -6777,13 +6586,7 @@
       </p:pic>
       <p:pic>
         <p:nvPicPr>
-          <p:cNvPr id="6" name="Picture 5">
-            <a:extLst>
-              <a:ext uri="{FF2B5EF4-FFF2-40B4-BE49-F238E27FC236}">
-                <a16:creationId xmlns="" xmlns:a16="http://schemas.microsoft.com/office/drawing/2014/main" id="{15457E4A-55A9-4385-A958-32CB9E3767EE}"/>
-              </a:ext>
-            </a:extLst>
-          </p:cNvPr>
+          <p:cNvPr id="6" name="Picture 5"/>
           <p:cNvPicPr>
             <a:picLocks noChangeAspect="1"/>
           </p:cNvPicPr>
@@ -6791,11 +6594,9 @@
         </p:nvPicPr>
         <p:blipFill>
           <a:blip r:embed="rId3"/>
-          <a:stretch>
-            <a:fillRect/>
-          </a:stretch>
+          <a:stretch/>
         </p:blipFill>
-        <p:spPr>
+        <p:spPr bwMode="auto">
           <a:xfrm>
             <a:off x="352674" y="3295641"/>
             <a:ext cx="6163535" cy="2905530"/>
@@ -6807,17 +6608,11 @@
       </p:pic>
       <p:sp>
         <p:nvSpPr>
-          <p:cNvPr id="7" name="TextBox 6">
-            <a:extLst>
-              <a:ext uri="{FF2B5EF4-FFF2-40B4-BE49-F238E27FC236}">
-                <a16:creationId xmlns="" xmlns:a16="http://schemas.microsoft.com/office/drawing/2014/main" id="{A6BBC628-3282-46EB-AC3A-5EFFD76279FC}"/>
-              </a:ext>
-            </a:extLst>
-          </p:cNvPr>
+          <p:cNvPr id="7" name="TextBox 6"/>
           <p:cNvSpPr txBox="1"/>
           <p:nvPr/>
         </p:nvSpPr>
-        <p:spPr>
+        <p:spPr bwMode="auto">
           <a:xfrm>
             <a:off x="835378" y="897998"/>
             <a:ext cx="5468164" cy="369332"/>
@@ -6833,27 +6628,24 @@
           </a:bodyPr>
           <a:lstStyle/>
           <a:p>
-            <a:r>
-              <a:rPr lang="ru-RU" dirty="0"/>
+            <a:pPr>
+              <a:defRPr/>
+            </a:pPr>
+            <a:r>
+              <a:rPr lang="ru-RU"/>
               <a:t>Шаблонная функция с одним обобщённым типом</a:t>
             </a:r>
-            <a:endParaRPr lang="en-US" dirty="0"/>
-          </a:p>
-        </p:txBody>
-      </p:sp>
-      <p:sp>
-        <p:nvSpPr>
-          <p:cNvPr id="8" name="TextBox 7">
-            <a:extLst>
-              <a:ext uri="{FF2B5EF4-FFF2-40B4-BE49-F238E27FC236}">
-                <a16:creationId xmlns="" xmlns:a16="http://schemas.microsoft.com/office/drawing/2014/main" id="{6D6E23F6-3344-4150-BF6C-451F5F72FE3A}"/>
-              </a:ext>
-            </a:extLst>
-          </p:cNvPr>
+            <a:endParaRPr lang="en-US"/>
+          </a:p>
+        </p:txBody>
+      </p:sp>
+      <p:sp>
+        <p:nvSpPr>
+          <p:cNvPr id="8" name="TextBox 7"/>
           <p:cNvSpPr txBox="1"/>
           <p:nvPr/>
         </p:nvSpPr>
-        <p:spPr>
+        <p:spPr bwMode="auto">
           <a:xfrm>
             <a:off x="586547" y="2802970"/>
             <a:ext cx="5695790" cy="369332"/>
@@ -6869,37 +6661,43 @@
           </a:bodyPr>
           <a:lstStyle/>
           <a:p>
-            <a:r>
-              <a:rPr lang="ru-RU" dirty="0"/>
+            <a:pPr>
+              <a:defRPr/>
+            </a:pPr>
+            <a:r>
+              <a:rPr lang="ru-RU"/>
               <a:t>Шаблонная функция с двумя обобщёнными типами</a:t>
             </a:r>
-            <a:endParaRPr lang="en-US" dirty="0"/>
+            <a:endParaRPr lang="en-US"/>
           </a:p>
         </p:txBody>
       </p:sp>
     </p:spTree>
-    <p:extLst>
-      <p:ext uri="{BB962C8B-B14F-4D97-AF65-F5344CB8AC3E}">
-        <p14:creationId xmlns:p14="http://schemas.microsoft.com/office/powerpoint/2010/main" val="2514996565"/>
-      </p:ext>
-    </p:extLst>
   </p:cSld>
   <p:clrMapOvr>
     <a:masterClrMapping/>
   </p:clrMapOvr>
+  <mc:AlternateContent xmlns:mc="http://schemas.openxmlformats.org/markup-compatibility/2006">
+    <mc:Choice xmlns:p14="http://schemas.microsoft.com/office/powerpoint/2010/main" Requires="p14">
+      <p:transition p14:dur="2000" advClick="1"/>
+    </mc:Choice>
+    <mc:Fallback>
+      <p:transition advClick="1"/>
+    </mc:Fallback>
+  </mc:AlternateContent>
 </p:sld>
 </file>
 
 <file path=ppt/slides/slide3.xml><?xml version="1.0" encoding="utf-8"?>
-<p:sld xmlns:a="http://schemas.openxmlformats.org/drawingml/2006/main" xmlns:r="http://schemas.openxmlformats.org/officeDocument/2006/relationships" xmlns:p="http://schemas.openxmlformats.org/presentationml/2006/main">
-  <p:cSld>
+<p:sld xmlns:a="http://schemas.openxmlformats.org/drawingml/2006/main" xmlns:r="http://schemas.openxmlformats.org/officeDocument/2006/relationships" xmlns:p="http://schemas.openxmlformats.org/presentationml/2006/main" xmlns:m="http://schemas.openxmlformats.org/officeDocument/2006/math" xmlns:w="http://schemas.openxmlformats.org/wordprocessingml/2006/main" showMasterPhAnim="0" show="1">
+  <p:cSld name="">
     <p:spTree>
       <p:nvGrpSpPr>
         <p:cNvPr id="1" name=""/>
         <p:cNvGrpSpPr/>
         <p:nvPr/>
       </p:nvGrpSpPr>
-      <p:grpSpPr>
+      <p:grpSpPr bwMode="auto">
         <a:xfrm>
           <a:off x="0" y="0"/>
           <a:ext cx="0" cy="0"/>
@@ -6909,13 +6707,7 @@
       </p:grpSpPr>
       <p:sp>
         <p:nvSpPr>
-          <p:cNvPr id="3" name="Content Placeholder 2">
-            <a:extLst>
-              <a:ext uri="{FF2B5EF4-FFF2-40B4-BE49-F238E27FC236}">
-                <a16:creationId xmlns="" xmlns:a16="http://schemas.microsoft.com/office/drawing/2014/main" id="{8739A000-E665-4F3A-AEFA-47CE06716357}"/>
-              </a:ext>
-            </a:extLst>
-          </p:cNvPr>
+          <p:cNvPr id="3" name="Content Placeholder 2"/>
           <p:cNvSpPr>
             <a:spLocks noGrp="1"/>
           </p:cNvSpPr>
@@ -6923,11 +6715,14 @@
             <p:ph idx="1"/>
           </p:nvPr>
         </p:nvSpPr>
-        <p:spPr>
+        <p:spPr bwMode="auto">
           <a:xfrm>
             <a:off x="252038" y="1033024"/>
             <a:ext cx="11687923" cy="3437375"/>
           </a:xfrm>
+          <a:prstGeom prst="rect">
+            <a:avLst/>
+          </a:prstGeom>
           <a:solidFill>
             <a:schemeClr val="bg1"/>
           </a:solidFill>
@@ -6938,73 +6733,89 @@
           </a:bodyPr>
           <a:lstStyle/>
           <a:p>
-            <a:pPr algn="just"/>
-            <a:r>
-              <a:rPr lang="ru-RU" sz="2800" dirty="0"/>
+            <a:pPr algn="just">
+              <a:buClr>
+                <a:schemeClr val="accent1"/>
+              </a:buClr>
+              <a:buSzPct val="80000"/>
+              <a:buFont typeface="Wingdings"/>
+              <a:buChar char="Ø"/>
+              <a:defRPr/>
+            </a:pPr>
+            <a:r>
+              <a:rPr lang="ru-RU" sz="2800"/>
               <a:t>Сама по себе шаблонная функция не является ни функцией, ни типом. Если не была создана хотя бы одна специализация (т.е. никак не были определены шаблонные типы), она и вовсе не компилируется, т.е. никак не отображается из исходного кода в объектный </a:t>
             </a:r>
             <a:r>
-              <a:rPr lang="ru-RU" sz="2800" dirty="0" smtClean="0"/>
+              <a:rPr lang="ru-RU" sz="2800"/>
               <a:t>код</a:t>
             </a:r>
-          </a:p>
-          <a:p>
-            <a:pPr algn="just"/>
-            <a:r>
-              <a:rPr lang="ru-RU" sz="2800" dirty="0" smtClean="0"/>
+            <a:endParaRPr/>
+          </a:p>
+          <a:p>
+            <a:pPr algn="just">
+              <a:buClr>
+                <a:schemeClr val="accent1"/>
+              </a:buClr>
+              <a:buSzPct val="80000"/>
+              <a:buFont typeface="Wingdings"/>
+              <a:buChar char="Ø"/>
+              <a:defRPr/>
+            </a:pPr>
+            <a:r>
+              <a:rPr lang="ru-RU" sz="2800"/>
               <a:t>Можно </a:t>
             </a:r>
             <a:r>
-              <a:rPr lang="ru-RU" sz="2800" dirty="0"/>
+              <a:rPr lang="ru-RU" sz="2800"/>
               <a:t>проверить данный факт с помощью утилиты </a:t>
             </a:r>
             <a:r>
-              <a:rPr lang="en-US" sz="2800" dirty="0"/>
+              <a:rPr lang="en-US" sz="2800"/>
               <a:t>nm</a:t>
             </a:r>
             <a:r>
-              <a:rPr lang="ru-RU" sz="2800" dirty="0"/>
+              <a:rPr lang="ru-RU" sz="2800"/>
               <a:t>, которая выводит таблицу символов объектного файла. Таблица символов – структура данных, содержащаяся в объектном файле, которая сопоставляет имена символов из исходного кода с их бинарным кодом. Если бинарного кода для функции нет в объектном файле, </a:t>
             </a:r>
             <a:r>
-              <a:rPr lang="en-US" sz="2800" dirty="0"/>
+              <a:rPr lang="en-US" sz="2800"/>
               <a:t>nm </a:t>
             </a:r>
             <a:r>
-              <a:rPr lang="ru-RU" sz="2800" dirty="0"/>
+              <a:rPr lang="ru-RU" sz="2800"/>
               <a:t>не покажет её </a:t>
             </a:r>
             <a:r>
-              <a:rPr lang="ru-RU" sz="2800" dirty="0" smtClean="0"/>
+              <a:rPr lang="ru-RU" sz="2800"/>
               <a:t>имя</a:t>
             </a:r>
-          </a:p>
-          <a:p>
-            <a:pPr marL="0" indent="0" algn="just">
-              <a:buNone/>
-            </a:pPr>
-            <a:endParaRPr lang="en-US" sz="2800" dirty="0"/>
-          </a:p>
-        </p:txBody>
-      </p:sp>
-      <p:sp>
-        <p:nvSpPr>
-          <p:cNvPr id="4" name="Title 1">
-            <a:extLst>
-              <a:ext uri="{FF2B5EF4-FFF2-40B4-BE49-F238E27FC236}">
-                <a16:creationId xmlns="" xmlns:a16="http://schemas.microsoft.com/office/drawing/2014/main" id="{1D766801-EDE4-4361-933A-A5167ACE2754}"/>
-              </a:ext>
-            </a:extLst>
-          </p:cNvPr>
-          <p:cNvSpPr txBox="1">
-            <a:spLocks/>
-          </p:cNvSpPr>
+            <a:endParaRPr/>
+          </a:p>
+          <a:p>
+            <a:pPr algn="just">
+              <a:buClr>
+                <a:schemeClr val="accent1"/>
+              </a:buClr>
+              <a:buSzPct val="80000"/>
+              <a:buFont typeface="Wingdings"/>
+              <a:buChar char="Ø"/>
+              <a:defRPr/>
+            </a:pPr>
+            <a:endParaRPr lang="en-US" sz="2800"/>
+          </a:p>
+        </p:txBody>
+      </p:sp>
+      <p:sp>
+        <p:nvSpPr>
+          <p:cNvPr id="4" name="Title 1"/>
+          <p:cNvSpPr txBox="1"/>
           <p:nvPr/>
         </p:nvSpPr>
-        <p:spPr>
+        <p:spPr bwMode="auto">
           <a:xfrm>
             <a:off x="267856" y="194077"/>
-            <a:ext cx="11687924" cy="638261"/>
+            <a:ext cx="11687924" cy="638260"/>
           </a:xfrm>
           <a:prstGeom prst="rect">
             <a:avLst/>
@@ -7023,12 +6834,12 @@
             <a:normAutofit lnSpcReduction="10000"/>
           </a:bodyPr>
           <a:lstStyle>
-            <a:lvl1pPr algn="l" defTabSz="457200" rtl="0" eaLnBrk="1" latinLnBrk="0" hangingPunct="1">
+            <a:lvl1pPr algn="l" defTabSz="457200">
               <a:spcBef>
-                <a:spcPct val="0"/>
+                <a:spcPts val="0"/>
               </a:spcBef>
               <a:buNone/>
-              <a:defRPr sz="3600" kern="1200">
+              <a:defRPr sz="3600">
                 <a:solidFill>
                   <a:schemeClr val="accent1"/>
                 </a:solidFill>
@@ -7037,56 +6848,56 @@
                 <a:cs typeface="+mj-cs"/>
               </a:defRPr>
             </a:lvl1pPr>
-            <a:lvl2pPr eaLnBrk="1" hangingPunct="1">
+            <a:lvl2pPr>
               <a:defRPr>
                 <a:solidFill>
                   <a:schemeClr val="tx2"/>
                 </a:solidFill>
               </a:defRPr>
             </a:lvl2pPr>
-            <a:lvl3pPr eaLnBrk="1" hangingPunct="1">
+            <a:lvl3pPr>
               <a:defRPr>
                 <a:solidFill>
                   <a:schemeClr val="tx2"/>
                 </a:solidFill>
               </a:defRPr>
             </a:lvl3pPr>
-            <a:lvl4pPr eaLnBrk="1" hangingPunct="1">
+            <a:lvl4pPr>
               <a:defRPr>
                 <a:solidFill>
                   <a:schemeClr val="tx2"/>
                 </a:solidFill>
               </a:defRPr>
             </a:lvl4pPr>
-            <a:lvl5pPr eaLnBrk="1" hangingPunct="1">
+            <a:lvl5pPr>
               <a:defRPr>
                 <a:solidFill>
                   <a:schemeClr val="tx2"/>
                 </a:solidFill>
               </a:defRPr>
             </a:lvl5pPr>
-            <a:lvl6pPr eaLnBrk="1" hangingPunct="1">
+            <a:lvl6pPr>
               <a:defRPr>
                 <a:solidFill>
                   <a:schemeClr val="tx2"/>
                 </a:solidFill>
               </a:defRPr>
             </a:lvl6pPr>
-            <a:lvl7pPr eaLnBrk="1" hangingPunct="1">
+            <a:lvl7pPr>
               <a:defRPr>
                 <a:solidFill>
                   <a:schemeClr val="tx2"/>
                 </a:solidFill>
               </a:defRPr>
             </a:lvl7pPr>
-            <a:lvl8pPr eaLnBrk="1" hangingPunct="1">
+            <a:lvl8pPr>
               <a:defRPr>
                 <a:solidFill>
                   <a:schemeClr val="tx2"/>
                 </a:solidFill>
               </a:defRPr>
             </a:lvl8pPr>
-            <a:lvl9pPr eaLnBrk="1" hangingPunct="1">
+            <a:lvl9pPr>
               <a:defRPr>
                 <a:solidFill>
                   <a:schemeClr val="tx2"/>
@@ -7095,28 +6906,24 @@
             </a:lvl9pPr>
           </a:lstStyle>
           <a:p>
-            <a:pPr algn="ctr"/>
-            <a:r>
-              <a:rPr lang="ru-RU" dirty="0"/>
+            <a:pPr algn="ctr">
+              <a:defRPr/>
+            </a:pPr>
+            <a:r>
+              <a:rPr lang="ru-RU"/>
               <a:t>Шаблонные функции. Компиляция</a:t>
             </a:r>
-            <a:endParaRPr lang="en-US" dirty="0"/>
-          </a:p>
-        </p:txBody>
-      </p:sp>
-      <p:sp>
-        <p:nvSpPr>
-          <p:cNvPr id="8" name="TextBox 7">
-            <a:extLst>
-              <a:ext uri="{FF2B5EF4-FFF2-40B4-BE49-F238E27FC236}">
-                <a16:creationId xmlns="" xmlns:a16="http://schemas.microsoft.com/office/drawing/2014/main" id="{0C4CD969-9B83-41AE-9597-4C2562AF37F2}"/>
-              </a:ext>
-            </a:extLst>
-          </p:cNvPr>
+            <a:endParaRPr lang="en-US"/>
+          </a:p>
+        </p:txBody>
+      </p:sp>
+      <p:sp>
+        <p:nvSpPr>
+          <p:cNvPr id="8" name="TextBox 7"/>
           <p:cNvSpPr txBox="1"/>
           <p:nvPr/>
         </p:nvSpPr>
-        <p:spPr>
+        <p:spPr bwMode="auto">
           <a:xfrm>
             <a:off x="388621" y="4548538"/>
             <a:ext cx="11551340" cy="954107"/>
@@ -7134,49 +6941,46 @@
           </a:bodyPr>
           <a:lstStyle/>
           <a:p>
-            <a:pPr indent="3376613"/>
-            <a:r>
-              <a:rPr lang="en-US" sz="2800" dirty="0"/>
+            <a:pPr indent="3376613">
+              <a:defRPr/>
+            </a:pPr>
+            <a:r>
+              <a:rPr lang="en-US" sz="2800"/>
               <a:t>g++ -c main.cpp –o </a:t>
             </a:r>
             <a:r>
-              <a:rPr lang="en-US" sz="2800" dirty="0" err="1"/>
+              <a:rPr lang="en-US" sz="2800"/>
               <a:t>main.o</a:t>
             </a:r>
-            <a:endParaRPr lang="en-US" sz="2800" dirty="0"/>
-          </a:p>
-          <a:p>
-            <a:pPr marL="3376613"/>
-            <a:r>
-              <a:rPr lang="en-US" sz="2800" dirty="0"/>
+            <a:endParaRPr lang="en-US" sz="2800"/>
+          </a:p>
+          <a:p>
+            <a:pPr marL="3376613">
+              <a:defRPr/>
+            </a:pPr>
+            <a:r>
+              <a:rPr lang="en-US" sz="2800"/>
               <a:t>nm </a:t>
             </a:r>
             <a:r>
-              <a:rPr lang="en-US" sz="2800" dirty="0" err="1"/>
+              <a:rPr lang="en-US" sz="2800"/>
               <a:t>main.o</a:t>
             </a:r>
             <a:r>
-              <a:rPr lang="en-US" sz="2800" dirty="0"/>
+              <a:rPr lang="en-US" sz="2800"/>
               <a:t> </a:t>
             </a:r>
-          </a:p>
-        </p:txBody>
-      </p:sp>
-      <p:sp>
-        <p:nvSpPr>
-          <p:cNvPr id="6" name="Content Placeholder 2">
-            <a:extLst>
-              <a:ext uri="{FF2B5EF4-FFF2-40B4-BE49-F238E27FC236}">
-                <a16:creationId xmlns="" xmlns:a16="http://schemas.microsoft.com/office/drawing/2014/main" id="{8739A000-E665-4F3A-AEFA-47CE06716357}"/>
-              </a:ext>
-            </a:extLst>
-          </p:cNvPr>
-          <p:cNvSpPr txBox="1">
-            <a:spLocks/>
-          </p:cNvSpPr>
+            <a:endParaRPr/>
+          </a:p>
+        </p:txBody>
+      </p:sp>
+      <p:sp>
+        <p:nvSpPr>
+          <p:cNvPr id="6" name="Content Placeholder 2"/>
+          <p:cNvSpPr txBox="1"/>
           <p:nvPr/>
         </p:nvSpPr>
-        <p:spPr>
+        <p:spPr bwMode="auto">
           <a:xfrm>
             <a:off x="252038" y="5580784"/>
             <a:ext cx="11687923" cy="940090"/>
@@ -7193,7 +6997,7 @@
             <a:normAutofit/>
           </a:bodyPr>
           <a:lstStyle>
-            <a:lvl1pPr marL="342900" indent="-342900" algn="l" defTabSz="457200" rtl="0" eaLnBrk="1" latinLnBrk="0" hangingPunct="1">
+            <a:lvl1pPr marL="342900" indent="-342900" algn="l" defTabSz="457200">
               <a:spcBef>
                 <a:spcPts val="1000"/>
               </a:spcBef>
@@ -7204,9 +7008,9 @@
                 <a:schemeClr val="accent1"/>
               </a:buClr>
               <a:buSzPct val="80000"/>
-              <a:buFont typeface="Wingdings 3" charset="2"/>
+              <a:buFont typeface="Wingdings 3"/>
               <a:buChar char=""/>
-              <a:defRPr sz="1800" kern="1200">
+              <a:defRPr sz="1800">
                 <a:solidFill>
                   <a:schemeClr val="tx1">
                     <a:lumMod val="75000"/>
@@ -7218,7 +7022,7 @@
                 <a:cs typeface="+mn-cs"/>
               </a:defRPr>
             </a:lvl1pPr>
-            <a:lvl2pPr marL="742950" indent="-285750" algn="l" defTabSz="457200" rtl="0" eaLnBrk="1" latinLnBrk="0" hangingPunct="1">
+            <a:lvl2pPr marL="742950" indent="-285750" algn="l" defTabSz="457200">
               <a:spcBef>
                 <a:spcPts val="1000"/>
               </a:spcBef>
@@ -7229,9 +7033,9 @@
                 <a:schemeClr val="accent1"/>
               </a:buClr>
               <a:buSzPct val="80000"/>
-              <a:buFont typeface="Wingdings 3" charset="2"/>
+              <a:buFont typeface="Wingdings 3"/>
               <a:buChar char=""/>
-              <a:defRPr sz="1600" kern="1200">
+              <a:defRPr sz="1600">
                 <a:solidFill>
                   <a:schemeClr val="tx1">
                     <a:lumMod val="75000"/>
@@ -7243,7 +7047,7 @@
                 <a:cs typeface="+mn-cs"/>
               </a:defRPr>
             </a:lvl2pPr>
-            <a:lvl3pPr marL="1143000" indent="-228600" algn="l" defTabSz="457200" rtl="0" eaLnBrk="1" latinLnBrk="0" hangingPunct="1">
+            <a:lvl3pPr marL="1143000" indent="-228600" algn="l" defTabSz="457200">
               <a:spcBef>
                 <a:spcPts val="1000"/>
               </a:spcBef>
@@ -7254,9 +7058,9 @@
                 <a:schemeClr val="accent1"/>
               </a:buClr>
               <a:buSzPct val="80000"/>
-              <a:buFont typeface="Wingdings 3" charset="2"/>
+              <a:buFont typeface="Wingdings 3"/>
               <a:buChar char=""/>
-              <a:defRPr sz="1400" kern="1200">
+              <a:defRPr sz="1400">
                 <a:solidFill>
                   <a:schemeClr val="tx1">
                     <a:lumMod val="75000"/>
@@ -7268,7 +7072,7 @@
                 <a:cs typeface="+mn-cs"/>
               </a:defRPr>
             </a:lvl3pPr>
-            <a:lvl4pPr marL="1600200" indent="-228600" algn="l" defTabSz="457200" rtl="0" eaLnBrk="1" latinLnBrk="0" hangingPunct="1">
+            <a:lvl4pPr marL="1600200" indent="-228600" algn="l" defTabSz="457200">
               <a:spcBef>
                 <a:spcPts val="1000"/>
               </a:spcBef>
@@ -7279,9 +7083,9 @@
                 <a:schemeClr val="accent1"/>
               </a:buClr>
               <a:buSzPct val="80000"/>
-              <a:buFont typeface="Wingdings 3" charset="2"/>
+              <a:buFont typeface="Wingdings 3"/>
               <a:buChar char=""/>
-              <a:defRPr sz="1200" kern="1200">
+              <a:defRPr sz="1200">
                 <a:solidFill>
                   <a:schemeClr val="tx1">
                     <a:lumMod val="75000"/>
@@ -7293,7 +7097,7 @@
                 <a:cs typeface="+mn-cs"/>
               </a:defRPr>
             </a:lvl4pPr>
-            <a:lvl5pPr marL="2057400" indent="-228600" algn="l" defTabSz="457200" rtl="0" eaLnBrk="1" latinLnBrk="0" hangingPunct="1">
+            <a:lvl5pPr marL="2057400" indent="-228600" algn="l" defTabSz="457200">
               <a:spcBef>
                 <a:spcPts val="1000"/>
               </a:spcBef>
@@ -7304,9 +7108,9 @@
                 <a:schemeClr val="accent1"/>
               </a:buClr>
               <a:buSzPct val="80000"/>
-              <a:buFont typeface="Wingdings 3" charset="2"/>
+              <a:buFont typeface="Wingdings 3"/>
               <a:buChar char=""/>
-              <a:defRPr sz="1200" kern="1200">
+              <a:defRPr sz="1200">
                 <a:solidFill>
                   <a:schemeClr val="tx1">
                     <a:lumMod val="75000"/>
@@ -7318,7 +7122,7 @@
                 <a:cs typeface="+mn-cs"/>
               </a:defRPr>
             </a:lvl5pPr>
-            <a:lvl6pPr marL="2514600" indent="-228600" algn="l" defTabSz="457200" rtl="0" eaLnBrk="1" latinLnBrk="0" hangingPunct="1">
+            <a:lvl6pPr marL="2514600" indent="-228600" algn="l" defTabSz="457200">
               <a:spcBef>
                 <a:spcPts val="1000"/>
               </a:spcBef>
@@ -7329,9 +7133,9 @@
                 <a:schemeClr val="accent1"/>
               </a:buClr>
               <a:buSzPct val="80000"/>
-              <a:buFont typeface="Wingdings 3" charset="2"/>
+              <a:buFont typeface="Wingdings 3"/>
               <a:buChar char=""/>
-              <a:defRPr sz="1200" kern="1200">
+              <a:defRPr sz="1200">
                 <a:solidFill>
                   <a:schemeClr val="tx1">
                     <a:lumMod val="75000"/>
@@ -7343,7 +7147,7 @@
                 <a:cs typeface="+mn-cs"/>
               </a:defRPr>
             </a:lvl6pPr>
-            <a:lvl7pPr marL="2971800" indent="-228600" algn="l" defTabSz="457200" rtl="0" eaLnBrk="1" latinLnBrk="0" hangingPunct="1">
+            <a:lvl7pPr marL="2971800" indent="-228600" algn="l" defTabSz="457200">
               <a:spcBef>
                 <a:spcPts val="1000"/>
               </a:spcBef>
@@ -7354,9 +7158,9 @@
                 <a:schemeClr val="accent1"/>
               </a:buClr>
               <a:buSzPct val="80000"/>
-              <a:buFont typeface="Wingdings 3" charset="2"/>
+              <a:buFont typeface="Wingdings 3"/>
               <a:buChar char=""/>
-              <a:defRPr sz="1200" kern="1200">
+              <a:defRPr sz="1200">
                 <a:solidFill>
                   <a:schemeClr val="tx1">
                     <a:lumMod val="75000"/>
@@ -7368,7 +7172,7 @@
                 <a:cs typeface="+mn-cs"/>
               </a:defRPr>
             </a:lvl7pPr>
-            <a:lvl8pPr marL="3429000" indent="-228600" algn="l" defTabSz="457200" rtl="0" eaLnBrk="1" latinLnBrk="0" hangingPunct="1">
+            <a:lvl8pPr marL="3429000" indent="-228600" algn="l" defTabSz="457200">
               <a:spcBef>
                 <a:spcPts val="1000"/>
               </a:spcBef>
@@ -7379,9 +7183,9 @@
                 <a:schemeClr val="accent1"/>
               </a:buClr>
               <a:buSzPct val="80000"/>
-              <a:buFont typeface="Wingdings 3" charset="2"/>
+              <a:buFont typeface="Wingdings 3"/>
               <a:buChar char=""/>
-              <a:defRPr sz="1200" kern="1200">
+              <a:defRPr sz="1200">
                 <a:solidFill>
                   <a:schemeClr val="tx1">
                     <a:lumMod val="75000"/>
@@ -7393,7 +7197,7 @@
                 <a:cs typeface="+mn-cs"/>
               </a:defRPr>
             </a:lvl8pPr>
-            <a:lvl9pPr marL="3886200" indent="-228600" algn="l" defTabSz="457200" rtl="0" eaLnBrk="1" latinLnBrk="0" hangingPunct="1">
+            <a:lvl9pPr marL="3886200" indent="-228600" algn="l" defTabSz="457200">
               <a:spcBef>
                 <a:spcPts val="1000"/>
               </a:spcBef>
@@ -7404,9 +7208,9 @@
                 <a:schemeClr val="accent1"/>
               </a:buClr>
               <a:buSzPct val="80000"/>
-              <a:buFont typeface="Wingdings 3" charset="2"/>
+              <a:buFont typeface="Wingdings 3"/>
               <a:buChar char=""/>
-              <a:defRPr sz="1200" kern="1200">
+              <a:defRPr sz="1200">
                 <a:solidFill>
                   <a:schemeClr val="tx1">
                     <a:lumMod val="75000"/>
@@ -7420,38 +7224,49 @@
             </a:lvl9pPr>
           </a:lstStyle>
           <a:p>
-            <a:pPr algn="just"/>
-            <a:r>
-              <a:rPr lang="ru-RU" sz="2400" dirty="0" smtClean="0"/>
+            <a:pPr algn="just">
+              <a:buClr>
+                <a:schemeClr val="accent1"/>
+              </a:buClr>
+              <a:buSzPct val="80000"/>
+              <a:buFont typeface="Wingdings"/>
+              <a:buChar char="Ø"/>
+              <a:defRPr/>
+            </a:pPr>
+            <a:r>
+              <a:rPr lang="ru-RU" sz="2400"/>
               <a:t>Использование шаблонов может замедлять компиляцию, но не выполнение</a:t>
             </a:r>
-            <a:endParaRPr lang="en-US" sz="2400" dirty="0" smtClean="0"/>
+            <a:endParaRPr lang="en-US" sz="2400"/>
           </a:p>
         </p:txBody>
       </p:sp>
     </p:spTree>
-    <p:extLst>
-      <p:ext uri="{BB962C8B-B14F-4D97-AF65-F5344CB8AC3E}">
-        <p14:creationId xmlns:p14="http://schemas.microsoft.com/office/powerpoint/2010/main" val="4206817770"/>
-      </p:ext>
-    </p:extLst>
   </p:cSld>
   <p:clrMapOvr>
     <a:masterClrMapping/>
   </p:clrMapOvr>
+  <mc:AlternateContent xmlns:mc="http://schemas.openxmlformats.org/markup-compatibility/2006">
+    <mc:Choice xmlns:p14="http://schemas.microsoft.com/office/powerpoint/2010/main" Requires="p14">
+      <p:transition p14:dur="2000" advClick="1"/>
+    </mc:Choice>
+    <mc:Fallback>
+      <p:transition advClick="1"/>
+    </mc:Fallback>
+  </mc:AlternateContent>
 </p:sld>
 </file>
 
 <file path=ppt/slides/slide4.xml><?xml version="1.0" encoding="utf-8"?>
-<p:sld xmlns:a="http://schemas.openxmlformats.org/drawingml/2006/main" xmlns:r="http://schemas.openxmlformats.org/officeDocument/2006/relationships" xmlns:p="http://schemas.openxmlformats.org/presentationml/2006/main">
-  <p:cSld>
+<p:sld xmlns:a="http://schemas.openxmlformats.org/drawingml/2006/main" xmlns:r="http://schemas.openxmlformats.org/officeDocument/2006/relationships" xmlns:p="http://schemas.openxmlformats.org/presentationml/2006/main" xmlns:m="http://schemas.openxmlformats.org/officeDocument/2006/math" xmlns:w="http://schemas.openxmlformats.org/wordprocessingml/2006/main" showMasterPhAnim="0" show="1">
+  <p:cSld name="">
     <p:spTree>
       <p:nvGrpSpPr>
         <p:cNvPr id="1" name=""/>
         <p:cNvGrpSpPr/>
         <p:nvPr/>
       </p:nvGrpSpPr>
-      <p:grpSpPr>
+      <p:grpSpPr bwMode="auto">
         <a:xfrm>
           <a:off x="0" y="0"/>
           <a:ext cx="0" cy="0"/>
@@ -7461,19 +7276,11 @@
       </p:grpSpPr>
       <p:sp>
         <p:nvSpPr>
-          <p:cNvPr id="4" name="Content Placeholder 2">
-            <a:extLst>
-              <a:ext uri="{FF2B5EF4-FFF2-40B4-BE49-F238E27FC236}">
-                <a16:creationId xmlns="" xmlns:a16="http://schemas.microsoft.com/office/drawing/2014/main" id="{9384FCA6-BF36-46C7-BB6D-FB71B0BC0D62}"/>
-              </a:ext>
-            </a:extLst>
-          </p:cNvPr>
-          <p:cNvSpPr txBox="1">
-            <a:spLocks/>
-          </p:cNvSpPr>
+          <p:cNvPr id="4" name="Content Placeholder 2"/>
+          <p:cNvSpPr txBox="1"/>
           <p:nvPr/>
         </p:nvSpPr>
-        <p:spPr>
+        <p:spPr bwMode="auto">
           <a:xfrm>
             <a:off x="252038" y="952911"/>
             <a:ext cx="11687923" cy="5412720"/>
@@ -7490,7 +7297,7 @@
             <a:normAutofit/>
           </a:bodyPr>
           <a:lstStyle>
-            <a:lvl1pPr marL="342900" indent="-342900" algn="l" defTabSz="457200" rtl="0" eaLnBrk="1" latinLnBrk="0" hangingPunct="1">
+            <a:lvl1pPr marL="342900" indent="-342900" algn="l" defTabSz="457200">
               <a:spcBef>
                 <a:spcPts val="1000"/>
               </a:spcBef>
@@ -7501,9 +7308,9 @@
                 <a:schemeClr val="accent1"/>
               </a:buClr>
               <a:buSzPct val="80000"/>
-              <a:buFont typeface="Wingdings 3" charset="2"/>
+              <a:buFont typeface="Wingdings 3"/>
               <a:buChar char=""/>
-              <a:defRPr sz="1800" kern="1200">
+              <a:defRPr sz="1800">
                 <a:solidFill>
                   <a:schemeClr val="tx1">
                     <a:lumMod val="75000"/>
@@ -7515,7 +7322,7 @@
                 <a:cs typeface="+mn-cs"/>
               </a:defRPr>
             </a:lvl1pPr>
-            <a:lvl2pPr marL="742950" indent="-285750" algn="l" defTabSz="457200" rtl="0" eaLnBrk="1" latinLnBrk="0" hangingPunct="1">
+            <a:lvl2pPr marL="742950" indent="-285750" algn="l" defTabSz="457200">
               <a:spcBef>
                 <a:spcPts val="1000"/>
               </a:spcBef>
@@ -7526,9 +7333,9 @@
                 <a:schemeClr val="accent1"/>
               </a:buClr>
               <a:buSzPct val="80000"/>
-              <a:buFont typeface="Wingdings 3" charset="2"/>
+              <a:buFont typeface="Wingdings 3"/>
               <a:buChar char=""/>
-              <a:defRPr sz="1600" kern="1200">
+              <a:defRPr sz="1600">
                 <a:solidFill>
                   <a:schemeClr val="tx1">
                     <a:lumMod val="75000"/>
@@ -7540,7 +7347,7 @@
                 <a:cs typeface="+mn-cs"/>
               </a:defRPr>
             </a:lvl2pPr>
-            <a:lvl3pPr marL="1143000" indent="-228600" algn="l" defTabSz="457200" rtl="0" eaLnBrk="1" latinLnBrk="0" hangingPunct="1">
+            <a:lvl3pPr marL="1143000" indent="-228600" algn="l" defTabSz="457200">
               <a:spcBef>
                 <a:spcPts val="1000"/>
               </a:spcBef>
@@ -7551,9 +7358,9 @@
                 <a:schemeClr val="accent1"/>
               </a:buClr>
               <a:buSzPct val="80000"/>
-              <a:buFont typeface="Wingdings 3" charset="2"/>
+              <a:buFont typeface="Wingdings 3"/>
               <a:buChar char=""/>
-              <a:defRPr sz="1400" kern="1200">
+              <a:defRPr sz="1400">
                 <a:solidFill>
                   <a:schemeClr val="tx1">
                     <a:lumMod val="75000"/>
@@ -7565,7 +7372,7 @@
                 <a:cs typeface="+mn-cs"/>
               </a:defRPr>
             </a:lvl3pPr>
-            <a:lvl4pPr marL="1600200" indent="-228600" algn="l" defTabSz="457200" rtl="0" eaLnBrk="1" latinLnBrk="0" hangingPunct="1">
+            <a:lvl4pPr marL="1600200" indent="-228600" algn="l" defTabSz="457200">
               <a:spcBef>
                 <a:spcPts val="1000"/>
               </a:spcBef>
@@ -7576,9 +7383,9 @@
                 <a:schemeClr val="accent1"/>
               </a:buClr>
               <a:buSzPct val="80000"/>
-              <a:buFont typeface="Wingdings 3" charset="2"/>
+              <a:buFont typeface="Wingdings 3"/>
               <a:buChar char=""/>
-              <a:defRPr sz="1200" kern="1200">
+              <a:defRPr sz="1200">
                 <a:solidFill>
                   <a:schemeClr val="tx1">
                     <a:lumMod val="75000"/>
@@ -7590,7 +7397,7 @@
                 <a:cs typeface="+mn-cs"/>
               </a:defRPr>
             </a:lvl4pPr>
-            <a:lvl5pPr marL="2057400" indent="-228600" algn="l" defTabSz="457200" rtl="0" eaLnBrk="1" latinLnBrk="0" hangingPunct="1">
+            <a:lvl5pPr marL="2057400" indent="-228600" algn="l" defTabSz="457200">
               <a:spcBef>
                 <a:spcPts val="1000"/>
               </a:spcBef>
@@ -7601,9 +7408,9 @@
                 <a:schemeClr val="accent1"/>
               </a:buClr>
               <a:buSzPct val="80000"/>
-              <a:buFont typeface="Wingdings 3" charset="2"/>
+              <a:buFont typeface="Wingdings 3"/>
               <a:buChar char=""/>
-              <a:defRPr sz="1200" kern="1200">
+              <a:defRPr sz="1200">
                 <a:solidFill>
                   <a:schemeClr val="tx1">
                     <a:lumMod val="75000"/>
@@ -7615,7 +7422,7 @@
                 <a:cs typeface="+mn-cs"/>
               </a:defRPr>
             </a:lvl5pPr>
-            <a:lvl6pPr marL="2514600" indent="-228600" algn="l" defTabSz="457200" rtl="0" eaLnBrk="1" latinLnBrk="0" hangingPunct="1">
+            <a:lvl6pPr marL="2514600" indent="-228600" algn="l" defTabSz="457200">
               <a:spcBef>
                 <a:spcPts val="1000"/>
               </a:spcBef>
@@ -7626,9 +7433,9 @@
                 <a:schemeClr val="accent1"/>
               </a:buClr>
               <a:buSzPct val="80000"/>
-              <a:buFont typeface="Wingdings 3" charset="2"/>
+              <a:buFont typeface="Wingdings 3"/>
               <a:buChar char=""/>
-              <a:defRPr sz="1200" kern="1200">
+              <a:defRPr sz="1200">
                 <a:solidFill>
                   <a:schemeClr val="tx1">
                     <a:lumMod val="75000"/>
@@ -7640,7 +7447,7 @@
                 <a:cs typeface="+mn-cs"/>
               </a:defRPr>
             </a:lvl6pPr>
-            <a:lvl7pPr marL="2971800" indent="-228600" algn="l" defTabSz="457200" rtl="0" eaLnBrk="1" latinLnBrk="0" hangingPunct="1">
+            <a:lvl7pPr marL="2971800" indent="-228600" algn="l" defTabSz="457200">
               <a:spcBef>
                 <a:spcPts val="1000"/>
               </a:spcBef>
@@ -7651,9 +7458,9 @@
                 <a:schemeClr val="accent1"/>
               </a:buClr>
               <a:buSzPct val="80000"/>
-              <a:buFont typeface="Wingdings 3" charset="2"/>
+              <a:buFont typeface="Wingdings 3"/>
               <a:buChar char=""/>
-              <a:defRPr sz="1200" kern="1200">
+              <a:defRPr sz="1200">
                 <a:solidFill>
                   <a:schemeClr val="tx1">
                     <a:lumMod val="75000"/>
@@ -7665,7 +7472,7 @@
                 <a:cs typeface="+mn-cs"/>
               </a:defRPr>
             </a:lvl7pPr>
-            <a:lvl8pPr marL="3429000" indent="-228600" algn="l" defTabSz="457200" rtl="0" eaLnBrk="1" latinLnBrk="0" hangingPunct="1">
+            <a:lvl8pPr marL="3429000" indent="-228600" algn="l" defTabSz="457200">
               <a:spcBef>
                 <a:spcPts val="1000"/>
               </a:spcBef>
@@ -7676,9 +7483,9 @@
                 <a:schemeClr val="accent1"/>
               </a:buClr>
               <a:buSzPct val="80000"/>
-              <a:buFont typeface="Wingdings 3" charset="2"/>
+              <a:buFont typeface="Wingdings 3"/>
               <a:buChar char=""/>
-              <a:defRPr sz="1200" kern="1200">
+              <a:defRPr sz="1200">
                 <a:solidFill>
                   <a:schemeClr val="tx1">
                     <a:lumMod val="75000"/>
@@ -7690,7 +7497,7 @@
                 <a:cs typeface="+mn-cs"/>
               </a:defRPr>
             </a:lvl8pPr>
-            <a:lvl9pPr marL="3886200" indent="-228600" algn="l" defTabSz="457200" rtl="0" eaLnBrk="1" latinLnBrk="0" hangingPunct="1">
+            <a:lvl9pPr marL="3886200" indent="-228600" algn="l" defTabSz="457200">
               <a:spcBef>
                 <a:spcPts val="1000"/>
               </a:spcBef>
@@ -7701,9 +7508,9 @@
                 <a:schemeClr val="accent1"/>
               </a:buClr>
               <a:buSzPct val="80000"/>
-              <a:buFont typeface="Wingdings 3" charset="2"/>
+              <a:buFont typeface="Wingdings 3"/>
               <a:buChar char=""/>
-              <a:defRPr sz="1200" kern="1200">
+              <a:defRPr sz="1200">
                 <a:solidFill>
                   <a:schemeClr val="tx1">
                     <a:lumMod val="75000"/>
@@ -7717,121 +7524,147 @@
             </a:lvl9pPr>
           </a:lstStyle>
           <a:p>
-            <a:r>
-              <a:rPr lang="ru-RU" sz="2400" dirty="0"/>
+            <a:pPr>
+              <a:buClr>
+                <a:schemeClr val="accent1"/>
+              </a:buClr>
+              <a:buSzPct val="80000"/>
+              <a:buFont typeface="Wingdings"/>
+              <a:buChar char="Ø"/>
+              <a:defRPr/>
+            </a:pPr>
+            <a:r>
+              <a:rPr lang="ru-RU" sz="2400"/>
               <a:t>Как правило, при инстанциировании шаблонной функции компилятор может сам вывести шаблонный тип исходя из типов переданных данной функции параметров (</a:t>
             </a:r>
             <a:r>
-              <a:rPr lang="en-US" sz="2400" dirty="0"/>
+              <a:rPr lang="en-US" sz="2400"/>
               <a:t>type deduction</a:t>
             </a:r>
             <a:r>
-              <a:rPr lang="ru-RU" sz="2400" dirty="0"/>
+              <a:rPr lang="ru-RU" sz="2400"/>
               <a:t>). Благодаря этому возможны такие конструкции, как </a:t>
             </a:r>
             <a:r>
-              <a:rPr lang="en-US" sz="2400" dirty="0"/>
+              <a:rPr lang="en-US" sz="2400"/>
               <a:t>std::</a:t>
             </a:r>
             <a:r>
-              <a:rPr lang="en-US" sz="2400" dirty="0" err="1"/>
+              <a:rPr lang="en-US" sz="2400"/>
               <a:t>cout</a:t>
             </a:r>
             <a:r>
-              <a:rPr lang="en-US" sz="2400" dirty="0"/>
+              <a:rPr lang="en-US" sz="2400"/>
               <a:t> &lt;&lt; “Hello World!”</a:t>
             </a:r>
-          </a:p>
-          <a:p>
-            <a:r>
-              <a:rPr lang="ru-RU" sz="2400" dirty="0"/>
+            <a:endParaRPr/>
+          </a:p>
+          <a:p>
+            <a:pPr>
+              <a:buClr>
+                <a:schemeClr val="accent1"/>
+              </a:buClr>
+              <a:buSzPct val="80000"/>
+              <a:buFont typeface="Wingdings"/>
+              <a:buChar char="Ø"/>
+              <a:defRPr/>
+            </a:pPr>
+            <a:r>
+              <a:rPr lang="ru-RU" sz="2400"/>
               <a:t>В некоторых случаях компилятор не способен самостоятельно вывести тип. Например:</a:t>
             </a:r>
+            <a:endParaRPr/>
           </a:p>
           <a:p>
             <a:pPr marL="1031875" indent="-339725">
-              <a:buFont typeface="Arial" panose="020B0604020202020204" pitchFamily="34" charset="0"/>
+              <a:buFont typeface="Arial"/>
               <a:buChar char="•"/>
               <a:tabLst>
                 <a:tab pos="973138" algn="l"/>
               </a:tabLst>
-            </a:pPr>
-            <a:r>
-              <a:rPr lang="ru-RU" sz="2400" dirty="0"/>
+              <a:defRPr/>
+            </a:pPr>
+            <a:r>
+              <a:rPr lang="ru-RU" sz="2400"/>
               <a:t>У шаблонной функции нет параметров</a:t>
             </a:r>
+            <a:endParaRPr/>
           </a:p>
           <a:p>
             <a:pPr marL="1090613" indent="-398463">
-              <a:buFont typeface="Arial" panose="020B0604020202020204" pitchFamily="34" charset="0"/>
+              <a:buFont typeface="Arial"/>
               <a:buChar char="•"/>
               <a:tabLst>
                 <a:tab pos="855663" algn="l"/>
                 <a:tab pos="973138" algn="l"/>
                 <a:tab pos="1031875" algn="l"/>
               </a:tabLst>
-            </a:pPr>
-            <a:r>
-              <a:rPr lang="ru-RU" sz="2400" dirty="0"/>
+              <a:defRPr/>
+            </a:pPr>
+            <a:r>
+              <a:rPr lang="ru-RU" sz="2400"/>
               <a:t>Параметрам одного и ого же шаблонного типа переданы значения разных типов (например, </a:t>
             </a:r>
             <a:r>
-              <a:rPr lang="en-US" sz="2400" dirty="0"/>
+              <a:rPr lang="en-US" sz="2400"/>
               <a:t>int </a:t>
             </a:r>
             <a:r>
-              <a:rPr lang="ru-RU" sz="2400" dirty="0"/>
+              <a:rPr lang="ru-RU" sz="2400"/>
               <a:t> и </a:t>
             </a:r>
             <a:r>
-              <a:rPr lang="en-US" sz="2400" dirty="0"/>
+              <a:rPr lang="en-US" sz="2400"/>
               <a:t>long</a:t>
             </a:r>
             <a:r>
-              <a:rPr lang="ru-RU" sz="2400" dirty="0"/>
+              <a:rPr lang="ru-RU" sz="2400"/>
               <a:t>)</a:t>
             </a:r>
-            <a:endParaRPr lang="en-US" sz="2400" dirty="0"/>
+            <a:endParaRPr lang="en-US" sz="2400"/>
           </a:p>
           <a:p>
             <a:pPr marL="1090613" indent="-398463">
-              <a:buFont typeface="Arial" panose="020B0604020202020204" pitchFamily="34" charset="0"/>
+              <a:buFont typeface="Arial"/>
               <a:buChar char="•"/>
               <a:tabLst>
                 <a:tab pos="855663" algn="l"/>
                 <a:tab pos="973138" algn="l"/>
                 <a:tab pos="1031875" algn="l"/>
               </a:tabLst>
-            </a:pPr>
-            <a:r>
-              <a:rPr lang="ru-RU" sz="2400" dirty="0"/>
+              <a:defRPr/>
+            </a:pPr>
+            <a:r>
+              <a:rPr lang="ru-RU" sz="2400"/>
               <a:t>Необходимо «навязать» параметрам преобразование типов </a:t>
             </a:r>
-            <a:endParaRPr lang="en-US" sz="2400" dirty="0"/>
-          </a:p>
-          <a:p>
-            <a:r>
-              <a:rPr lang="ru-RU" sz="2400" dirty="0"/>
+            <a:endParaRPr lang="en-US" sz="2400"/>
+          </a:p>
+          <a:p>
+            <a:pPr>
+              <a:buClr>
+                <a:schemeClr val="accent1"/>
+              </a:buClr>
+              <a:buSzPct val="80000"/>
+              <a:buFont typeface="Wingdings"/>
+              <a:buChar char="Ø"/>
+              <a:defRPr/>
+            </a:pPr>
+            <a:r>
+              <a:rPr lang="ru-RU" sz="2400"/>
               <a:t>В таком случае при вызове шаблонной функции необходимо задать тип в явном виде в треугольных скобках после имени функции</a:t>
             </a:r>
-          </a:p>
-        </p:txBody>
-      </p:sp>
-      <p:sp>
-        <p:nvSpPr>
-          <p:cNvPr id="5" name="Title 1">
-            <a:extLst>
-              <a:ext uri="{FF2B5EF4-FFF2-40B4-BE49-F238E27FC236}">
-                <a16:creationId xmlns="" xmlns:a16="http://schemas.microsoft.com/office/drawing/2014/main" id="{3B6EE643-EB48-4F06-ABE3-B6EFDA9EE4C6}"/>
-              </a:ext>
-            </a:extLst>
-          </p:cNvPr>
-          <p:cNvSpPr txBox="1">
-            <a:spLocks/>
-          </p:cNvSpPr>
+            <a:endParaRPr/>
+          </a:p>
+        </p:txBody>
+      </p:sp>
+      <p:sp>
+        <p:nvSpPr>
+          <p:cNvPr id="5" name="Title 1"/>
+          <p:cNvSpPr txBox="1"/>
           <p:nvPr/>
         </p:nvSpPr>
-        <p:spPr>
+        <p:spPr bwMode="auto">
           <a:xfrm>
             <a:off x="267856" y="194077"/>
             <a:ext cx="11687924" cy="673431"/>
@@ -7853,12 +7686,12 @@
             <a:normAutofit/>
           </a:bodyPr>
           <a:lstStyle>
-            <a:lvl1pPr algn="l" defTabSz="457200" rtl="0" eaLnBrk="1" latinLnBrk="0" hangingPunct="1">
+            <a:lvl1pPr algn="l" defTabSz="457200">
               <a:spcBef>
-                <a:spcPct val="0"/>
+                <a:spcPts val="0"/>
               </a:spcBef>
               <a:buNone/>
-              <a:defRPr sz="3600" kern="1200">
+              <a:defRPr sz="3600">
                 <a:solidFill>
                   <a:schemeClr val="accent1"/>
                 </a:solidFill>
@@ -7867,56 +7700,56 @@
                 <a:cs typeface="+mj-cs"/>
               </a:defRPr>
             </a:lvl1pPr>
-            <a:lvl2pPr eaLnBrk="1" hangingPunct="1">
+            <a:lvl2pPr>
               <a:defRPr>
                 <a:solidFill>
                   <a:schemeClr val="tx2"/>
                 </a:solidFill>
               </a:defRPr>
             </a:lvl2pPr>
-            <a:lvl3pPr eaLnBrk="1" hangingPunct="1">
+            <a:lvl3pPr>
               <a:defRPr>
                 <a:solidFill>
                   <a:schemeClr val="tx2"/>
                 </a:solidFill>
               </a:defRPr>
             </a:lvl3pPr>
-            <a:lvl4pPr eaLnBrk="1" hangingPunct="1">
+            <a:lvl4pPr>
               <a:defRPr>
                 <a:solidFill>
                   <a:schemeClr val="tx2"/>
                 </a:solidFill>
               </a:defRPr>
             </a:lvl4pPr>
-            <a:lvl5pPr eaLnBrk="1" hangingPunct="1">
+            <a:lvl5pPr>
               <a:defRPr>
                 <a:solidFill>
                   <a:schemeClr val="tx2"/>
                 </a:solidFill>
               </a:defRPr>
             </a:lvl5pPr>
-            <a:lvl6pPr eaLnBrk="1" hangingPunct="1">
+            <a:lvl6pPr>
               <a:defRPr>
                 <a:solidFill>
                   <a:schemeClr val="tx2"/>
                 </a:solidFill>
               </a:defRPr>
             </a:lvl6pPr>
-            <a:lvl7pPr eaLnBrk="1" hangingPunct="1">
+            <a:lvl7pPr>
               <a:defRPr>
                 <a:solidFill>
                   <a:schemeClr val="tx2"/>
                 </a:solidFill>
               </a:defRPr>
             </a:lvl7pPr>
-            <a:lvl8pPr eaLnBrk="1" hangingPunct="1">
+            <a:lvl8pPr>
               <a:defRPr>
                 <a:solidFill>
                   <a:schemeClr val="tx2"/>
                 </a:solidFill>
               </a:defRPr>
             </a:lvl8pPr>
-            <a:lvl9pPr eaLnBrk="1" hangingPunct="1">
+            <a:lvl9pPr>
               <a:defRPr>
                 <a:solidFill>
                   <a:schemeClr val="tx2"/>
@@ -7925,38 +7758,43 @@
             </a:lvl9pPr>
           </a:lstStyle>
           <a:p>
-            <a:pPr algn="ctr"/>
-            <a:r>
-              <a:rPr lang="ru-RU" dirty="0"/>
+            <a:pPr algn="ctr">
+              <a:defRPr/>
+            </a:pPr>
+            <a:r>
+              <a:rPr lang="ru-RU"/>
               <a:t>Шаблонные функции. Вывод типа</a:t>
             </a:r>
-            <a:endParaRPr lang="en-US" dirty="0"/>
+            <a:endParaRPr lang="en-US"/>
           </a:p>
         </p:txBody>
       </p:sp>
     </p:spTree>
-    <p:extLst>
-      <p:ext uri="{BB962C8B-B14F-4D97-AF65-F5344CB8AC3E}">
-        <p14:creationId xmlns:p14="http://schemas.microsoft.com/office/powerpoint/2010/main" val="2273229533"/>
-      </p:ext>
-    </p:extLst>
   </p:cSld>
   <p:clrMapOvr>
     <a:masterClrMapping/>
   </p:clrMapOvr>
+  <mc:AlternateContent xmlns:mc="http://schemas.openxmlformats.org/markup-compatibility/2006">
+    <mc:Choice xmlns:p14="http://schemas.microsoft.com/office/powerpoint/2010/main" Requires="p14">
+      <p:transition p14:dur="2000" advClick="1"/>
+    </mc:Choice>
+    <mc:Fallback>
+      <p:transition advClick="1"/>
+    </mc:Fallback>
+  </mc:AlternateContent>
 </p:sld>
 </file>
 
 <file path=ppt/slides/slide5.xml><?xml version="1.0" encoding="utf-8"?>
-<p:sld xmlns:a="http://schemas.openxmlformats.org/drawingml/2006/main" xmlns:r="http://schemas.openxmlformats.org/officeDocument/2006/relationships" xmlns:p="http://schemas.openxmlformats.org/presentationml/2006/main">
-  <p:cSld>
+<p:sld xmlns:a="http://schemas.openxmlformats.org/drawingml/2006/main" xmlns:r="http://schemas.openxmlformats.org/officeDocument/2006/relationships" xmlns:p="http://schemas.openxmlformats.org/presentationml/2006/main" xmlns:m="http://schemas.openxmlformats.org/officeDocument/2006/math" xmlns:w="http://schemas.openxmlformats.org/wordprocessingml/2006/main" showMasterPhAnim="0" show="1">
+  <p:cSld name="">
     <p:spTree>
       <p:nvGrpSpPr>
         <p:cNvPr id="1" name=""/>
         <p:cNvGrpSpPr/>
         <p:nvPr/>
       </p:nvGrpSpPr>
-      <p:grpSpPr>
+      <p:grpSpPr bwMode="auto">
         <a:xfrm>
           <a:off x="0" y="0"/>
           <a:ext cx="0" cy="0"/>
@@ -7966,13 +7804,7 @@
       </p:grpSpPr>
       <p:sp>
         <p:nvSpPr>
-          <p:cNvPr id="3" name="Content Placeholder 2">
-            <a:extLst>
-              <a:ext uri="{FF2B5EF4-FFF2-40B4-BE49-F238E27FC236}">
-                <a16:creationId xmlns="" xmlns:a16="http://schemas.microsoft.com/office/drawing/2014/main" id="{7A7EEC47-6C8A-4849-A5C1-1A755BB1397E}"/>
-              </a:ext>
-            </a:extLst>
-          </p:cNvPr>
+          <p:cNvPr id="3" name="Content Placeholder 2"/>
           <p:cNvSpPr>
             <a:spLocks noGrp="1"/>
           </p:cNvSpPr>
@@ -7980,11 +7812,14 @@
             <p:ph idx="1"/>
           </p:nvPr>
         </p:nvSpPr>
-        <p:spPr>
+        <p:spPr bwMode="auto">
           <a:xfrm>
             <a:off x="267855" y="998232"/>
             <a:ext cx="11687924" cy="1203933"/>
           </a:xfrm>
+          <a:prstGeom prst="rect">
+            <a:avLst/>
+          </a:prstGeom>
           <a:solidFill>
             <a:schemeClr val="bg1"/>
           </a:solidFill>
@@ -7995,39 +7830,40 @@
           </a:bodyPr>
           <a:lstStyle/>
           <a:p>
-            <a:r>
-              <a:rPr lang="ru-RU" sz="2400" dirty="0"/>
+            <a:pPr>
+              <a:buClr>
+                <a:schemeClr val="accent1"/>
+              </a:buClr>
+              <a:buSzPct val="80000"/>
+              <a:buFont typeface="Wingdings"/>
+              <a:buChar char="Ø"/>
+              <a:defRPr/>
+            </a:pPr>
+            <a:r>
+              <a:rPr lang="ru-RU" sz="2400"/>
               <a:t>Если необходимо определить отдельную реализацию шаблонной функции для некоторых типов, можно переопределить такую функцию вручную. Это явная специалиазция шаблона (</a:t>
             </a:r>
             <a:r>
-              <a:rPr lang="en-US" sz="2400" dirty="0"/>
-              <a:t>implicit specialization</a:t>
-            </a:r>
-            <a:r>
-              <a:rPr lang="ru-RU" sz="2400" dirty="0" smtClean="0"/>
+              <a:rPr lang="en-US" sz="2400"/>
+              <a:t>explicit specialization</a:t>
+            </a:r>
+            <a:r>
+              <a:rPr lang="ru-RU" sz="2400"/>
               <a:t>)</a:t>
             </a:r>
-            <a:endParaRPr lang="en-US" sz="2400" dirty="0"/>
-          </a:p>
-        </p:txBody>
-      </p:sp>
-      <p:sp>
-        <p:nvSpPr>
-          <p:cNvPr id="4" name="Title 1">
-            <a:extLst>
-              <a:ext uri="{FF2B5EF4-FFF2-40B4-BE49-F238E27FC236}">
-                <a16:creationId xmlns="" xmlns:a16="http://schemas.microsoft.com/office/drawing/2014/main" id="{3DF7057A-7FD2-408C-B1B8-4A9BEB04C2A9}"/>
-              </a:ext>
-            </a:extLst>
-          </p:cNvPr>
-          <p:cNvSpPr txBox="1">
-            <a:spLocks/>
-          </p:cNvSpPr>
+            <a:endParaRPr lang="en-US" sz="2400"/>
+          </a:p>
+        </p:txBody>
+      </p:sp>
+      <p:sp>
+        <p:nvSpPr>
+          <p:cNvPr id="4" name="Title 1"/>
+          <p:cNvSpPr txBox="1"/>
           <p:nvPr/>
         </p:nvSpPr>
-        <p:spPr>
+        <p:spPr bwMode="auto">
           <a:xfrm>
-            <a:off x="267854" y="82524"/>
+            <a:off x="267854" y="82523"/>
             <a:ext cx="11687924" cy="673431"/>
           </a:xfrm>
           <a:prstGeom prst="rect">
@@ -8047,12 +7883,12 @@
             <a:normAutofit/>
           </a:bodyPr>
           <a:lstStyle>
-            <a:lvl1pPr algn="l" defTabSz="457200" rtl="0" eaLnBrk="1" latinLnBrk="0" hangingPunct="1">
+            <a:lvl1pPr algn="l" defTabSz="457200">
               <a:spcBef>
-                <a:spcPct val="0"/>
+                <a:spcPts val="0"/>
               </a:spcBef>
               <a:buNone/>
-              <a:defRPr sz="3600" kern="1200">
+              <a:defRPr sz="3600">
                 <a:solidFill>
                   <a:schemeClr val="accent1"/>
                 </a:solidFill>
@@ -8061,56 +7897,56 @@
                 <a:cs typeface="+mj-cs"/>
               </a:defRPr>
             </a:lvl1pPr>
-            <a:lvl2pPr eaLnBrk="1" hangingPunct="1">
+            <a:lvl2pPr>
               <a:defRPr>
                 <a:solidFill>
                   <a:schemeClr val="tx2"/>
                 </a:solidFill>
               </a:defRPr>
             </a:lvl2pPr>
-            <a:lvl3pPr eaLnBrk="1" hangingPunct="1">
+            <a:lvl3pPr>
               <a:defRPr>
                 <a:solidFill>
                   <a:schemeClr val="tx2"/>
                 </a:solidFill>
               </a:defRPr>
             </a:lvl3pPr>
-            <a:lvl4pPr eaLnBrk="1" hangingPunct="1">
+            <a:lvl4pPr>
               <a:defRPr>
                 <a:solidFill>
                   <a:schemeClr val="tx2"/>
                 </a:solidFill>
               </a:defRPr>
             </a:lvl4pPr>
-            <a:lvl5pPr eaLnBrk="1" hangingPunct="1">
+            <a:lvl5pPr>
               <a:defRPr>
                 <a:solidFill>
                   <a:schemeClr val="tx2"/>
                 </a:solidFill>
               </a:defRPr>
             </a:lvl5pPr>
-            <a:lvl6pPr eaLnBrk="1" hangingPunct="1">
+            <a:lvl6pPr>
               <a:defRPr>
                 <a:solidFill>
                   <a:schemeClr val="tx2"/>
                 </a:solidFill>
               </a:defRPr>
             </a:lvl6pPr>
-            <a:lvl7pPr eaLnBrk="1" hangingPunct="1">
+            <a:lvl7pPr>
               <a:defRPr>
                 <a:solidFill>
                   <a:schemeClr val="tx2"/>
                 </a:solidFill>
               </a:defRPr>
             </a:lvl7pPr>
-            <a:lvl8pPr eaLnBrk="1" hangingPunct="1">
+            <a:lvl8pPr>
               <a:defRPr>
                 <a:solidFill>
                   <a:schemeClr val="tx2"/>
                 </a:solidFill>
               </a:defRPr>
             </a:lvl8pPr>
-            <a:lvl9pPr eaLnBrk="1" hangingPunct="1">
+            <a:lvl9pPr>
               <a:defRPr>
                 <a:solidFill>
                   <a:schemeClr val="tx2"/>
@@ -8119,36 +7955,30 @@
             </a:lvl9pPr>
           </a:lstStyle>
           <a:p>
-            <a:pPr algn="ctr"/>
-            <a:r>
-              <a:rPr lang="ru-RU" dirty="0"/>
+            <a:pPr algn="ctr">
+              <a:defRPr/>
+            </a:pPr>
+            <a:r>
+              <a:rPr lang="ru-RU"/>
               <a:t>Шаблонные функции. Явная специализация</a:t>
             </a:r>
-            <a:endParaRPr lang="en-US" dirty="0"/>
+            <a:endParaRPr lang="en-US"/>
           </a:p>
         </p:txBody>
       </p:sp>
       <p:pic>
         <p:nvPicPr>
-          <p:cNvPr id="5" name="Picture 4">
-            <a:extLst>
-              <a:ext uri="{FF2B5EF4-FFF2-40B4-BE49-F238E27FC236}">
-                <a16:creationId xmlns="" xmlns:a16="http://schemas.microsoft.com/office/drawing/2014/main" id="{EEB5D373-8DBF-4C03-A2E1-216E792AE73E}"/>
-              </a:ext>
-            </a:extLst>
-          </p:cNvPr>
+          <p:cNvPr id="5" name="Picture 4"/>
           <p:cNvPicPr>
             <a:picLocks noChangeAspect="1"/>
           </p:cNvPicPr>
           <p:nvPr/>
         </p:nvPicPr>
         <p:blipFill>
-          <a:blip r:embed="rId3"/>
-          <a:stretch>
-            <a:fillRect/>
-          </a:stretch>
+          <a:blip r:embed="rId2"/>
+          <a:stretch/>
         </p:blipFill>
-        <p:spPr>
+        <p:spPr bwMode="auto">
           <a:xfrm>
             <a:off x="504596" y="2575513"/>
             <a:ext cx="3553105" cy="3382646"/>
@@ -8160,25 +7990,17 @@
       </p:pic>
       <p:pic>
         <p:nvPicPr>
-          <p:cNvPr id="6" name="Picture 5">
-            <a:extLst>
-              <a:ext uri="{FF2B5EF4-FFF2-40B4-BE49-F238E27FC236}">
-                <a16:creationId xmlns="" xmlns:a16="http://schemas.microsoft.com/office/drawing/2014/main" id="{D2F09261-7098-4D5A-9F1F-9F3F4C86DAF7}"/>
-              </a:ext>
-            </a:extLst>
-          </p:cNvPr>
+          <p:cNvPr id="6" name="Picture 5"/>
           <p:cNvPicPr>
             <a:picLocks noChangeAspect="1"/>
           </p:cNvPicPr>
           <p:nvPr/>
         </p:nvPicPr>
         <p:blipFill>
-          <a:blip r:embed="rId4"/>
-          <a:stretch>
-            <a:fillRect/>
-          </a:stretch>
+          <a:blip r:embed="rId3"/>
+          <a:stretch/>
         </p:blipFill>
-        <p:spPr>
+        <p:spPr bwMode="auto">
           <a:xfrm>
             <a:off x="4334278" y="4312808"/>
             <a:ext cx="4126523" cy="1645351"/>
@@ -8190,17 +8012,11 @@
       </p:pic>
       <p:sp>
         <p:nvSpPr>
-          <p:cNvPr id="7" name="TextBox 6">
-            <a:extLst>
-              <a:ext uri="{FF2B5EF4-FFF2-40B4-BE49-F238E27FC236}">
-                <a16:creationId xmlns="" xmlns:a16="http://schemas.microsoft.com/office/drawing/2014/main" id="{4047C987-1A4D-4611-9A48-6B20D64A859C}"/>
-              </a:ext>
-            </a:extLst>
-          </p:cNvPr>
+          <p:cNvPr id="7" name="TextBox 6"/>
           <p:cNvSpPr txBox="1"/>
           <p:nvPr/>
         </p:nvSpPr>
-        <p:spPr>
+        <p:spPr bwMode="auto">
           <a:xfrm>
             <a:off x="1467795" y="4055028"/>
             <a:ext cx="1237839" cy="369332"/>
@@ -8216,30 +8032,28 @@
           </a:bodyPr>
           <a:lstStyle/>
           <a:p>
-            <a:r>
-              <a:rPr lang="ru-RU" dirty="0"/>
+            <a:pPr>
+              <a:defRPr/>
+            </a:pPr>
+            <a:r>
+              <a:rPr lang="ru-RU"/>
               <a:t>Вариант </a:t>
             </a:r>
             <a:r>
-              <a:rPr lang="en-US" dirty="0"/>
+              <a:rPr lang="en-US"/>
               <a:t>1</a:t>
             </a:r>
-          </a:p>
-        </p:txBody>
-      </p:sp>
-      <p:sp>
-        <p:nvSpPr>
-          <p:cNvPr id="9" name="TextBox 8">
-            <a:extLst>
-              <a:ext uri="{FF2B5EF4-FFF2-40B4-BE49-F238E27FC236}">
-                <a16:creationId xmlns="" xmlns:a16="http://schemas.microsoft.com/office/drawing/2014/main" id="{847CAB48-C0D6-453B-92CE-9C78DD3FBBC2}"/>
-              </a:ext>
-            </a:extLst>
-          </p:cNvPr>
+            <a:endParaRPr/>
+          </a:p>
+        </p:txBody>
+      </p:sp>
+      <p:sp>
+        <p:nvSpPr>
+          <p:cNvPr id="9" name="TextBox 8"/>
           <p:cNvSpPr txBox="1"/>
           <p:nvPr/>
         </p:nvSpPr>
-        <p:spPr>
+        <p:spPr bwMode="auto">
           <a:xfrm>
             <a:off x="5631442" y="3931690"/>
             <a:ext cx="1237839" cy="369332"/>
@@ -8255,29 +8069,24 @@
           </a:bodyPr>
           <a:lstStyle/>
           <a:p>
-            <a:r>
-              <a:rPr lang="ru-RU" dirty="0"/>
+            <a:pPr>
+              <a:defRPr/>
+            </a:pPr>
+            <a:r>
+              <a:rPr lang="ru-RU"/>
               <a:t>Вариант 2</a:t>
             </a:r>
-            <a:endParaRPr lang="en-US" dirty="0"/>
-          </a:p>
-        </p:txBody>
-      </p:sp>
-      <p:sp>
-        <p:nvSpPr>
-          <p:cNvPr id="10" name="Content Placeholder 2">
-            <a:extLst>
-              <a:ext uri="{FF2B5EF4-FFF2-40B4-BE49-F238E27FC236}">
-                <a16:creationId xmlns="" xmlns:a16="http://schemas.microsoft.com/office/drawing/2014/main" id="{DA3881EB-C936-4EBB-83A7-94F7BAB1D140}"/>
-              </a:ext>
-            </a:extLst>
-          </p:cNvPr>
-          <p:cNvSpPr txBox="1">
-            <a:spLocks/>
-          </p:cNvSpPr>
+            <a:endParaRPr lang="en-US"/>
+          </a:p>
+        </p:txBody>
+      </p:sp>
+      <p:sp>
+        <p:nvSpPr>
+          <p:cNvPr id="10" name="Content Placeholder 2"/>
+          <p:cNvSpPr txBox="1"/>
           <p:nvPr/>
         </p:nvSpPr>
-        <p:spPr>
+        <p:spPr bwMode="auto">
           <a:xfrm>
             <a:off x="8305014" y="2332890"/>
             <a:ext cx="3650765" cy="4021017"/>
@@ -8294,7 +8103,7 @@
             <a:normAutofit fontScale="92500" lnSpcReduction="10000"/>
           </a:bodyPr>
           <a:lstStyle>
-            <a:lvl1pPr marL="342900" indent="-342900" algn="l" defTabSz="457200" rtl="0" eaLnBrk="1" latinLnBrk="0" hangingPunct="1">
+            <a:lvl1pPr marL="342900" indent="-342900" algn="l" defTabSz="457200">
               <a:spcBef>
                 <a:spcPts val="1000"/>
               </a:spcBef>
@@ -8305,9 +8114,9 @@
                 <a:schemeClr val="accent1"/>
               </a:buClr>
               <a:buSzPct val="80000"/>
-              <a:buFont typeface="Wingdings 3" charset="2"/>
+              <a:buFont typeface="Wingdings 3"/>
               <a:buChar char=""/>
-              <a:defRPr sz="1800" kern="1200">
+              <a:defRPr sz="1800">
                 <a:solidFill>
                   <a:schemeClr val="tx1">
                     <a:lumMod val="75000"/>
@@ -8319,7 +8128,7 @@
                 <a:cs typeface="+mn-cs"/>
               </a:defRPr>
             </a:lvl1pPr>
-            <a:lvl2pPr marL="742950" indent="-285750" algn="l" defTabSz="457200" rtl="0" eaLnBrk="1" latinLnBrk="0" hangingPunct="1">
+            <a:lvl2pPr marL="742950" indent="-285750" algn="l" defTabSz="457200">
               <a:spcBef>
                 <a:spcPts val="1000"/>
               </a:spcBef>
@@ -8330,9 +8139,9 @@
                 <a:schemeClr val="accent1"/>
               </a:buClr>
               <a:buSzPct val="80000"/>
-              <a:buFont typeface="Wingdings 3" charset="2"/>
+              <a:buFont typeface="Wingdings 3"/>
               <a:buChar char=""/>
-              <a:defRPr sz="1600" kern="1200">
+              <a:defRPr sz="1600">
                 <a:solidFill>
                   <a:schemeClr val="tx1">
                     <a:lumMod val="75000"/>
@@ -8344,7 +8153,7 @@
                 <a:cs typeface="+mn-cs"/>
               </a:defRPr>
             </a:lvl2pPr>
-            <a:lvl3pPr marL="1143000" indent="-228600" algn="l" defTabSz="457200" rtl="0" eaLnBrk="1" latinLnBrk="0" hangingPunct="1">
+            <a:lvl3pPr marL="1143000" indent="-228600" algn="l" defTabSz="457200">
               <a:spcBef>
                 <a:spcPts val="1000"/>
               </a:spcBef>
@@ -8355,9 +8164,9 @@
                 <a:schemeClr val="accent1"/>
               </a:buClr>
               <a:buSzPct val="80000"/>
-              <a:buFont typeface="Wingdings 3" charset="2"/>
+              <a:buFont typeface="Wingdings 3"/>
               <a:buChar char=""/>
-              <a:defRPr sz="1400" kern="1200">
+              <a:defRPr sz="1400">
                 <a:solidFill>
                   <a:schemeClr val="tx1">
                     <a:lumMod val="75000"/>
@@ -8369,7 +8178,7 @@
                 <a:cs typeface="+mn-cs"/>
               </a:defRPr>
             </a:lvl3pPr>
-            <a:lvl4pPr marL="1600200" indent="-228600" algn="l" defTabSz="457200" rtl="0" eaLnBrk="1" latinLnBrk="0" hangingPunct="1">
+            <a:lvl4pPr marL="1600200" indent="-228600" algn="l" defTabSz="457200">
               <a:spcBef>
                 <a:spcPts val="1000"/>
               </a:spcBef>
@@ -8380,9 +8189,9 @@
                 <a:schemeClr val="accent1"/>
               </a:buClr>
               <a:buSzPct val="80000"/>
-              <a:buFont typeface="Wingdings 3" charset="2"/>
+              <a:buFont typeface="Wingdings 3"/>
               <a:buChar char=""/>
-              <a:defRPr sz="1200" kern="1200">
+              <a:defRPr sz="1200">
                 <a:solidFill>
                   <a:schemeClr val="tx1">
                     <a:lumMod val="75000"/>
@@ -8394,7 +8203,7 @@
                 <a:cs typeface="+mn-cs"/>
               </a:defRPr>
             </a:lvl4pPr>
-            <a:lvl5pPr marL="2057400" indent="-228600" algn="l" defTabSz="457200" rtl="0" eaLnBrk="1" latinLnBrk="0" hangingPunct="1">
+            <a:lvl5pPr marL="2057400" indent="-228600" algn="l" defTabSz="457200">
               <a:spcBef>
                 <a:spcPts val="1000"/>
               </a:spcBef>
@@ -8405,9 +8214,9 @@
                 <a:schemeClr val="accent1"/>
               </a:buClr>
               <a:buSzPct val="80000"/>
-              <a:buFont typeface="Wingdings 3" charset="2"/>
+              <a:buFont typeface="Wingdings 3"/>
               <a:buChar char=""/>
-              <a:defRPr sz="1200" kern="1200">
+              <a:defRPr sz="1200">
                 <a:solidFill>
                   <a:schemeClr val="tx1">
                     <a:lumMod val="75000"/>
@@ -8419,7 +8228,7 @@
                 <a:cs typeface="+mn-cs"/>
               </a:defRPr>
             </a:lvl5pPr>
-            <a:lvl6pPr marL="2514600" indent="-228600" algn="l" defTabSz="457200" rtl="0" eaLnBrk="1" latinLnBrk="0" hangingPunct="1">
+            <a:lvl6pPr marL="2514600" indent="-228600" algn="l" defTabSz="457200">
               <a:spcBef>
                 <a:spcPts val="1000"/>
               </a:spcBef>
@@ -8430,9 +8239,9 @@
                 <a:schemeClr val="accent1"/>
               </a:buClr>
               <a:buSzPct val="80000"/>
-              <a:buFont typeface="Wingdings 3" charset="2"/>
+              <a:buFont typeface="Wingdings 3"/>
               <a:buChar char=""/>
-              <a:defRPr sz="1200" kern="1200">
+              <a:defRPr sz="1200">
                 <a:solidFill>
                   <a:schemeClr val="tx1">
                     <a:lumMod val="75000"/>
@@ -8444,7 +8253,7 @@
                 <a:cs typeface="+mn-cs"/>
               </a:defRPr>
             </a:lvl6pPr>
-            <a:lvl7pPr marL="2971800" indent="-228600" algn="l" defTabSz="457200" rtl="0" eaLnBrk="1" latinLnBrk="0" hangingPunct="1">
+            <a:lvl7pPr marL="2971800" indent="-228600" algn="l" defTabSz="457200">
               <a:spcBef>
                 <a:spcPts val="1000"/>
               </a:spcBef>
@@ -8455,9 +8264,9 @@
                 <a:schemeClr val="accent1"/>
               </a:buClr>
               <a:buSzPct val="80000"/>
-              <a:buFont typeface="Wingdings 3" charset="2"/>
+              <a:buFont typeface="Wingdings 3"/>
               <a:buChar char=""/>
-              <a:defRPr sz="1200" kern="1200">
+              <a:defRPr sz="1200">
                 <a:solidFill>
                   <a:schemeClr val="tx1">
                     <a:lumMod val="75000"/>
@@ -8469,7 +8278,7 @@
                 <a:cs typeface="+mn-cs"/>
               </a:defRPr>
             </a:lvl7pPr>
-            <a:lvl8pPr marL="3429000" indent="-228600" algn="l" defTabSz="457200" rtl="0" eaLnBrk="1" latinLnBrk="0" hangingPunct="1">
+            <a:lvl8pPr marL="3429000" indent="-228600" algn="l" defTabSz="457200">
               <a:spcBef>
                 <a:spcPts val="1000"/>
               </a:spcBef>
@@ -8480,9 +8289,9 @@
                 <a:schemeClr val="accent1"/>
               </a:buClr>
               <a:buSzPct val="80000"/>
-              <a:buFont typeface="Wingdings 3" charset="2"/>
+              <a:buFont typeface="Wingdings 3"/>
               <a:buChar char=""/>
-              <a:defRPr sz="1200" kern="1200">
+              <a:defRPr sz="1200">
                 <a:solidFill>
                   <a:schemeClr val="tx1">
                     <a:lumMod val="75000"/>
@@ -8494,7 +8303,7 @@
                 <a:cs typeface="+mn-cs"/>
               </a:defRPr>
             </a:lvl8pPr>
-            <a:lvl9pPr marL="3886200" indent="-228600" algn="l" defTabSz="457200" rtl="0" eaLnBrk="1" latinLnBrk="0" hangingPunct="1">
+            <a:lvl9pPr marL="3886200" indent="-228600" algn="l" defTabSz="457200">
               <a:spcBef>
                 <a:spcPts val="1000"/>
               </a:spcBef>
@@ -8505,9 +8314,9 @@
                 <a:schemeClr val="accent1"/>
               </a:buClr>
               <a:buSzPct val="80000"/>
-              <a:buFont typeface="Wingdings 3" charset="2"/>
+              <a:buFont typeface="Wingdings 3"/>
               <a:buChar char=""/>
-              <a:defRPr sz="1200" kern="1200">
+              <a:defRPr sz="1200">
                 <a:solidFill>
                   <a:schemeClr val="tx1">
                     <a:lumMod val="75000"/>
@@ -8521,37 +8330,49 @@
             </a:lvl9pPr>
           </a:lstStyle>
           <a:p>
-            <a:r>
-              <a:rPr lang="ru-RU" sz="2400" dirty="0"/>
+            <a:pPr>
+              <a:buClr>
+                <a:schemeClr val="accent1"/>
+              </a:buClr>
+              <a:buSzPct val="80000"/>
+              <a:buFont typeface="Wingdings"/>
+              <a:buChar char="Ø"/>
+              <a:defRPr/>
+            </a:pPr>
+            <a:r>
+              <a:rPr lang="ru-RU" sz="2400"/>
               <a:t>Варианты синтаксиса явной специализации (1) и (2) равнозначны, однако (2) часто считается более препочтительным, поскольку он в явной форме показывает, что данная функция является специализацией шаблона</a:t>
             </a:r>
-            <a:endParaRPr lang="en-US" sz="2400" dirty="0"/>
+            <a:endParaRPr lang="en-US" sz="2400"/>
           </a:p>
         </p:txBody>
       </p:sp>
     </p:spTree>
-    <p:extLst>
-      <p:ext uri="{BB962C8B-B14F-4D97-AF65-F5344CB8AC3E}">
-        <p14:creationId xmlns:p14="http://schemas.microsoft.com/office/powerpoint/2010/main" val="3310997307"/>
-      </p:ext>
-    </p:extLst>
   </p:cSld>
   <p:clrMapOvr>
     <a:masterClrMapping/>
   </p:clrMapOvr>
+  <mc:AlternateContent xmlns:mc="http://schemas.openxmlformats.org/markup-compatibility/2006">
+    <mc:Choice xmlns:p14="http://schemas.microsoft.com/office/powerpoint/2010/main" Requires="p14">
+      <p:transition p14:dur="2000" advClick="1"/>
+    </mc:Choice>
+    <mc:Fallback>
+      <p:transition advClick="1"/>
+    </mc:Fallback>
+  </mc:AlternateContent>
 </p:sld>
 </file>
 
 <file path=ppt/slides/slide6.xml><?xml version="1.0" encoding="utf-8"?>
-<p:sld xmlns:a="http://schemas.openxmlformats.org/drawingml/2006/main" xmlns:r="http://schemas.openxmlformats.org/officeDocument/2006/relationships" xmlns:p="http://schemas.openxmlformats.org/presentationml/2006/main">
-  <p:cSld>
+<p:sld xmlns:a="http://schemas.openxmlformats.org/drawingml/2006/main" xmlns:r="http://schemas.openxmlformats.org/officeDocument/2006/relationships" xmlns:p="http://schemas.openxmlformats.org/presentationml/2006/main" xmlns:m="http://schemas.openxmlformats.org/officeDocument/2006/math" xmlns:w="http://schemas.openxmlformats.org/wordprocessingml/2006/main" showMasterPhAnim="0" show="1">
+  <p:cSld name="">
     <p:spTree>
       <p:nvGrpSpPr>
         <p:cNvPr id="1" name=""/>
         <p:cNvGrpSpPr/>
         <p:nvPr/>
       </p:nvGrpSpPr>
-      <p:grpSpPr>
+      <p:grpSpPr bwMode="auto">
         <a:xfrm>
           <a:off x="0" y="0"/>
           <a:ext cx="0" cy="0"/>
@@ -8569,11 +8390,14 @@
             <p:ph idx="1"/>
           </p:nvPr>
         </p:nvSpPr>
-        <p:spPr>
+        <p:spPr bwMode="auto">
           <a:xfrm>
             <a:off x="4166647" y="1008670"/>
             <a:ext cx="7789130" cy="3478489"/>
           </a:xfrm>
+          <a:prstGeom prst="rect">
+            <a:avLst/>
+          </a:prstGeom>
           <a:solidFill>
             <a:schemeClr val="bg1"/>
           </a:solidFill>
@@ -8584,122 +8408,168 @@
           </a:bodyPr>
           <a:lstStyle/>
           <a:p>
-            <a:r>
-              <a:rPr lang="ru-RU" dirty="0" smtClean="0"/>
+            <a:pPr>
+              <a:buClr>
+                <a:schemeClr val="accent1"/>
+              </a:buClr>
+              <a:buSzPct val="80000"/>
+              <a:buFont typeface="Wingdings"/>
+              <a:buChar char="Ø"/>
+              <a:defRPr/>
+            </a:pPr>
+            <a:r>
+              <a:rPr lang="ru-RU"/>
               <a:t>Шаблонные классы объявляются аналогично шаблонным функциям</a:t>
             </a:r>
-          </a:p>
-          <a:p>
-            <a:r>
-              <a:rPr lang="ru-RU" dirty="0" smtClean="0"/>
+            <a:endParaRPr/>
+          </a:p>
+          <a:p>
+            <a:pPr>
+              <a:buClr>
+                <a:schemeClr val="accent1"/>
+              </a:buClr>
+              <a:buSzPct val="80000"/>
+              <a:buFont typeface="Wingdings"/>
+              <a:buChar char="Ø"/>
+              <a:defRPr/>
+            </a:pPr>
+            <a:r>
+              <a:rPr lang="ru-RU"/>
               <a:t>Структуры данных из </a:t>
             </a:r>
             <a:r>
-              <a:rPr lang="en-US" dirty="0" smtClean="0"/>
+              <a:rPr lang="en-US"/>
               <a:t>STL (</a:t>
             </a:r>
             <a:r>
-              <a:rPr lang="en-US" dirty="0" err="1" smtClean="0"/>
+              <a:rPr lang="en-US"/>
               <a:t>std</a:t>
             </a:r>
             <a:r>
-              <a:rPr lang="en-US" dirty="0" smtClean="0"/>
+              <a:rPr lang="en-US"/>
               <a:t>::vector, </a:t>
             </a:r>
             <a:r>
-              <a:rPr lang="en-US" dirty="0" err="1" smtClean="0"/>
+              <a:rPr lang="en-US"/>
               <a:t>std</a:t>
             </a:r>
             <a:r>
-              <a:rPr lang="en-US" dirty="0" smtClean="0"/>
+              <a:rPr lang="en-US"/>
               <a:t>::queue </a:t>
             </a:r>
             <a:r>
-              <a:rPr lang="ru-RU" dirty="0" smtClean="0"/>
+              <a:rPr lang="ru-RU"/>
               <a:t>и </a:t>
             </a:r>
             <a:r>
-              <a:rPr lang="ru-RU" dirty="0" err="1" smtClean="0"/>
+              <a:rPr lang="ru-RU"/>
               <a:t>др</a:t>
             </a:r>
             <a:r>
-              <a:rPr lang="en-US" dirty="0" smtClean="0"/>
+              <a:rPr lang="en-US"/>
               <a:t>)</a:t>
             </a:r>
             <a:r>
-              <a:rPr lang="ru-RU" dirty="0" smtClean="0"/>
+              <a:rPr lang="ru-RU"/>
               <a:t> – шаблонные классы</a:t>
             </a:r>
-            <a:endParaRPr lang="en-US" dirty="0" smtClean="0"/>
-          </a:p>
-          <a:p>
-            <a:r>
-              <a:rPr lang="ru-RU" dirty="0" smtClean="0"/>
+            <a:endParaRPr lang="en-US"/>
+          </a:p>
+          <a:p>
+            <a:pPr>
+              <a:buClr>
+                <a:schemeClr val="accent1"/>
+              </a:buClr>
+              <a:buSzPct val="80000"/>
+              <a:buFont typeface="Wingdings"/>
+              <a:buChar char="Ø"/>
+              <a:defRPr/>
+            </a:pPr>
+            <a:r>
+              <a:rPr lang="ru-RU"/>
               <a:t>Бинарный </a:t>
             </a:r>
             <a:r>
-              <a:rPr lang="ru-RU" dirty="0"/>
+              <a:rPr lang="ru-RU"/>
               <a:t>код </a:t>
             </a:r>
             <a:r>
-              <a:rPr lang="ru-RU" dirty="0" smtClean="0"/>
+              <a:rPr lang="ru-RU"/>
               <a:t>для шаблонных классов, так же как и для шаблонных функций, генерируется только при создании специализации. </a:t>
             </a:r>
             <a:r>
-              <a:rPr lang="ru-RU" dirty="0"/>
+              <a:rPr lang="ru-RU"/>
               <a:t>При </a:t>
             </a:r>
             <a:r>
-              <a:rPr lang="ru-RU" dirty="0" smtClean="0"/>
+              <a:rPr lang="ru-RU"/>
               <a:t>компиляции </a:t>
             </a:r>
             <a:r>
-              <a:rPr lang="en-US" dirty="0" smtClean="0"/>
+              <a:rPr lang="en-US"/>
               <a:t>.</a:t>
             </a:r>
             <a:r>
-              <a:rPr lang="en-US" dirty="0" err="1" smtClean="0"/>
+              <a:rPr lang="en-US"/>
               <a:t>cpp</a:t>
             </a:r>
             <a:r>
-              <a:rPr lang="ru-RU" dirty="0" smtClean="0"/>
+              <a:rPr lang="ru-RU"/>
               <a:t> файла, в котором создаётся специализация, </a:t>
             </a:r>
             <a:r>
-              <a:rPr lang="ru-RU" dirty="0"/>
+              <a:rPr lang="ru-RU"/>
               <a:t>компилятор «не помнит» о том, что он «видел» при компиляции другого </a:t>
             </a:r>
             <a:r>
-              <a:rPr lang="en-US" dirty="0"/>
+              <a:rPr lang="en-US"/>
               <a:t>.</a:t>
             </a:r>
             <a:r>
-              <a:rPr lang="en-US" dirty="0" err="1"/>
+              <a:rPr lang="en-US"/>
               <a:t>cpp</a:t>
             </a:r>
             <a:r>
-              <a:rPr lang="en-US" dirty="0"/>
+              <a:rPr lang="en-US"/>
               <a:t> </a:t>
             </a:r>
             <a:r>
-              <a:rPr lang="ru-RU" dirty="0"/>
+              <a:rPr lang="ru-RU"/>
               <a:t>файла</a:t>
             </a:r>
             <a:r>
-              <a:rPr lang="ru-RU" dirty="0" smtClean="0"/>
+              <a:rPr lang="ru-RU"/>
               <a:t>, где определены функции-члены класса</a:t>
             </a:r>
-            <a:endParaRPr lang="en-US" dirty="0"/>
-          </a:p>
-          <a:p>
-            <a:r>
-              <a:rPr lang="ru-RU" dirty="0" smtClean="0"/>
+            <a:endParaRPr lang="en-US"/>
+          </a:p>
+          <a:p>
+            <a:pPr>
+              <a:buClr>
+                <a:schemeClr val="accent1"/>
+              </a:buClr>
+              <a:buSzPct val="80000"/>
+              <a:buFont typeface="Wingdings"/>
+              <a:buChar char="Ø"/>
+              <a:defRPr/>
+            </a:pPr>
+            <a:r>
+              <a:rPr lang="ru-RU"/>
               <a:t>Два варианта решения проблемы:</a:t>
             </a:r>
-            <a:endParaRPr lang="en-US" dirty="0" smtClean="0"/>
-          </a:p>
-          <a:p>
-            <a:endParaRPr lang="en-US" dirty="0"/>
+            <a:endParaRPr lang="en-US"/>
+          </a:p>
+          <a:p>
+            <a:pPr>
+              <a:buClr>
+                <a:schemeClr val="accent1"/>
+              </a:buClr>
+              <a:buSzPct val="80000"/>
+              <a:buFont typeface="Wingdings"/>
+              <a:buChar char="Ø"/>
+              <a:defRPr/>
+            </a:pPr>
+            <a:endParaRPr lang="en-US"/>
           </a:p>
         </p:txBody>
       </p:sp>
@@ -8711,14 +8581,14 @@
           </p:cNvPicPr>
           <p:nvPr/>
         </p:nvPicPr>
-        <p:blipFill rotWithShape="1">
+        <p:blipFill>
           <a:blip r:embed="rId2"/>
-          <a:srcRect t="2160"/>
+          <a:srcRect l="0" t="2160" r="0" b="0"/>
           <a:stretch/>
         </p:blipFill>
-        <p:spPr>
+        <p:spPr bwMode="auto">
           <a:xfrm>
-            <a:off x="366249" y="1374505"/>
+            <a:off x="366249" y="1374504"/>
             <a:ext cx="2276305" cy="1406608"/>
           </a:xfrm>
           <a:prstGeom prst="rect">
@@ -8728,21 +8598,13 @@
       </p:pic>
       <p:sp>
         <p:nvSpPr>
-          <p:cNvPr id="5" name="Title 1">
-            <a:extLst>
-              <a:ext uri="{FF2B5EF4-FFF2-40B4-BE49-F238E27FC236}">
-                <a16:creationId xmlns="" xmlns:a16="http://schemas.microsoft.com/office/drawing/2014/main" id="{3DF7057A-7FD2-408C-B1B8-4A9BEB04C2A9}"/>
-              </a:ext>
-            </a:extLst>
-          </p:cNvPr>
-          <p:cNvSpPr txBox="1">
-            <a:spLocks/>
-          </p:cNvSpPr>
+          <p:cNvPr id="5" name="Title 1"/>
+          <p:cNvSpPr txBox="1"/>
           <p:nvPr/>
         </p:nvSpPr>
-        <p:spPr>
+        <p:spPr bwMode="auto">
           <a:xfrm>
-            <a:off x="366248" y="82524"/>
+            <a:off x="366248" y="82523"/>
             <a:ext cx="11589529" cy="673431"/>
           </a:xfrm>
           <a:prstGeom prst="rect">
@@ -8762,12 +8624,12 @@
             <a:normAutofit/>
           </a:bodyPr>
           <a:lstStyle>
-            <a:lvl1pPr algn="l" defTabSz="457200" rtl="0" eaLnBrk="1" latinLnBrk="0" hangingPunct="1">
+            <a:lvl1pPr algn="l" defTabSz="457200">
               <a:spcBef>
-                <a:spcPct val="0"/>
+                <a:spcPts val="0"/>
               </a:spcBef>
               <a:buNone/>
-              <a:defRPr sz="3600" kern="1200">
+              <a:defRPr sz="3600">
                 <a:solidFill>
                   <a:schemeClr val="accent1"/>
                 </a:solidFill>
@@ -8776,56 +8638,56 @@
                 <a:cs typeface="+mj-cs"/>
               </a:defRPr>
             </a:lvl1pPr>
-            <a:lvl2pPr eaLnBrk="1" hangingPunct="1">
+            <a:lvl2pPr>
               <a:defRPr>
                 <a:solidFill>
                   <a:schemeClr val="tx2"/>
                 </a:solidFill>
               </a:defRPr>
             </a:lvl2pPr>
-            <a:lvl3pPr eaLnBrk="1" hangingPunct="1">
+            <a:lvl3pPr>
               <a:defRPr>
                 <a:solidFill>
                   <a:schemeClr val="tx2"/>
                 </a:solidFill>
               </a:defRPr>
             </a:lvl3pPr>
-            <a:lvl4pPr eaLnBrk="1" hangingPunct="1">
+            <a:lvl4pPr>
               <a:defRPr>
                 <a:solidFill>
                   <a:schemeClr val="tx2"/>
                 </a:solidFill>
               </a:defRPr>
             </a:lvl4pPr>
-            <a:lvl5pPr eaLnBrk="1" hangingPunct="1">
+            <a:lvl5pPr>
               <a:defRPr>
                 <a:solidFill>
                   <a:schemeClr val="tx2"/>
                 </a:solidFill>
               </a:defRPr>
             </a:lvl5pPr>
-            <a:lvl6pPr eaLnBrk="1" hangingPunct="1">
+            <a:lvl6pPr>
               <a:defRPr>
                 <a:solidFill>
                   <a:schemeClr val="tx2"/>
                 </a:solidFill>
               </a:defRPr>
             </a:lvl6pPr>
-            <a:lvl7pPr eaLnBrk="1" hangingPunct="1">
+            <a:lvl7pPr>
               <a:defRPr>
                 <a:solidFill>
                   <a:schemeClr val="tx2"/>
                 </a:solidFill>
               </a:defRPr>
             </a:lvl7pPr>
-            <a:lvl8pPr eaLnBrk="1" hangingPunct="1">
+            <a:lvl8pPr>
               <a:defRPr>
                 <a:solidFill>
                   <a:schemeClr val="tx2"/>
                 </a:solidFill>
               </a:defRPr>
             </a:lvl8pPr>
-            <a:lvl9pPr eaLnBrk="1" hangingPunct="1">
+            <a:lvl9pPr>
               <a:defRPr>
                 <a:solidFill>
                   <a:schemeClr val="tx2"/>
@@ -8834,20 +8696,22 @@
             </a:lvl9pPr>
           </a:lstStyle>
           <a:p>
-            <a:pPr algn="ctr"/>
-            <a:r>
-              <a:rPr lang="ru-RU" dirty="0" smtClean="0"/>
+            <a:pPr algn="ctr">
+              <a:defRPr/>
+            </a:pPr>
+            <a:r>
+              <a:rPr lang="ru-RU"/>
               <a:t>Шаблонные</a:t>
             </a:r>
             <a:r>
-              <a:rPr lang="en-US" dirty="0" smtClean="0"/>
+              <a:rPr lang="en-US"/>
               <a:t> </a:t>
             </a:r>
             <a:r>
-              <a:rPr lang="ru-RU" dirty="0" smtClean="0"/>
+              <a:rPr lang="ru-RU"/>
               <a:t>классы</a:t>
             </a:r>
-            <a:endParaRPr lang="en-US" dirty="0"/>
+            <a:endParaRPr lang="en-US"/>
           </a:p>
         </p:txBody>
       </p:sp>
@@ -8861,11 +8725,9 @@
         </p:nvPicPr>
         <p:blipFill>
           <a:blip r:embed="rId3"/>
-          <a:stretch>
-            <a:fillRect/>
-          </a:stretch>
+          <a:stretch/>
         </p:blipFill>
-        <p:spPr>
+        <p:spPr bwMode="auto">
           <a:xfrm>
             <a:off x="366249" y="3271510"/>
             <a:ext cx="3800399" cy="256306"/>
@@ -8881,7 +8743,7 @@
           <p:cNvSpPr txBox="1"/>
           <p:nvPr/>
         </p:nvSpPr>
-        <p:spPr>
+        <p:spPr bwMode="auto">
           <a:xfrm>
             <a:off x="774650" y="880564"/>
             <a:ext cx="2276585" cy="369332"/>
@@ -8897,11 +8759,14 @@
           </a:bodyPr>
           <a:lstStyle/>
           <a:p>
-            <a:r>
-              <a:rPr lang="ru-RU" dirty="0" smtClean="0"/>
+            <a:pPr>
+              <a:defRPr/>
+            </a:pPr>
+            <a:r>
+              <a:rPr lang="ru-RU"/>
               <a:t>Объявление класса</a:t>
             </a:r>
-            <a:endParaRPr lang="en-US" dirty="0"/>
+            <a:endParaRPr lang="en-US"/>
           </a:p>
         </p:txBody>
       </p:sp>
@@ -8911,7 +8776,7 @@
           <p:cNvSpPr txBox="1"/>
           <p:nvPr/>
         </p:nvSpPr>
-        <p:spPr>
+        <p:spPr bwMode="auto">
           <a:xfrm>
             <a:off x="934950" y="2849204"/>
             <a:ext cx="2116285" cy="369332"/>
@@ -8927,23 +8792,24 @@
           </a:bodyPr>
           <a:lstStyle/>
           <a:p>
-            <a:r>
-              <a:rPr lang="ru-RU" dirty="0" smtClean="0"/>
+            <a:pPr>
+              <a:defRPr/>
+            </a:pPr>
+            <a:r>
+              <a:rPr lang="ru-RU"/>
               <a:t>Создание объекта</a:t>
             </a:r>
-            <a:endParaRPr lang="en-US" dirty="0"/>
+            <a:endParaRPr lang="en-US"/>
           </a:p>
         </p:txBody>
       </p:sp>
       <p:sp>
         <p:nvSpPr>
           <p:cNvPr id="9" name="Объект 2"/>
-          <p:cNvSpPr txBox="1">
-            <a:spLocks/>
-          </p:cNvSpPr>
+          <p:cNvSpPr txBox="1"/>
           <p:nvPr/>
         </p:nvSpPr>
-        <p:spPr>
+        <p:spPr bwMode="auto">
           <a:xfrm>
             <a:off x="366247" y="4490009"/>
             <a:ext cx="11589529" cy="1553362"/>
@@ -8960,7 +8826,7 @@
             <a:normAutofit/>
           </a:bodyPr>
           <a:lstStyle>
-            <a:lvl1pPr marL="342900" indent="-342900" algn="l" defTabSz="457200" rtl="0" eaLnBrk="1" latinLnBrk="0" hangingPunct="1">
+            <a:lvl1pPr marL="342900" indent="-342900" algn="l" defTabSz="457200">
               <a:spcBef>
                 <a:spcPts val="1000"/>
               </a:spcBef>
@@ -8971,9 +8837,9 @@
                 <a:schemeClr val="accent1"/>
               </a:buClr>
               <a:buSzPct val="80000"/>
-              <a:buFont typeface="Wingdings 3" charset="2"/>
+              <a:buFont typeface="Wingdings 3"/>
               <a:buChar char=""/>
-              <a:defRPr sz="1800" kern="1200">
+              <a:defRPr sz="1800">
                 <a:solidFill>
                   <a:schemeClr val="tx1">
                     <a:lumMod val="75000"/>
@@ -8985,7 +8851,7 @@
                 <a:cs typeface="+mn-cs"/>
               </a:defRPr>
             </a:lvl1pPr>
-            <a:lvl2pPr marL="742950" indent="-285750" algn="l" defTabSz="457200" rtl="0" eaLnBrk="1" latinLnBrk="0" hangingPunct="1">
+            <a:lvl2pPr marL="742950" indent="-285750" algn="l" defTabSz="457200">
               <a:spcBef>
                 <a:spcPts val="1000"/>
               </a:spcBef>
@@ -8996,9 +8862,9 @@
                 <a:schemeClr val="accent1"/>
               </a:buClr>
               <a:buSzPct val="80000"/>
-              <a:buFont typeface="Wingdings 3" charset="2"/>
+              <a:buFont typeface="Wingdings 3"/>
               <a:buChar char=""/>
-              <a:defRPr sz="1600" kern="1200">
+              <a:defRPr sz="1600">
                 <a:solidFill>
                   <a:schemeClr val="tx1">
                     <a:lumMod val="75000"/>
@@ -9010,7 +8876,7 @@
                 <a:cs typeface="+mn-cs"/>
               </a:defRPr>
             </a:lvl2pPr>
-            <a:lvl3pPr marL="1143000" indent="-228600" algn="l" defTabSz="457200" rtl="0" eaLnBrk="1" latinLnBrk="0" hangingPunct="1">
+            <a:lvl3pPr marL="1143000" indent="-228600" algn="l" defTabSz="457200">
               <a:spcBef>
                 <a:spcPts val="1000"/>
               </a:spcBef>
@@ -9021,9 +8887,9 @@
                 <a:schemeClr val="accent1"/>
               </a:buClr>
               <a:buSzPct val="80000"/>
-              <a:buFont typeface="Wingdings 3" charset="2"/>
+              <a:buFont typeface="Wingdings 3"/>
               <a:buChar char=""/>
-              <a:defRPr sz="1400" kern="1200">
+              <a:defRPr sz="1400">
                 <a:solidFill>
                   <a:schemeClr val="tx1">
                     <a:lumMod val="75000"/>
@@ -9035,7 +8901,7 @@
                 <a:cs typeface="+mn-cs"/>
               </a:defRPr>
             </a:lvl3pPr>
-            <a:lvl4pPr marL="1600200" indent="-228600" algn="l" defTabSz="457200" rtl="0" eaLnBrk="1" latinLnBrk="0" hangingPunct="1">
+            <a:lvl4pPr marL="1600200" indent="-228600" algn="l" defTabSz="457200">
               <a:spcBef>
                 <a:spcPts val="1000"/>
               </a:spcBef>
@@ -9046,9 +8912,9 @@
                 <a:schemeClr val="accent1"/>
               </a:buClr>
               <a:buSzPct val="80000"/>
-              <a:buFont typeface="Wingdings 3" charset="2"/>
+              <a:buFont typeface="Wingdings 3"/>
               <a:buChar char=""/>
-              <a:defRPr sz="1200" kern="1200">
+              <a:defRPr sz="1200">
                 <a:solidFill>
                   <a:schemeClr val="tx1">
                     <a:lumMod val="75000"/>
@@ -9060,7 +8926,7 @@
                 <a:cs typeface="+mn-cs"/>
               </a:defRPr>
             </a:lvl4pPr>
-            <a:lvl5pPr marL="2057400" indent="-228600" algn="l" defTabSz="457200" rtl="0" eaLnBrk="1" latinLnBrk="0" hangingPunct="1">
+            <a:lvl5pPr marL="2057400" indent="-228600" algn="l" defTabSz="457200">
               <a:spcBef>
                 <a:spcPts val="1000"/>
               </a:spcBef>
@@ -9071,9 +8937,9 @@
                 <a:schemeClr val="accent1"/>
               </a:buClr>
               <a:buSzPct val="80000"/>
-              <a:buFont typeface="Wingdings 3" charset="2"/>
+              <a:buFont typeface="Wingdings 3"/>
               <a:buChar char=""/>
-              <a:defRPr sz="1200" kern="1200">
+              <a:defRPr sz="1200">
                 <a:solidFill>
                   <a:schemeClr val="tx1">
                     <a:lumMod val="75000"/>
@@ -9085,7 +8951,7 @@
                 <a:cs typeface="+mn-cs"/>
               </a:defRPr>
             </a:lvl5pPr>
-            <a:lvl6pPr marL="2514600" indent="-228600" algn="l" defTabSz="457200" rtl="0" eaLnBrk="1" latinLnBrk="0" hangingPunct="1">
+            <a:lvl6pPr marL="2514600" indent="-228600" algn="l" defTabSz="457200">
               <a:spcBef>
                 <a:spcPts val="1000"/>
               </a:spcBef>
@@ -9096,9 +8962,9 @@
                 <a:schemeClr val="accent1"/>
               </a:buClr>
               <a:buSzPct val="80000"/>
-              <a:buFont typeface="Wingdings 3" charset="2"/>
+              <a:buFont typeface="Wingdings 3"/>
               <a:buChar char=""/>
-              <a:defRPr sz="1200" kern="1200">
+              <a:defRPr sz="1200">
                 <a:solidFill>
                   <a:schemeClr val="tx1">
                     <a:lumMod val="75000"/>
@@ -9110,7 +8976,7 @@
                 <a:cs typeface="+mn-cs"/>
               </a:defRPr>
             </a:lvl6pPr>
-            <a:lvl7pPr marL="2971800" indent="-228600" algn="l" defTabSz="457200" rtl="0" eaLnBrk="1" latinLnBrk="0" hangingPunct="1">
+            <a:lvl7pPr marL="2971800" indent="-228600" algn="l" defTabSz="457200">
               <a:spcBef>
                 <a:spcPts val="1000"/>
               </a:spcBef>
@@ -9121,9 +8987,9 @@
                 <a:schemeClr val="accent1"/>
               </a:buClr>
               <a:buSzPct val="80000"/>
-              <a:buFont typeface="Wingdings 3" charset="2"/>
+              <a:buFont typeface="Wingdings 3"/>
               <a:buChar char=""/>
-              <a:defRPr sz="1200" kern="1200">
+              <a:defRPr sz="1200">
                 <a:solidFill>
                   <a:schemeClr val="tx1">
                     <a:lumMod val="75000"/>
@@ -9135,7 +9001,7 @@
                 <a:cs typeface="+mn-cs"/>
               </a:defRPr>
             </a:lvl7pPr>
-            <a:lvl8pPr marL="3429000" indent="-228600" algn="l" defTabSz="457200" rtl="0" eaLnBrk="1" latinLnBrk="0" hangingPunct="1">
+            <a:lvl8pPr marL="3429000" indent="-228600" algn="l" defTabSz="457200">
               <a:spcBef>
                 <a:spcPts val="1000"/>
               </a:spcBef>
@@ -9146,9 +9012,9 @@
                 <a:schemeClr val="accent1"/>
               </a:buClr>
               <a:buSzPct val="80000"/>
-              <a:buFont typeface="Wingdings 3" charset="2"/>
+              <a:buFont typeface="Wingdings 3"/>
               <a:buChar char=""/>
-              <a:defRPr sz="1200" kern="1200">
+              <a:defRPr sz="1200">
                 <a:solidFill>
                   <a:schemeClr val="tx1">
                     <a:lumMod val="75000"/>
@@ -9160,7 +9026,7 @@
                 <a:cs typeface="+mn-cs"/>
               </a:defRPr>
             </a:lvl8pPr>
-            <a:lvl9pPr marL="3886200" indent="-228600" algn="l" defTabSz="457200" rtl="0" eaLnBrk="1" latinLnBrk="0" hangingPunct="1">
+            <a:lvl9pPr marL="3886200" indent="-228600" algn="l" defTabSz="457200">
               <a:spcBef>
                 <a:spcPts val="1000"/>
               </a:spcBef>
@@ -9171,9 +9037,9 @@
                 <a:schemeClr val="accent1"/>
               </a:buClr>
               <a:buSzPct val="80000"/>
-              <a:buFont typeface="Wingdings 3" charset="2"/>
+              <a:buFont typeface="Wingdings 3"/>
               <a:buChar char=""/>
-              <a:defRPr sz="1200" kern="1200">
+              <a:defRPr sz="1200">
                 <a:solidFill>
                   <a:schemeClr val="tx1">
                     <a:lumMod val="75000"/>
@@ -9187,100 +9053,145 @@
             </a:lvl9pPr>
           </a:lstStyle>
           <a:p>
-            <a:r>
-              <a:rPr lang="ru-RU" dirty="0" smtClean="0"/>
+            <a:pPr>
+              <a:buClr>
+                <a:schemeClr val="accent1"/>
+              </a:buClr>
+              <a:buSzPct val="80000"/>
+              <a:buFont typeface="Wingdings"/>
+              <a:buChar char="Ø"/>
+              <a:defRPr/>
+            </a:pPr>
+            <a:r>
+              <a:rPr lang="ru-RU"/>
               <a:t>1) </a:t>
             </a:r>
             <a:r>
-              <a:rPr lang="ru-RU" dirty="0"/>
+              <a:rPr lang="ru-RU"/>
               <a:t>Функции-члены шаблонного класса должны быть определены в заголовочном </a:t>
             </a:r>
             <a:r>
-              <a:rPr lang="ru-RU" dirty="0" smtClean="0"/>
+              <a:rPr lang="ru-RU"/>
               <a:t>файле</a:t>
             </a:r>
-          </a:p>
-          <a:p>
-            <a:r>
-              <a:rPr lang="ru-RU" dirty="0" smtClean="0"/>
+            <a:endParaRPr/>
+          </a:p>
+          <a:p>
+            <a:pPr>
+              <a:buClr>
+                <a:schemeClr val="accent1"/>
+              </a:buClr>
+              <a:buSzPct val="80000"/>
+              <a:buFont typeface="Wingdings"/>
+              <a:buChar char="Ø"/>
+              <a:defRPr/>
+            </a:pPr>
+            <a:r>
+              <a:rPr lang="ru-RU"/>
               <a:t>2) Поместить в </a:t>
             </a:r>
             <a:r>
-              <a:rPr lang="en-US" dirty="0" smtClean="0"/>
+              <a:rPr lang="en-US"/>
               <a:t>.</a:t>
             </a:r>
             <a:r>
-              <a:rPr lang="en-US" dirty="0" err="1" smtClean="0"/>
+              <a:rPr lang="en-US"/>
               <a:t>cpp</a:t>
             </a:r>
             <a:r>
-              <a:rPr lang="en-US" dirty="0" smtClean="0"/>
+              <a:rPr lang="en-US"/>
               <a:t> </a:t>
             </a:r>
             <a:r>
-              <a:rPr lang="ru-RU" dirty="0" smtClean="0"/>
+              <a:rPr lang="ru-RU"/>
               <a:t>файл явную специализацию</a:t>
             </a:r>
             <a:r>
-              <a:rPr lang="en-US" dirty="0" smtClean="0"/>
+              <a:rPr lang="en-US"/>
               <a:t> </a:t>
             </a:r>
             <a:r>
-              <a:rPr lang="ru-RU" dirty="0" smtClean="0"/>
+              <a:rPr lang="ru-RU"/>
               <a:t>для необходимого типа:</a:t>
             </a:r>
+            <a:endParaRPr/>
           </a:p>
           <a:p>
             <a:pPr marL="0" indent="0">
-              <a:buNone/>
-            </a:pPr>
-            <a:r>
-              <a:rPr lang="en-US" dirty="0" smtClean="0"/>
-              <a:t>template class Foo&lt;</a:t>
-            </a:r>
-            <a:r>
-              <a:rPr lang="en-US" dirty="0" err="1" smtClean="0"/>
+              <a:buClr>
+                <a:schemeClr val="accent1"/>
+              </a:buClr>
+              <a:buSzPct val="80000"/>
+              <a:buFont typeface="Wingdings"/>
+              <a:buNone/>
+              <a:defRPr/>
+            </a:pPr>
+            <a:r>
+              <a:rPr lang="en-US"/>
+              <a:t>	template class Foo&lt;</a:t>
+            </a:r>
+            <a:r>
+              <a:rPr lang="en-US"/>
               <a:t>int</a:t>
             </a:r>
             <a:r>
-              <a:rPr lang="en-US" dirty="0" smtClean="0"/>
+              <a:rPr lang="en-US"/>
               <a:t>&gt;;</a:t>
             </a:r>
-          </a:p>
-          <a:p>
-            <a:pPr marL="0" indent="0">
-              <a:buNone/>
-            </a:pPr>
-            <a:endParaRPr lang="ru-RU" dirty="0"/>
-          </a:p>
-          <a:p>
-            <a:endParaRPr lang="en-US" dirty="0"/>
+            <a:endParaRPr/>
+          </a:p>
+          <a:p>
+            <a:pPr>
+              <a:buClr>
+                <a:schemeClr val="accent1"/>
+              </a:buClr>
+              <a:buSzPct val="80000"/>
+              <a:buFont typeface="Wingdings"/>
+              <a:buChar char="Ø"/>
+              <a:defRPr/>
+            </a:pPr>
+            <a:endParaRPr lang="ru-RU"/>
+          </a:p>
+          <a:p>
+            <a:pPr>
+              <a:buClr>
+                <a:schemeClr val="accent1"/>
+              </a:buClr>
+              <a:buSzPct val="80000"/>
+              <a:buFont typeface="Wingdings"/>
+              <a:buChar char="Ø"/>
+              <a:defRPr/>
+            </a:pPr>
+            <a:endParaRPr lang="en-US"/>
           </a:p>
         </p:txBody>
       </p:sp>
     </p:spTree>
-    <p:extLst>
-      <p:ext uri="{BB962C8B-B14F-4D97-AF65-F5344CB8AC3E}">
-        <p14:creationId xmlns:p14="http://schemas.microsoft.com/office/powerpoint/2010/main" val="1205902302"/>
-      </p:ext>
-    </p:extLst>
   </p:cSld>
   <p:clrMapOvr>
     <a:masterClrMapping/>
   </p:clrMapOvr>
+  <mc:AlternateContent xmlns:mc="http://schemas.openxmlformats.org/markup-compatibility/2006">
+    <mc:Choice xmlns:p14="http://schemas.microsoft.com/office/powerpoint/2010/main" Requires="p14">
+      <p:transition p14:dur="2000" advClick="1"/>
+    </mc:Choice>
+    <mc:Fallback>
+      <p:transition advClick="1"/>
+    </mc:Fallback>
+  </mc:AlternateContent>
 </p:sld>
 </file>
 
 <file path=ppt/slides/slide7.xml><?xml version="1.0" encoding="utf-8"?>
-<p:sld xmlns:a="http://schemas.openxmlformats.org/drawingml/2006/main" xmlns:r="http://schemas.openxmlformats.org/officeDocument/2006/relationships" xmlns:p="http://schemas.openxmlformats.org/presentationml/2006/main">
-  <p:cSld>
+<p:sld xmlns:a="http://schemas.openxmlformats.org/drawingml/2006/main" xmlns:r="http://schemas.openxmlformats.org/officeDocument/2006/relationships" xmlns:p="http://schemas.openxmlformats.org/presentationml/2006/main" xmlns:m="http://schemas.openxmlformats.org/officeDocument/2006/math" xmlns:w="http://schemas.openxmlformats.org/wordprocessingml/2006/main" showMasterPhAnim="0" show="1">
+  <p:cSld name="">
     <p:spTree>
       <p:nvGrpSpPr>
         <p:cNvPr id="1" name=""/>
         <p:cNvGrpSpPr/>
         <p:nvPr/>
       </p:nvGrpSpPr>
-      <p:grpSpPr>
+      <p:grpSpPr bwMode="auto">
         <a:xfrm>
           <a:off x="0" y="0"/>
           <a:ext cx="0" cy="0"/>
@@ -9298,11 +9209,14 @@
             <p:ph idx="1"/>
           </p:nvPr>
         </p:nvSpPr>
-        <p:spPr>
+        <p:spPr bwMode="auto">
           <a:xfrm>
             <a:off x="5118756" y="886257"/>
             <a:ext cx="6837021" cy="2194604"/>
           </a:xfrm>
+          <a:prstGeom prst="rect">
+            <a:avLst/>
+          </a:prstGeom>
           <a:solidFill>
             <a:schemeClr val="bg1"/>
           </a:solidFill>
@@ -9313,76 +9227,116 @@
           </a:bodyPr>
           <a:lstStyle/>
           <a:p>
-            <a:pPr marL="0" indent="0" algn="ctr">
-              <a:buNone/>
-            </a:pPr>
-            <a:r>
-              <a:rPr lang="ru-RU" b="1" dirty="0" smtClean="0"/>
+            <a:pPr algn="ctr">
+              <a:buClr>
+                <a:schemeClr val="accent1"/>
+              </a:buClr>
+              <a:buSzPct val="80000"/>
+              <a:buFont typeface="Wingdings"/>
+              <a:buChar char="Ø"/>
+              <a:defRPr/>
+            </a:pPr>
+            <a:r>
+              <a:rPr lang="ru-RU" b="1"/>
               <a:t>Параметры-типы</a:t>
             </a:r>
-            <a:endParaRPr lang="en-US" b="1" dirty="0" smtClean="0"/>
-          </a:p>
-          <a:p>
-            <a:r>
-              <a:rPr lang="ru-RU" dirty="0" smtClean="0"/>
+            <a:endParaRPr lang="en-US" b="1"/>
+          </a:p>
+          <a:p>
+            <a:pPr>
+              <a:buClr>
+                <a:schemeClr val="accent1"/>
+              </a:buClr>
+              <a:buSzPct val="80000"/>
+              <a:buFont typeface="Wingdings"/>
+              <a:buChar char="Ø"/>
+              <a:defRPr/>
+            </a:pPr>
+            <a:r>
+              <a:rPr lang="ru-RU"/>
               <a:t>Шаблонные классы и функции могут иметь типы по умолчанию.</a:t>
             </a:r>
-          </a:p>
-          <a:p>
-            <a:pPr algn="just"/>
-            <a:r>
-              <a:rPr lang="ru-RU" dirty="0" smtClean="0"/>
+            <a:endParaRPr/>
+          </a:p>
+          <a:p>
+            <a:pPr algn="just">
+              <a:buClr>
+                <a:schemeClr val="accent1"/>
+              </a:buClr>
+              <a:buSzPct val="80000"/>
+              <a:buFont typeface="Wingdings"/>
+              <a:buChar char="Ø"/>
+              <a:defRPr/>
+            </a:pPr>
+            <a:r>
+              <a:rPr lang="ru-RU"/>
               <a:t>Если </a:t>
             </a:r>
             <a:r>
-              <a:rPr lang="ru-RU" dirty="0"/>
+              <a:rPr lang="ru-RU"/>
               <a:t>формальный параметр шаблона имеет значение по умолчанию, то все следующие за ним параметры также должны иметь значения по умолчанию. </a:t>
             </a:r>
-            <a:endParaRPr lang="ru-RU" dirty="0" smtClean="0"/>
-          </a:p>
-          <a:p>
-            <a:pPr marL="0" indent="0" algn="ctr">
-              <a:buNone/>
-            </a:pPr>
-            <a:endParaRPr lang="ru-RU" b="1" dirty="0" smtClean="0"/>
-          </a:p>
-          <a:p>
-            <a:pPr marL="0" indent="0" algn="ctr">
-              <a:buNone/>
-            </a:pPr>
-            <a:endParaRPr lang="ru-RU" b="1" dirty="0"/>
-          </a:p>
-          <a:p>
-            <a:pPr marL="0" indent="0" algn="ctr">
-              <a:buNone/>
-            </a:pPr>
-            <a:endParaRPr lang="ru-RU" b="1" dirty="0"/>
-          </a:p>
-          <a:p>
-            <a:pPr marL="0" indent="0">
-              <a:buNone/>
-            </a:pPr>
-            <a:endParaRPr lang="en-US" dirty="0"/>
-          </a:p>
-        </p:txBody>
-      </p:sp>
-      <p:sp>
-        <p:nvSpPr>
-          <p:cNvPr id="4" name="Title 1">
-            <a:extLst>
-              <a:ext uri="{FF2B5EF4-FFF2-40B4-BE49-F238E27FC236}">
-                <a16:creationId xmlns="" xmlns:a16="http://schemas.microsoft.com/office/drawing/2014/main" id="{3DF7057A-7FD2-408C-B1B8-4A9BEB04C2A9}"/>
-              </a:ext>
-            </a:extLst>
-          </p:cNvPr>
-          <p:cNvSpPr txBox="1">
-            <a:spLocks/>
-          </p:cNvSpPr>
+            <a:endParaRPr lang="ru-RU"/>
+          </a:p>
+          <a:p>
+            <a:pPr algn="ctr">
+              <a:buClr>
+                <a:schemeClr val="accent1"/>
+              </a:buClr>
+              <a:buSzPct val="80000"/>
+              <a:buFont typeface="Wingdings"/>
+              <a:buChar char="Ø"/>
+              <a:defRPr/>
+            </a:pPr>
+            <a:endParaRPr lang="ru-RU" b="1"/>
+          </a:p>
+          <a:p>
+            <a:pPr algn="ctr">
+              <a:buClr>
+                <a:schemeClr val="accent1"/>
+              </a:buClr>
+              <a:buSzPct val="80000"/>
+              <a:buFont typeface="Wingdings"/>
+              <a:buChar char="Ø"/>
+              <a:defRPr/>
+            </a:pPr>
+            <a:endParaRPr lang="ru-RU" b="1"/>
+          </a:p>
+          <a:p>
+            <a:pPr algn="ctr">
+              <a:buClr>
+                <a:schemeClr val="accent1"/>
+              </a:buClr>
+              <a:buSzPct val="80000"/>
+              <a:buFont typeface="Wingdings"/>
+              <a:buChar char="Ø"/>
+              <a:defRPr/>
+            </a:pPr>
+            <a:endParaRPr lang="ru-RU" b="1"/>
+          </a:p>
+          <a:p>
+            <a:pPr>
+              <a:buClr>
+                <a:schemeClr val="accent1"/>
+              </a:buClr>
+              <a:buSzPct val="80000"/>
+              <a:buFont typeface="Wingdings"/>
+              <a:buChar char="Ø"/>
+              <a:defRPr/>
+            </a:pPr>
+            <a:endParaRPr lang="en-US"/>
+          </a:p>
+        </p:txBody>
+      </p:sp>
+      <p:sp>
+        <p:nvSpPr>
+          <p:cNvPr id="4" name="Title 1"/>
+          <p:cNvSpPr txBox="1"/>
           <p:nvPr/>
         </p:nvSpPr>
-        <p:spPr>
+        <p:spPr bwMode="auto">
           <a:xfrm>
-            <a:off x="366248" y="82524"/>
+            <a:off x="366248" y="82523"/>
             <a:ext cx="11589529" cy="673431"/>
           </a:xfrm>
           <a:prstGeom prst="rect">
@@ -9402,12 +9356,12 @@
             <a:normAutofit/>
           </a:bodyPr>
           <a:lstStyle>
-            <a:lvl1pPr algn="l" defTabSz="457200" rtl="0" eaLnBrk="1" latinLnBrk="0" hangingPunct="1">
+            <a:lvl1pPr algn="l" defTabSz="457200">
               <a:spcBef>
-                <a:spcPct val="0"/>
+                <a:spcPts val="0"/>
               </a:spcBef>
               <a:buNone/>
-              <a:defRPr sz="3600" kern="1200">
+              <a:defRPr sz="3600">
                 <a:solidFill>
                   <a:schemeClr val="accent1"/>
                 </a:solidFill>
@@ -9416,56 +9370,56 @@
                 <a:cs typeface="+mj-cs"/>
               </a:defRPr>
             </a:lvl1pPr>
-            <a:lvl2pPr eaLnBrk="1" hangingPunct="1">
+            <a:lvl2pPr>
               <a:defRPr>
                 <a:solidFill>
                   <a:schemeClr val="tx2"/>
                 </a:solidFill>
               </a:defRPr>
             </a:lvl2pPr>
-            <a:lvl3pPr eaLnBrk="1" hangingPunct="1">
+            <a:lvl3pPr>
               <a:defRPr>
                 <a:solidFill>
                   <a:schemeClr val="tx2"/>
                 </a:solidFill>
               </a:defRPr>
             </a:lvl3pPr>
-            <a:lvl4pPr eaLnBrk="1" hangingPunct="1">
+            <a:lvl4pPr>
               <a:defRPr>
                 <a:solidFill>
                   <a:schemeClr val="tx2"/>
                 </a:solidFill>
               </a:defRPr>
             </a:lvl4pPr>
-            <a:lvl5pPr eaLnBrk="1" hangingPunct="1">
+            <a:lvl5pPr>
               <a:defRPr>
                 <a:solidFill>
                   <a:schemeClr val="tx2"/>
                 </a:solidFill>
               </a:defRPr>
             </a:lvl5pPr>
-            <a:lvl6pPr eaLnBrk="1" hangingPunct="1">
+            <a:lvl6pPr>
               <a:defRPr>
                 <a:solidFill>
                   <a:schemeClr val="tx2"/>
                 </a:solidFill>
               </a:defRPr>
             </a:lvl6pPr>
-            <a:lvl7pPr eaLnBrk="1" hangingPunct="1">
+            <a:lvl7pPr>
               <a:defRPr>
                 <a:solidFill>
                   <a:schemeClr val="tx2"/>
                 </a:solidFill>
               </a:defRPr>
             </a:lvl7pPr>
-            <a:lvl8pPr eaLnBrk="1" hangingPunct="1">
+            <a:lvl8pPr>
               <a:defRPr>
                 <a:solidFill>
                   <a:schemeClr val="tx2"/>
                 </a:solidFill>
               </a:defRPr>
             </a:lvl8pPr>
-            <a:lvl9pPr eaLnBrk="1" hangingPunct="1">
+            <a:lvl9pPr>
               <a:defRPr>
                 <a:solidFill>
                   <a:schemeClr val="tx2"/>
@@ -9474,20 +9428,22 @@
             </a:lvl9pPr>
           </a:lstStyle>
           <a:p>
-            <a:pPr algn="ctr"/>
-            <a:r>
-              <a:rPr lang="ru-RU" dirty="0" smtClean="0"/>
+            <a:pPr algn="ctr">
+              <a:defRPr/>
+            </a:pPr>
+            <a:r>
+              <a:rPr lang="ru-RU"/>
               <a:t>Шаблонны</a:t>
             </a:r>
             <a:r>
-              <a:rPr lang="en-US" dirty="0" smtClean="0"/>
+              <a:rPr lang="en-US"/>
               <a:t>. </a:t>
             </a:r>
             <a:r>
-              <a:rPr lang="ru-RU" dirty="0" smtClean="0"/>
+              <a:rPr lang="ru-RU"/>
               <a:t>Формальные параметры</a:t>
             </a:r>
-            <a:endParaRPr lang="en-US" dirty="0"/>
+            <a:endParaRPr lang="en-US"/>
           </a:p>
         </p:txBody>
       </p:sp>
@@ -9499,12 +9455,12 @@
           </p:cNvPicPr>
           <p:nvPr/>
         </p:nvPicPr>
-        <p:blipFill rotWithShape="1">
+        <p:blipFill>
           <a:blip r:embed="rId2"/>
-          <a:srcRect t="2908"/>
+          <a:srcRect l="0" t="2908" r="0" b="0"/>
           <a:stretch/>
         </p:blipFill>
-        <p:spPr>
+        <p:spPr bwMode="auto">
           <a:xfrm>
             <a:off x="366248" y="1084080"/>
             <a:ext cx="4462059" cy="1337414"/>
@@ -9524,11 +9480,9 @@
         </p:nvPicPr>
         <p:blipFill>
           <a:blip r:embed="rId3"/>
-          <a:stretch>
-            <a:fillRect/>
-          </a:stretch>
+          <a:stretch/>
         </p:blipFill>
-        <p:spPr>
+        <p:spPr bwMode="auto">
           <a:xfrm>
             <a:off x="366248" y="2563395"/>
             <a:ext cx="2837894" cy="350628"/>
@@ -9546,12 +9500,12 @@
           </p:cNvPicPr>
           <p:nvPr/>
         </p:nvPicPr>
-        <p:blipFill rotWithShape="1">
+        <p:blipFill>
           <a:blip r:embed="rId4"/>
-          <a:srcRect t="3275"/>
+          <a:srcRect l="0" t="3275" r="0" b="0"/>
           <a:stretch/>
         </p:blipFill>
-        <p:spPr>
+        <p:spPr bwMode="auto">
           <a:xfrm>
             <a:off x="458096" y="4457409"/>
             <a:ext cx="1883903" cy="1259173"/>
@@ -9564,12 +9518,10 @@
       <p:sp>
         <p:nvSpPr>
           <p:cNvPr id="13" name="Объект 2"/>
-          <p:cNvSpPr txBox="1">
-            <a:spLocks/>
-          </p:cNvSpPr>
+          <p:cNvSpPr txBox="1"/>
           <p:nvPr/>
         </p:nvSpPr>
-        <p:spPr>
+        <p:spPr bwMode="auto">
           <a:xfrm>
             <a:off x="366247" y="3004487"/>
             <a:ext cx="11589529" cy="869929"/>
@@ -9586,7 +9538,7 @@
             <a:normAutofit/>
           </a:bodyPr>
           <a:lstStyle>
-            <a:lvl1pPr marL="342900" indent="-342900" algn="l" defTabSz="457200" rtl="0" eaLnBrk="1" latinLnBrk="0" hangingPunct="1">
+            <a:lvl1pPr marL="342900" indent="-342900" algn="l" defTabSz="457200">
               <a:spcBef>
                 <a:spcPts val="1000"/>
               </a:spcBef>
@@ -9597,9 +9549,9 @@
                 <a:schemeClr val="accent1"/>
               </a:buClr>
               <a:buSzPct val="80000"/>
-              <a:buFont typeface="Wingdings 3" charset="2"/>
+              <a:buFont typeface="Wingdings 3"/>
               <a:buChar char=""/>
-              <a:defRPr sz="1800" kern="1200">
+              <a:defRPr sz="1800">
                 <a:solidFill>
                   <a:schemeClr val="tx1">
                     <a:lumMod val="75000"/>
@@ -9611,7 +9563,7 @@
                 <a:cs typeface="+mn-cs"/>
               </a:defRPr>
             </a:lvl1pPr>
-            <a:lvl2pPr marL="742950" indent="-285750" algn="l" defTabSz="457200" rtl="0" eaLnBrk="1" latinLnBrk="0" hangingPunct="1">
+            <a:lvl2pPr marL="742950" indent="-285750" algn="l" defTabSz="457200">
               <a:spcBef>
                 <a:spcPts val="1000"/>
               </a:spcBef>
@@ -9622,9 +9574,9 @@
                 <a:schemeClr val="accent1"/>
               </a:buClr>
               <a:buSzPct val="80000"/>
-              <a:buFont typeface="Wingdings 3" charset="2"/>
+              <a:buFont typeface="Wingdings 3"/>
               <a:buChar char=""/>
-              <a:defRPr sz="1600" kern="1200">
+              <a:defRPr sz="1600">
                 <a:solidFill>
                   <a:schemeClr val="tx1">
                     <a:lumMod val="75000"/>
@@ -9636,7 +9588,7 @@
                 <a:cs typeface="+mn-cs"/>
               </a:defRPr>
             </a:lvl2pPr>
-            <a:lvl3pPr marL="1143000" indent="-228600" algn="l" defTabSz="457200" rtl="0" eaLnBrk="1" latinLnBrk="0" hangingPunct="1">
+            <a:lvl3pPr marL="1143000" indent="-228600" algn="l" defTabSz="457200">
               <a:spcBef>
                 <a:spcPts val="1000"/>
               </a:spcBef>
@@ -9647,9 +9599,9 @@
                 <a:schemeClr val="accent1"/>
               </a:buClr>
               <a:buSzPct val="80000"/>
-              <a:buFont typeface="Wingdings 3" charset="2"/>
+              <a:buFont typeface="Wingdings 3"/>
               <a:buChar char=""/>
-              <a:defRPr sz="1400" kern="1200">
+              <a:defRPr sz="1400">
                 <a:solidFill>
                   <a:schemeClr val="tx1">
                     <a:lumMod val="75000"/>
@@ -9661,7 +9613,7 @@
                 <a:cs typeface="+mn-cs"/>
               </a:defRPr>
             </a:lvl3pPr>
-            <a:lvl4pPr marL="1600200" indent="-228600" algn="l" defTabSz="457200" rtl="0" eaLnBrk="1" latinLnBrk="0" hangingPunct="1">
+            <a:lvl4pPr marL="1600200" indent="-228600" algn="l" defTabSz="457200">
               <a:spcBef>
                 <a:spcPts val="1000"/>
               </a:spcBef>
@@ -9672,9 +9624,9 @@
                 <a:schemeClr val="accent1"/>
               </a:buClr>
               <a:buSzPct val="80000"/>
-              <a:buFont typeface="Wingdings 3" charset="2"/>
+              <a:buFont typeface="Wingdings 3"/>
               <a:buChar char=""/>
-              <a:defRPr sz="1200" kern="1200">
+              <a:defRPr sz="1200">
                 <a:solidFill>
                   <a:schemeClr val="tx1">
                     <a:lumMod val="75000"/>
@@ -9686,7 +9638,7 @@
                 <a:cs typeface="+mn-cs"/>
               </a:defRPr>
             </a:lvl4pPr>
-            <a:lvl5pPr marL="2057400" indent="-228600" algn="l" defTabSz="457200" rtl="0" eaLnBrk="1" latinLnBrk="0" hangingPunct="1">
+            <a:lvl5pPr marL="2057400" indent="-228600" algn="l" defTabSz="457200">
               <a:spcBef>
                 <a:spcPts val="1000"/>
               </a:spcBef>
@@ -9697,9 +9649,9 @@
                 <a:schemeClr val="accent1"/>
               </a:buClr>
               <a:buSzPct val="80000"/>
-              <a:buFont typeface="Wingdings 3" charset="2"/>
+              <a:buFont typeface="Wingdings 3"/>
               <a:buChar char=""/>
-              <a:defRPr sz="1200" kern="1200">
+              <a:defRPr sz="1200">
                 <a:solidFill>
                   <a:schemeClr val="tx1">
                     <a:lumMod val="75000"/>
@@ -9711,7 +9663,7 @@
                 <a:cs typeface="+mn-cs"/>
               </a:defRPr>
             </a:lvl5pPr>
-            <a:lvl6pPr marL="2514600" indent="-228600" algn="l" defTabSz="457200" rtl="0" eaLnBrk="1" latinLnBrk="0" hangingPunct="1">
+            <a:lvl6pPr marL="2514600" indent="-228600" algn="l" defTabSz="457200">
               <a:spcBef>
                 <a:spcPts val="1000"/>
               </a:spcBef>
@@ -9722,9 +9674,9 @@
                 <a:schemeClr val="accent1"/>
               </a:buClr>
               <a:buSzPct val="80000"/>
-              <a:buFont typeface="Wingdings 3" charset="2"/>
+              <a:buFont typeface="Wingdings 3"/>
               <a:buChar char=""/>
-              <a:defRPr sz="1200" kern="1200">
+              <a:defRPr sz="1200">
                 <a:solidFill>
                   <a:schemeClr val="tx1">
                     <a:lumMod val="75000"/>
@@ -9736,7 +9688,7 @@
                 <a:cs typeface="+mn-cs"/>
               </a:defRPr>
             </a:lvl6pPr>
-            <a:lvl7pPr marL="2971800" indent="-228600" algn="l" defTabSz="457200" rtl="0" eaLnBrk="1" latinLnBrk="0" hangingPunct="1">
+            <a:lvl7pPr marL="2971800" indent="-228600" algn="l" defTabSz="457200">
               <a:spcBef>
                 <a:spcPts val="1000"/>
               </a:spcBef>
@@ -9747,9 +9699,9 @@
                 <a:schemeClr val="accent1"/>
               </a:buClr>
               <a:buSzPct val="80000"/>
-              <a:buFont typeface="Wingdings 3" charset="2"/>
+              <a:buFont typeface="Wingdings 3"/>
               <a:buChar char=""/>
-              <a:defRPr sz="1200" kern="1200">
+              <a:defRPr sz="1200">
                 <a:solidFill>
                   <a:schemeClr val="tx1">
                     <a:lumMod val="75000"/>
@@ -9761,7 +9713,7 @@
                 <a:cs typeface="+mn-cs"/>
               </a:defRPr>
             </a:lvl7pPr>
-            <a:lvl8pPr marL="3429000" indent="-228600" algn="l" defTabSz="457200" rtl="0" eaLnBrk="1" latinLnBrk="0" hangingPunct="1">
+            <a:lvl8pPr marL="3429000" indent="-228600" algn="l" defTabSz="457200">
               <a:spcBef>
                 <a:spcPts val="1000"/>
               </a:spcBef>
@@ -9772,9 +9724,9 @@
                 <a:schemeClr val="accent1"/>
               </a:buClr>
               <a:buSzPct val="80000"/>
-              <a:buFont typeface="Wingdings 3" charset="2"/>
+              <a:buFont typeface="Wingdings 3"/>
               <a:buChar char=""/>
-              <a:defRPr sz="1200" kern="1200">
+              <a:defRPr sz="1200">
                 <a:solidFill>
                   <a:schemeClr val="tx1">
                     <a:lumMod val="75000"/>
@@ -9786,7 +9738,7 @@
                 <a:cs typeface="+mn-cs"/>
               </a:defRPr>
             </a:lvl8pPr>
-            <a:lvl9pPr marL="3886200" indent="-228600" algn="l" defTabSz="457200" rtl="0" eaLnBrk="1" latinLnBrk="0" hangingPunct="1">
+            <a:lvl9pPr marL="3886200" indent="-228600" algn="l" defTabSz="457200">
               <a:spcBef>
                 <a:spcPts val="1000"/>
               </a:spcBef>
@@ -9797,9 +9749,9 @@
                 <a:schemeClr val="accent1"/>
               </a:buClr>
               <a:buSzPct val="80000"/>
-              <a:buFont typeface="Wingdings 3" charset="2"/>
+              <a:buFont typeface="Wingdings 3"/>
               <a:buChar char=""/>
-              <a:defRPr sz="1200" kern="1200">
+              <a:defRPr sz="1200">
                 <a:solidFill>
                   <a:schemeClr val="tx1">
                     <a:lumMod val="75000"/>
@@ -9813,68 +9765,78 @@
             </a:lvl9pPr>
           </a:lstStyle>
           <a:p>
-            <a:pPr algn="just"/>
-            <a:r>
-              <a:rPr lang="ru-RU" dirty="0" smtClean="0"/>
+            <a:pPr algn="just">
+              <a:buClr>
+                <a:schemeClr val="accent1"/>
+              </a:buClr>
+              <a:buSzPct val="80000"/>
+              <a:buFont typeface="Wingdings"/>
+              <a:buChar char="Ø"/>
+              <a:defRPr/>
+            </a:pPr>
+            <a:r>
+              <a:rPr lang="ru-RU"/>
               <a:t>При создании объекта шаблонного класса с использованием типа по умолчанию необходимо добавить «</a:t>
             </a:r>
             <a:r>
-              <a:rPr lang="en-US" dirty="0" smtClean="0"/>
+              <a:rPr lang="en-US"/>
               <a:t>&lt;&gt;</a:t>
             </a:r>
             <a:r>
-              <a:rPr lang="ru-RU" dirty="0" smtClean="0"/>
+              <a:rPr lang="ru-RU"/>
               <a:t>»</a:t>
             </a:r>
             <a:r>
-              <a:rPr lang="en-US" dirty="0" smtClean="0"/>
+              <a:rPr lang="en-US"/>
               <a:t> </a:t>
             </a:r>
             <a:r>
-              <a:rPr lang="ru-RU" dirty="0" smtClean="0"/>
+              <a:rPr lang="ru-RU"/>
               <a:t>после имени класса, чтобы указать компилятору, что к данный класс является шаблонным.</a:t>
             </a:r>
-            <a:endParaRPr lang="en-US" dirty="0" smtClean="0"/>
+            <a:endParaRPr lang="en-US"/>
           </a:p>
           <a:p>
             <a:pPr marL="0" indent="0" algn="ctr">
-              <a:buFont typeface="Wingdings 3" charset="2"/>
-              <a:buNone/>
-            </a:pPr>
-            <a:endParaRPr lang="ru-RU" b="1" dirty="0" smtClean="0"/>
+              <a:buFont typeface="Wingdings 3"/>
+              <a:buNone/>
+              <a:defRPr/>
+            </a:pPr>
+            <a:endParaRPr lang="ru-RU" b="1"/>
           </a:p>
           <a:p>
             <a:pPr marL="0" indent="0" algn="ctr">
-              <a:buFont typeface="Wingdings 3" charset="2"/>
-              <a:buNone/>
-            </a:pPr>
-            <a:endParaRPr lang="ru-RU" b="1" dirty="0" smtClean="0"/>
+              <a:buFont typeface="Wingdings 3"/>
+              <a:buNone/>
+              <a:defRPr/>
+            </a:pPr>
+            <a:endParaRPr lang="ru-RU" b="1"/>
           </a:p>
           <a:p>
             <a:pPr marL="0" indent="0" algn="ctr">
-              <a:buFont typeface="Wingdings 3" charset="2"/>
-              <a:buNone/>
-            </a:pPr>
-            <a:endParaRPr lang="ru-RU" b="1" dirty="0" smtClean="0"/>
+              <a:buFont typeface="Wingdings 3"/>
+              <a:buNone/>
+              <a:defRPr/>
+            </a:pPr>
+            <a:endParaRPr lang="ru-RU" b="1"/>
           </a:p>
           <a:p>
             <a:pPr marL="0" indent="0">
-              <a:buFont typeface="Wingdings 3" charset="2"/>
-              <a:buNone/>
-            </a:pPr>
-            <a:endParaRPr lang="en-US" dirty="0"/>
+              <a:buFont typeface="Wingdings 3"/>
+              <a:buNone/>
+              <a:defRPr/>
+            </a:pPr>
+            <a:endParaRPr lang="en-US"/>
           </a:p>
         </p:txBody>
       </p:sp>
       <p:sp>
         <p:nvSpPr>
           <p:cNvPr id="14" name="Объект 2"/>
-          <p:cNvSpPr txBox="1">
-            <a:spLocks/>
-          </p:cNvSpPr>
+          <p:cNvSpPr txBox="1"/>
           <p:nvPr/>
         </p:nvSpPr>
-        <p:spPr>
+        <p:spPr bwMode="auto">
           <a:xfrm>
             <a:off x="5118755" y="4108993"/>
             <a:ext cx="6837021" cy="1883653"/>
@@ -9891,7 +9853,7 @@
             <a:normAutofit/>
           </a:bodyPr>
           <a:lstStyle>
-            <a:lvl1pPr marL="342900" indent="-342900" algn="l" defTabSz="457200" rtl="0" eaLnBrk="1" latinLnBrk="0" hangingPunct="1">
+            <a:lvl1pPr marL="342900" indent="-342900" algn="l" defTabSz="457200">
               <a:spcBef>
                 <a:spcPts val="1000"/>
               </a:spcBef>
@@ -9902,9 +9864,9 @@
                 <a:schemeClr val="accent1"/>
               </a:buClr>
               <a:buSzPct val="80000"/>
-              <a:buFont typeface="Wingdings 3" charset="2"/>
+              <a:buFont typeface="Wingdings 3"/>
               <a:buChar char=""/>
-              <a:defRPr sz="1800" kern="1200">
+              <a:defRPr sz="1800">
                 <a:solidFill>
                   <a:schemeClr val="tx1">
                     <a:lumMod val="75000"/>
@@ -9916,7 +9878,7 @@
                 <a:cs typeface="+mn-cs"/>
               </a:defRPr>
             </a:lvl1pPr>
-            <a:lvl2pPr marL="742950" indent="-285750" algn="l" defTabSz="457200" rtl="0" eaLnBrk="1" latinLnBrk="0" hangingPunct="1">
+            <a:lvl2pPr marL="742950" indent="-285750" algn="l" defTabSz="457200">
               <a:spcBef>
                 <a:spcPts val="1000"/>
               </a:spcBef>
@@ -9927,9 +9889,9 @@
                 <a:schemeClr val="accent1"/>
               </a:buClr>
               <a:buSzPct val="80000"/>
-              <a:buFont typeface="Wingdings 3" charset="2"/>
+              <a:buFont typeface="Wingdings 3"/>
               <a:buChar char=""/>
-              <a:defRPr sz="1600" kern="1200">
+              <a:defRPr sz="1600">
                 <a:solidFill>
                   <a:schemeClr val="tx1">
                     <a:lumMod val="75000"/>
@@ -9941,7 +9903,7 @@
                 <a:cs typeface="+mn-cs"/>
               </a:defRPr>
             </a:lvl2pPr>
-            <a:lvl3pPr marL="1143000" indent="-228600" algn="l" defTabSz="457200" rtl="0" eaLnBrk="1" latinLnBrk="0" hangingPunct="1">
+            <a:lvl3pPr marL="1143000" indent="-228600" algn="l" defTabSz="457200">
               <a:spcBef>
                 <a:spcPts val="1000"/>
               </a:spcBef>
@@ -9952,9 +9914,9 @@
                 <a:schemeClr val="accent1"/>
               </a:buClr>
               <a:buSzPct val="80000"/>
-              <a:buFont typeface="Wingdings 3" charset="2"/>
+              <a:buFont typeface="Wingdings 3"/>
               <a:buChar char=""/>
-              <a:defRPr sz="1400" kern="1200">
+              <a:defRPr sz="1400">
                 <a:solidFill>
                   <a:schemeClr val="tx1">
                     <a:lumMod val="75000"/>
@@ -9966,7 +9928,7 @@
                 <a:cs typeface="+mn-cs"/>
               </a:defRPr>
             </a:lvl3pPr>
-            <a:lvl4pPr marL="1600200" indent="-228600" algn="l" defTabSz="457200" rtl="0" eaLnBrk="1" latinLnBrk="0" hangingPunct="1">
+            <a:lvl4pPr marL="1600200" indent="-228600" algn="l" defTabSz="457200">
               <a:spcBef>
                 <a:spcPts val="1000"/>
               </a:spcBef>
@@ -9977,9 +9939,9 @@
                 <a:schemeClr val="accent1"/>
               </a:buClr>
               <a:buSzPct val="80000"/>
-              <a:buFont typeface="Wingdings 3" charset="2"/>
+              <a:buFont typeface="Wingdings 3"/>
               <a:buChar char=""/>
-              <a:defRPr sz="1200" kern="1200">
+              <a:defRPr sz="1200">
                 <a:solidFill>
                   <a:schemeClr val="tx1">
                     <a:lumMod val="75000"/>
@@ -9991,7 +9953,7 @@
                 <a:cs typeface="+mn-cs"/>
               </a:defRPr>
             </a:lvl4pPr>
-            <a:lvl5pPr marL="2057400" indent="-228600" algn="l" defTabSz="457200" rtl="0" eaLnBrk="1" latinLnBrk="0" hangingPunct="1">
+            <a:lvl5pPr marL="2057400" indent="-228600" algn="l" defTabSz="457200">
               <a:spcBef>
                 <a:spcPts val="1000"/>
               </a:spcBef>
@@ -10002,9 +9964,9 @@
                 <a:schemeClr val="accent1"/>
               </a:buClr>
               <a:buSzPct val="80000"/>
-              <a:buFont typeface="Wingdings 3" charset="2"/>
+              <a:buFont typeface="Wingdings 3"/>
               <a:buChar char=""/>
-              <a:defRPr sz="1200" kern="1200">
+              <a:defRPr sz="1200">
                 <a:solidFill>
                   <a:schemeClr val="tx1">
                     <a:lumMod val="75000"/>
@@ -10016,7 +9978,7 @@
                 <a:cs typeface="+mn-cs"/>
               </a:defRPr>
             </a:lvl5pPr>
-            <a:lvl6pPr marL="2514600" indent="-228600" algn="l" defTabSz="457200" rtl="0" eaLnBrk="1" latinLnBrk="0" hangingPunct="1">
+            <a:lvl6pPr marL="2514600" indent="-228600" algn="l" defTabSz="457200">
               <a:spcBef>
                 <a:spcPts val="1000"/>
               </a:spcBef>
@@ -10027,9 +9989,9 @@
                 <a:schemeClr val="accent1"/>
               </a:buClr>
               <a:buSzPct val="80000"/>
-              <a:buFont typeface="Wingdings 3" charset="2"/>
+              <a:buFont typeface="Wingdings 3"/>
               <a:buChar char=""/>
-              <a:defRPr sz="1200" kern="1200">
+              <a:defRPr sz="1200">
                 <a:solidFill>
                   <a:schemeClr val="tx1">
                     <a:lumMod val="75000"/>
@@ -10041,7 +10003,7 @@
                 <a:cs typeface="+mn-cs"/>
               </a:defRPr>
             </a:lvl6pPr>
-            <a:lvl7pPr marL="2971800" indent="-228600" algn="l" defTabSz="457200" rtl="0" eaLnBrk="1" latinLnBrk="0" hangingPunct="1">
+            <a:lvl7pPr marL="2971800" indent="-228600" algn="l" defTabSz="457200">
               <a:spcBef>
                 <a:spcPts val="1000"/>
               </a:spcBef>
@@ -10052,9 +10014,9 @@
                 <a:schemeClr val="accent1"/>
               </a:buClr>
               <a:buSzPct val="80000"/>
-              <a:buFont typeface="Wingdings 3" charset="2"/>
+              <a:buFont typeface="Wingdings 3"/>
               <a:buChar char=""/>
-              <a:defRPr sz="1200" kern="1200">
+              <a:defRPr sz="1200">
                 <a:solidFill>
                   <a:schemeClr val="tx1">
                     <a:lumMod val="75000"/>
@@ -10066,7 +10028,7 @@
                 <a:cs typeface="+mn-cs"/>
               </a:defRPr>
             </a:lvl7pPr>
-            <a:lvl8pPr marL="3429000" indent="-228600" algn="l" defTabSz="457200" rtl="0" eaLnBrk="1" latinLnBrk="0" hangingPunct="1">
+            <a:lvl8pPr marL="3429000" indent="-228600" algn="l" defTabSz="457200">
               <a:spcBef>
                 <a:spcPts val="1000"/>
               </a:spcBef>
@@ -10077,9 +10039,9 @@
                 <a:schemeClr val="accent1"/>
               </a:buClr>
               <a:buSzPct val="80000"/>
-              <a:buFont typeface="Wingdings 3" charset="2"/>
+              <a:buFont typeface="Wingdings 3"/>
               <a:buChar char=""/>
-              <a:defRPr sz="1200" kern="1200">
+              <a:defRPr sz="1200">
                 <a:solidFill>
                   <a:schemeClr val="tx1">
                     <a:lumMod val="75000"/>
@@ -10091,7 +10053,7 @@
                 <a:cs typeface="+mn-cs"/>
               </a:defRPr>
             </a:lvl8pPr>
-            <a:lvl9pPr marL="3886200" indent="-228600" algn="l" defTabSz="457200" rtl="0" eaLnBrk="1" latinLnBrk="0" hangingPunct="1">
+            <a:lvl9pPr marL="3886200" indent="-228600" algn="l" defTabSz="457200">
               <a:spcBef>
                 <a:spcPts val="1000"/>
               </a:spcBef>
@@ -10102,9 +10064,9 @@
                 <a:schemeClr val="accent1"/>
               </a:buClr>
               <a:buSzPct val="80000"/>
-              <a:buFont typeface="Wingdings 3" charset="2"/>
+              <a:buFont typeface="Wingdings 3"/>
               <a:buChar char=""/>
-              <a:defRPr sz="1200" kern="1200">
+              <a:defRPr sz="1200">
                 <a:solidFill>
                   <a:schemeClr val="tx1">
                     <a:lumMod val="75000"/>
@@ -10118,133 +10080,170 @@
             </a:lvl9pPr>
           </a:lstStyle>
           <a:p>
-            <a:pPr marL="0" indent="0" algn="ctr">
-              <a:buFont typeface="Wingdings 3" charset="2"/>
-              <a:buNone/>
-            </a:pPr>
-            <a:r>
-              <a:rPr lang="ru-RU" b="1" dirty="0" smtClean="0"/>
+            <a:pPr algn="ctr">
+              <a:buClr>
+                <a:schemeClr val="accent1"/>
+              </a:buClr>
+              <a:buSzPct val="80000"/>
+              <a:buFont typeface="Wingdings"/>
+              <a:buChar char="Ø"/>
+              <a:defRPr/>
+            </a:pPr>
+            <a:r>
+              <a:rPr lang="ru-RU" b="1"/>
               <a:t>Параметры-значения</a:t>
             </a:r>
-          </a:p>
-          <a:p>
-            <a:pPr algn="just"/>
-            <a:r>
-              <a:rPr lang="ru-RU" dirty="0" smtClean="0"/>
+            <a:endParaRPr/>
+          </a:p>
+          <a:p>
+            <a:pPr algn="just">
+              <a:buClr>
+                <a:schemeClr val="accent1"/>
+              </a:buClr>
+              <a:buSzPct val="80000"/>
+              <a:buFont typeface="Wingdings"/>
+              <a:buChar char="Ø"/>
+              <a:defRPr/>
+            </a:pPr>
+            <a:r>
+              <a:rPr lang="ru-RU"/>
               <a:t>Шаблоны могут принимать параметры-значения</a:t>
             </a:r>
             <a:r>
-              <a:rPr lang="en-US" dirty="0" smtClean="0"/>
+              <a:rPr lang="en-US"/>
               <a:t> (</a:t>
             </a:r>
             <a:r>
-              <a:rPr lang="ru-RU" dirty="0" smtClean="0"/>
+              <a:rPr lang="ru-RU"/>
               <a:t>только целочисленных типов, перечисления (</a:t>
             </a:r>
             <a:r>
-              <a:rPr lang="en-US" dirty="0" err="1" smtClean="0"/>
+              <a:rPr lang="en-US"/>
               <a:t>enum</a:t>
             </a:r>
             <a:r>
-              <a:rPr lang="ru-RU" dirty="0" smtClean="0"/>
+              <a:rPr lang="ru-RU"/>
               <a:t>)</a:t>
             </a:r>
             <a:r>
-              <a:rPr lang="en-US" dirty="0" smtClean="0"/>
+              <a:rPr lang="en-US"/>
               <a:t>, </a:t>
             </a:r>
             <a:r>
-              <a:rPr lang="ru-RU" dirty="0" smtClean="0"/>
+              <a:rPr lang="ru-RU"/>
               <a:t>указатели и </a:t>
             </a:r>
             <a:r>
-              <a:rPr lang="en-US" dirty="0" err="1" smtClean="0"/>
+              <a:rPr lang="en-US"/>
               <a:t>nullptr</a:t>
             </a:r>
             <a:r>
-              <a:rPr lang="en-US" dirty="0" smtClean="0"/>
+              <a:rPr lang="en-US"/>
               <a:t>, </a:t>
             </a:r>
             <a:r>
-              <a:rPr lang="en-US" dirty="0" err="1" smtClean="0"/>
+              <a:rPr lang="en-US"/>
               <a:t>lvalue</a:t>
             </a:r>
             <a:r>
-              <a:rPr lang="en-US" dirty="0" smtClean="0"/>
+              <a:rPr lang="en-US"/>
               <a:t>-</a:t>
             </a:r>
             <a:r>
-              <a:rPr lang="ru-RU" dirty="0" smtClean="0"/>
+              <a:rPr lang="ru-RU"/>
               <a:t>ссылки</a:t>
             </a:r>
             <a:r>
-              <a:rPr lang="en-US" dirty="0" smtClean="0"/>
+              <a:rPr lang="en-US"/>
               <a:t>)</a:t>
             </a:r>
             <a:r>
-              <a:rPr lang="ru-RU" dirty="0" smtClean="0"/>
+              <a:rPr lang="ru-RU"/>
               <a:t>.</a:t>
             </a:r>
             <a:r>
-              <a:rPr lang="en-US" dirty="0" smtClean="0"/>
+              <a:rPr lang="en-US"/>
               <a:t> </a:t>
             </a:r>
             <a:r>
-              <a:rPr lang="ru-RU" dirty="0" smtClean="0"/>
+              <a:rPr lang="ru-RU"/>
               <a:t>В этом случае шаблон производит вычисления с данным значением во время компиляции</a:t>
             </a:r>
             <a:r>
-              <a:rPr lang="en-US" dirty="0" smtClean="0"/>
+              <a:rPr lang="en-US"/>
               <a:t>.</a:t>
             </a:r>
-            <a:endParaRPr lang="ru-RU" dirty="0" smtClean="0"/>
-          </a:p>
-          <a:p>
-            <a:pPr marL="0" indent="0" algn="just">
-              <a:buFont typeface="Wingdings 3" charset="2"/>
-              <a:buNone/>
-            </a:pPr>
-            <a:endParaRPr lang="ru-RU" b="1" dirty="0" smtClean="0"/>
-          </a:p>
-          <a:p>
-            <a:pPr marL="0" indent="0" algn="ctr">
-              <a:buFont typeface="Wingdings 3" charset="2"/>
-              <a:buNone/>
-            </a:pPr>
-            <a:endParaRPr lang="ru-RU" b="1" dirty="0" smtClean="0"/>
-          </a:p>
-          <a:p>
-            <a:pPr marL="0" indent="0" algn="ctr">
-              <a:buFont typeface="Wingdings 3" charset="2"/>
-              <a:buNone/>
-            </a:pPr>
-            <a:endParaRPr lang="ru-RU" b="1" dirty="0" smtClean="0"/>
-          </a:p>
-          <a:p>
-            <a:pPr marL="0" indent="0">
-              <a:buFont typeface="Wingdings 3" charset="2"/>
-              <a:buNone/>
-            </a:pPr>
-            <a:endParaRPr lang="en-US" dirty="0"/>
+            <a:endParaRPr lang="ru-RU"/>
+          </a:p>
+          <a:p>
+            <a:pPr algn="just">
+              <a:buClr>
+                <a:schemeClr val="accent1"/>
+              </a:buClr>
+              <a:buSzPct val="80000"/>
+              <a:buFont typeface="Wingdings"/>
+              <a:buChar char="Ø"/>
+              <a:defRPr/>
+            </a:pPr>
+            <a:endParaRPr lang="ru-RU" b="1"/>
+          </a:p>
+          <a:p>
+            <a:pPr algn="ctr">
+              <a:buClr>
+                <a:schemeClr val="accent1"/>
+              </a:buClr>
+              <a:buSzPct val="80000"/>
+              <a:buFont typeface="Wingdings"/>
+              <a:buChar char="Ø"/>
+              <a:defRPr/>
+            </a:pPr>
+            <a:endParaRPr lang="ru-RU" b="1"/>
+          </a:p>
+          <a:p>
+            <a:pPr algn="ctr">
+              <a:buClr>
+                <a:schemeClr val="accent1"/>
+              </a:buClr>
+              <a:buSzPct val="80000"/>
+              <a:buFont typeface="Wingdings"/>
+              <a:buChar char="Ø"/>
+              <a:defRPr/>
+            </a:pPr>
+            <a:endParaRPr lang="ru-RU" b="1"/>
+          </a:p>
+          <a:p>
+            <a:pPr>
+              <a:buClr>
+                <a:schemeClr val="accent1"/>
+              </a:buClr>
+              <a:buSzPct val="80000"/>
+              <a:buFont typeface="Wingdings"/>
+              <a:buChar char="Ø"/>
+              <a:defRPr/>
+            </a:pPr>
+            <a:endParaRPr lang="en-US"/>
           </a:p>
         </p:txBody>
       </p:sp>
     </p:spTree>
-    <p:extLst>
-      <p:ext uri="{BB962C8B-B14F-4D97-AF65-F5344CB8AC3E}">
-        <p14:creationId xmlns:p14="http://schemas.microsoft.com/office/powerpoint/2010/main" val="295067379"/>
-      </p:ext>
-    </p:extLst>
   </p:cSld>
   <p:clrMapOvr>
     <a:masterClrMapping/>
   </p:clrMapOvr>
+  <mc:AlternateContent xmlns:mc="http://schemas.openxmlformats.org/markup-compatibility/2006">
+    <mc:Choice xmlns:p14="http://schemas.microsoft.com/office/powerpoint/2010/main" Requires="p14">
+      <p:transition p14:dur="2000" advClick="1"/>
+    </mc:Choice>
+    <mc:Fallback>
+      <p:transition advClick="1"/>
+    </mc:Fallback>
+  </mc:AlternateContent>
 </p:sld>
 </file>
 
 <file path=ppt/slides/slide8.xml><?xml version="1.0" encoding="utf-8"?>
-<p:sld xmlns:a="http://schemas.openxmlformats.org/drawingml/2006/main" xmlns:r="http://schemas.openxmlformats.org/officeDocument/2006/relationships" xmlns:p="http://schemas.openxmlformats.org/presentationml/2006/main" showMasterPhAnim="0">
-  <p:cSld>
+<p:sld xmlns:a="http://schemas.openxmlformats.org/drawingml/2006/main" xmlns:r="http://schemas.openxmlformats.org/officeDocument/2006/relationships" xmlns:p="http://schemas.openxmlformats.org/presentationml/2006/main" xmlns:m="http://schemas.openxmlformats.org/officeDocument/2006/math" xmlns:w="http://schemas.openxmlformats.org/wordprocessingml/2006/main" showMasterPhAnim="0" show="1">
+  <p:cSld name="">
     <p:spTree>
       <p:nvGrpSpPr>
         <p:cNvPr id="1" name=""/>
@@ -10419,7 +10418,7 @@
         </p:nvPicPr>
         <p:blipFill>
           <a:blip r:embed="rId2"/>
-          <a:srcRect b="6555"/>
+          <a:srcRect l="0" t="0" r="0" b="6555"/>
           <a:stretch/>
         </p:blipFill>
         <p:spPr bwMode="auto">
@@ -11099,29 +11098,24 @@
         </p:txBody>
       </p:sp>
     </p:spTree>
-    <p:extLst>
-      <p:ext uri="{BB962C8B-B14F-4D97-AF65-F5344CB8AC3E}">
-        <p14:creationId xmlns:p14="http://schemas.microsoft.com/office/powerpoint/2010/main" val="3243650095"/>
-      </p:ext>
-    </p:extLst>
   </p:cSld>
   <p:clrMapOvr>
     <a:masterClrMapping/>
   </p:clrMapOvr>
-  <mc:AlternateContent xmlns:mc="http://schemas.openxmlformats.org/markup-compatibility/2006" xmlns:p14="http://schemas.microsoft.com/office/powerpoint/2010/main">
-    <mc:Choice Requires="p14">
-      <p:transition spd="slow" p14:dur="2000"/>
+  <mc:AlternateContent xmlns:mc="http://schemas.openxmlformats.org/markup-compatibility/2006">
+    <mc:Choice xmlns:p14="http://schemas.microsoft.com/office/powerpoint/2010/main" Requires="p14">
+      <p:transition p14:dur="2000" advClick="1"/>
     </mc:Choice>
-    <mc:Fallback xmlns="">
-      <p:transition spd="slow"/>
+    <mc:Fallback>
+      <p:transition advClick="1"/>
     </mc:Fallback>
   </mc:AlternateContent>
 </p:sld>
 </file>
 
 <file path=ppt/slides/slide9.xml><?xml version="1.0" encoding="utf-8"?>
-<p:sld xmlns:a="http://schemas.openxmlformats.org/drawingml/2006/main" xmlns:r="http://schemas.openxmlformats.org/officeDocument/2006/relationships" xmlns:p="http://schemas.openxmlformats.org/presentationml/2006/main" showMasterPhAnim="0">
-  <p:cSld>
+<p:sld xmlns:a="http://schemas.openxmlformats.org/drawingml/2006/main" xmlns:r="http://schemas.openxmlformats.org/officeDocument/2006/relationships" xmlns:p="http://schemas.openxmlformats.org/presentationml/2006/main" xmlns:m="http://schemas.openxmlformats.org/officeDocument/2006/math" xmlns:w="http://schemas.openxmlformats.org/wordprocessingml/2006/main" showMasterPhAnim="0" show="1">
+  <p:cSld name="">
     <p:spTree>
       <p:nvGrpSpPr>
         <p:cNvPr id="1" name=""/>
@@ -11601,6 +11595,7 @@
               <a:rPr lang="ru-RU" sz="1600"/>
               <a:t>то класс должен определять все пять</a:t>
             </a:r>
+            <a:endParaRPr/>
           </a:p>
           <a:p>
             <a:pPr marL="0" indent="0">
@@ -12131,28 +12126,23 @@
         </p:txBody>
       </p:sp>
     </p:spTree>
-    <p:extLst>
-      <p:ext uri="{BB962C8B-B14F-4D97-AF65-F5344CB8AC3E}">
-        <p14:creationId xmlns:p14="http://schemas.microsoft.com/office/powerpoint/2010/main" val="505171303"/>
-      </p:ext>
-    </p:extLst>
   </p:cSld>
   <p:clrMapOvr>
     <a:masterClrMapping/>
   </p:clrMapOvr>
-  <mc:AlternateContent xmlns:mc="http://schemas.openxmlformats.org/markup-compatibility/2006" xmlns:p14="http://schemas.microsoft.com/office/powerpoint/2010/main">
-    <mc:Choice Requires="p14">
-      <p:transition spd="slow" p14:dur="2000"/>
+  <mc:AlternateContent xmlns:mc="http://schemas.openxmlformats.org/markup-compatibility/2006">
+    <mc:Choice xmlns:p14="http://schemas.microsoft.com/office/powerpoint/2010/main" Requires="p14">
+      <p:transition p14:dur="2000" advClick="1"/>
     </mc:Choice>
-    <mc:Fallback xmlns="">
-      <p:transition spd="slow"/>
+    <mc:Fallback>
+      <p:transition advClick="1"/>
     </mc:Fallback>
   </mc:AlternateContent>
 </p:sld>
 </file>
 
 <file path=ppt/theme/theme1.xml><?xml version="1.0" encoding="utf-8"?>
-<a:theme xmlns:a="http://schemas.openxmlformats.org/drawingml/2006/main" name="Facet">
+<a:theme xmlns:a="http://schemas.openxmlformats.org/drawingml/2006/main" xmlns:r="http://schemas.openxmlformats.org/officeDocument/2006/relationships" xmlns:p="http://schemas.openxmlformats.org/presentationml/2006/main" name="Facet">
   <a:themeElements>
     <a:clrScheme name="Facet">
       <a:dk1>
@@ -12194,74 +12184,14 @@
     </a:clrScheme>
     <a:fontScheme name="Facet">
       <a:majorFont>
-        <a:latin typeface="Trebuchet MS" panose="020B0603020202020204"/>
-        <a:ea typeface=""/>
-        <a:cs typeface=""/>
-        <a:font script="Jpan" typeface="メイリオ"/>
-        <a:font script="Hang" typeface="맑은 고딕"/>
-        <a:font script="Hans" typeface="方正姚体"/>
-        <a:font script="Hant" typeface="微軟正黑體"/>
-        <a:font script="Arab" typeface="Tahoma"/>
-        <a:font script="Hebr" typeface="Arial"/>
-        <a:font script="Thai" typeface="Cordia New"/>
-        <a:font script="Ethi" typeface="Nyala"/>
-        <a:font script="Beng" typeface="Vrinda"/>
-        <a:font script="Gujr" typeface="Shruti"/>
-        <a:font script="Khmr" typeface="DaunPenh"/>
-        <a:font script="Knda" typeface="Tunga"/>
-        <a:font script="Guru" typeface="Raavi"/>
-        <a:font script="Cans" typeface="Euphemia"/>
-        <a:font script="Cher" typeface="Plantagenet Cherokee"/>
-        <a:font script="Yiii" typeface="Microsoft Yi Baiti"/>
-        <a:font script="Tibt" typeface="Microsoft Himalaya"/>
-        <a:font script="Thaa" typeface="MV Boli"/>
-        <a:font script="Deva" typeface="Mangal"/>
-        <a:font script="Telu" typeface="Gautami"/>
-        <a:font script="Taml" typeface="Latha"/>
-        <a:font script="Syrc" typeface="Estrangelo Edessa"/>
-        <a:font script="Orya" typeface="Kalinga"/>
-        <a:font script="Mlym" typeface="Kartika"/>
-        <a:font script="Laoo" typeface="DokChampa"/>
-        <a:font script="Sinh" typeface="Iskoola Pota"/>
-        <a:font script="Mong" typeface="Mongolian Baiti"/>
-        <a:font script="Viet" typeface="Tahoma"/>
-        <a:font script="Uigh" typeface="Microsoft Uighur"/>
-        <a:font script="Geor" typeface="Sylfaen"/>
+        <a:latin typeface="Trebuchet MS"/>
+        <a:ea typeface="Arial"/>
+        <a:cs typeface="Arial"/>
       </a:majorFont>
       <a:minorFont>
-        <a:latin typeface="Trebuchet MS" panose="020B0603020202020204"/>
-        <a:ea typeface=""/>
-        <a:cs typeface=""/>
-        <a:font script="Jpan" typeface="メイリオ"/>
-        <a:font script="Hang" typeface="HY그래픽M"/>
-        <a:font script="Hans" typeface="华文新魏"/>
-        <a:font script="Hant" typeface="微軟正黑體"/>
-        <a:font script="Arab" typeface="Tahoma"/>
-        <a:font script="Hebr" typeface="Gisha"/>
-        <a:font script="Thai" typeface="IrisUPC"/>
-        <a:font script="Ethi" typeface="Nyala"/>
-        <a:font script="Beng" typeface="Vrinda"/>
-        <a:font script="Gujr" typeface="Shruti"/>
-        <a:font script="Khmr" typeface="DaunPenh"/>
-        <a:font script="Knda" typeface="Tunga"/>
-        <a:font script="Guru" typeface="Raavi"/>
-        <a:font script="Cans" typeface="Euphemia"/>
-        <a:font script="Cher" typeface="Plantagenet Cherokee"/>
-        <a:font script="Yiii" typeface="Microsoft Yi Baiti"/>
-        <a:font script="Tibt" typeface="Microsoft Himalaya"/>
-        <a:font script="Thaa" typeface="MV Boli"/>
-        <a:font script="Deva" typeface="Mangal"/>
-        <a:font script="Telu" typeface="Gautami"/>
-        <a:font script="Taml" typeface="Latha"/>
-        <a:font script="Syrc" typeface="Estrangelo Edessa"/>
-        <a:font script="Orya" typeface="Kalinga"/>
-        <a:font script="Mlym" typeface="Kartika"/>
-        <a:font script="Laoo" typeface="DokChampa"/>
-        <a:font script="Sinh" typeface="Iskoola Pota"/>
-        <a:font script="Mong" typeface="Mongolian Baiti"/>
-        <a:font script="Viet" typeface="Arial"/>
-        <a:font script="Uigh" typeface="Microsoft Uighur"/>
-        <a:font script="Geor" typeface="Sylfaen"/>
+        <a:latin typeface="Trebuchet MS"/>
+        <a:ea typeface="Arial"/>
+        <a:cs typeface="Arial"/>
       </a:minorFont>
     </a:fontScheme>
     <a:fmtScheme name="Facet">
@@ -12269,7 +12199,7 @@
         <a:solidFill>
           <a:schemeClr val="phClr"/>
         </a:solidFill>
-        <a:gradFill rotWithShape="1">
+        <a:gradFill>
           <a:gsLst>
             <a:gs pos="0">
               <a:schemeClr val="phClr">
@@ -12285,7 +12215,7 @@
           </a:gsLst>
           <a:lin ang="5400000" scaled="0"/>
         </a:gradFill>
-        <a:gradFill rotWithShape="1">
+        <a:gradFill>
           <a:gsLst>
             <a:gs pos="0">
               <a:schemeClr val="phClr">
@@ -12325,11 +12255,17 @@
       </a:lnStyleLst>
       <a:effectStyleLst>
         <a:effectStyle>
-          <a:effectLst/>
+          <a:effectLst>
+            <a:outerShdw blurRad="40000" dist="20000" dir="5400000" rotWithShape="0">
+              <a:srgbClr val="000000">
+                <a:alpha val="38000"/>
+              </a:srgbClr>
+            </a:outerShdw>
+          </a:effectLst>
         </a:effectStyle>
         <a:effectStyle>
           <a:effectLst>
-            <a:outerShdw blurRad="38100" dist="25400" dir="5400000" rotWithShape="0">
+            <a:outerShdw blurRad="40000" dist="23000" dir="5400000" rotWithShape="0">
               <a:srgbClr val="000000">
                 <a:alpha val="35000"/>
               </a:srgbClr>
@@ -12338,28 +12274,19 @@
         </a:effectStyle>
         <a:effectStyle>
           <a:effectLst>
-            <a:outerShdw blurRad="50800" dist="38100" dir="5400000" rotWithShape="0">
+            <a:outerShdw blurRad="40000" dist="23000" dir="5400000" rotWithShape="0">
               <a:srgbClr val="000000">
                 <a:alpha val="35000"/>
               </a:srgbClr>
             </a:outerShdw>
           </a:effectLst>
-          <a:scene3d>
-            <a:camera prst="orthographicFront">
-              <a:rot lat="0" lon="0" rev="0"/>
-            </a:camera>
-            <a:lightRig rig="threePt" dir="tl"/>
-          </a:scene3d>
-          <a:sp3d prstMaterial="plastic">
-            <a:bevelT w="0" h="0"/>
-          </a:sp3d>
         </a:effectStyle>
       </a:effectStyleLst>
       <a:bgFillStyleLst>
         <a:solidFill>
           <a:schemeClr val="phClr"/>
         </a:solidFill>
-        <a:gradFill rotWithShape="1">
+        <a:gradFill>
           <a:gsLst>
             <a:gs pos="0">
               <a:schemeClr val="phClr">
@@ -12376,7 +12303,7 @@
           </a:gsLst>
           <a:lin ang="5400000" scaled="0"/>
         </a:gradFill>
-        <a:gradFill rotWithShape="1">
+        <a:gradFill>
           <a:gsLst>
             <a:gs pos="0">
               <a:schemeClr val="phClr">
@@ -12391,314 +12318,11 @@
               </a:schemeClr>
             </a:gs>
           </a:gsLst>
-          <a:path path="circle">
-            <a:fillToRect l="50000" t="50000" r="100000" b="100000"/>
-          </a:path>
+          <a:path path="circle"/>
         </a:gradFill>
       </a:bgFillStyleLst>
     </a:fmtScheme>
   </a:themeElements>
   <a:objectDefaults/>
-  <a:extraClrSchemeLst/>
-  <a:extLst>
-    <a:ext uri="{05A4C25C-085E-4340-85A3-A5531E510DB2}">
-      <thm15:themeFamily xmlns:thm15="http://schemas.microsoft.com/office/thememl/2012/main" name="Facet" id="{C0C680CD-088A-49FC-A102-D699147F32B2}" vid="{CFBC31BA-B70F-4F30-BCAA-4F3011E16C4D}"/>
-    </a:ext>
-  </a:extLst>
-</a:theme>
-</file>
-
-<file path=ppt/theme/theme2.xml><?xml version="1.0" encoding="utf-8"?>
-<a:theme xmlns:a="http://schemas.openxmlformats.org/drawingml/2006/main" name="Office Theme">
-  <a:themeElements>
-    <a:clrScheme name="Office">
-      <a:dk1>
-        <a:sysClr val="windowText" lastClr="000000"/>
-      </a:dk1>
-      <a:lt1>
-        <a:sysClr val="window" lastClr="FFFFFF"/>
-      </a:lt1>
-      <a:dk2>
-        <a:srgbClr val="44546A"/>
-      </a:dk2>
-      <a:lt2>
-        <a:srgbClr val="E7E6E6"/>
-      </a:lt2>
-      <a:accent1>
-        <a:srgbClr val="4472C4"/>
-      </a:accent1>
-      <a:accent2>
-        <a:srgbClr val="ED7D31"/>
-      </a:accent2>
-      <a:accent3>
-        <a:srgbClr val="A5A5A5"/>
-      </a:accent3>
-      <a:accent4>
-        <a:srgbClr val="FFC000"/>
-      </a:accent4>
-      <a:accent5>
-        <a:srgbClr val="5B9BD5"/>
-      </a:accent5>
-      <a:accent6>
-        <a:srgbClr val="70AD47"/>
-      </a:accent6>
-      <a:hlink>
-        <a:srgbClr val="0563C1"/>
-      </a:hlink>
-      <a:folHlink>
-        <a:srgbClr val="954F72"/>
-      </a:folHlink>
-    </a:clrScheme>
-    <a:fontScheme name="Office">
-      <a:majorFont>
-        <a:latin typeface="Calibri Light" panose="020F0302020204030204"/>
-        <a:ea typeface=""/>
-        <a:cs typeface=""/>
-        <a:font script="Jpan" typeface="游ゴシック Light"/>
-        <a:font script="Hang" typeface="맑은 고딕"/>
-        <a:font script="Hans" typeface="等线 Light"/>
-        <a:font script="Hant" typeface="新細明體"/>
-        <a:font script="Arab" typeface="Times New Roman"/>
-        <a:font script="Hebr" typeface="Times New Roman"/>
-        <a:font script="Thai" typeface="Angsana New"/>
-        <a:font script="Ethi" typeface="Nyala"/>
-        <a:font script="Beng" typeface="Vrinda"/>
-        <a:font script="Gujr" typeface="Shruti"/>
-        <a:font script="Khmr" typeface="MoolBoran"/>
-        <a:font script="Knda" typeface="Tunga"/>
-        <a:font script="Guru" typeface="Raavi"/>
-        <a:font script="Cans" typeface="Euphemia"/>
-        <a:font script="Cher" typeface="Plantagenet Cherokee"/>
-        <a:font script="Yiii" typeface="Microsoft Yi Baiti"/>
-        <a:font script="Tibt" typeface="Microsoft Himalaya"/>
-        <a:font script="Thaa" typeface="MV Boli"/>
-        <a:font script="Deva" typeface="Mangal"/>
-        <a:font script="Telu" typeface="Gautami"/>
-        <a:font script="Taml" typeface="Latha"/>
-        <a:font script="Syrc" typeface="Estrangelo Edessa"/>
-        <a:font script="Orya" typeface="Kalinga"/>
-        <a:font script="Mlym" typeface="Kartika"/>
-        <a:font script="Laoo" typeface="DokChampa"/>
-        <a:font script="Sinh" typeface="Iskoola Pota"/>
-        <a:font script="Mong" typeface="Mongolian Baiti"/>
-        <a:font script="Viet" typeface="Times New Roman"/>
-        <a:font script="Uigh" typeface="Microsoft Uighur"/>
-        <a:font script="Geor" typeface="Sylfaen"/>
-        <a:font script="Armn" typeface="Arial"/>
-        <a:font script="Bugi" typeface="Leelawadee UI"/>
-        <a:font script="Bopo" typeface="Microsoft JhengHei"/>
-        <a:font script="Java" typeface="Javanese Text"/>
-        <a:font script="Lisu" typeface="Segoe UI"/>
-        <a:font script="Mymr" typeface="Myanmar Text"/>
-        <a:font script="Nkoo" typeface="Ebrima"/>
-        <a:font script="Olck" typeface="Nirmala UI"/>
-        <a:font script="Osma" typeface="Ebrima"/>
-        <a:font script="Phag" typeface="Phagspa"/>
-        <a:font script="Syrn" typeface="Estrangelo Edessa"/>
-        <a:font script="Syrj" typeface="Estrangelo Edessa"/>
-        <a:font script="Syre" typeface="Estrangelo Edessa"/>
-        <a:font script="Sora" typeface="Nirmala UI"/>
-        <a:font script="Tale" typeface="Microsoft Tai Le"/>
-        <a:font script="Talu" typeface="Microsoft New Tai Lue"/>
-        <a:font script="Tfng" typeface="Ebrima"/>
-      </a:majorFont>
-      <a:minorFont>
-        <a:latin typeface="Calibri" panose="020F0502020204030204"/>
-        <a:ea typeface=""/>
-        <a:cs typeface=""/>
-        <a:font script="Jpan" typeface="游ゴシック"/>
-        <a:font script="Hang" typeface="맑은 고딕"/>
-        <a:font script="Hans" typeface="等线"/>
-        <a:font script="Hant" typeface="新細明體"/>
-        <a:font script="Arab" typeface="Arial"/>
-        <a:font script="Hebr" typeface="Arial"/>
-        <a:font script="Thai" typeface="Cordia New"/>
-        <a:font script="Ethi" typeface="Nyala"/>
-        <a:font script="Beng" typeface="Vrinda"/>
-        <a:font script="Gujr" typeface="Shruti"/>
-        <a:font script="Khmr" typeface="DaunPenh"/>
-        <a:font script="Knda" typeface="Tunga"/>
-        <a:font script="Guru" typeface="Raavi"/>
-        <a:font script="Cans" typeface="Euphemia"/>
-        <a:font script="Cher" typeface="Plantagenet Cherokee"/>
-        <a:font script="Yiii" typeface="Microsoft Yi Baiti"/>
-        <a:font script="Tibt" typeface="Microsoft Himalaya"/>
-        <a:font script="Thaa" typeface="MV Boli"/>
-        <a:font script="Deva" typeface="Mangal"/>
-        <a:font script="Telu" typeface="Gautami"/>
-        <a:font script="Taml" typeface="Latha"/>
-        <a:font script="Syrc" typeface="Estrangelo Edessa"/>
-        <a:font script="Orya" typeface="Kalinga"/>
-        <a:font script="Mlym" typeface="Kartika"/>
-        <a:font script="Laoo" typeface="DokChampa"/>
-        <a:font script="Sinh" typeface="Iskoola Pota"/>
-        <a:font script="Mong" typeface="Mongolian Baiti"/>
-        <a:font script="Viet" typeface="Arial"/>
-        <a:font script="Uigh" typeface="Microsoft Uighur"/>
-        <a:font script="Geor" typeface="Sylfaen"/>
-        <a:font script="Armn" typeface="Arial"/>
-        <a:font script="Bugi" typeface="Leelawadee UI"/>
-        <a:font script="Bopo" typeface="Microsoft JhengHei"/>
-        <a:font script="Java" typeface="Javanese Text"/>
-        <a:font script="Lisu" typeface="Segoe UI"/>
-        <a:font script="Mymr" typeface="Myanmar Text"/>
-        <a:font script="Nkoo" typeface="Ebrima"/>
-        <a:font script="Olck" typeface="Nirmala UI"/>
-        <a:font script="Osma" typeface="Ebrima"/>
-        <a:font script="Phag" typeface="Phagspa"/>
-        <a:font script="Syrn" typeface="Estrangelo Edessa"/>
-        <a:font script="Syrj" typeface="Estrangelo Edessa"/>
-        <a:font script="Syre" typeface="Estrangelo Edessa"/>
-        <a:font script="Sora" typeface="Nirmala UI"/>
-        <a:font script="Tale" typeface="Microsoft Tai Le"/>
-        <a:font script="Talu" typeface="Microsoft New Tai Lue"/>
-        <a:font script="Tfng" typeface="Ebrima"/>
-      </a:minorFont>
-    </a:fontScheme>
-    <a:fmtScheme name="Office">
-      <a:fillStyleLst>
-        <a:solidFill>
-          <a:schemeClr val="phClr"/>
-        </a:solidFill>
-        <a:gradFill rotWithShape="1">
-          <a:gsLst>
-            <a:gs pos="0">
-              <a:schemeClr val="phClr">
-                <a:lumMod val="110000"/>
-                <a:satMod val="105000"/>
-                <a:tint val="67000"/>
-              </a:schemeClr>
-            </a:gs>
-            <a:gs pos="50000">
-              <a:schemeClr val="phClr">
-                <a:lumMod val="105000"/>
-                <a:satMod val="103000"/>
-                <a:tint val="73000"/>
-              </a:schemeClr>
-            </a:gs>
-            <a:gs pos="100000">
-              <a:schemeClr val="phClr">
-                <a:lumMod val="105000"/>
-                <a:satMod val="109000"/>
-                <a:tint val="81000"/>
-              </a:schemeClr>
-            </a:gs>
-          </a:gsLst>
-          <a:lin ang="5400000" scaled="0"/>
-        </a:gradFill>
-        <a:gradFill rotWithShape="1">
-          <a:gsLst>
-            <a:gs pos="0">
-              <a:schemeClr val="phClr">
-                <a:satMod val="103000"/>
-                <a:lumMod val="102000"/>
-                <a:tint val="94000"/>
-              </a:schemeClr>
-            </a:gs>
-            <a:gs pos="50000">
-              <a:schemeClr val="phClr">
-                <a:satMod val="110000"/>
-                <a:lumMod val="100000"/>
-                <a:shade val="100000"/>
-              </a:schemeClr>
-            </a:gs>
-            <a:gs pos="100000">
-              <a:schemeClr val="phClr">
-                <a:lumMod val="99000"/>
-                <a:satMod val="120000"/>
-                <a:shade val="78000"/>
-              </a:schemeClr>
-            </a:gs>
-          </a:gsLst>
-          <a:lin ang="5400000" scaled="0"/>
-        </a:gradFill>
-      </a:fillStyleLst>
-      <a:lnStyleLst>
-        <a:ln w="6350" cap="flat" cmpd="sng" algn="ctr">
-          <a:solidFill>
-            <a:schemeClr val="phClr"/>
-          </a:solidFill>
-          <a:prstDash val="solid"/>
-          <a:miter lim="800000"/>
-        </a:ln>
-        <a:ln w="12700" cap="flat" cmpd="sng" algn="ctr">
-          <a:solidFill>
-            <a:schemeClr val="phClr"/>
-          </a:solidFill>
-          <a:prstDash val="solid"/>
-          <a:miter lim="800000"/>
-        </a:ln>
-        <a:ln w="19050" cap="flat" cmpd="sng" algn="ctr">
-          <a:solidFill>
-            <a:schemeClr val="phClr"/>
-          </a:solidFill>
-          <a:prstDash val="solid"/>
-          <a:miter lim="800000"/>
-        </a:ln>
-      </a:lnStyleLst>
-      <a:effectStyleLst>
-        <a:effectStyle>
-          <a:effectLst/>
-        </a:effectStyle>
-        <a:effectStyle>
-          <a:effectLst/>
-        </a:effectStyle>
-        <a:effectStyle>
-          <a:effectLst>
-            <a:outerShdw blurRad="57150" dist="19050" dir="5400000" algn="ctr" rotWithShape="0">
-              <a:srgbClr val="000000">
-                <a:alpha val="63000"/>
-              </a:srgbClr>
-            </a:outerShdw>
-          </a:effectLst>
-        </a:effectStyle>
-      </a:effectStyleLst>
-      <a:bgFillStyleLst>
-        <a:solidFill>
-          <a:schemeClr val="phClr"/>
-        </a:solidFill>
-        <a:solidFill>
-          <a:schemeClr val="phClr">
-            <a:tint val="95000"/>
-            <a:satMod val="170000"/>
-          </a:schemeClr>
-        </a:solidFill>
-        <a:gradFill rotWithShape="1">
-          <a:gsLst>
-            <a:gs pos="0">
-              <a:schemeClr val="phClr">
-                <a:tint val="93000"/>
-                <a:satMod val="150000"/>
-                <a:shade val="98000"/>
-                <a:lumMod val="102000"/>
-              </a:schemeClr>
-            </a:gs>
-            <a:gs pos="50000">
-              <a:schemeClr val="phClr">
-                <a:tint val="98000"/>
-                <a:satMod val="130000"/>
-                <a:shade val="90000"/>
-                <a:lumMod val="103000"/>
-              </a:schemeClr>
-            </a:gs>
-            <a:gs pos="100000">
-              <a:schemeClr val="phClr">
-                <a:shade val="63000"/>
-                <a:satMod val="120000"/>
-              </a:schemeClr>
-            </a:gs>
-          </a:gsLst>
-          <a:lin ang="5400000" scaled="0"/>
-        </a:gradFill>
-      </a:bgFillStyleLst>
-    </a:fmtScheme>
-  </a:themeElements>
-  <a:objectDefaults/>
-  <a:extraClrSchemeLst/>
-  <a:extLst>
-    <a:ext uri="{05A4C25C-085E-4340-85A3-A5531E510DB2}">
-      <thm15:themeFamily xmlns:thm15="http://schemas.microsoft.com/office/thememl/2012/main" name="Office Theme" id="{62F939B6-93AF-4DB8-9C6B-D6C7DFDC589F}" vid="{4A3C46E8-61CC-4603-A589-7422A47A8E4A}"/>
-    </a:ext>
-  </a:extLst>
 </a:theme>
 </file>